--- a/translations/en-us/intermediate/Debug.pptx
+++ b/translations/en-us/intermediate/Debug.pptx
@@ -2,29 +2,28 @@
 <file path=ppt/presentation.xml><?xml version="1.0" encoding="utf-8"?>
 <p:presentation xmlns:a="http://schemas.openxmlformats.org/drawingml/2006/main" xmlns:r="http://schemas.openxmlformats.org/officeDocument/2006/relationships" xmlns:p="http://schemas.openxmlformats.org/presentationml/2006/main" showSpecialPlsOnTitleSld="0" saveSubsetFonts="1">
   <p:sldMasterIdLst>
-    <p:sldMasterId id="2147483714" r:id="rId1"/>
+    <p:sldMasterId id="2147483726" r:id="rId1"/>
   </p:sldMasterIdLst>
   <p:notesMasterIdLst>
-    <p:notesMasterId r:id="rId16"/>
+    <p:notesMasterId r:id="rId15"/>
   </p:notesMasterIdLst>
   <p:handoutMasterIdLst>
-    <p:handoutMasterId r:id="rId17"/>
+    <p:handoutMasterId r:id="rId16"/>
   </p:handoutMasterIdLst>
   <p:sldIdLst>
-    <p:sldId id="371" r:id="rId2"/>
+    <p:sldId id="374" r:id="rId2"/>
     <p:sldId id="372" r:id="rId3"/>
     <p:sldId id="356" r:id="rId4"/>
     <p:sldId id="368" r:id="rId5"/>
-    <p:sldId id="362" r:id="rId6"/>
-    <p:sldId id="357" r:id="rId7"/>
-    <p:sldId id="363" r:id="rId8"/>
-    <p:sldId id="364" r:id="rId9"/>
-    <p:sldId id="365" r:id="rId10"/>
-    <p:sldId id="367" r:id="rId11"/>
-    <p:sldId id="369" r:id="rId12"/>
-    <p:sldId id="366" r:id="rId13"/>
-    <p:sldId id="373" r:id="rId14"/>
-    <p:sldId id="370" r:id="rId15"/>
+    <p:sldId id="375" r:id="rId6"/>
+    <p:sldId id="376" r:id="rId7"/>
+    <p:sldId id="377" r:id="rId8"/>
+    <p:sldId id="378" r:id="rId9"/>
+    <p:sldId id="379" r:id="rId10"/>
+    <p:sldId id="380" r:id="rId11"/>
+    <p:sldId id="381" r:id="rId12"/>
+    <p:sldId id="382" r:id="rId13"/>
+    <p:sldId id="370" r:id="rId14"/>
   </p:sldIdLst>
   <p:sldSz cx="9144000" cy="6858000" type="screen4x3"/>
   <p:notesSz cx="6858000" cy="9144000"/>
@@ -224,7 +223,7 @@
           <a:p>
             <a:fld id="{E00FA3B4-5499-9244-86B5-B0871A9DDD84}" type="datetimeFigureOut">
               <a:rPr lang="en-US" smtClean="0"/>
-              <a:t>6/29/2015</a:t>
+              <a:t>11/13/15</a:t>
             </a:fld>
             <a:endParaRPr lang="en-US"/>
           </a:p>
@@ -390,7 +389,7 @@
           <a:p>
             <a:fld id="{FD3EFF1E-85A1-6640-AFB9-C38833E80A84}" type="datetimeFigureOut">
               <a:rPr lang="en-US" smtClean="0"/>
-              <a:t>6/29/2015</a:t>
+              <a:t>11/13/15</a:t>
             </a:fld>
             <a:endParaRPr lang="en-US"/>
           </a:p>
@@ -724,91 +723,7 @@
           <a:p>
             <a:fld id="{13967457-1E83-1040-AFF7-8D09C473DBD5}" type="slidenum">
               <a:rPr lang="en-US" smtClean="0"/>
-              <a:t>1</a:t>
-            </a:fld>
-            <a:endParaRPr lang="en-US"/>
-          </a:p>
-        </p:txBody>
-      </p:sp>
-    </p:spTree>
-    <p:extLst>
-      <p:ext uri="{BB962C8B-B14F-4D97-AF65-F5344CB8AC3E}">
-        <p14:creationId xmlns:p14="http://schemas.microsoft.com/office/powerpoint/2010/main" val="3654622363"/>
-      </p:ext>
-    </p:extLst>
-  </p:cSld>
-  <p:clrMapOvr>
-    <a:masterClrMapping/>
-  </p:clrMapOvr>
-</p:notes>
-</file>
-
-<file path=ppt/notesSlides/notesSlide2.xml><?xml version="1.0" encoding="utf-8"?>
-<p:notes xmlns:a="http://schemas.openxmlformats.org/drawingml/2006/main" xmlns:r="http://schemas.openxmlformats.org/officeDocument/2006/relationships" xmlns:p="http://schemas.openxmlformats.org/presentationml/2006/main">
-  <p:cSld>
-    <p:spTree>
-      <p:nvGrpSpPr>
-        <p:cNvPr id="1" name=""/>
-        <p:cNvGrpSpPr/>
-        <p:nvPr/>
-      </p:nvGrpSpPr>
-      <p:grpSpPr>
-        <a:xfrm>
-          <a:off x="0" y="0"/>
-          <a:ext cx="0" cy="0"/>
-          <a:chOff x="0" y="0"/>
-          <a:chExt cx="0" cy="0"/>
-        </a:xfrm>
-      </p:grpSpPr>
-      <p:sp>
-        <p:nvSpPr>
-          <p:cNvPr id="2" name="Slide Image Placeholder 1"/>
-          <p:cNvSpPr>
-            <a:spLocks noGrp="1" noRot="1" noChangeAspect="1"/>
-          </p:cNvSpPr>
-          <p:nvPr>
-            <p:ph type="sldImg"/>
-          </p:nvPr>
-        </p:nvSpPr>
-        <p:spPr/>
-      </p:sp>
-      <p:sp>
-        <p:nvSpPr>
-          <p:cNvPr id="3" name="Notes Placeholder 2"/>
-          <p:cNvSpPr>
-            <a:spLocks noGrp="1"/>
-          </p:cNvSpPr>
-          <p:nvPr>
-            <p:ph type="body" idx="1"/>
-          </p:nvPr>
-        </p:nvSpPr>
-        <p:spPr/>
-        <p:txBody>
-          <a:bodyPr/>
-          <a:lstStyle/>
-          <a:p>
-            <a:endParaRPr lang="en-US"/>
-          </a:p>
-        </p:txBody>
-      </p:sp>
-      <p:sp>
-        <p:nvSpPr>
-          <p:cNvPr id="4" name="Slide Number Placeholder 3"/>
-          <p:cNvSpPr>
-            <a:spLocks noGrp="1"/>
-          </p:cNvSpPr>
-          <p:nvPr>
-            <p:ph type="sldNum" sz="quarter" idx="10"/>
-          </p:nvPr>
-        </p:nvSpPr>
-        <p:spPr/>
-        <p:txBody>
-          <a:bodyPr/>
-          <a:lstStyle/>
-          <a:p>
-            <a:fld id="{13967457-1E83-1040-AFF7-8D09C473DBD5}" type="slidenum">
-              <a:rPr lang="en-US" smtClean="0"/>
-              <a:t>14</a:t>
+              <a:t>13</a:t>
             </a:fld>
             <a:endParaRPr lang="en-US"/>
           </a:p>
@@ -846,225 +761,20 @@
       </p:grpSpPr>
       <p:sp>
         <p:nvSpPr>
-          <p:cNvPr id="2" name="Title 1"/>
-          <p:cNvSpPr>
-            <a:spLocks noGrp="1"/>
-          </p:cNvSpPr>
-          <p:nvPr>
-            <p:ph type="ctrTitle"/>
-          </p:nvPr>
-        </p:nvSpPr>
-        <p:spPr>
-          <a:xfrm>
-            <a:off x="457200" y="228600"/>
-            <a:ext cx="7772400" cy="4571999"/>
-          </a:xfrm>
-        </p:spPr>
-        <p:txBody>
-          <a:bodyPr anchor="ctr">
-            <a:noAutofit/>
-          </a:bodyPr>
-          <a:lstStyle>
-            <a:lvl1pPr>
-              <a:lnSpc>
-                <a:spcPct val="100000"/>
-              </a:lnSpc>
-              <a:defRPr sz="8800" spc="-80" baseline="0">
-                <a:solidFill>
-                  <a:schemeClr val="tx1"/>
-                </a:solidFill>
-              </a:defRPr>
-            </a:lvl1pPr>
-          </a:lstStyle>
-          <a:p>
-            <a:r>
-              <a:rPr lang="en-US" smtClean="0"/>
-              <a:t>Click to edit Master title style</a:t>
-            </a:r>
-            <a:endParaRPr lang="en-US" dirty="0"/>
-          </a:p>
-        </p:txBody>
-      </p:sp>
-      <p:sp>
-        <p:nvSpPr>
-          <p:cNvPr id="3" name="Subtitle 2"/>
-          <p:cNvSpPr>
-            <a:spLocks noGrp="1"/>
-          </p:cNvSpPr>
-          <p:nvPr>
-            <p:ph type="subTitle" idx="1"/>
-          </p:nvPr>
-        </p:nvSpPr>
-        <p:spPr>
-          <a:xfrm>
-            <a:off x="457200" y="4800600"/>
-            <a:ext cx="6858000" cy="914400"/>
-          </a:xfrm>
-        </p:spPr>
-        <p:txBody>
-          <a:bodyPr/>
-          <a:lstStyle>
-            <a:lvl1pPr marL="0" indent="0" algn="l">
-              <a:buNone/>
-              <a:defRPr b="0" cap="all" spc="120" baseline="0">
-                <a:solidFill>
-                  <a:schemeClr val="tx2"/>
-                </a:solidFill>
-                <a:latin typeface="+mj-lt"/>
-              </a:defRPr>
-            </a:lvl1pPr>
-            <a:lvl2pPr marL="457200" indent="0" algn="ctr">
-              <a:buNone/>
-              <a:defRPr>
-                <a:solidFill>
-                  <a:schemeClr val="tx1">
-                    <a:tint val="75000"/>
-                  </a:schemeClr>
-                </a:solidFill>
-              </a:defRPr>
-            </a:lvl2pPr>
-            <a:lvl3pPr marL="914400" indent="0" algn="ctr">
-              <a:buNone/>
-              <a:defRPr>
-                <a:solidFill>
-                  <a:schemeClr val="tx1">
-                    <a:tint val="75000"/>
-                  </a:schemeClr>
-                </a:solidFill>
-              </a:defRPr>
-            </a:lvl3pPr>
-            <a:lvl4pPr marL="1371600" indent="0" algn="ctr">
-              <a:buNone/>
-              <a:defRPr>
-                <a:solidFill>
-                  <a:schemeClr val="tx1">
-                    <a:tint val="75000"/>
-                  </a:schemeClr>
-                </a:solidFill>
-              </a:defRPr>
-            </a:lvl4pPr>
-            <a:lvl5pPr marL="1828800" indent="0" algn="ctr">
-              <a:buNone/>
-              <a:defRPr>
-                <a:solidFill>
-                  <a:schemeClr val="tx1">
-                    <a:tint val="75000"/>
-                  </a:schemeClr>
-                </a:solidFill>
-              </a:defRPr>
-            </a:lvl5pPr>
-            <a:lvl6pPr marL="2286000" indent="0" algn="ctr">
-              <a:buNone/>
-              <a:defRPr>
-                <a:solidFill>
-                  <a:schemeClr val="tx1">
-                    <a:tint val="75000"/>
-                  </a:schemeClr>
-                </a:solidFill>
-              </a:defRPr>
-            </a:lvl6pPr>
-            <a:lvl7pPr marL="2743200" indent="0" algn="ctr">
-              <a:buNone/>
-              <a:defRPr>
-                <a:solidFill>
-                  <a:schemeClr val="tx1">
-                    <a:tint val="75000"/>
-                  </a:schemeClr>
-                </a:solidFill>
-              </a:defRPr>
-            </a:lvl7pPr>
-            <a:lvl8pPr marL="3200400" indent="0" algn="ctr">
-              <a:buNone/>
-              <a:defRPr>
-                <a:solidFill>
-                  <a:schemeClr val="tx1">
-                    <a:tint val="75000"/>
-                  </a:schemeClr>
-                </a:solidFill>
-              </a:defRPr>
-            </a:lvl8pPr>
-            <a:lvl9pPr marL="3657600" indent="0" algn="ctr">
-              <a:buNone/>
-              <a:defRPr>
-                <a:solidFill>
-                  <a:schemeClr val="tx1">
-                    <a:tint val="75000"/>
-                  </a:schemeClr>
-                </a:solidFill>
-              </a:defRPr>
-            </a:lvl9pPr>
-          </a:lstStyle>
-          <a:p>
-            <a:r>
-              <a:rPr lang="en-US" smtClean="0"/>
-              <a:t>Click to edit Master subtitle style</a:t>
-            </a:r>
-            <a:endParaRPr lang="en-US" dirty="0"/>
-          </a:p>
-        </p:txBody>
-      </p:sp>
-      <p:sp>
-        <p:nvSpPr>
-          <p:cNvPr id="4" name="Date Placeholder 3"/>
-          <p:cNvSpPr>
-            <a:spLocks noGrp="1"/>
-          </p:cNvSpPr>
-          <p:nvPr>
-            <p:ph type="dt" sz="half" idx="10"/>
-          </p:nvPr>
-        </p:nvSpPr>
-        <p:spPr/>
-        <p:txBody>
-          <a:bodyPr/>
-          <a:lstStyle/>
-          <a:p>
-            <a:fld id="{9D04D1FF-9002-4F4E-A83A-21E2A864CF70}" type="datetime1">
-              <a:rPr lang="en-US" smtClean="0"/>
-              <a:t>6/29/2015</a:t>
-            </a:fld>
-            <a:endParaRPr lang="en-US"/>
-          </a:p>
-        </p:txBody>
-      </p:sp>
-      <p:sp>
-        <p:nvSpPr>
-          <p:cNvPr id="5" name="Footer Placeholder 4"/>
-          <p:cNvSpPr>
-            <a:spLocks noGrp="1"/>
-          </p:cNvSpPr>
-          <p:nvPr>
-            <p:ph type="ftr" sz="quarter" idx="11"/>
-          </p:nvPr>
-        </p:nvSpPr>
-        <p:spPr/>
-        <p:txBody>
-          <a:bodyPr/>
-          <a:lstStyle/>
-          <a:p>
-            <a:r>
-              <a:rPr lang="en-US" smtClean="0"/>
-              <a:t>© 2015, EV3Lessons.com, (last edit 4/5/2015)</a:t>
-            </a:r>
-            <a:endParaRPr lang="en-US"/>
-          </a:p>
-        </p:txBody>
-      </p:sp>
-      <p:sp>
-        <p:nvSpPr>
-          <p:cNvPr id="9" name="Rectangle 8"/>
+          <p:cNvPr id="7" name="Rectangle 6"/>
           <p:cNvSpPr/>
           <p:nvPr/>
         </p:nvSpPr>
         <p:spPr>
           <a:xfrm>
-            <a:off x="9001124" y="4846320"/>
-            <a:ext cx="142876" cy="2011680"/>
+            <a:off x="2382" y="6400800"/>
+            <a:ext cx="9141619" cy="457200"/>
           </a:xfrm>
           <a:prstGeom prst="rect">
             <a:avLst/>
           </a:prstGeom>
           <a:solidFill>
-            <a:srgbClr val="0000FF"/>
+            <a:srgbClr val="0070C0"/>
           </a:solidFill>
           <a:ln>
             <a:noFill/>
@@ -1086,35 +796,249 @@
             <a:schemeClr val="lt1"/>
           </a:fontRef>
         </p:style>
-        <p:txBody>
-          <a:bodyPr rtlCol="0" anchor="ctr"/>
-          <a:lstStyle/>
-          <a:p>
-            <a:pPr algn="ctr"/>
-            <a:endParaRPr lang="en-US">
-              <a:solidFill>
-                <a:schemeClr val="tx1"/>
-              </a:solidFill>
-            </a:endParaRPr>
-          </a:p>
-        </p:txBody>
-      </p:sp>
+      </p:sp>
+      <p:sp>
+        <p:nvSpPr>
+          <p:cNvPr id="2" name="Title 1"/>
+          <p:cNvSpPr>
+            <a:spLocks noGrp="1"/>
+          </p:cNvSpPr>
+          <p:nvPr>
+            <p:ph type="ctrTitle" hasCustomPrompt="1"/>
+          </p:nvPr>
+        </p:nvSpPr>
+        <p:spPr>
+          <a:xfrm>
+            <a:off x="373553" y="471740"/>
+            <a:ext cx="4857665" cy="2001435"/>
+          </a:xfrm>
+          <a:ln>
+            <a:noFill/>
+          </a:ln>
+        </p:spPr>
+        <p:txBody>
+          <a:bodyPr anchor="b">
+            <a:normAutofit/>
+          </a:bodyPr>
+          <a:lstStyle>
+            <a:lvl1pPr algn="l">
+              <a:lnSpc>
+                <a:spcPct val="85000"/>
+              </a:lnSpc>
+              <a:defRPr sz="5400" spc="-50" baseline="0">
+                <a:solidFill>
+                  <a:schemeClr val="tx1">
+                    <a:lumMod val="85000"/>
+                    <a:lumOff val="15000"/>
+                  </a:schemeClr>
+                </a:solidFill>
+              </a:defRPr>
+            </a:lvl1pPr>
+          </a:lstStyle>
+          <a:p>
+            <a:r>
+              <a:rPr lang="en-US" dirty="0" smtClean="0"/>
+              <a:t>INTERMEDIATE PROGRAMMING LESSON</a:t>
+            </a:r>
+            <a:endParaRPr lang="en-US" dirty="0"/>
+          </a:p>
+        </p:txBody>
+      </p:sp>
+      <p:sp>
+        <p:nvSpPr>
+          <p:cNvPr id="3" name="Subtitle 2"/>
+          <p:cNvSpPr>
+            <a:spLocks noGrp="1"/>
+          </p:cNvSpPr>
+          <p:nvPr>
+            <p:ph type="subTitle" idx="1"/>
+          </p:nvPr>
+        </p:nvSpPr>
+        <p:spPr>
+          <a:xfrm>
+            <a:off x="1548051" y="3452894"/>
+            <a:ext cx="6004883" cy="401411"/>
+          </a:xfrm>
+        </p:spPr>
+        <p:txBody>
+          <a:bodyPr lIns="91440" rIns="91440">
+            <a:normAutofit/>
+          </a:bodyPr>
+          <a:lstStyle>
+            <a:lvl1pPr marL="0" indent="0" algn="ctr">
+              <a:buNone/>
+              <a:defRPr sz="2400" cap="all" spc="200" baseline="0">
+                <a:solidFill>
+                  <a:schemeClr val="tx2"/>
+                </a:solidFill>
+                <a:latin typeface="+mj-lt"/>
+              </a:defRPr>
+            </a:lvl1pPr>
+            <a:lvl2pPr marL="457200" indent="0" algn="ctr">
+              <a:buNone/>
+              <a:defRPr sz="2400"/>
+            </a:lvl2pPr>
+            <a:lvl3pPr marL="914400" indent="0" algn="ctr">
+              <a:buNone/>
+              <a:defRPr sz="2400"/>
+            </a:lvl3pPr>
+            <a:lvl4pPr marL="1371600" indent="0" algn="ctr">
+              <a:buNone/>
+              <a:defRPr sz="2000"/>
+            </a:lvl4pPr>
+            <a:lvl5pPr marL="1828800" indent="0" algn="ctr">
+              <a:buNone/>
+              <a:defRPr sz="2000"/>
+            </a:lvl5pPr>
+            <a:lvl6pPr marL="2286000" indent="0" algn="ctr">
+              <a:buNone/>
+              <a:defRPr sz="2000"/>
+            </a:lvl6pPr>
+            <a:lvl7pPr marL="2743200" indent="0" algn="ctr">
+              <a:buNone/>
+              <a:defRPr sz="2000"/>
+            </a:lvl7pPr>
+            <a:lvl8pPr marL="3200400" indent="0" algn="ctr">
+              <a:buNone/>
+              <a:defRPr sz="2000"/>
+            </a:lvl8pPr>
+            <a:lvl9pPr marL="3657600" indent="0" algn="ctr">
+              <a:buNone/>
+              <a:defRPr sz="2000"/>
+            </a:lvl9pPr>
+          </a:lstStyle>
+          <a:p>
+            <a:r>
+              <a:rPr lang="en-US" dirty="0" smtClean="0"/>
+              <a:t>Click to edit Master subtitle style</a:t>
+            </a:r>
+            <a:endParaRPr lang="en-US" dirty="0"/>
+          </a:p>
+        </p:txBody>
+      </p:sp>
+      <p:sp>
+        <p:nvSpPr>
+          <p:cNvPr id="4" name="Date Placeholder 3"/>
+          <p:cNvSpPr>
+            <a:spLocks noGrp="1"/>
+          </p:cNvSpPr>
+          <p:nvPr>
+            <p:ph type="dt" sz="half" idx="10"/>
+          </p:nvPr>
+        </p:nvSpPr>
+        <p:spPr/>
+        <p:txBody>
+          <a:bodyPr/>
+          <a:lstStyle/>
+          <a:p>
+            <a:fld id="{6B13CFBD-0392-DF42-9C65-6D1DE0580181}" type="datetime1">
+              <a:rPr lang="en-US" smtClean="0"/>
+              <a:t>11/13/15</a:t>
+            </a:fld>
+            <a:endParaRPr lang="en-US"/>
+          </a:p>
+        </p:txBody>
+      </p:sp>
+      <p:sp>
+        <p:nvSpPr>
+          <p:cNvPr id="5" name="Footer Placeholder 4"/>
+          <p:cNvSpPr>
+            <a:spLocks noGrp="1"/>
+          </p:cNvSpPr>
+          <p:nvPr>
+            <p:ph type="ftr" sz="quarter" idx="11"/>
+          </p:nvPr>
+        </p:nvSpPr>
+        <p:spPr/>
+        <p:txBody>
+          <a:bodyPr/>
+          <a:lstStyle/>
+          <a:p>
+            <a:r>
+              <a:rPr lang="sk-SK" smtClean="0"/>
+              <a:t>© 2015 EV3Lessons.com, Last edit 11/13/2015</a:t>
+            </a:r>
+            <a:endParaRPr lang="en-US"/>
+          </a:p>
+        </p:txBody>
+      </p:sp>
+      <p:sp>
+        <p:nvSpPr>
+          <p:cNvPr id="6" name="Slide Number Placeholder 5"/>
+          <p:cNvSpPr>
+            <a:spLocks noGrp="1"/>
+          </p:cNvSpPr>
+          <p:nvPr>
+            <p:ph type="sldNum" sz="quarter" idx="12"/>
+          </p:nvPr>
+        </p:nvSpPr>
+        <p:spPr/>
+        <p:txBody>
+          <a:bodyPr/>
+          <a:lstStyle/>
+          <a:p>
+            <a:fld id="{7F5CE407-6216-4202-80E4-A30DC2F709B2}" type="slidenum">
+              <a:rPr lang="en-US" smtClean="0"/>
+              <a:t>‹#›</a:t>
+            </a:fld>
+            <a:endParaRPr lang="en-US"/>
+          </a:p>
+        </p:txBody>
+      </p:sp>
+      <p:cxnSp>
+        <p:nvCxnSpPr>
+          <p:cNvPr id="9" name="Straight Connector 8"/>
+          <p:cNvCxnSpPr/>
+          <p:nvPr/>
+        </p:nvCxnSpPr>
+        <p:spPr>
+          <a:xfrm>
+            <a:off x="905744" y="3854305"/>
+            <a:ext cx="7406640" cy="0"/>
+          </a:xfrm>
+          <a:prstGeom prst="line">
+            <a:avLst/>
+          </a:prstGeom>
+          <a:ln w="6350">
+            <a:solidFill>
+              <a:schemeClr val="tx1">
+                <a:lumMod val="50000"/>
+                <a:lumOff val="50000"/>
+              </a:schemeClr>
+            </a:solidFill>
+          </a:ln>
+        </p:spPr>
+        <p:style>
+          <a:lnRef idx="1">
+            <a:schemeClr val="accent1"/>
+          </a:lnRef>
+          <a:fillRef idx="0">
+            <a:schemeClr val="accent1"/>
+          </a:fillRef>
+          <a:effectRef idx="0">
+            <a:schemeClr val="accent1"/>
+          </a:effectRef>
+          <a:fontRef idx="minor">
+            <a:schemeClr val="tx1"/>
+          </a:fontRef>
+        </p:style>
+      </p:cxnSp>
       <p:sp>
         <p:nvSpPr>
           <p:cNvPr id="10" name="Rectangle 9"/>
           <p:cNvSpPr/>
-          <p:nvPr/>
+          <p:nvPr userDrawn="1"/>
         </p:nvSpPr>
         <p:spPr>
           <a:xfrm>
-            <a:off x="9001124" y="0"/>
-            <a:ext cx="142876" cy="4846320"/>
+            <a:off x="0" y="6334315"/>
+            <a:ext cx="4487333" cy="92382"/>
           </a:xfrm>
           <a:prstGeom prst="rect">
             <a:avLst/>
           </a:prstGeom>
           <a:solidFill>
-            <a:srgbClr val="FF0000"/>
+            <a:srgbClr val="00B050"/>
           </a:solidFill>
           <a:ln>
             <a:noFill/>
@@ -1136,31 +1060,23 @@
             <a:schemeClr val="lt1"/>
           </a:fontRef>
         </p:style>
-        <p:txBody>
-          <a:bodyPr rtlCol="0" anchor="ctr"/>
-          <a:lstStyle/>
-          <a:p>
-            <a:pPr algn="ctr"/>
-            <a:endParaRPr lang="en-US"/>
-          </a:p>
-        </p:txBody>
-      </p:sp>
-      <p:sp>
-        <p:nvSpPr>
-          <p:cNvPr id="12" name="Rectangle 11"/>
+      </p:sp>
+      <p:sp>
+        <p:nvSpPr>
+          <p:cNvPr id="11" name="Rectangle 10"/>
           <p:cNvSpPr/>
           <p:nvPr userDrawn="1"/>
         </p:nvSpPr>
         <p:spPr>
           <a:xfrm>
-            <a:off x="8996106" y="2895600"/>
-            <a:ext cx="147895" cy="3962400"/>
+            <a:off x="4487333" y="6334315"/>
+            <a:ext cx="4656667" cy="92382"/>
           </a:xfrm>
           <a:prstGeom prst="rect">
             <a:avLst/>
           </a:prstGeom>
           <a:solidFill>
-            <a:srgbClr val="92D050"/>
+            <a:srgbClr val="7030A0"/>
           </a:solidFill>
           <a:ln>
             <a:noFill/>
@@ -1185,81 +1101,115 @@
       </p:sp>
       <p:sp>
         <p:nvSpPr>
-          <p:cNvPr id="13" name="Rectangle 12"/>
-          <p:cNvSpPr/>
+          <p:cNvPr id="13" name="TextBox 12"/>
+          <p:cNvSpPr txBox="1"/>
           <p:nvPr userDrawn="1"/>
         </p:nvSpPr>
         <p:spPr>
           <a:xfrm>
-            <a:off x="8959042" y="0"/>
-            <a:ext cx="184958" cy="2895600"/>
+            <a:off x="1481621" y="5931894"/>
+            <a:ext cx="2391085" cy="369332"/>
           </a:xfrm>
           <a:prstGeom prst="rect">
             <a:avLst/>
           </a:prstGeom>
-          <a:solidFill>
-            <a:srgbClr val="7030A0"/>
-          </a:solidFill>
-          <a:ln>
-            <a:noFill/>
-          </a:ln>
-        </p:spPr>
-        <p:style>
-          <a:lnRef idx="2">
-            <a:schemeClr val="accent1">
-              <a:shade val="50000"/>
-            </a:schemeClr>
-          </a:lnRef>
-          <a:fillRef idx="1">
-            <a:schemeClr val="accent1"/>
-          </a:fillRef>
-          <a:effectRef idx="0">
-            <a:schemeClr val="accent1"/>
-          </a:effectRef>
-          <a:fontRef idx="minor">
-            <a:schemeClr val="lt1"/>
-          </a:fontRef>
-        </p:style>
-      </p:sp>
-      <p:sp>
-        <p:nvSpPr>
-          <p:cNvPr id="14" name="Rectangle 13"/>
-          <p:cNvSpPr/>
+          <a:noFill/>
+        </p:spPr>
+        <p:txBody>
+          <a:bodyPr wrap="square" rtlCol="0">
+            <a:spAutoFit/>
+          </a:bodyPr>
+          <a:lstStyle/>
+          <a:p>
+            <a:r>
+              <a:rPr lang="en-US" dirty="0" smtClean="0"/>
+              <a:t>By </a:t>
+            </a:r>
+            <a:r>
+              <a:rPr lang="en-US" smtClean="0"/>
+              <a:t>Droids Robotics</a:t>
+            </a:r>
+            <a:endParaRPr lang="en-US"/>
+          </a:p>
+        </p:txBody>
+      </p:sp>
+      <p:pic>
+        <p:nvPicPr>
+          <p:cNvPr id="14" name="Picture 13"/>
+          <p:cNvPicPr>
+            <a:picLocks noChangeAspect="1"/>
+          </p:cNvPicPr>
           <p:nvPr userDrawn="1"/>
-        </p:nvSpPr>
+        </p:nvPicPr>
+        <p:blipFill>
+          <a:blip r:embed="rId2">
+            <a:extLst>
+              <a:ext uri="{28A0092B-C50C-407E-A947-70E740481C1C}">
+                <a14:useLocalDpi xmlns:a14="http://schemas.microsoft.com/office/drawing/2010/main" val="0"/>
+              </a:ext>
+            </a:extLst>
+          </a:blip>
+          <a:stretch>
+            <a:fillRect/>
+          </a:stretch>
+        </p:blipFill>
         <p:spPr>
           <a:xfrm>
-            <a:off x="8913670" y="-4618"/>
-            <a:ext cx="91440" cy="6862617"/>
+            <a:off x="164036" y="4938756"/>
+            <a:ext cx="1317585" cy="1260490"/>
           </a:xfrm>
           <a:prstGeom prst="rect">
             <a:avLst/>
           </a:prstGeom>
-          <a:solidFill>
-            <a:srgbClr val="0070C0"/>
-          </a:solidFill>
-          <a:ln>
-            <a:noFill/>
-          </a:ln>
-        </p:spPr>
-        <p:style>
-          <a:lnRef idx="2">
-            <a:schemeClr val="accent1">
-              <a:shade val="50000"/>
-            </a:schemeClr>
-          </a:lnRef>
-          <a:fillRef idx="1">
-            <a:schemeClr val="accent1"/>
-          </a:fillRef>
-          <a:effectRef idx="0">
-            <a:schemeClr val="accent1"/>
-          </a:effectRef>
-          <a:fontRef idx="minor">
-            <a:schemeClr val="lt1"/>
-          </a:fontRef>
-        </p:style>
-      </p:sp>
+        </p:spPr>
+      </p:pic>
+      <p:pic>
+        <p:nvPicPr>
+          <p:cNvPr id="15" name="Picture 14" descr="EV3Lessons.com"/>
+          <p:cNvPicPr>
+            <a:picLocks noChangeAspect="1" noChangeArrowheads="1"/>
+          </p:cNvPicPr>
+          <p:nvPr userDrawn="1"/>
+        </p:nvPicPr>
+        <p:blipFill>
+          <a:blip r:embed="rId3" cstate="email">
+            <a:extLst>
+              <a:ext uri="{28A0092B-C50C-407E-A947-70E740481C1C}">
+                <a14:useLocalDpi xmlns:a14="http://schemas.microsoft.com/office/drawing/2010/main" val="0"/>
+              </a:ext>
+            </a:extLst>
+          </a:blip>
+          <a:srcRect/>
+          <a:stretch>
+            <a:fillRect/>
+          </a:stretch>
+        </p:blipFill>
+        <p:spPr bwMode="auto">
+          <a:xfrm>
+            <a:off x="5422605" y="409394"/>
+            <a:ext cx="3487140" cy="1295224"/>
+          </a:xfrm>
+          <a:prstGeom prst="rect">
+            <a:avLst/>
+          </a:prstGeom>
+          <a:noFill/>
+          <a:extLst>
+            <a:ext uri="{909E8E84-426E-40dd-AFC4-6F175D3DCCD1}">
+              <a14:hiddenFill xmlns:a14="http://schemas.microsoft.com/office/drawing/2010/main" xmlns="">
+                <a:solidFill>
+                  <a:srgbClr val="FFFFFF"/>
+                </a:solidFill>
+              </a14:hiddenFill>
+            </a:ext>
+          </a:extLst>
+        </p:spPr>
+      </p:pic>
     </p:spTree>
+    <p:extLst>
+      <p:ext uri="{BB962C8B-B14F-4D97-AF65-F5344CB8AC3E}">
+        <p14:creationId xmlns:p14="http://schemas.microsoft.com/office/powerpoint/2010/main" val="260884707"/>
+      </p:ext>
+    </p:extLst>
   </p:cSld>
   <p:clrMapOvr>
     <a:masterClrMapping/>
@@ -1303,7 +1253,7 @@
               <a:rPr lang="en-US" smtClean="0"/>
               <a:t>Click to edit Master title style</a:t>
             </a:r>
-            <a:endParaRPr lang="en-US"/>
+            <a:endParaRPr lang="en-US" dirty="0"/>
           </a:p>
         </p:txBody>
       </p:sp>
@@ -1319,7 +1269,7 @@
         </p:nvSpPr>
         <p:spPr/>
         <p:txBody>
-          <a:bodyPr vert="eaVert"/>
+          <a:bodyPr vert="eaVert" lIns="45720" tIns="0" rIns="45720" bIns="0"/>
           <a:lstStyle/>
           <a:p>
             <a:pPr lvl="0"/>
@@ -1355,7 +1305,7 @@
               <a:rPr lang="en-US" smtClean="0"/>
               <a:t>Fifth level</a:t>
             </a:r>
-            <a:endParaRPr lang="en-US"/>
+            <a:endParaRPr lang="en-US" dirty="0"/>
           </a:p>
         </p:txBody>
       </p:sp>
@@ -1374,9 +1324,9 @@
           <a:bodyPr/>
           <a:lstStyle/>
           <a:p>
-            <a:fld id="{B21C251D-040E-184E-844C-3F3277749783}" type="datetime1">
-              <a:rPr lang="en-US" smtClean="0"/>
-              <a:t>6/29/2015</a:t>
+            <a:fld id="{BF0F175E-9EAC-E14B-B7AC-8C8F25EC1DAA}" type="datetime1">
+              <a:rPr lang="en-US" smtClean="0"/>
+              <a:t>11/13/15</a:t>
             </a:fld>
             <a:endParaRPr lang="en-US"/>
           </a:p>
@@ -1398,8 +1348,8 @@
           <a:lstStyle/>
           <a:p>
             <a:r>
-              <a:rPr lang="en-US" smtClean="0"/>
-              <a:t>© 2015, EV3Lessons.com, (last edit 4/5/2015)</a:t>
+              <a:rPr lang="sk-SK" smtClean="0"/>
+              <a:t>© 2015 EV3Lessons.com, Last edit 11/13/2015</a:t>
             </a:r>
             <a:endParaRPr lang="en-US"/>
           </a:p>
@@ -1407,44 +1357,33 @@
       </p:sp>
       <p:sp>
         <p:nvSpPr>
-          <p:cNvPr id="7" name="Slide Number Placeholder 5"/>
-          <p:cNvSpPr>
-            <a:spLocks noGrp="1"/>
-          </p:cNvSpPr>
-          <p:nvPr>
-            <p:ph type="sldNum" sz="quarter" idx="4"/>
-          </p:nvPr>
-        </p:nvSpPr>
-        <p:spPr>
-          <a:xfrm>
-            <a:off x="8343263" y="6417660"/>
-            <a:ext cx="657861" cy="365125"/>
-          </a:xfrm>
-          <a:prstGeom prst="rect">
-            <a:avLst/>
-          </a:prstGeom>
-        </p:spPr>
-        <p:txBody>
-          <a:bodyPr vert="horz" lIns="91440" tIns="45720" rIns="91440" bIns="45720" rtlCol="0" anchor="ctr"/>
-          <a:lstStyle>
-            <a:lvl1pPr algn="l">
-              <a:defRPr sz="2400" b="1">
-                <a:solidFill>
-                  <a:schemeClr val="tx2"/>
-                </a:solidFill>
-              </a:defRPr>
-            </a:lvl1pPr>
-          </a:lstStyle>
-          <a:p>
-            <a:fld id="{4DBC7FC8-25FB-FC45-8177-2B991DA6778C}" type="slidenum">
+          <p:cNvPr id="6" name="Slide Number Placeholder 5"/>
+          <p:cNvSpPr>
+            <a:spLocks noGrp="1"/>
+          </p:cNvSpPr>
+          <p:nvPr>
+            <p:ph type="sldNum" sz="quarter" idx="12"/>
+          </p:nvPr>
+        </p:nvSpPr>
+        <p:spPr/>
+        <p:txBody>
+          <a:bodyPr/>
+          <a:lstStyle/>
+          <a:p>
+            <a:fld id="{4382A7F7-08BF-4252-8141-63FB96055BBB}" type="slidenum">
               <a:rPr lang="en-US" smtClean="0"/>
               <a:t>‹#›</a:t>
             </a:fld>
-            <a:endParaRPr lang="en-US" dirty="0"/>
+            <a:endParaRPr lang="en-US"/>
           </a:p>
         </p:txBody>
       </p:sp>
     </p:spTree>
+    <p:extLst>
+      <p:ext uri="{BB962C8B-B14F-4D97-AF65-F5344CB8AC3E}">
+        <p14:creationId xmlns:p14="http://schemas.microsoft.com/office/powerpoint/2010/main" val="116236070"/>
+      </p:ext>
+    </p:extLst>
   </p:cSld>
   <p:clrMapOvr>
     <a:masterClrMapping/>
@@ -1453,7 +1392,7 @@
 </file>
 
 <file path=ppt/slideLayouts/slideLayout11.xml><?xml version="1.0" encoding="utf-8"?>
-<p:sldLayout xmlns:a="http://schemas.openxmlformats.org/drawingml/2006/main" xmlns:r="http://schemas.openxmlformats.org/officeDocument/2006/relationships" xmlns:p="http://schemas.openxmlformats.org/presentationml/2006/main" type="vertTitleAndTx" preserve="1">
+<p:sldLayout xmlns:a="http://schemas.openxmlformats.org/drawingml/2006/main" xmlns:r="http://schemas.openxmlformats.org/officeDocument/2006/relationships" xmlns:p="http://schemas.openxmlformats.org/presentationml/2006/main" showMasterSp="0" type="vertTitleAndTx" preserve="1">
   <p:cSld name="Vertical Title and Text">
     <p:spTree>
       <p:nvGrpSpPr>
@@ -1471,159 +1410,227 @@
       </p:grpSpPr>
       <p:sp>
         <p:nvSpPr>
-          <p:cNvPr id="2" name="Vertical Title 1"/>
-          <p:cNvSpPr>
-            <a:spLocks noGrp="1"/>
-          </p:cNvSpPr>
-          <p:nvPr>
-            <p:ph type="title" orient="vert"/>
-          </p:nvPr>
+          <p:cNvPr id="7" name="Rectangle 6"/>
+          <p:cNvSpPr/>
+          <p:nvPr/>
         </p:nvSpPr>
         <p:spPr>
           <a:xfrm>
-            <a:off x="6629400" y="274638"/>
-            <a:ext cx="2057400" cy="5851525"/>
-          </a:xfrm>
-        </p:spPr>
-        <p:txBody>
-          <a:bodyPr vert="eaVert"/>
-          <a:lstStyle/>
-          <a:p>
-            <a:r>
-              <a:rPr lang="en-US" smtClean="0"/>
-              <a:t>Click to edit Master title style</a:t>
-            </a:r>
-            <a:endParaRPr lang="en-US"/>
-          </a:p>
-        </p:txBody>
-      </p:sp>
-      <p:sp>
-        <p:nvSpPr>
-          <p:cNvPr id="3" name="Vertical Text Placeholder 2"/>
-          <p:cNvSpPr>
-            <a:spLocks noGrp="1"/>
-          </p:cNvSpPr>
-          <p:nvPr>
-            <p:ph type="body" orient="vert" idx="1"/>
-          </p:nvPr>
-        </p:nvSpPr>
-        <p:spPr>
-          <a:xfrm>
-            <a:off x="457200" y="274638"/>
-            <a:ext cx="6019800" cy="5851525"/>
-          </a:xfrm>
-        </p:spPr>
-        <p:txBody>
-          <a:bodyPr vert="eaVert"/>
-          <a:lstStyle/>
-          <a:p>
-            <a:pPr lvl="0"/>
-            <a:r>
-              <a:rPr lang="en-US" smtClean="0"/>
-              <a:t>Click to edit Master text styles</a:t>
-            </a:r>
-          </a:p>
-          <a:p>
-            <a:pPr lvl="1"/>
-            <a:r>
-              <a:rPr lang="en-US" smtClean="0"/>
-              <a:t>Second level</a:t>
-            </a:r>
-          </a:p>
-          <a:p>
-            <a:pPr lvl="2"/>
-            <a:r>
-              <a:rPr lang="en-US" smtClean="0"/>
-              <a:t>Third level</a:t>
-            </a:r>
-          </a:p>
-          <a:p>
-            <a:pPr lvl="3"/>
-            <a:r>
-              <a:rPr lang="en-US" smtClean="0"/>
-              <a:t>Fourth level</a:t>
-            </a:r>
-          </a:p>
-          <a:p>
-            <a:pPr lvl="4"/>
-            <a:r>
-              <a:rPr lang="en-US" smtClean="0"/>
-              <a:t>Fifth level</a:t>
-            </a:r>
-            <a:endParaRPr lang="en-US"/>
-          </a:p>
-        </p:txBody>
-      </p:sp>
-      <p:sp>
-        <p:nvSpPr>
-          <p:cNvPr id="4" name="Date Placeholder 3"/>
-          <p:cNvSpPr>
-            <a:spLocks noGrp="1"/>
-          </p:cNvSpPr>
-          <p:nvPr>
-            <p:ph type="dt" sz="half" idx="10"/>
-          </p:nvPr>
-        </p:nvSpPr>
-        <p:spPr/>
-        <p:txBody>
-          <a:bodyPr/>
-          <a:lstStyle/>
-          <a:p>
-            <a:fld id="{A669D4B0-4BAF-E64F-924D-1CBDB984112A}" type="datetime1">
-              <a:rPr lang="en-US" smtClean="0"/>
-              <a:t>6/29/2015</a:t>
-            </a:fld>
-            <a:endParaRPr lang="en-US"/>
-          </a:p>
-        </p:txBody>
-      </p:sp>
-      <p:sp>
-        <p:nvSpPr>
-          <p:cNvPr id="5" name="Footer Placeholder 4"/>
-          <p:cNvSpPr>
-            <a:spLocks noGrp="1"/>
-          </p:cNvSpPr>
-          <p:nvPr>
-            <p:ph type="ftr" sz="quarter" idx="11"/>
-          </p:nvPr>
-        </p:nvSpPr>
-        <p:spPr/>
-        <p:txBody>
-          <a:bodyPr/>
-          <a:lstStyle/>
-          <a:p>
-            <a:r>
-              <a:rPr lang="en-US" smtClean="0"/>
-              <a:t>© 2015, EV3Lessons.com, (last edit 4/5/2015)</a:t>
-            </a:r>
-            <a:endParaRPr lang="en-US"/>
-          </a:p>
-        </p:txBody>
-      </p:sp>
-      <p:sp>
-        <p:nvSpPr>
-          <p:cNvPr id="6" name="Slide Number Placeholder 5"/>
-          <p:cNvSpPr>
-            <a:spLocks noGrp="1"/>
-          </p:cNvSpPr>
-          <p:nvPr>
-            <p:ph type="sldNum" sz="quarter" idx="12"/>
-          </p:nvPr>
-        </p:nvSpPr>
-        <p:spPr>
-          <a:xfrm rot="16200000">
-            <a:off x="8227377" y="5885497"/>
-            <a:ext cx="1315721" cy="365125"/>
+            <a:off x="2382" y="6400800"/>
+            <a:ext cx="9141619" cy="457200"/>
           </a:xfrm>
           <a:prstGeom prst="rect">
             <a:avLst/>
           </a:prstGeom>
-        </p:spPr>
+          <a:solidFill>
+            <a:schemeClr val="accent2"/>
+          </a:solidFill>
+          <a:ln>
+            <a:noFill/>
+          </a:ln>
+        </p:spPr>
+        <p:style>
+          <a:lnRef idx="2">
+            <a:schemeClr val="accent1">
+              <a:shade val="50000"/>
+            </a:schemeClr>
+          </a:lnRef>
+          <a:fillRef idx="1">
+            <a:schemeClr val="accent1"/>
+          </a:fillRef>
+          <a:effectRef idx="0">
+            <a:schemeClr val="accent1"/>
+          </a:effectRef>
+          <a:fontRef idx="minor">
+            <a:schemeClr val="lt1"/>
+          </a:fontRef>
+        </p:style>
+      </p:sp>
+      <p:sp>
+        <p:nvSpPr>
+          <p:cNvPr id="8" name="Rectangle 7"/>
+          <p:cNvSpPr/>
+          <p:nvPr/>
+        </p:nvSpPr>
+        <p:spPr>
+          <a:xfrm>
+            <a:off x="12" y="6334316"/>
+            <a:ext cx="9141619" cy="64008"/>
+          </a:xfrm>
+          <a:prstGeom prst="rect">
+            <a:avLst/>
+          </a:prstGeom>
+          <a:solidFill>
+            <a:schemeClr val="accent1"/>
+          </a:solidFill>
+          <a:ln>
+            <a:noFill/>
+          </a:ln>
+        </p:spPr>
+        <p:style>
+          <a:lnRef idx="2">
+            <a:schemeClr val="accent1">
+              <a:shade val="50000"/>
+            </a:schemeClr>
+          </a:lnRef>
+          <a:fillRef idx="1">
+            <a:schemeClr val="accent1"/>
+          </a:fillRef>
+          <a:effectRef idx="0">
+            <a:schemeClr val="accent1"/>
+          </a:effectRef>
+          <a:fontRef idx="minor">
+            <a:schemeClr val="lt1"/>
+          </a:fontRef>
+        </p:style>
+      </p:sp>
+      <p:sp>
+        <p:nvSpPr>
+          <p:cNvPr id="2" name="Vertical Title 1"/>
+          <p:cNvSpPr>
+            <a:spLocks noGrp="1"/>
+          </p:cNvSpPr>
+          <p:nvPr>
+            <p:ph type="title" orient="vert"/>
+          </p:nvPr>
+        </p:nvSpPr>
+        <p:spPr>
+          <a:xfrm>
+            <a:off x="6543675" y="414779"/>
+            <a:ext cx="1971675" cy="5757421"/>
+          </a:xfrm>
+        </p:spPr>
+        <p:txBody>
+          <a:bodyPr vert="eaVert"/>
+          <a:lstStyle/>
+          <a:p>
+            <a:r>
+              <a:rPr lang="en-US" smtClean="0"/>
+              <a:t>Click to edit Master title style</a:t>
+            </a:r>
+            <a:endParaRPr lang="en-US" dirty="0"/>
+          </a:p>
+        </p:txBody>
+      </p:sp>
+      <p:sp>
+        <p:nvSpPr>
+          <p:cNvPr id="3" name="Vertical Text Placeholder 2"/>
+          <p:cNvSpPr>
+            <a:spLocks noGrp="1"/>
+          </p:cNvSpPr>
+          <p:nvPr>
+            <p:ph type="body" orient="vert" idx="1"/>
+          </p:nvPr>
+        </p:nvSpPr>
+        <p:spPr>
+          <a:xfrm>
+            <a:off x="628650" y="414779"/>
+            <a:ext cx="5800725" cy="5757420"/>
+          </a:xfrm>
+        </p:spPr>
+        <p:txBody>
+          <a:bodyPr vert="eaVert" lIns="45720" tIns="0" rIns="45720" bIns="0"/>
+          <a:lstStyle/>
+          <a:p>
+            <a:pPr lvl="0"/>
+            <a:r>
+              <a:rPr lang="en-US" smtClean="0"/>
+              <a:t>Click to edit Master text styles</a:t>
+            </a:r>
+          </a:p>
+          <a:p>
+            <a:pPr lvl="1"/>
+            <a:r>
+              <a:rPr lang="en-US" smtClean="0"/>
+              <a:t>Second level</a:t>
+            </a:r>
+          </a:p>
+          <a:p>
+            <a:pPr lvl="2"/>
+            <a:r>
+              <a:rPr lang="en-US" smtClean="0"/>
+              <a:t>Third level</a:t>
+            </a:r>
+          </a:p>
+          <a:p>
+            <a:pPr lvl="3"/>
+            <a:r>
+              <a:rPr lang="en-US" smtClean="0"/>
+              <a:t>Fourth level</a:t>
+            </a:r>
+          </a:p>
+          <a:p>
+            <a:pPr lvl="4"/>
+            <a:r>
+              <a:rPr lang="en-US" smtClean="0"/>
+              <a:t>Fifth level</a:t>
+            </a:r>
+            <a:endParaRPr lang="en-US" dirty="0"/>
+          </a:p>
+        </p:txBody>
+      </p:sp>
+      <p:sp>
+        <p:nvSpPr>
+          <p:cNvPr id="4" name="Date Placeholder 3"/>
+          <p:cNvSpPr>
+            <a:spLocks noGrp="1"/>
+          </p:cNvSpPr>
+          <p:nvPr>
+            <p:ph type="dt" sz="half" idx="10"/>
+          </p:nvPr>
+        </p:nvSpPr>
+        <p:spPr/>
         <p:txBody>
           <a:bodyPr/>
           <a:lstStyle/>
           <a:p>
-            <a:fld id="{4DBC7FC8-25FB-FC45-8177-2B991DA6778C}" type="slidenum">
+            <a:fld id="{ABE2FCFC-C57A-2442-884C-F5C58B3A2465}" type="datetime1">
+              <a:rPr lang="en-US" smtClean="0"/>
+              <a:t>11/13/15</a:t>
+            </a:fld>
+            <a:endParaRPr lang="en-US"/>
+          </a:p>
+        </p:txBody>
+      </p:sp>
+      <p:sp>
+        <p:nvSpPr>
+          <p:cNvPr id="5" name="Footer Placeholder 4"/>
+          <p:cNvSpPr>
+            <a:spLocks noGrp="1"/>
+          </p:cNvSpPr>
+          <p:nvPr>
+            <p:ph type="ftr" sz="quarter" idx="11"/>
+          </p:nvPr>
+        </p:nvSpPr>
+        <p:spPr/>
+        <p:txBody>
+          <a:bodyPr/>
+          <a:lstStyle/>
+          <a:p>
+            <a:r>
+              <a:rPr lang="sk-SK" smtClean="0"/>
+              <a:t>© 2015 EV3Lessons.com, Last edit 11/13/2015</a:t>
+            </a:r>
+            <a:endParaRPr lang="en-US"/>
+          </a:p>
+        </p:txBody>
+      </p:sp>
+      <p:sp>
+        <p:nvSpPr>
+          <p:cNvPr id="6" name="Slide Number Placeholder 5"/>
+          <p:cNvSpPr>
+            <a:spLocks noGrp="1"/>
+          </p:cNvSpPr>
+          <p:nvPr>
+            <p:ph type="sldNum" sz="quarter" idx="12"/>
+          </p:nvPr>
+        </p:nvSpPr>
+        <p:spPr/>
+        <p:txBody>
+          <a:bodyPr/>
+          <a:lstStyle/>
+          <a:p>
+            <a:fld id="{4382A7F7-08BF-4252-8141-63FB96055BBB}" type="slidenum">
               <a:rPr lang="en-US" smtClean="0"/>
               <a:t>‹#›</a:t>
             </a:fld>
@@ -1632,6 +1639,11 @@
         </p:txBody>
       </p:sp>
     </p:spTree>
+    <p:extLst>
+      <p:ext uri="{BB962C8B-B14F-4D97-AF65-F5344CB8AC3E}">
+        <p14:creationId xmlns:p14="http://schemas.microsoft.com/office/powerpoint/2010/main" val="1181661985"/>
+      </p:ext>
+    </p:extLst>
   </p:cSld>
   <p:clrMapOvr>
     <a:masterClrMapping/>
@@ -1666,12 +1678,7 @@
             <p:ph type="title"/>
           </p:nvPr>
         </p:nvSpPr>
-        <p:spPr>
-          <a:xfrm>
-            <a:off x="457199" y="152718"/>
-            <a:ext cx="8245475" cy="1371600"/>
-          </a:xfrm>
-        </p:spPr>
+        <p:spPr/>
         <p:txBody>
           <a:bodyPr/>
           <a:lstStyle/>
@@ -1680,7 +1687,7 @@
               <a:rPr lang="en-US" smtClean="0"/>
               <a:t>Click to edit Master title style</a:t>
             </a:r>
-            <a:endParaRPr lang="en-US"/>
+            <a:endParaRPr lang="en-US" dirty="0"/>
           </a:p>
         </p:txBody>
       </p:sp>
@@ -1694,12 +1701,7 @@
             <p:ph idx="1"/>
           </p:nvPr>
         </p:nvSpPr>
-        <p:spPr>
-          <a:xfrm>
-            <a:off x="457200" y="1752600"/>
-            <a:ext cx="8245474" cy="4373563"/>
-          </a:xfrm>
-        </p:spPr>
+        <p:spPr/>
         <p:txBody>
           <a:bodyPr/>
           <a:lstStyle/>
@@ -1756,9 +1758,9 @@
           <a:bodyPr/>
           <a:lstStyle/>
           <a:p>
-            <a:fld id="{18D74D74-C05C-644A-B126-310C4A91188D}" type="datetime1">
-              <a:rPr lang="en-US" smtClean="0"/>
-              <a:t>6/29/2015</a:t>
+            <a:fld id="{6964D4EB-A2A3-5D46-A2E3-B082D53C11C5}" type="datetime1">
+              <a:rPr lang="en-US" smtClean="0"/>
+              <a:t>11/13/15</a:t>
             </a:fld>
             <a:endParaRPr lang="en-US"/>
           </a:p>
@@ -1780,8 +1782,8 @@
           <a:lstStyle/>
           <a:p>
             <a:r>
-              <a:rPr lang="en-US" smtClean="0"/>
-              <a:t>© 2015, EV3Lessons.com, (last edit 4/5/2015)</a:t>
+              <a:rPr lang="sk-SK" smtClean="0"/>
+              <a:t>© 2015 EV3Lessons.com, Last edit 11/13/2015</a:t>
             </a:r>
             <a:endParaRPr lang="en-US"/>
           </a:p>
@@ -1794,39 +1796,28 @@
             <a:spLocks noGrp="1"/>
           </p:cNvSpPr>
           <p:nvPr>
-            <p:ph type="sldNum" sz="quarter" idx="4"/>
-          </p:nvPr>
-        </p:nvSpPr>
-        <p:spPr>
-          <a:xfrm>
-            <a:off x="8343263" y="6417660"/>
-            <a:ext cx="657861" cy="365125"/>
-          </a:xfrm>
-          <a:prstGeom prst="rect">
-            <a:avLst/>
-          </a:prstGeom>
-        </p:spPr>
-        <p:txBody>
-          <a:bodyPr vert="horz" lIns="91440" tIns="45720" rIns="91440" bIns="45720" rtlCol="0" anchor="ctr"/>
-          <a:lstStyle>
-            <a:lvl1pPr algn="l">
-              <a:defRPr sz="2400" b="1">
-                <a:solidFill>
-                  <a:schemeClr val="tx2"/>
-                </a:solidFill>
-              </a:defRPr>
-            </a:lvl1pPr>
-          </a:lstStyle>
-          <a:p>
-            <a:fld id="{4DBC7FC8-25FB-FC45-8177-2B991DA6778C}" type="slidenum">
+            <p:ph type="sldNum" sz="quarter" idx="12"/>
+          </p:nvPr>
+        </p:nvSpPr>
+        <p:spPr/>
+        <p:txBody>
+          <a:bodyPr/>
+          <a:lstStyle/>
+          <a:p>
+            <a:fld id="{4382A7F7-08BF-4252-8141-63FB96055BBB}" type="slidenum">
               <a:rPr lang="en-US" smtClean="0"/>
               <a:t>‹#›</a:t>
             </a:fld>
-            <a:endParaRPr lang="en-US" dirty="0"/>
+            <a:endParaRPr lang="en-US"/>
           </a:p>
         </p:txBody>
       </p:sp>
     </p:spTree>
+    <p:extLst>
+      <p:ext uri="{BB962C8B-B14F-4D97-AF65-F5344CB8AC3E}">
+        <p14:creationId xmlns:p14="http://schemas.microsoft.com/office/powerpoint/2010/main" val="685386584"/>
+      </p:ext>
+    </p:extLst>
   </p:cSld>
   <p:clrMapOvr>
     <a:masterClrMapping/>
@@ -1835,8 +1826,16 @@
 </file>
 
 <file path=ppt/slideLayouts/slideLayout3.xml><?xml version="1.0" encoding="utf-8"?>
-<p:sldLayout xmlns:a="http://schemas.openxmlformats.org/drawingml/2006/main" xmlns:r="http://schemas.openxmlformats.org/officeDocument/2006/relationships" xmlns:p="http://schemas.openxmlformats.org/presentationml/2006/main" type="secHead" preserve="1">
+<p:sldLayout xmlns:a="http://schemas.openxmlformats.org/drawingml/2006/main" xmlns:r="http://schemas.openxmlformats.org/officeDocument/2006/relationships" xmlns:p="http://schemas.openxmlformats.org/presentationml/2006/main" showMasterSp="0" type="secHead" preserve="1">
   <p:cSld name="Section Header">
+    <p:bg>
+      <p:bgPr>
+        <a:solidFill>
+          <a:schemeClr val="bg1"/>
+        </a:solidFill>
+        <a:effectLst/>
+      </p:bgPr>
+    </p:bg>
     <p:spTree>
       <p:nvGrpSpPr>
         <p:cNvPr id="1" name=""/>
@@ -1853,6 +1852,82 @@
       </p:grpSpPr>
       <p:sp>
         <p:nvSpPr>
+          <p:cNvPr id="7" name="Rectangle 6"/>
+          <p:cNvSpPr/>
+          <p:nvPr/>
+        </p:nvSpPr>
+        <p:spPr>
+          <a:xfrm>
+            <a:off x="2382" y="6400800"/>
+            <a:ext cx="9141619" cy="457200"/>
+          </a:xfrm>
+          <a:prstGeom prst="rect">
+            <a:avLst/>
+          </a:prstGeom>
+          <a:solidFill>
+            <a:schemeClr val="accent2"/>
+          </a:solidFill>
+          <a:ln>
+            <a:noFill/>
+          </a:ln>
+        </p:spPr>
+        <p:style>
+          <a:lnRef idx="2">
+            <a:schemeClr val="accent1">
+              <a:shade val="50000"/>
+            </a:schemeClr>
+          </a:lnRef>
+          <a:fillRef idx="1">
+            <a:schemeClr val="accent1"/>
+          </a:fillRef>
+          <a:effectRef idx="0">
+            <a:schemeClr val="accent1"/>
+          </a:effectRef>
+          <a:fontRef idx="minor">
+            <a:schemeClr val="lt1"/>
+          </a:fontRef>
+        </p:style>
+      </p:sp>
+      <p:sp>
+        <p:nvSpPr>
+          <p:cNvPr id="8" name="Rectangle 7"/>
+          <p:cNvSpPr/>
+          <p:nvPr/>
+        </p:nvSpPr>
+        <p:spPr>
+          <a:xfrm>
+            <a:off x="12" y="6334316"/>
+            <a:ext cx="9141619" cy="64008"/>
+          </a:xfrm>
+          <a:prstGeom prst="rect">
+            <a:avLst/>
+          </a:prstGeom>
+          <a:solidFill>
+            <a:schemeClr val="accent1"/>
+          </a:solidFill>
+          <a:ln>
+            <a:noFill/>
+          </a:ln>
+        </p:spPr>
+        <p:style>
+          <a:lnRef idx="2">
+            <a:schemeClr val="accent1">
+              <a:shade val="50000"/>
+            </a:schemeClr>
+          </a:lnRef>
+          <a:fillRef idx="1">
+            <a:schemeClr val="accent1"/>
+          </a:fillRef>
+          <a:effectRef idx="0">
+            <a:schemeClr val="accent1"/>
+          </a:effectRef>
+          <a:fontRef idx="minor">
+            <a:schemeClr val="lt1"/>
+          </a:fontRef>
+        </p:style>
+      </p:sp>
+      <p:sp>
+        <p:nvSpPr>
           <p:cNvPr id="2" name="Title 1"/>
           <p:cNvSpPr>
             <a:spLocks noGrp="1"/>
@@ -1863,22 +1938,25 @@
         </p:nvSpPr>
         <p:spPr>
           <a:xfrm>
-            <a:off x="457200" y="1447800"/>
-            <a:ext cx="7772400" cy="4321175"/>
-          </a:xfrm>
-        </p:spPr>
-        <p:txBody>
-          <a:bodyPr anchor="ctr">
-            <a:noAutofit/>
+            <a:off x="822960" y="758952"/>
+            <a:ext cx="7543800" cy="3566160"/>
+          </a:xfrm>
+        </p:spPr>
+        <p:txBody>
+          <a:bodyPr anchor="b" anchorCtr="0">
+            <a:normAutofit/>
           </a:bodyPr>
           <a:lstStyle>
-            <a:lvl1pPr algn="l">
+            <a:lvl1pPr>
               <a:lnSpc>
-                <a:spcPct val="100000"/>
+                <a:spcPct val="85000"/>
               </a:lnSpc>
-              <a:defRPr sz="8800" b="0" cap="all" spc="-80" baseline="0">
+              <a:defRPr sz="8000" b="0">
                 <a:solidFill>
-                  <a:schemeClr val="tx1"/>
+                  <a:schemeClr val="tx1">
+                    <a:lumMod val="85000"/>
+                    <a:lumOff val="15000"/>
+                  </a:schemeClr>
                 </a:solidFill>
               </a:defRPr>
             </a:lvl1pPr>
@@ -1904,16 +1982,18 @@
         </p:nvSpPr>
         <p:spPr>
           <a:xfrm>
-            <a:off x="457200" y="228601"/>
-            <a:ext cx="7772400" cy="1066800"/>
-          </a:xfrm>
-        </p:spPr>
-        <p:txBody>
-          <a:bodyPr anchor="b"/>
+            <a:off x="822960" y="4453128"/>
+            <a:ext cx="7543800" cy="1143000"/>
+          </a:xfrm>
+        </p:spPr>
+        <p:txBody>
+          <a:bodyPr lIns="91440" rIns="91440" anchor="t" anchorCtr="0">
+            <a:normAutofit/>
+          </a:bodyPr>
           <a:lstStyle>
             <a:lvl1pPr marL="0" indent="0">
               <a:buNone/>
-              <a:defRPr sz="2000" b="0" cap="all" spc="120" baseline="0">
+              <a:defRPr sz="2400" cap="all" spc="200" baseline="0">
                 <a:solidFill>
                   <a:schemeClr val="tx2"/>
                 </a:solidFill>
@@ -2012,7 +2092,7 @@
       </p:sp>
       <p:sp>
         <p:nvSpPr>
-          <p:cNvPr id="7" name="Date Placeholder 6"/>
+          <p:cNvPr id="4" name="Date Placeholder 3"/>
           <p:cNvSpPr>
             <a:spLocks noGrp="1"/>
           </p:cNvSpPr>
@@ -2025,9 +2105,9 @@
           <a:bodyPr/>
           <a:lstStyle/>
           <a:p>
-            <a:fld id="{36928CBA-9635-0A40-B4A7-95E859128A77}" type="datetime1">
-              <a:rPr lang="en-US" smtClean="0"/>
-              <a:t>6/29/2015</a:t>
+            <a:fld id="{719062A6-538C-914A-A4D7-9D77EAAE33AB}" type="datetime1">
+              <a:rPr lang="en-US" smtClean="0"/>
+              <a:t>11/13/15</a:t>
             </a:fld>
             <a:endParaRPr lang="en-US"/>
           </a:p>
@@ -2035,12 +2115,12 @@
       </p:sp>
       <p:sp>
         <p:nvSpPr>
-          <p:cNvPr id="9" name="Footer Placeholder 8"/>
-          <p:cNvSpPr>
-            <a:spLocks noGrp="1"/>
-          </p:cNvSpPr>
-          <p:nvPr>
-            <p:ph type="ftr" sz="quarter" idx="12"/>
+          <p:cNvPr id="5" name="Footer Placeholder 4"/>
+          <p:cNvSpPr>
+            <a:spLocks noGrp="1"/>
+          </p:cNvSpPr>
+          <p:nvPr>
+            <p:ph type="ftr" sz="quarter" idx="11"/>
           </p:nvPr>
         </p:nvSpPr>
         <p:spPr/>
@@ -2049,14 +2129,80 @@
           <a:lstStyle/>
           <a:p>
             <a:r>
-              <a:rPr lang="en-US" smtClean="0"/>
-              <a:t>© 2015, EV3Lessons.com, (last edit 4/5/2015)</a:t>
+              <a:rPr lang="sk-SK" smtClean="0"/>
+              <a:t>© 2015 EV3Lessons.com, Last edit 11/13/2015</a:t>
             </a:r>
             <a:endParaRPr lang="en-US"/>
           </a:p>
         </p:txBody>
       </p:sp>
+      <p:sp>
+        <p:nvSpPr>
+          <p:cNvPr id="6" name="Slide Number Placeholder 5"/>
+          <p:cNvSpPr>
+            <a:spLocks noGrp="1"/>
+          </p:cNvSpPr>
+          <p:nvPr>
+            <p:ph type="sldNum" sz="quarter" idx="12"/>
+          </p:nvPr>
+        </p:nvSpPr>
+        <p:spPr/>
+        <p:txBody>
+          <a:bodyPr/>
+          <a:lstStyle/>
+          <a:p>
+            <a:fld id="{162F1D00-BD13-4404-86B0-79703945A0A7}" type="slidenum">
+              <a:rPr lang="en-US" smtClean="0"/>
+              <a:t>‹#›</a:t>
+            </a:fld>
+            <a:endParaRPr lang="en-US"/>
+          </a:p>
+        </p:txBody>
+      </p:sp>
+      <p:cxnSp>
+        <p:nvCxnSpPr>
+          <p:cNvPr id="9" name="Straight Connector 8"/>
+          <p:cNvCxnSpPr/>
+          <p:nvPr/>
+        </p:nvCxnSpPr>
+        <p:spPr>
+          <a:xfrm>
+            <a:off x="905744" y="4343400"/>
+            <a:ext cx="7406640" cy="0"/>
+          </a:xfrm>
+          <a:prstGeom prst="line">
+            <a:avLst/>
+          </a:prstGeom>
+          <a:ln w="6350">
+            <a:solidFill>
+              <a:schemeClr val="tx1">
+                <a:lumMod val="50000"/>
+                <a:lumOff val="50000"/>
+              </a:schemeClr>
+            </a:solidFill>
+          </a:ln>
+        </p:spPr>
+        <p:style>
+          <a:lnRef idx="1">
+            <a:schemeClr val="accent1"/>
+          </a:lnRef>
+          <a:fillRef idx="0">
+            <a:schemeClr val="accent1"/>
+          </a:fillRef>
+          <a:effectRef idx="0">
+            <a:schemeClr val="accent1"/>
+          </a:effectRef>
+          <a:fontRef idx="minor">
+            <a:schemeClr val="tx1"/>
+          </a:fontRef>
+        </p:style>
+      </p:cxnSp>
     </p:spTree>
+    <p:extLst>
+      <p:ext uri="{BB962C8B-B14F-4D97-AF65-F5344CB8AC3E}">
+        <p14:creationId xmlns:p14="http://schemas.microsoft.com/office/powerpoint/2010/main" val="606364371"/>
+      </p:ext>
+    </p:extLst>
   </p:cSld>
   <p:clrMapOvr>
     <a:masterClrMapping/>
@@ -2083,7 +2229,7 @@
       </p:grpSpPr>
       <p:sp>
         <p:nvSpPr>
-          <p:cNvPr id="2" name="Title 1"/>
+          <p:cNvPr id="8" name="Title 7"/>
           <p:cNvSpPr>
             <a:spLocks noGrp="1"/>
           </p:cNvSpPr>
@@ -2093,8 +2239,8 @@
         </p:nvSpPr>
         <p:spPr>
           <a:xfrm>
-            <a:off x="457199" y="152718"/>
-            <a:ext cx="8245475" cy="1371600"/>
+            <a:off x="822960" y="286604"/>
+            <a:ext cx="7543800" cy="1450757"/>
           </a:xfrm>
         </p:spPr>
         <p:txBody>
@@ -2105,7 +2251,7 @@
               <a:rPr lang="en-US" smtClean="0"/>
               <a:t>Click to edit Master title style</a:t>
             </a:r>
-            <a:endParaRPr lang="en-US"/>
+            <a:endParaRPr lang="en-US" dirty="0"/>
           </a:p>
         </p:txBody>
       </p:sp>
@@ -2121,41 +2267,13 @@
         </p:nvSpPr>
         <p:spPr>
           <a:xfrm>
-            <a:off x="457200" y="1574800"/>
-            <a:ext cx="3877529" cy="4525963"/>
+            <a:off x="822960" y="1845734"/>
+            <a:ext cx="3703320" cy="4023360"/>
           </a:xfrm>
         </p:spPr>
         <p:txBody>
           <a:bodyPr/>
-          <a:lstStyle>
-            <a:lvl1pPr>
-              <a:defRPr sz="2800"/>
-            </a:lvl1pPr>
-            <a:lvl2pPr>
-              <a:defRPr sz="2400"/>
-            </a:lvl2pPr>
-            <a:lvl3pPr>
-              <a:defRPr sz="2000"/>
-            </a:lvl3pPr>
-            <a:lvl4pPr>
-              <a:defRPr sz="1800"/>
-            </a:lvl4pPr>
-            <a:lvl5pPr>
-              <a:defRPr sz="1800"/>
-            </a:lvl5pPr>
-            <a:lvl6pPr>
-              <a:defRPr sz="1800"/>
-            </a:lvl6pPr>
-            <a:lvl7pPr>
-              <a:defRPr sz="1800"/>
-            </a:lvl7pPr>
-            <a:lvl8pPr>
-              <a:defRPr sz="1800"/>
-            </a:lvl8pPr>
-            <a:lvl9pPr>
-              <a:defRPr sz="1800"/>
-            </a:lvl9pPr>
-          </a:lstStyle>
+          <a:lstStyle/>
           <a:p>
             <a:pPr lvl="0"/>
             <a:r>
@@ -2206,73 +2324,45 @@
         </p:nvSpPr>
         <p:spPr>
           <a:xfrm>
-            <a:off x="4886923" y="1574800"/>
-            <a:ext cx="3815751" cy="4525963"/>
+            <a:off x="4663440" y="1845736"/>
+            <a:ext cx="3703320" cy="4023359"/>
           </a:xfrm>
         </p:spPr>
         <p:txBody>
           <a:bodyPr/>
-          <a:lstStyle>
-            <a:lvl1pPr>
-              <a:defRPr sz="2800"/>
-            </a:lvl1pPr>
-            <a:lvl2pPr>
-              <a:defRPr sz="2400"/>
-            </a:lvl2pPr>
-            <a:lvl3pPr>
-              <a:defRPr sz="2000"/>
-            </a:lvl3pPr>
-            <a:lvl4pPr>
-              <a:defRPr sz="1800"/>
-            </a:lvl4pPr>
-            <a:lvl5pPr>
-              <a:defRPr sz="1800"/>
-            </a:lvl5pPr>
-            <a:lvl6pPr>
-              <a:defRPr sz="1800"/>
-            </a:lvl6pPr>
-            <a:lvl7pPr>
-              <a:defRPr sz="1800"/>
-            </a:lvl7pPr>
-            <a:lvl8pPr>
-              <a:defRPr sz="1800"/>
-            </a:lvl8pPr>
-            <a:lvl9pPr>
-              <a:defRPr sz="1800"/>
-            </a:lvl9pPr>
-          </a:lstStyle>
+          <a:lstStyle/>
           <a:p>
             <a:pPr lvl="0"/>
             <a:r>
-              <a:rPr lang="en-US" dirty="0" smtClean="0"/>
+              <a:rPr lang="en-US" smtClean="0"/>
               <a:t>Click to edit Master text styles</a:t>
             </a:r>
           </a:p>
           <a:p>
             <a:pPr lvl="1"/>
             <a:r>
-              <a:rPr lang="en-US" dirty="0" smtClean="0"/>
+              <a:rPr lang="en-US" smtClean="0"/>
               <a:t>Second level</a:t>
             </a:r>
           </a:p>
           <a:p>
             <a:pPr lvl="2"/>
             <a:r>
-              <a:rPr lang="en-US" dirty="0" smtClean="0"/>
+              <a:rPr lang="en-US" smtClean="0"/>
               <a:t>Third level</a:t>
             </a:r>
           </a:p>
           <a:p>
             <a:pPr lvl="3"/>
             <a:r>
-              <a:rPr lang="en-US" dirty="0" smtClean="0"/>
+              <a:rPr lang="en-US" smtClean="0"/>
               <a:t>Fourth level</a:t>
             </a:r>
           </a:p>
           <a:p>
             <a:pPr lvl="4"/>
             <a:r>
-              <a:rPr lang="en-US" dirty="0" smtClean="0"/>
+              <a:rPr lang="en-US" smtClean="0"/>
               <a:t>Fifth level</a:t>
             </a:r>
             <a:endParaRPr lang="en-US" dirty="0"/>
@@ -2294,9 +2384,9 @@
           <a:bodyPr/>
           <a:lstStyle/>
           <a:p>
-            <a:fld id="{481647CE-6621-234D-A04E-8574E0AA9EDC}" type="datetime1">
-              <a:rPr lang="en-US" smtClean="0"/>
-              <a:t>6/29/2015</a:t>
+            <a:fld id="{FBA86DE5-4727-3C44-A125-458AC819E1C1}" type="datetime1">
+              <a:rPr lang="en-US" smtClean="0"/>
+              <a:t>11/13/15</a:t>
             </a:fld>
             <a:endParaRPr lang="en-US"/>
           </a:p>
@@ -2317,139 +2407,39 @@
           <a:bodyPr/>
           <a:lstStyle/>
           <a:p>
-            <a:r>
-              <a:rPr lang="en-US" smtClean="0"/>
-              <a:t>© 2015, EV3Lessons.com, (last edit 4/5/2015)</a:t>
-            </a:r>
-            <a:endParaRPr lang="en-US"/>
-          </a:p>
-        </p:txBody>
-      </p:sp>
-      <p:sp>
-        <p:nvSpPr>
-          <p:cNvPr id="8" name="Slide Number Placeholder 5"/>
-          <p:cNvSpPr txBox="1">
-            <a:spLocks/>
-          </p:cNvSpPr>
-          <p:nvPr userDrawn="1"/>
-        </p:nvSpPr>
-        <p:spPr>
-          <a:xfrm>
-            <a:off x="8343263" y="6417660"/>
-            <a:ext cx="657861" cy="365125"/>
-          </a:xfrm>
-          <a:prstGeom prst="rect">
-            <a:avLst/>
-          </a:prstGeom>
-        </p:spPr>
-        <p:txBody>
-          <a:bodyPr vert="horz" lIns="91440" tIns="45720" rIns="91440" bIns="45720" rtlCol="0" anchor="ctr"/>
-          <a:lstStyle>
-            <a:defPPr>
-              <a:defRPr lang="en-US"/>
-            </a:defPPr>
-            <a:lvl1pPr marL="0" algn="l" defTabSz="457200" rtl="0" eaLnBrk="1" latinLnBrk="0" hangingPunct="1">
-              <a:defRPr sz="2400" b="1" kern="1200">
-                <a:solidFill>
-                  <a:schemeClr val="tx2"/>
-                </a:solidFill>
-                <a:latin typeface="+mn-lt"/>
-                <a:ea typeface="+mn-ea"/>
-                <a:cs typeface="+mn-cs"/>
-              </a:defRPr>
-            </a:lvl1pPr>
-            <a:lvl2pPr marL="457200" algn="l" defTabSz="457200" rtl="0" eaLnBrk="1" latinLnBrk="0" hangingPunct="1">
-              <a:defRPr sz="1800" kern="1200">
-                <a:solidFill>
-                  <a:schemeClr val="tx1"/>
-                </a:solidFill>
-                <a:latin typeface="+mn-lt"/>
-                <a:ea typeface="+mn-ea"/>
-                <a:cs typeface="+mn-cs"/>
-              </a:defRPr>
-            </a:lvl2pPr>
-            <a:lvl3pPr marL="914400" algn="l" defTabSz="457200" rtl="0" eaLnBrk="1" latinLnBrk="0" hangingPunct="1">
-              <a:defRPr sz="1800" kern="1200">
-                <a:solidFill>
-                  <a:schemeClr val="tx1"/>
-                </a:solidFill>
-                <a:latin typeface="+mn-lt"/>
-                <a:ea typeface="+mn-ea"/>
-                <a:cs typeface="+mn-cs"/>
-              </a:defRPr>
-            </a:lvl3pPr>
-            <a:lvl4pPr marL="1371600" algn="l" defTabSz="457200" rtl="0" eaLnBrk="1" latinLnBrk="0" hangingPunct="1">
-              <a:defRPr sz="1800" kern="1200">
-                <a:solidFill>
-                  <a:schemeClr val="tx1"/>
-                </a:solidFill>
-                <a:latin typeface="+mn-lt"/>
-                <a:ea typeface="+mn-ea"/>
-                <a:cs typeface="+mn-cs"/>
-              </a:defRPr>
-            </a:lvl4pPr>
-            <a:lvl5pPr marL="1828800" algn="l" defTabSz="457200" rtl="0" eaLnBrk="1" latinLnBrk="0" hangingPunct="1">
-              <a:defRPr sz="1800" kern="1200">
-                <a:solidFill>
-                  <a:schemeClr val="tx1"/>
-                </a:solidFill>
-                <a:latin typeface="+mn-lt"/>
-                <a:ea typeface="+mn-ea"/>
-                <a:cs typeface="+mn-cs"/>
-              </a:defRPr>
-            </a:lvl5pPr>
-            <a:lvl6pPr marL="2286000" algn="l" defTabSz="457200" rtl="0" eaLnBrk="1" latinLnBrk="0" hangingPunct="1">
-              <a:defRPr sz="1800" kern="1200">
-                <a:solidFill>
-                  <a:schemeClr val="tx1"/>
-                </a:solidFill>
-                <a:latin typeface="+mn-lt"/>
-                <a:ea typeface="+mn-ea"/>
-                <a:cs typeface="+mn-cs"/>
-              </a:defRPr>
-            </a:lvl6pPr>
-            <a:lvl7pPr marL="2743200" algn="l" defTabSz="457200" rtl="0" eaLnBrk="1" latinLnBrk="0" hangingPunct="1">
-              <a:defRPr sz="1800" kern="1200">
-                <a:solidFill>
-                  <a:schemeClr val="tx1"/>
-                </a:solidFill>
-                <a:latin typeface="+mn-lt"/>
-                <a:ea typeface="+mn-ea"/>
-                <a:cs typeface="+mn-cs"/>
-              </a:defRPr>
-            </a:lvl7pPr>
-            <a:lvl8pPr marL="3200400" algn="l" defTabSz="457200" rtl="0" eaLnBrk="1" latinLnBrk="0" hangingPunct="1">
-              <a:defRPr sz="1800" kern="1200">
-                <a:solidFill>
-                  <a:schemeClr val="tx1"/>
-                </a:solidFill>
-                <a:latin typeface="+mn-lt"/>
-                <a:ea typeface="+mn-ea"/>
-                <a:cs typeface="+mn-cs"/>
-              </a:defRPr>
-            </a:lvl8pPr>
-            <a:lvl9pPr marL="3657600" algn="l" defTabSz="457200" rtl="0" eaLnBrk="1" latinLnBrk="0" hangingPunct="1">
-              <a:defRPr sz="1800" kern="1200">
-                <a:solidFill>
-                  <a:schemeClr val="tx1"/>
-                </a:solidFill>
-                <a:latin typeface="+mn-lt"/>
-                <a:ea typeface="+mn-ea"/>
-                <a:cs typeface="+mn-cs"/>
-              </a:defRPr>
-            </a:lvl9pPr>
-          </a:lstStyle>
-          <a:p>
-            <a:fld id="{4DBC7FC8-25FB-FC45-8177-2B991DA6778C}" type="slidenum">
-              <a:rPr lang="en-US" smtClean="0"/>
-              <a:pPr/>
+            <a:endParaRPr lang="en-US" dirty="0"/>
+          </a:p>
+        </p:txBody>
+      </p:sp>
+      <p:sp>
+        <p:nvSpPr>
+          <p:cNvPr id="7" name="Slide Number Placeholder 6"/>
+          <p:cNvSpPr>
+            <a:spLocks noGrp="1"/>
+          </p:cNvSpPr>
+          <p:nvPr>
+            <p:ph type="sldNum" sz="quarter" idx="12"/>
+          </p:nvPr>
+        </p:nvSpPr>
+        <p:spPr/>
+        <p:txBody>
+          <a:bodyPr/>
+          <a:lstStyle/>
+          <a:p>
+            <a:fld id="{4382A7F7-08BF-4252-8141-63FB96055BBB}" type="slidenum">
+              <a:rPr lang="en-US" smtClean="0"/>
               <a:t>‹#›</a:t>
             </a:fld>
-            <a:endParaRPr lang="en-US" dirty="0"/>
+            <a:endParaRPr lang="en-US"/>
           </a:p>
         </p:txBody>
       </p:sp>
     </p:spTree>
+    <p:extLst>
+      <p:ext uri="{BB962C8B-B14F-4D97-AF65-F5344CB8AC3E}">
+        <p14:creationId xmlns:p14="http://schemas.microsoft.com/office/powerpoint/2010/main" val="365420663"/>
+      </p:ext>
+    </p:extLst>
   </p:cSld>
   <p:clrMapOvr>
     <a:masterClrMapping/>
@@ -2476,7 +2466,7 @@
       </p:grpSpPr>
       <p:sp>
         <p:nvSpPr>
-          <p:cNvPr id="2" name="Title 1"/>
+          <p:cNvPr id="10" name="Title 9"/>
           <p:cNvSpPr>
             <a:spLocks noGrp="1"/>
           </p:cNvSpPr>
@@ -2484,20 +2474,21 @@
             <p:ph type="title"/>
           </p:nvPr>
         </p:nvSpPr>
-        <p:spPr/>
+        <p:spPr>
+          <a:xfrm>
+            <a:off x="822960" y="286604"/>
+            <a:ext cx="7543800" cy="1450757"/>
+          </a:xfrm>
+        </p:spPr>
         <p:txBody>
           <a:bodyPr/>
-          <a:lstStyle>
-            <a:lvl1pPr>
-              <a:defRPr/>
-            </a:lvl1pPr>
-          </a:lstStyle>
+          <a:lstStyle/>
           <a:p>
             <a:r>
               <a:rPr lang="en-US" smtClean="0"/>
               <a:t>Click to edit Master title style</a:t>
             </a:r>
-            <a:endParaRPr lang="en-US"/>
+            <a:endParaRPr lang="en-US" dirty="0"/>
           </a:p>
         </p:txBody>
       </p:sp>
@@ -2513,22 +2504,21 @@
         </p:nvSpPr>
         <p:spPr>
           <a:xfrm>
-            <a:off x="1627632" y="1572768"/>
-            <a:ext cx="3291840" cy="639762"/>
-          </a:xfrm>
-        </p:spPr>
-        <p:txBody>
-          <a:bodyPr anchor="b">
-            <a:noAutofit/>
+            <a:off x="822960" y="1846052"/>
+            <a:ext cx="3703320" cy="736282"/>
+          </a:xfrm>
+        </p:spPr>
+        <p:txBody>
+          <a:bodyPr lIns="91440" rIns="91440" anchor="ctr">
+            <a:normAutofit/>
           </a:bodyPr>
           <a:lstStyle>
             <a:lvl1pPr marL="0" indent="0">
               <a:buNone/>
-              <a:defRPr sz="1800" b="0" cap="all" spc="100" baseline="0">
+              <a:defRPr sz="2000" b="0" cap="all" baseline="0">
                 <a:solidFill>
-                  <a:schemeClr val="tx1"/>
+                  <a:schemeClr val="tx2"/>
                 </a:solidFill>
-                <a:latin typeface="+mj-lt"/>
               </a:defRPr>
             </a:lvl1pPr>
             <a:lvl2pPr marL="457200" indent="0">
@@ -2585,41 +2575,13 @@
         </p:nvSpPr>
         <p:spPr>
           <a:xfrm>
-            <a:off x="1627632" y="2259366"/>
-            <a:ext cx="3291840" cy="3840480"/>
+            <a:off x="822960" y="2582334"/>
+            <a:ext cx="3703320" cy="3286760"/>
           </a:xfrm>
         </p:spPr>
         <p:txBody>
           <a:bodyPr/>
-          <a:lstStyle>
-            <a:lvl1pPr>
-              <a:defRPr sz="2400"/>
-            </a:lvl1pPr>
-            <a:lvl2pPr>
-              <a:defRPr sz="2000"/>
-            </a:lvl2pPr>
-            <a:lvl3pPr>
-              <a:defRPr sz="1800"/>
-            </a:lvl3pPr>
-            <a:lvl4pPr>
-              <a:defRPr sz="1600"/>
-            </a:lvl4pPr>
-            <a:lvl5pPr>
-              <a:defRPr sz="1600"/>
-            </a:lvl5pPr>
-            <a:lvl6pPr>
-              <a:defRPr sz="1600"/>
-            </a:lvl6pPr>
-            <a:lvl7pPr>
-              <a:defRPr sz="1600"/>
-            </a:lvl7pPr>
-            <a:lvl8pPr>
-              <a:defRPr sz="1600"/>
-            </a:lvl8pPr>
-            <a:lvl9pPr>
-              <a:defRPr sz="1600"/>
-            </a:lvl9pPr>
-          </a:lstStyle>
+          <a:lstStyle/>
           <a:p>
             <a:pPr lvl="0"/>
             <a:r>
@@ -2670,24 +2632,21 @@
         </p:nvSpPr>
         <p:spPr>
           <a:xfrm>
-            <a:off x="5093208" y="1572768"/>
-            <a:ext cx="3291840" cy="639762"/>
-          </a:xfrm>
-        </p:spPr>
-        <p:txBody>
-          <a:bodyPr anchor="b">
-            <a:noAutofit/>
+            <a:off x="4663440" y="1846052"/>
+            <a:ext cx="3703320" cy="736282"/>
+          </a:xfrm>
+        </p:spPr>
+        <p:txBody>
+          <a:bodyPr lIns="91440" rIns="91440" anchor="ctr">
+            <a:normAutofit/>
           </a:bodyPr>
           <a:lstStyle>
             <a:lvl1pPr marL="0" indent="0">
               <a:buNone/>
-              <a:defRPr lang="en-US" sz="1800" b="0" kern="1200" cap="all" spc="100" baseline="0" dirty="0" smtClean="0">
+              <a:defRPr sz="2000" b="0" cap="all" baseline="0">
                 <a:solidFill>
-                  <a:schemeClr val="tx1"/>
+                  <a:schemeClr val="tx2"/>
                 </a:solidFill>
-                <a:latin typeface="+mj-lt"/>
-                <a:ea typeface="+mn-ea"/>
-                <a:cs typeface="+mn-cs"/>
               </a:defRPr>
             </a:lvl1pPr>
             <a:lvl2pPr marL="457200" indent="0">
@@ -2724,13 +2683,7 @@
             </a:lvl9pPr>
           </a:lstStyle>
           <a:p>
-            <a:pPr marL="0" lvl="0" indent="0" algn="l" defTabSz="914400" rtl="0" eaLnBrk="1" latinLnBrk="0" hangingPunct="1">
-              <a:spcBef>
-                <a:spcPct val="20000"/>
-              </a:spcBef>
-              <a:buFont typeface="Arial" pitchFamily="34" charset="0"/>
-              <a:buNone/>
-            </a:pPr>
+            <a:pPr lvl="0"/>
             <a:r>
               <a:rPr lang="en-US" smtClean="0"/>
               <a:t>Click to edit Master text styles</a:t>
@@ -2750,41 +2703,13 @@
         </p:nvSpPr>
         <p:spPr>
           <a:xfrm>
-            <a:off x="5093208" y="2259366"/>
-            <a:ext cx="3291840" cy="3840480"/>
+            <a:off x="4663440" y="2582334"/>
+            <a:ext cx="3703320" cy="3286760"/>
           </a:xfrm>
         </p:spPr>
         <p:txBody>
           <a:bodyPr/>
-          <a:lstStyle>
-            <a:lvl1pPr>
-              <a:defRPr sz="2400"/>
-            </a:lvl1pPr>
-            <a:lvl2pPr>
-              <a:defRPr sz="2000"/>
-            </a:lvl2pPr>
-            <a:lvl3pPr>
-              <a:defRPr sz="1800"/>
-            </a:lvl3pPr>
-            <a:lvl4pPr>
-              <a:defRPr sz="1600"/>
-            </a:lvl4pPr>
-            <a:lvl5pPr>
-              <a:defRPr sz="1600"/>
-            </a:lvl5pPr>
-            <a:lvl6pPr>
-              <a:defRPr sz="1600"/>
-            </a:lvl6pPr>
-            <a:lvl7pPr>
-              <a:defRPr sz="1600"/>
-            </a:lvl7pPr>
-            <a:lvl8pPr>
-              <a:defRPr sz="1600"/>
-            </a:lvl8pPr>
-            <a:lvl9pPr>
-              <a:defRPr sz="1600"/>
-            </a:lvl9pPr>
-          </a:lstStyle>
+          <a:lstStyle/>
           <a:p>
             <a:pPr lvl="0"/>
             <a:r>
@@ -2838,9 +2763,9 @@
           <a:bodyPr/>
           <a:lstStyle/>
           <a:p>
-            <a:fld id="{83CDD9E9-B4FC-794F-9749-8B18A75F0B35}" type="datetime1">
-              <a:rPr lang="en-US" smtClean="0"/>
-              <a:t>6/29/2015</a:t>
+            <a:fld id="{18F252B0-687D-184F-B682-0021640A5D63}" type="datetime1">
+              <a:rPr lang="en-US" smtClean="0"/>
+              <a:t>11/13/15</a:t>
             </a:fld>
             <a:endParaRPr lang="en-US"/>
           </a:p>
@@ -2862,8 +2787,8 @@
           <a:lstStyle/>
           <a:p>
             <a:r>
-              <a:rPr lang="en-US" smtClean="0"/>
-              <a:t>© 2015, EV3Lessons.com, (last edit 4/5/2015)</a:t>
+              <a:rPr lang="sk-SK" smtClean="0"/>
+              <a:t>© 2015 EV3Lessons.com, Last edit 11/13/2015</a:t>
             </a:r>
             <a:endParaRPr lang="en-US"/>
           </a:p>
@@ -2871,129 +2796,33 @@
       </p:sp>
       <p:sp>
         <p:nvSpPr>
-          <p:cNvPr id="10" name="Slide Number Placeholder 5"/>
-          <p:cNvSpPr txBox="1">
-            <a:spLocks/>
-          </p:cNvSpPr>
-          <p:nvPr userDrawn="1"/>
-        </p:nvSpPr>
-        <p:spPr>
-          <a:xfrm>
-            <a:off x="8343263" y="6417660"/>
-            <a:ext cx="657861" cy="365125"/>
-          </a:xfrm>
-          <a:prstGeom prst="rect">
-            <a:avLst/>
-          </a:prstGeom>
-        </p:spPr>
-        <p:txBody>
-          <a:bodyPr vert="horz" lIns="91440" tIns="45720" rIns="91440" bIns="45720" rtlCol="0" anchor="ctr"/>
-          <a:lstStyle>
-            <a:defPPr>
-              <a:defRPr lang="en-US"/>
-            </a:defPPr>
-            <a:lvl1pPr marL="0" algn="l" defTabSz="457200" rtl="0" eaLnBrk="1" latinLnBrk="0" hangingPunct="1">
-              <a:defRPr sz="2400" b="1" kern="1200">
-                <a:solidFill>
-                  <a:schemeClr val="tx2"/>
-                </a:solidFill>
-                <a:latin typeface="+mn-lt"/>
-                <a:ea typeface="+mn-ea"/>
-                <a:cs typeface="+mn-cs"/>
-              </a:defRPr>
-            </a:lvl1pPr>
-            <a:lvl2pPr marL="457200" algn="l" defTabSz="457200" rtl="0" eaLnBrk="1" latinLnBrk="0" hangingPunct="1">
-              <a:defRPr sz="1800" kern="1200">
-                <a:solidFill>
-                  <a:schemeClr val="tx1"/>
-                </a:solidFill>
-                <a:latin typeface="+mn-lt"/>
-                <a:ea typeface="+mn-ea"/>
-                <a:cs typeface="+mn-cs"/>
-              </a:defRPr>
-            </a:lvl2pPr>
-            <a:lvl3pPr marL="914400" algn="l" defTabSz="457200" rtl="0" eaLnBrk="1" latinLnBrk="0" hangingPunct="1">
-              <a:defRPr sz="1800" kern="1200">
-                <a:solidFill>
-                  <a:schemeClr val="tx1"/>
-                </a:solidFill>
-                <a:latin typeface="+mn-lt"/>
-                <a:ea typeface="+mn-ea"/>
-                <a:cs typeface="+mn-cs"/>
-              </a:defRPr>
-            </a:lvl3pPr>
-            <a:lvl4pPr marL="1371600" algn="l" defTabSz="457200" rtl="0" eaLnBrk="1" latinLnBrk="0" hangingPunct="1">
-              <a:defRPr sz="1800" kern="1200">
-                <a:solidFill>
-                  <a:schemeClr val="tx1"/>
-                </a:solidFill>
-                <a:latin typeface="+mn-lt"/>
-                <a:ea typeface="+mn-ea"/>
-                <a:cs typeface="+mn-cs"/>
-              </a:defRPr>
-            </a:lvl4pPr>
-            <a:lvl5pPr marL="1828800" algn="l" defTabSz="457200" rtl="0" eaLnBrk="1" latinLnBrk="0" hangingPunct="1">
-              <a:defRPr sz="1800" kern="1200">
-                <a:solidFill>
-                  <a:schemeClr val="tx1"/>
-                </a:solidFill>
-                <a:latin typeface="+mn-lt"/>
-                <a:ea typeface="+mn-ea"/>
-                <a:cs typeface="+mn-cs"/>
-              </a:defRPr>
-            </a:lvl5pPr>
-            <a:lvl6pPr marL="2286000" algn="l" defTabSz="457200" rtl="0" eaLnBrk="1" latinLnBrk="0" hangingPunct="1">
-              <a:defRPr sz="1800" kern="1200">
-                <a:solidFill>
-                  <a:schemeClr val="tx1"/>
-                </a:solidFill>
-                <a:latin typeface="+mn-lt"/>
-                <a:ea typeface="+mn-ea"/>
-                <a:cs typeface="+mn-cs"/>
-              </a:defRPr>
-            </a:lvl6pPr>
-            <a:lvl7pPr marL="2743200" algn="l" defTabSz="457200" rtl="0" eaLnBrk="1" latinLnBrk="0" hangingPunct="1">
-              <a:defRPr sz="1800" kern="1200">
-                <a:solidFill>
-                  <a:schemeClr val="tx1"/>
-                </a:solidFill>
-                <a:latin typeface="+mn-lt"/>
-                <a:ea typeface="+mn-ea"/>
-                <a:cs typeface="+mn-cs"/>
-              </a:defRPr>
-            </a:lvl7pPr>
-            <a:lvl8pPr marL="3200400" algn="l" defTabSz="457200" rtl="0" eaLnBrk="1" latinLnBrk="0" hangingPunct="1">
-              <a:defRPr sz="1800" kern="1200">
-                <a:solidFill>
-                  <a:schemeClr val="tx1"/>
-                </a:solidFill>
-                <a:latin typeface="+mn-lt"/>
-                <a:ea typeface="+mn-ea"/>
-                <a:cs typeface="+mn-cs"/>
-              </a:defRPr>
-            </a:lvl8pPr>
-            <a:lvl9pPr marL="3657600" algn="l" defTabSz="457200" rtl="0" eaLnBrk="1" latinLnBrk="0" hangingPunct="1">
-              <a:defRPr sz="1800" kern="1200">
-                <a:solidFill>
-                  <a:schemeClr val="tx1"/>
-                </a:solidFill>
-                <a:latin typeface="+mn-lt"/>
-                <a:ea typeface="+mn-ea"/>
-                <a:cs typeface="+mn-cs"/>
-              </a:defRPr>
-            </a:lvl9pPr>
-          </a:lstStyle>
-          <a:p>
-            <a:fld id="{4DBC7FC8-25FB-FC45-8177-2B991DA6778C}" type="slidenum">
-              <a:rPr lang="en-US" smtClean="0"/>
-              <a:pPr/>
+          <p:cNvPr id="9" name="Slide Number Placeholder 8"/>
+          <p:cNvSpPr>
+            <a:spLocks noGrp="1"/>
+          </p:cNvSpPr>
+          <p:nvPr>
+            <p:ph type="sldNum" sz="quarter" idx="12"/>
+          </p:nvPr>
+        </p:nvSpPr>
+        <p:spPr/>
+        <p:txBody>
+          <a:bodyPr/>
+          <a:lstStyle/>
+          <a:p>
+            <a:fld id="{4382A7F7-08BF-4252-8141-63FB96055BBB}" type="slidenum">
+              <a:rPr lang="en-US" smtClean="0"/>
               <a:t>‹#›</a:t>
             </a:fld>
-            <a:endParaRPr lang="en-US" dirty="0"/>
+            <a:endParaRPr lang="en-US"/>
           </a:p>
         </p:txBody>
       </p:sp>
     </p:spTree>
+    <p:extLst>
+      <p:ext uri="{BB962C8B-B14F-4D97-AF65-F5344CB8AC3E}">
+        <p14:creationId xmlns:p14="http://schemas.microsoft.com/office/powerpoint/2010/main" val="1616688712"/>
+      </p:ext>
+    </p:extLst>
   </p:cSld>
   <p:clrMapOvr>
     <a:masterClrMapping/>
@@ -3037,7 +2866,7 @@
               <a:rPr lang="en-US" smtClean="0"/>
               <a:t>Click to edit Master title style</a:t>
             </a:r>
-            <a:endParaRPr lang="en-US"/>
+            <a:endParaRPr lang="en-US" dirty="0"/>
           </a:p>
         </p:txBody>
       </p:sp>
@@ -3056,9 +2885,9 @@
           <a:bodyPr/>
           <a:lstStyle/>
           <a:p>
-            <a:fld id="{DB1DFBFF-CF8A-0A4A-A3E1-572D0308CBC8}" type="datetime1">
-              <a:rPr lang="en-US" smtClean="0"/>
-              <a:t>6/29/2015</a:t>
+            <a:fld id="{3457AD7A-12C8-EA48-9011-B2F46261DD98}" type="datetime1">
+              <a:rPr lang="en-US" smtClean="0"/>
+              <a:t>11/13/15</a:t>
             </a:fld>
             <a:endParaRPr lang="en-US"/>
           </a:p>
@@ -3080,8 +2909,8 @@
           <a:lstStyle/>
           <a:p>
             <a:r>
-              <a:rPr lang="en-US" smtClean="0"/>
-              <a:t>© 2015, EV3Lessons.com, (last edit 4/5/2015)</a:t>
+              <a:rPr lang="sk-SK" smtClean="0"/>
+              <a:t>© 2015 EV3Lessons.com, Last edit 11/13/2015</a:t>
             </a:r>
             <a:endParaRPr lang="en-US"/>
           </a:p>
@@ -3097,20 +2926,12 @@
             <p:ph type="sldNum" sz="quarter" idx="12"/>
           </p:nvPr>
         </p:nvSpPr>
-        <p:spPr>
-          <a:xfrm rot="16200000">
-            <a:off x="8227377" y="5885497"/>
-            <a:ext cx="1315721" cy="365125"/>
-          </a:xfrm>
-          <a:prstGeom prst="rect">
-            <a:avLst/>
-          </a:prstGeom>
-        </p:spPr>
+        <p:spPr/>
         <p:txBody>
           <a:bodyPr/>
           <a:lstStyle/>
           <a:p>
-            <a:fld id="{4DBC7FC8-25FB-FC45-8177-2B991DA6778C}" type="slidenum">
+            <a:fld id="{4382A7F7-08BF-4252-8141-63FB96055BBB}" type="slidenum">
               <a:rPr lang="en-US" smtClean="0"/>
               <a:t>‹#›</a:t>
             </a:fld>
@@ -3119,6 +2940,11 @@
         </p:txBody>
       </p:sp>
     </p:spTree>
+    <p:extLst>
+      <p:ext uri="{BB962C8B-B14F-4D97-AF65-F5344CB8AC3E}">
+        <p14:creationId xmlns:p14="http://schemas.microsoft.com/office/powerpoint/2010/main" val="628148209"/>
+      </p:ext>
+    </p:extLst>
   </p:cSld>
   <p:clrMapOvr>
     <a:masterClrMapping/>
@@ -3127,7 +2953,7 @@
 </file>
 
 <file path=ppt/slideLayouts/slideLayout7.xml><?xml version="1.0" encoding="utf-8"?>
-<p:sldLayout xmlns:a="http://schemas.openxmlformats.org/drawingml/2006/main" xmlns:r="http://schemas.openxmlformats.org/officeDocument/2006/relationships" xmlns:p="http://schemas.openxmlformats.org/presentationml/2006/main" type="blank" preserve="1">
+<p:sldLayout xmlns:a="http://schemas.openxmlformats.org/drawingml/2006/main" xmlns:r="http://schemas.openxmlformats.org/officeDocument/2006/relationships" xmlns:p="http://schemas.openxmlformats.org/presentationml/2006/main" showMasterSp="0" type="blank" preserve="1">
   <p:cSld name="Blank">
     <p:spTree>
       <p:nvGrpSpPr>
@@ -3145,175 +2971,163 @@
       </p:grpSpPr>
       <p:sp>
         <p:nvSpPr>
-          <p:cNvPr id="2" name="Date Placeholder 1"/>
-          <p:cNvSpPr>
-            <a:spLocks noGrp="1"/>
-          </p:cNvSpPr>
-          <p:nvPr>
-            <p:ph type="dt" sz="half" idx="10"/>
-          </p:nvPr>
-        </p:nvSpPr>
-        <p:spPr/>
-        <p:txBody>
-          <a:bodyPr/>
-          <a:lstStyle/>
-          <a:p>
-            <a:fld id="{14FAC926-6AD3-104B-B6D3-768247AD397F}" type="datetime1">
-              <a:rPr lang="en-US" smtClean="0"/>
-              <a:t>6/29/2015</a:t>
-            </a:fld>
-            <a:endParaRPr lang="en-US"/>
-          </a:p>
-        </p:txBody>
-      </p:sp>
-      <p:sp>
-        <p:nvSpPr>
-          <p:cNvPr id="3" name="Footer Placeholder 2"/>
-          <p:cNvSpPr>
-            <a:spLocks noGrp="1"/>
-          </p:cNvSpPr>
-          <p:nvPr>
-            <p:ph type="ftr" sz="quarter" idx="11"/>
-          </p:nvPr>
-        </p:nvSpPr>
-        <p:spPr/>
-        <p:txBody>
-          <a:bodyPr/>
-          <a:lstStyle/>
-          <a:p>
-            <a:r>
-              <a:rPr lang="en-US" smtClean="0"/>
-              <a:t>© 2015, EV3Lessons.com, (last edit 4/5/2015)</a:t>
-            </a:r>
-            <a:endParaRPr lang="en-US"/>
-          </a:p>
-        </p:txBody>
-      </p:sp>
-      <p:sp>
-        <p:nvSpPr>
-          <p:cNvPr id="5" name="Slide Number Placeholder 5"/>
-          <p:cNvSpPr txBox="1">
-            <a:spLocks/>
-          </p:cNvSpPr>
-          <p:nvPr userDrawn="1"/>
+          <p:cNvPr id="5" name="Rectangle 4"/>
+          <p:cNvSpPr/>
+          <p:nvPr/>
         </p:nvSpPr>
         <p:spPr>
           <a:xfrm>
-            <a:off x="8343263" y="6417660"/>
-            <a:ext cx="657861" cy="365125"/>
+            <a:off x="2382" y="6400800"/>
+            <a:ext cx="9141619" cy="457200"/>
           </a:xfrm>
           <a:prstGeom prst="rect">
             <a:avLst/>
           </a:prstGeom>
-        </p:spPr>
-        <p:txBody>
-          <a:bodyPr vert="horz" lIns="91440" tIns="45720" rIns="91440" bIns="45720" rtlCol="0" anchor="ctr"/>
+          <a:solidFill>
+            <a:schemeClr val="accent2"/>
+          </a:solidFill>
+          <a:ln>
+            <a:noFill/>
+          </a:ln>
+        </p:spPr>
+        <p:style>
+          <a:lnRef idx="2">
+            <a:schemeClr val="accent1">
+              <a:shade val="50000"/>
+            </a:schemeClr>
+          </a:lnRef>
+          <a:fillRef idx="1">
+            <a:schemeClr val="accent1"/>
+          </a:fillRef>
+          <a:effectRef idx="0">
+            <a:schemeClr val="accent1"/>
+          </a:effectRef>
+          <a:fontRef idx="minor">
+            <a:schemeClr val="lt1"/>
+          </a:fontRef>
+        </p:style>
+      </p:sp>
+      <p:sp>
+        <p:nvSpPr>
+          <p:cNvPr id="6" name="Rectangle 5"/>
+          <p:cNvSpPr/>
+          <p:nvPr/>
+        </p:nvSpPr>
+        <p:spPr>
+          <a:xfrm>
+            <a:off x="12" y="6334316"/>
+            <a:ext cx="9141619" cy="64008"/>
+          </a:xfrm>
+          <a:prstGeom prst="rect">
+            <a:avLst/>
+          </a:prstGeom>
+          <a:solidFill>
+            <a:schemeClr val="accent1"/>
+          </a:solidFill>
+          <a:ln>
+            <a:noFill/>
+          </a:ln>
+        </p:spPr>
+        <p:style>
+          <a:lnRef idx="2">
+            <a:schemeClr val="accent1">
+              <a:shade val="50000"/>
+            </a:schemeClr>
+          </a:lnRef>
+          <a:fillRef idx="1">
+            <a:schemeClr val="accent1"/>
+          </a:fillRef>
+          <a:effectRef idx="0">
+            <a:schemeClr val="accent1"/>
+          </a:effectRef>
+          <a:fontRef idx="minor">
+            <a:schemeClr val="lt1"/>
+          </a:fontRef>
+        </p:style>
+      </p:sp>
+      <p:sp>
+        <p:nvSpPr>
+          <p:cNvPr id="7" name="Date Placeholder 6"/>
+          <p:cNvSpPr>
+            <a:spLocks noGrp="1"/>
+          </p:cNvSpPr>
+          <p:nvPr>
+            <p:ph type="dt" sz="half" idx="10"/>
+          </p:nvPr>
+        </p:nvSpPr>
+        <p:spPr/>
+        <p:txBody>
+          <a:bodyPr/>
+          <a:lstStyle/>
+          <a:p>
+            <a:fld id="{77D3C5C7-2346-9A49-8660-921460E2744B}" type="datetime1">
+              <a:rPr lang="en-US" smtClean="0"/>
+              <a:t>11/13/15</a:t>
+            </a:fld>
+            <a:endParaRPr lang="en-US"/>
+          </a:p>
+        </p:txBody>
+      </p:sp>
+      <p:sp>
+        <p:nvSpPr>
+          <p:cNvPr id="8" name="Footer Placeholder 7"/>
+          <p:cNvSpPr>
+            <a:spLocks noGrp="1"/>
+          </p:cNvSpPr>
+          <p:nvPr>
+            <p:ph type="ftr" sz="quarter" idx="11"/>
+          </p:nvPr>
+        </p:nvSpPr>
+        <p:spPr/>
+        <p:txBody>
+          <a:bodyPr/>
           <a:lstStyle>
-            <a:defPPr>
-              <a:defRPr lang="en-US"/>
-            </a:defPPr>
-            <a:lvl1pPr marL="0" algn="l" defTabSz="457200" rtl="0" eaLnBrk="1" latinLnBrk="0" hangingPunct="1">
-              <a:defRPr sz="2400" b="1" kern="1200">
+            <a:lvl1pPr>
+              <a:defRPr>
                 <a:solidFill>
-                  <a:schemeClr val="tx2"/>
+                  <a:srgbClr val="FFFFFF"/>
                 </a:solidFill>
-                <a:latin typeface="+mn-lt"/>
-                <a:ea typeface="+mn-ea"/>
-                <a:cs typeface="+mn-cs"/>
               </a:defRPr>
             </a:lvl1pPr>
-            <a:lvl2pPr marL="457200" algn="l" defTabSz="457200" rtl="0" eaLnBrk="1" latinLnBrk="0" hangingPunct="1">
-              <a:defRPr sz="1800" kern="1200">
-                <a:solidFill>
-                  <a:schemeClr val="tx1"/>
-                </a:solidFill>
-                <a:latin typeface="+mn-lt"/>
-                <a:ea typeface="+mn-ea"/>
-                <a:cs typeface="+mn-cs"/>
-              </a:defRPr>
-            </a:lvl2pPr>
-            <a:lvl3pPr marL="914400" algn="l" defTabSz="457200" rtl="0" eaLnBrk="1" latinLnBrk="0" hangingPunct="1">
-              <a:defRPr sz="1800" kern="1200">
-                <a:solidFill>
-                  <a:schemeClr val="tx1"/>
-                </a:solidFill>
-                <a:latin typeface="+mn-lt"/>
-                <a:ea typeface="+mn-ea"/>
-                <a:cs typeface="+mn-cs"/>
-              </a:defRPr>
-            </a:lvl3pPr>
-            <a:lvl4pPr marL="1371600" algn="l" defTabSz="457200" rtl="0" eaLnBrk="1" latinLnBrk="0" hangingPunct="1">
-              <a:defRPr sz="1800" kern="1200">
-                <a:solidFill>
-                  <a:schemeClr val="tx1"/>
-                </a:solidFill>
-                <a:latin typeface="+mn-lt"/>
-                <a:ea typeface="+mn-ea"/>
-                <a:cs typeface="+mn-cs"/>
-              </a:defRPr>
-            </a:lvl4pPr>
-            <a:lvl5pPr marL="1828800" algn="l" defTabSz="457200" rtl="0" eaLnBrk="1" latinLnBrk="0" hangingPunct="1">
-              <a:defRPr sz="1800" kern="1200">
-                <a:solidFill>
-                  <a:schemeClr val="tx1"/>
-                </a:solidFill>
-                <a:latin typeface="+mn-lt"/>
-                <a:ea typeface="+mn-ea"/>
-                <a:cs typeface="+mn-cs"/>
-              </a:defRPr>
-            </a:lvl5pPr>
-            <a:lvl6pPr marL="2286000" algn="l" defTabSz="457200" rtl="0" eaLnBrk="1" latinLnBrk="0" hangingPunct="1">
-              <a:defRPr sz="1800" kern="1200">
-                <a:solidFill>
-                  <a:schemeClr val="tx1"/>
-                </a:solidFill>
-                <a:latin typeface="+mn-lt"/>
-                <a:ea typeface="+mn-ea"/>
-                <a:cs typeface="+mn-cs"/>
-              </a:defRPr>
-            </a:lvl6pPr>
-            <a:lvl7pPr marL="2743200" algn="l" defTabSz="457200" rtl="0" eaLnBrk="1" latinLnBrk="0" hangingPunct="1">
-              <a:defRPr sz="1800" kern="1200">
-                <a:solidFill>
-                  <a:schemeClr val="tx1"/>
-                </a:solidFill>
-                <a:latin typeface="+mn-lt"/>
-                <a:ea typeface="+mn-ea"/>
-                <a:cs typeface="+mn-cs"/>
-              </a:defRPr>
-            </a:lvl7pPr>
-            <a:lvl8pPr marL="3200400" algn="l" defTabSz="457200" rtl="0" eaLnBrk="1" latinLnBrk="0" hangingPunct="1">
-              <a:defRPr sz="1800" kern="1200">
-                <a:solidFill>
-                  <a:schemeClr val="tx1"/>
-                </a:solidFill>
-                <a:latin typeface="+mn-lt"/>
-                <a:ea typeface="+mn-ea"/>
-                <a:cs typeface="+mn-cs"/>
-              </a:defRPr>
-            </a:lvl8pPr>
-            <a:lvl9pPr marL="3657600" algn="l" defTabSz="457200" rtl="0" eaLnBrk="1" latinLnBrk="0" hangingPunct="1">
-              <a:defRPr sz="1800" kern="1200">
-                <a:solidFill>
-                  <a:schemeClr val="tx1"/>
-                </a:solidFill>
-                <a:latin typeface="+mn-lt"/>
-                <a:ea typeface="+mn-ea"/>
-                <a:cs typeface="+mn-cs"/>
-              </a:defRPr>
-            </a:lvl9pPr>
           </a:lstStyle>
           <a:p>
-            <a:fld id="{4DBC7FC8-25FB-FC45-8177-2B991DA6778C}" type="slidenum">
-              <a:rPr lang="en-US" smtClean="0"/>
-              <a:pPr/>
+            <a:r>
+              <a:rPr lang="sk-SK" smtClean="0"/>
+              <a:t>© 2015 EV3Lessons.com, Last edit 11/13/2015</a:t>
+            </a:r>
+            <a:endParaRPr lang="en-US"/>
+          </a:p>
+        </p:txBody>
+      </p:sp>
+      <p:sp>
+        <p:nvSpPr>
+          <p:cNvPr id="9" name="Slide Number Placeholder 8"/>
+          <p:cNvSpPr>
+            <a:spLocks noGrp="1"/>
+          </p:cNvSpPr>
+          <p:nvPr>
+            <p:ph type="sldNum" sz="quarter" idx="12"/>
+          </p:nvPr>
+        </p:nvSpPr>
+        <p:spPr/>
+        <p:txBody>
+          <a:bodyPr/>
+          <a:lstStyle/>
+          <a:p>
+            <a:fld id="{4382A7F7-08BF-4252-8141-63FB96055BBB}" type="slidenum">
+              <a:rPr lang="en-US" smtClean="0"/>
               <a:t>‹#›</a:t>
             </a:fld>
-            <a:endParaRPr lang="en-US" dirty="0"/>
+            <a:endParaRPr lang="en-US"/>
           </a:p>
         </p:txBody>
       </p:sp>
     </p:spTree>
+    <p:extLst>
+      <p:ext uri="{BB962C8B-B14F-4D97-AF65-F5344CB8AC3E}">
+        <p14:creationId xmlns:p14="http://schemas.microsoft.com/office/powerpoint/2010/main" val="81499819"/>
+      </p:ext>
+    </p:extLst>
   </p:cSld>
   <p:clrMapOvr>
     <a:masterClrMapping/>
@@ -3322,7 +3136,7 @@
 </file>
 
 <file path=ppt/slideLayouts/slideLayout8.xml><?xml version="1.0" encoding="utf-8"?>
-<p:sldLayout xmlns:a="http://schemas.openxmlformats.org/drawingml/2006/main" xmlns:r="http://schemas.openxmlformats.org/officeDocument/2006/relationships" xmlns:p="http://schemas.openxmlformats.org/presentationml/2006/main" type="objTx" preserve="1">
+<p:sldLayout xmlns:a="http://schemas.openxmlformats.org/drawingml/2006/main" xmlns:r="http://schemas.openxmlformats.org/officeDocument/2006/relationships" xmlns:p="http://schemas.openxmlformats.org/presentationml/2006/main" showMasterSp="0" type="objTx" preserve="1">
   <p:cSld name="Content with Caption">
     <p:spTree>
       <p:nvGrpSpPr>
@@ -3340,52 +3154,138 @@
       </p:grpSpPr>
       <p:sp>
         <p:nvSpPr>
-          <p:cNvPr id="3" name="Content Placeholder 2"/>
-          <p:cNvSpPr>
-            <a:spLocks noGrp="1"/>
-          </p:cNvSpPr>
-          <p:nvPr>
-            <p:ph idx="1"/>
-          </p:nvPr>
+          <p:cNvPr id="8" name="Rectangle 7"/>
+          <p:cNvSpPr/>
+          <p:nvPr/>
         </p:nvSpPr>
         <p:spPr>
           <a:xfrm>
-            <a:off x="3575050" y="1600200"/>
-            <a:ext cx="5111750" cy="4480560"/>
-          </a:xfrm>
-        </p:spPr>
-        <p:txBody>
-          <a:bodyPr/>
+            <a:off x="13" y="0"/>
+            <a:ext cx="3038093" cy="6858000"/>
+          </a:xfrm>
+          <a:prstGeom prst="rect">
+            <a:avLst/>
+          </a:prstGeom>
+          <a:solidFill>
+            <a:schemeClr val="accent2"/>
+          </a:solidFill>
+          <a:ln>
+            <a:noFill/>
+          </a:ln>
+        </p:spPr>
+        <p:style>
+          <a:lnRef idx="2">
+            <a:schemeClr val="accent1">
+              <a:shade val="50000"/>
+            </a:schemeClr>
+          </a:lnRef>
+          <a:fillRef idx="1">
+            <a:schemeClr val="accent1"/>
+          </a:fillRef>
+          <a:effectRef idx="0">
+            <a:schemeClr val="accent1"/>
+          </a:effectRef>
+          <a:fontRef idx="minor">
+            <a:schemeClr val="lt1"/>
+          </a:fontRef>
+        </p:style>
+      </p:sp>
+      <p:sp>
+        <p:nvSpPr>
+          <p:cNvPr id="9" name="Rectangle 8"/>
+          <p:cNvSpPr/>
+          <p:nvPr/>
+        </p:nvSpPr>
+        <p:spPr>
+          <a:xfrm>
+            <a:off x="3030053" y="0"/>
+            <a:ext cx="48006" cy="6858000"/>
+          </a:xfrm>
+          <a:prstGeom prst="rect">
+            <a:avLst/>
+          </a:prstGeom>
+          <a:solidFill>
+            <a:schemeClr val="accent1"/>
+          </a:solidFill>
+          <a:ln>
+            <a:noFill/>
+          </a:ln>
+        </p:spPr>
+        <p:style>
+          <a:lnRef idx="2">
+            <a:schemeClr val="accent1">
+              <a:shade val="50000"/>
+            </a:schemeClr>
+          </a:lnRef>
+          <a:fillRef idx="1">
+            <a:schemeClr val="accent1"/>
+          </a:fillRef>
+          <a:effectRef idx="0">
+            <a:schemeClr val="accent1"/>
+          </a:effectRef>
+          <a:fontRef idx="minor">
+            <a:schemeClr val="lt1"/>
+          </a:fontRef>
+        </p:style>
+      </p:sp>
+      <p:sp>
+        <p:nvSpPr>
+          <p:cNvPr id="2" name="Title 1"/>
+          <p:cNvSpPr>
+            <a:spLocks noGrp="1"/>
+          </p:cNvSpPr>
+          <p:nvPr>
+            <p:ph type="title"/>
+          </p:nvPr>
+        </p:nvSpPr>
+        <p:spPr>
+          <a:xfrm>
+            <a:off x="342900" y="594359"/>
+            <a:ext cx="2400300" cy="2286000"/>
+          </a:xfrm>
+        </p:spPr>
+        <p:txBody>
+          <a:bodyPr anchor="b">
+            <a:normAutofit/>
+          </a:bodyPr>
           <a:lstStyle>
             <a:lvl1pPr>
-              <a:defRPr sz="3200"/>
+              <a:defRPr sz="3600" b="0">
+                <a:solidFill>
+                  <a:srgbClr val="FFFFFF"/>
+                </a:solidFill>
+              </a:defRPr>
             </a:lvl1pPr>
-            <a:lvl2pPr>
-              <a:defRPr sz="2800"/>
-            </a:lvl2pPr>
-            <a:lvl3pPr>
-              <a:defRPr sz="2400"/>
-            </a:lvl3pPr>
-            <a:lvl4pPr>
-              <a:defRPr sz="2000"/>
-            </a:lvl4pPr>
-            <a:lvl5pPr>
-              <a:defRPr sz="2000"/>
-            </a:lvl5pPr>
-            <a:lvl6pPr>
-              <a:defRPr sz="2000"/>
-            </a:lvl6pPr>
-            <a:lvl7pPr>
-              <a:defRPr sz="2000"/>
-            </a:lvl7pPr>
-            <a:lvl8pPr>
-              <a:defRPr sz="2000"/>
-            </a:lvl8pPr>
-            <a:lvl9pPr>
-              <a:defRPr sz="2000"/>
-            </a:lvl9pPr>
           </a:lstStyle>
           <a:p>
+            <a:r>
+              <a:rPr lang="en-US" smtClean="0"/>
+              <a:t>Click to edit Master title style</a:t>
+            </a:r>
+            <a:endParaRPr lang="en-US" dirty="0"/>
+          </a:p>
+        </p:txBody>
+      </p:sp>
+      <p:sp>
+        <p:nvSpPr>
+          <p:cNvPr id="3" name="Content Placeholder 2"/>
+          <p:cNvSpPr>
+            <a:spLocks noGrp="1"/>
+          </p:cNvSpPr>
+          <p:nvPr>
+            <p:ph idx="1"/>
+          </p:nvPr>
+        </p:nvSpPr>
+        <p:spPr>
+          <a:xfrm>
+            <a:off x="3460237" y="731520"/>
+            <a:ext cx="5009393" cy="5257800"/>
+          </a:xfrm>
+        </p:spPr>
+        <p:txBody>
+          <a:bodyPr/>
+          <a:lstStyle/>
+          <a:p>
             <a:pPr lvl="0"/>
             <a:r>
               <a:rPr lang="en-US" smtClean="0"/>
@@ -3435,18 +3335,22 @@
         </p:nvSpPr>
         <p:spPr>
           <a:xfrm>
-            <a:off x="457200" y="1600200"/>
-            <a:ext cx="3008313" cy="4480560"/>
-          </a:xfrm>
-        </p:spPr>
-        <p:txBody>
-          <a:bodyPr>
+            <a:off x="342900" y="2926080"/>
+            <a:ext cx="2400300" cy="3379124"/>
+          </a:xfrm>
+        </p:spPr>
+        <p:txBody>
+          <a:bodyPr lIns="91440" rIns="91440">
             <a:normAutofit/>
           </a:bodyPr>
           <a:lstStyle>
             <a:lvl1pPr marL="0" indent="0">
               <a:buNone/>
-              <a:defRPr sz="1600"/>
+              <a:defRPr sz="1500">
+                <a:solidFill>
+                  <a:srgbClr val="FFFFFF"/>
+                </a:solidFill>
+              </a:defRPr>
             </a:lvl1pPr>
             <a:lvl2pPr marL="457200" indent="0">
               <a:buNone/>
@@ -3500,14 +3404,23 @@
             <p:ph type="dt" sz="half" idx="10"/>
           </p:nvPr>
         </p:nvSpPr>
-        <p:spPr/>
+        <p:spPr>
+          <a:xfrm>
+            <a:off x="349134" y="6459786"/>
+            <a:ext cx="1963883" cy="365125"/>
+          </a:xfrm>
+        </p:spPr>
         <p:txBody>
           <a:bodyPr/>
-          <a:lstStyle/>
-          <a:p>
-            <a:fld id="{8CD4E48B-D3AE-ED4D-BE7D-C46BD06AFB53}" type="datetime1">
-              <a:rPr lang="en-US" smtClean="0"/>
-              <a:t>6/29/2015</a:t>
+          <a:lstStyle>
+            <a:lvl1pPr algn="l">
+              <a:defRPr/>
+            </a:lvl1pPr>
+          </a:lstStyle>
+          <a:p>
+            <a:fld id="{E5A27797-1683-ED47-A74A-6DEBEDA39DC8}" type="datetime1">
+              <a:rPr lang="en-US" smtClean="0"/>
+              <a:t>11/13/15</a:t>
             </a:fld>
             <a:endParaRPr lang="en-US"/>
           </a:p>
@@ -3523,43 +3436,56 @@
             <p:ph type="ftr" sz="quarter" idx="11"/>
           </p:nvPr>
         </p:nvSpPr>
+        <p:spPr>
+          <a:xfrm>
+            <a:off x="3600450" y="6459786"/>
+            <a:ext cx="3486150" cy="365125"/>
+          </a:xfrm>
+        </p:spPr>
+        <p:txBody>
+          <a:bodyPr/>
+          <a:lstStyle>
+            <a:lvl1pPr algn="l">
+              <a:defRPr>
+                <a:solidFill>
+                  <a:schemeClr val="tx2"/>
+                </a:solidFill>
+              </a:defRPr>
+            </a:lvl1pPr>
+          </a:lstStyle>
+          <a:p>
+            <a:r>
+              <a:rPr lang="sk-SK" smtClean="0"/>
+              <a:t>© 2015 EV3Lessons.com, Last edit 11/13/2015</a:t>
+            </a:r>
+            <a:endParaRPr lang="en-US"/>
+          </a:p>
+        </p:txBody>
+      </p:sp>
+      <p:sp>
+        <p:nvSpPr>
+          <p:cNvPr id="7" name="Slide Number Placeholder 6"/>
+          <p:cNvSpPr>
+            <a:spLocks noGrp="1"/>
+          </p:cNvSpPr>
+          <p:nvPr>
+            <p:ph type="sldNum" sz="quarter" idx="12"/>
+          </p:nvPr>
+        </p:nvSpPr>
         <p:spPr/>
         <p:txBody>
           <a:bodyPr/>
-          <a:lstStyle/>
-          <a:p>
-            <a:r>
-              <a:rPr lang="en-US" smtClean="0"/>
-              <a:t>© 2015, EV3Lessons.com, (last edit 4/5/2015)</a:t>
-            </a:r>
-            <a:endParaRPr lang="en-US"/>
-          </a:p>
-        </p:txBody>
-      </p:sp>
-      <p:sp>
-        <p:nvSpPr>
-          <p:cNvPr id="7" name="Slide Number Placeholder 6"/>
-          <p:cNvSpPr>
-            <a:spLocks noGrp="1"/>
-          </p:cNvSpPr>
-          <p:nvPr>
-            <p:ph type="sldNum" sz="quarter" idx="12"/>
-          </p:nvPr>
-        </p:nvSpPr>
-        <p:spPr>
-          <a:xfrm rot="16200000">
-            <a:off x="8227377" y="5885497"/>
-            <a:ext cx="1315721" cy="365125"/>
-          </a:xfrm>
-          <a:prstGeom prst="rect">
-            <a:avLst/>
-          </a:prstGeom>
-        </p:spPr>
-        <p:txBody>
-          <a:bodyPr/>
-          <a:lstStyle/>
-          <a:p>
-            <a:fld id="{4DBC7FC8-25FB-FC45-8177-2B991DA6778C}" type="slidenum">
+          <a:lstStyle>
+            <a:lvl1pPr>
+              <a:defRPr>
+                <a:solidFill>
+                  <a:schemeClr val="tx2"/>
+                </a:solidFill>
+              </a:defRPr>
+            </a:lvl1pPr>
+          </a:lstStyle>
+          <a:p>
+            <a:fld id="{7F5CE407-6216-4202-80E4-A30DC2F709B2}" type="slidenum">
               <a:rPr lang="en-US" smtClean="0"/>
               <a:t>‹#›</a:t>
             </a:fld>
@@ -3567,30 +3493,12 @@
           </a:p>
         </p:txBody>
       </p:sp>
-      <p:sp>
-        <p:nvSpPr>
-          <p:cNvPr id="8" name="Title 7"/>
-          <p:cNvSpPr>
-            <a:spLocks noGrp="1"/>
-          </p:cNvSpPr>
-          <p:nvPr>
-            <p:ph type="title"/>
-          </p:nvPr>
-        </p:nvSpPr>
-        <p:spPr/>
-        <p:txBody>
-          <a:bodyPr/>
-          <a:lstStyle/>
-          <a:p>
-            <a:r>
-              <a:rPr lang="en-US" smtClean="0"/>
-              <a:t>Click to edit Master title style</a:t>
-            </a:r>
-            <a:endParaRPr lang="en-US"/>
-          </a:p>
-        </p:txBody>
-      </p:sp>
     </p:spTree>
+    <p:extLst>
+      <p:ext uri="{BB962C8B-B14F-4D97-AF65-F5344CB8AC3E}">
+        <p14:creationId xmlns:p14="http://schemas.microsoft.com/office/powerpoint/2010/main" val="1987127596"/>
+      </p:ext>
+    </p:extLst>
   </p:cSld>
   <p:clrMapOvr>
     <a:masterClrMapping/>
@@ -3617,20 +3525,20 @@
       </p:grpSpPr>
       <p:sp>
         <p:nvSpPr>
-          <p:cNvPr id="9" name="Rectangle 8"/>
+          <p:cNvPr id="8" name="Rectangle 7"/>
           <p:cNvSpPr/>
           <p:nvPr/>
         </p:nvSpPr>
         <p:spPr>
           <a:xfrm>
-            <a:off x="9001124" y="4846320"/>
-            <a:ext cx="142876" cy="2011680"/>
+            <a:off x="0" y="4953000"/>
+            <a:ext cx="9141619" cy="1905000"/>
           </a:xfrm>
           <a:prstGeom prst="rect">
             <a:avLst/>
           </a:prstGeom>
           <a:solidFill>
-            <a:schemeClr val="tx2"/>
+            <a:schemeClr val="accent2"/>
           </a:solidFill>
           <a:ln>
             <a:noFill/>
@@ -3652,12 +3560,80 @@
             <a:schemeClr val="lt1"/>
           </a:fontRef>
         </p:style>
-        <p:txBody>
-          <a:bodyPr rtlCol="0" anchor="ctr"/>
-          <a:lstStyle/>
-          <a:p>
-            <a:pPr algn="ctr"/>
-            <a:endParaRPr lang="en-US"/>
+      </p:sp>
+      <p:sp>
+        <p:nvSpPr>
+          <p:cNvPr id="9" name="Rectangle 8"/>
+          <p:cNvSpPr/>
+          <p:nvPr/>
+        </p:nvSpPr>
+        <p:spPr>
+          <a:xfrm>
+            <a:off x="12" y="4915076"/>
+            <a:ext cx="9141619" cy="64008"/>
+          </a:xfrm>
+          <a:prstGeom prst="rect">
+            <a:avLst/>
+          </a:prstGeom>
+          <a:solidFill>
+            <a:schemeClr val="accent1"/>
+          </a:solidFill>
+          <a:ln>
+            <a:noFill/>
+          </a:ln>
+        </p:spPr>
+        <p:style>
+          <a:lnRef idx="2">
+            <a:schemeClr val="accent1">
+              <a:shade val="50000"/>
+            </a:schemeClr>
+          </a:lnRef>
+          <a:fillRef idx="1">
+            <a:schemeClr val="accent1"/>
+          </a:fillRef>
+          <a:effectRef idx="0">
+            <a:schemeClr val="accent1"/>
+          </a:effectRef>
+          <a:fontRef idx="minor">
+            <a:schemeClr val="lt1"/>
+          </a:fontRef>
+        </p:style>
+      </p:sp>
+      <p:sp>
+        <p:nvSpPr>
+          <p:cNvPr id="2" name="Title 1"/>
+          <p:cNvSpPr>
+            <a:spLocks noGrp="1"/>
+          </p:cNvSpPr>
+          <p:nvPr>
+            <p:ph type="title"/>
+          </p:nvPr>
+        </p:nvSpPr>
+        <p:spPr>
+          <a:xfrm>
+            <a:off x="822960" y="5074920"/>
+            <a:ext cx="7589520" cy="822960"/>
+          </a:xfrm>
+        </p:spPr>
+        <p:txBody>
+          <a:bodyPr tIns="0" bIns="0" anchor="b">
+            <a:noAutofit/>
+          </a:bodyPr>
+          <a:lstStyle>
+            <a:lvl1pPr>
+              <a:defRPr sz="3600" b="0">
+                <a:solidFill>
+                  <a:srgbClr val="FFFFFF"/>
+                </a:solidFill>
+              </a:defRPr>
+            </a:lvl1pPr>
+          </a:lstStyle>
+          <a:p>
+            <a:r>
+              <a:rPr lang="en-US" smtClean="0"/>
+              <a:t>Click to edit Master title style</a:t>
+            </a:r>
+            <a:endParaRPr lang="en-US" dirty="0"/>
           </a:p>
         </p:txBody>
       </p:sp>
@@ -3665,7 +3641,7 @@
         <p:nvSpPr>
           <p:cNvPr id="3" name="Picture Placeholder 2"/>
           <p:cNvSpPr>
-            <a:spLocks noGrp="1"/>
+            <a:spLocks noGrp="1" noChangeAspect="1"/>
           </p:cNvSpPr>
           <p:nvPr>
             <p:ph type="pic" idx="1"/>
@@ -3673,21 +3649,26 @@
         </p:nvSpPr>
         <p:spPr>
           <a:xfrm>
-            <a:off x="-1" y="0"/>
-            <a:ext cx="9000877" cy="4846320"/>
-          </a:xfrm>
-          <a:solidFill>
-            <a:schemeClr val="bg1">
-              <a:lumMod val="75000"/>
-            </a:schemeClr>
-          </a:solidFill>
-        </p:spPr>
-        <p:txBody>
-          <a:bodyPr/>
+            <a:off x="12" y="0"/>
+            <a:ext cx="9143989" cy="4915076"/>
+          </a:xfrm>
+          <a:blipFill>
+            <a:blip r:embed="rId2"/>
+            <a:stretch>
+              <a:fillRect/>
+            </a:stretch>
+          </a:blipFill>
+        </p:spPr>
+        <p:txBody>
+          <a:bodyPr lIns="457200" tIns="457200" anchor="t"/>
           <a:lstStyle>
             <a:lvl1pPr marL="0" indent="0">
               <a:buNone/>
-              <a:defRPr sz="3200"/>
+              <a:defRPr sz="3200">
+                <a:solidFill>
+                  <a:schemeClr val="bg1"/>
+                </a:solidFill>
+              </a:defRPr>
             </a:lvl1pPr>
             <a:lvl2pPr marL="457200" indent="0">
               <a:buNone/>
@@ -3727,7 +3708,7 @@
               <a:rPr lang="en-US" smtClean="0"/>
               <a:t>Drag picture to placeholder or click icon to add</a:t>
             </a:r>
-            <a:endParaRPr lang="en-US"/>
+            <a:endParaRPr lang="en-US" dirty="0"/>
           </a:p>
         </p:txBody>
       </p:sp>
@@ -3743,16 +3724,28 @@
         </p:nvSpPr>
         <p:spPr>
           <a:xfrm>
-            <a:off x="457200" y="5715000"/>
-            <a:ext cx="8153400" cy="457200"/>
-          </a:xfrm>
-        </p:spPr>
-        <p:txBody>
-          <a:bodyPr/>
+            <a:off x="822959" y="5907024"/>
+            <a:ext cx="7589520" cy="594360"/>
+          </a:xfrm>
+        </p:spPr>
+        <p:txBody>
+          <a:bodyPr lIns="91440" tIns="0" rIns="91440" bIns="0">
+            <a:normAutofit/>
+          </a:bodyPr>
           <a:lstStyle>
             <a:lvl1pPr marL="0" indent="0">
+              <a:spcBef>
+                <a:spcPts val="0"/>
+              </a:spcBef>
+              <a:spcAft>
+                <a:spcPts val="600"/>
+              </a:spcAft>
               <a:buNone/>
-              <a:defRPr sz="1600"/>
+              <a:defRPr sz="1500">
+                <a:solidFill>
+                  <a:srgbClr val="FFFFFF"/>
+                </a:solidFill>
+              </a:defRPr>
             </a:lvl1pPr>
             <a:lvl2pPr marL="457200" indent="0">
               <a:buNone/>
@@ -3811,9 +3804,9 @@
           <a:bodyPr/>
           <a:lstStyle/>
           <a:p>
-            <a:fld id="{93D69643-3D45-474F-ACC1-E68D55615729}" type="datetime1">
-              <a:rPr lang="en-US" smtClean="0"/>
-              <a:t>6/29/2015</a:t>
+            <a:fld id="{9F9CFCDA-76FF-C942-8304-6FF0EF7EF019}" type="datetime1">
+              <a:rPr lang="en-US" smtClean="0"/>
+              <a:t>11/13/15</a:t>
             </a:fld>
             <a:endParaRPr lang="en-US"/>
           </a:p>
@@ -3835,8 +3828,8 @@
           <a:lstStyle/>
           <a:p>
             <a:r>
-              <a:rPr lang="en-US" smtClean="0"/>
-              <a:t>© 2015, EV3Lessons.com, (last edit 4/5/2015)</a:t>
+              <a:rPr lang="sk-SK" smtClean="0"/>
+              <a:t>© 2015 EV3Lessons.com, Last edit 11/13/2015</a:t>
             </a:r>
             <a:endParaRPr lang="en-US"/>
           </a:p>
@@ -3852,28 +3845,12 @@
             <p:ph type="sldNum" sz="quarter" idx="12"/>
           </p:nvPr>
         </p:nvSpPr>
-        <p:spPr>
-          <a:xfrm rot="16200000">
-            <a:off x="8227377" y="5885497"/>
-            <a:ext cx="1315721" cy="365125"/>
-          </a:xfrm>
-          <a:prstGeom prst="rect">
-            <a:avLst/>
-          </a:prstGeom>
-        </p:spPr>
+        <p:spPr/>
         <p:txBody>
           <a:bodyPr/>
-          <a:lstStyle>
-            <a:lvl1pPr>
-              <a:defRPr>
-                <a:solidFill>
-                  <a:schemeClr val="tx1"/>
-                </a:solidFill>
-              </a:defRPr>
-            </a:lvl1pPr>
-          </a:lstStyle>
-          <a:p>
-            <a:fld id="{4DBC7FC8-25FB-FC45-8177-2B991DA6778C}" type="slidenum">
+          <a:lstStyle/>
+          <a:p>
+            <a:fld id="{4382A7F7-08BF-4252-8141-63FB96055BBB}" type="slidenum">
               <a:rPr lang="en-US" smtClean="0"/>
               <a:t>‹#›</a:t>
             </a:fld>
@@ -3881,87 +3858,12 @@
           </a:p>
         </p:txBody>
       </p:sp>
-      <p:sp>
-        <p:nvSpPr>
-          <p:cNvPr id="8" name="Title 7"/>
-          <p:cNvSpPr>
-            <a:spLocks noGrp="1"/>
-          </p:cNvSpPr>
-          <p:nvPr>
-            <p:ph type="title"/>
-          </p:nvPr>
-        </p:nvSpPr>
-        <p:spPr>
-          <a:xfrm>
-            <a:off x="457200" y="4953000"/>
-            <a:ext cx="8153400" cy="762000"/>
-          </a:xfrm>
-        </p:spPr>
-        <p:txBody>
-          <a:bodyPr anchor="t">
-            <a:normAutofit/>
-          </a:bodyPr>
-          <a:lstStyle>
-            <a:lvl1pPr>
-              <a:defRPr sz="3200"/>
-            </a:lvl1pPr>
-          </a:lstStyle>
-          <a:p>
-            <a:r>
-              <a:rPr lang="en-US" smtClean="0"/>
-              <a:t>Click to edit Master title style</a:t>
-            </a:r>
-            <a:endParaRPr lang="en-US" dirty="0"/>
-          </a:p>
-        </p:txBody>
-      </p:sp>
-      <p:sp>
-        <p:nvSpPr>
-          <p:cNvPr id="10" name="Rectangle 9"/>
-          <p:cNvSpPr/>
-          <p:nvPr/>
-        </p:nvSpPr>
-        <p:spPr>
-          <a:xfrm>
-            <a:off x="9001124" y="0"/>
-            <a:ext cx="142876" cy="4846320"/>
-          </a:xfrm>
-          <a:prstGeom prst="rect">
-            <a:avLst/>
-          </a:prstGeom>
-          <a:solidFill>
-            <a:schemeClr val="tx1"/>
-          </a:solidFill>
-          <a:ln>
-            <a:noFill/>
-          </a:ln>
-        </p:spPr>
-        <p:style>
-          <a:lnRef idx="2">
-            <a:schemeClr val="accent1">
-              <a:shade val="50000"/>
-            </a:schemeClr>
-          </a:lnRef>
-          <a:fillRef idx="1">
-            <a:schemeClr val="accent1"/>
-          </a:fillRef>
-          <a:effectRef idx="0">
-            <a:schemeClr val="accent1"/>
-          </a:effectRef>
-          <a:fontRef idx="minor">
-            <a:schemeClr val="lt1"/>
-          </a:fontRef>
-        </p:style>
-        <p:txBody>
-          <a:bodyPr rtlCol="0" anchor="ctr"/>
-          <a:lstStyle/>
-          <a:p>
-            <a:pPr algn="ctr"/>
-            <a:endParaRPr lang="en-US"/>
-          </a:p>
-        </p:txBody>
-      </p:sp>
     </p:spTree>
+    <p:extLst>
+      <p:ext uri="{BB962C8B-B14F-4D97-AF65-F5344CB8AC3E}">
+        <p14:creationId xmlns:p14="http://schemas.microsoft.com/office/powerpoint/2010/main" val="1580735308"/>
+      </p:ext>
+    </p:extLst>
   </p:cSld>
   <p:clrMapOvr>
     <a:masterClrMapping/>
@@ -3970,7 +3872,7 @@
 </file>
 
 <file path=ppt/slideMasters/slideMaster1.xml><?xml version="1.0" encoding="utf-8"?>
-<p:sldMaster xmlns:a="http://schemas.openxmlformats.org/drawingml/2006/main" xmlns:r="http://schemas.openxmlformats.org/officeDocument/2006/relationships" xmlns:p="http://schemas.openxmlformats.org/presentationml/2006/main">
+<p:sldMaster xmlns:a="http://schemas.openxmlformats.org/drawingml/2006/main" xmlns:r="http://schemas.openxmlformats.org/officeDocument/2006/relationships" xmlns:p="http://schemas.openxmlformats.org/presentationml/2006/main" preserve="1">
   <p:cSld>
     <p:bg>
       <p:bgRef idx="1001">
@@ -3993,235 +3895,25 @@
       </p:grpSpPr>
       <p:sp>
         <p:nvSpPr>
-          <p:cNvPr id="2" name="Title Placeholder 1"/>
-          <p:cNvSpPr>
-            <a:spLocks noGrp="1"/>
-          </p:cNvSpPr>
-          <p:nvPr>
-            <p:ph type="title"/>
-          </p:nvPr>
+          <p:cNvPr id="7" name="Rectangle 6"/>
+          <p:cNvSpPr/>
+          <p:nvPr/>
         </p:nvSpPr>
         <p:spPr>
           <a:xfrm>
-            <a:off x="457199" y="152718"/>
-            <a:ext cx="8245475" cy="1371600"/>
-          </a:xfrm>
-          <a:prstGeom prst="rect">
-            <a:avLst/>
-          </a:prstGeom>
-        </p:spPr>
-        <p:txBody>
-          <a:bodyPr vert="horz" lIns="91440" tIns="45720" rIns="91440" bIns="45720" rtlCol="0" anchor="t" anchorCtr="0">
-            <a:normAutofit/>
-          </a:bodyPr>
-          <a:lstStyle/>
-          <a:p>
-            <a:r>
-              <a:rPr lang="en-US" dirty="0" smtClean="0"/>
-              <a:t>Click to edit Master title style</a:t>
-            </a:r>
-            <a:endParaRPr lang="en-US" dirty="0"/>
-          </a:p>
-        </p:txBody>
-      </p:sp>
-      <p:sp>
-        <p:nvSpPr>
-          <p:cNvPr id="3" name="Text Placeholder 2"/>
-          <p:cNvSpPr>
-            <a:spLocks noGrp="1"/>
-          </p:cNvSpPr>
-          <p:nvPr>
-            <p:ph type="body" idx="1"/>
-          </p:nvPr>
-        </p:nvSpPr>
-        <p:spPr>
-          <a:xfrm>
-            <a:off x="457200" y="1752600"/>
-            <a:ext cx="8245474" cy="4373563"/>
-          </a:xfrm>
-          <a:prstGeom prst="rect">
-            <a:avLst/>
-          </a:prstGeom>
-        </p:spPr>
-        <p:txBody>
-          <a:bodyPr vert="horz" lIns="91440" tIns="45720" rIns="91440" bIns="45720" rtlCol="0">
-            <a:normAutofit/>
-          </a:bodyPr>
-          <a:lstStyle/>
-          <a:p>
-            <a:pPr lvl="0"/>
-            <a:r>
-              <a:rPr lang="en-US" smtClean="0"/>
-              <a:t>Click to edit Master text styles</a:t>
-            </a:r>
-          </a:p>
-          <a:p>
-            <a:pPr lvl="1"/>
-            <a:r>
-              <a:rPr lang="en-US" smtClean="0"/>
-              <a:t>Second level</a:t>
-            </a:r>
-          </a:p>
-          <a:p>
-            <a:pPr lvl="2"/>
-            <a:r>
-              <a:rPr lang="en-US" smtClean="0"/>
-              <a:t>Third level</a:t>
-            </a:r>
-          </a:p>
-          <a:p>
-            <a:pPr lvl="3"/>
-            <a:r>
-              <a:rPr lang="en-US" smtClean="0"/>
-              <a:t>Fourth level</a:t>
-            </a:r>
-          </a:p>
-          <a:p>
-            <a:pPr lvl="4"/>
-            <a:r>
-              <a:rPr lang="en-US" smtClean="0"/>
-              <a:t>Fifth level</a:t>
-            </a:r>
-            <a:endParaRPr lang="en-US" dirty="0"/>
-          </a:p>
-        </p:txBody>
-      </p:sp>
-      <p:sp>
-        <p:nvSpPr>
-          <p:cNvPr id="4" name="Date Placeholder 3"/>
-          <p:cNvSpPr>
-            <a:spLocks noGrp="1"/>
-          </p:cNvSpPr>
-          <p:nvPr>
-            <p:ph type="dt" sz="half" idx="2"/>
-          </p:nvPr>
-        </p:nvSpPr>
-        <p:spPr>
-          <a:xfrm>
-            <a:off x="457200" y="6172201"/>
-            <a:ext cx="3429000" cy="304800"/>
-          </a:xfrm>
-          <a:prstGeom prst="rect">
-            <a:avLst/>
-          </a:prstGeom>
-        </p:spPr>
-        <p:txBody>
-          <a:bodyPr vert="horz" lIns="91440" tIns="45720" rIns="91440" bIns="0" rtlCol="0" anchor="b"/>
-          <a:lstStyle>
-            <a:lvl1pPr algn="l">
-              <a:defRPr sz="1000">
-                <a:solidFill>
-                  <a:schemeClr val="tx1"/>
-                </a:solidFill>
-              </a:defRPr>
-            </a:lvl1pPr>
-          </a:lstStyle>
-          <a:p>
-            <a:fld id="{87850194-D4C7-7F40-A6DF-EF40EA8CC1BA}" type="datetime1">
-              <a:rPr lang="en-US" smtClean="0"/>
-              <a:t>6/29/2015</a:t>
-            </a:fld>
-            <a:endParaRPr lang="en-US"/>
-          </a:p>
-        </p:txBody>
-      </p:sp>
-      <p:sp>
-        <p:nvSpPr>
-          <p:cNvPr id="5" name="Footer Placeholder 4"/>
-          <p:cNvSpPr>
-            <a:spLocks noGrp="1"/>
-          </p:cNvSpPr>
-          <p:nvPr>
-            <p:ph type="ftr" sz="quarter" idx="3"/>
-          </p:nvPr>
-        </p:nvSpPr>
-        <p:spPr>
-          <a:xfrm>
-            <a:off x="457199" y="6492875"/>
-            <a:ext cx="4943061" cy="283845"/>
-          </a:xfrm>
-          <a:prstGeom prst="rect">
-            <a:avLst/>
-          </a:prstGeom>
-        </p:spPr>
-        <p:txBody>
-          <a:bodyPr vert="horz" lIns="91440" tIns="45720" rIns="91440" bIns="45720" rtlCol="0" anchor="t"/>
-          <a:lstStyle>
-            <a:lvl1pPr algn="l">
-              <a:defRPr sz="1000">
-                <a:solidFill>
-                  <a:schemeClr val="tx1"/>
-                </a:solidFill>
-              </a:defRPr>
-            </a:lvl1pPr>
-          </a:lstStyle>
-          <a:p>
-            <a:r>
-              <a:rPr lang="en-US" smtClean="0"/>
-              <a:t>© 2015, EV3Lessons.com, (last edit 4/5/2015)</a:t>
-            </a:r>
-            <a:endParaRPr lang="en-US"/>
-          </a:p>
-        </p:txBody>
-      </p:sp>
-      <p:sp>
-        <p:nvSpPr>
-          <p:cNvPr id="9" name="Slide Number Placeholder 5"/>
-          <p:cNvSpPr>
-            <a:spLocks noGrp="1"/>
-          </p:cNvSpPr>
-          <p:nvPr>
-            <p:ph type="sldNum" sz="quarter" idx="4"/>
-          </p:nvPr>
-        </p:nvSpPr>
-        <p:spPr>
-          <a:xfrm>
-            <a:off x="8343263" y="6417660"/>
-            <a:ext cx="657861" cy="365125"/>
-          </a:xfrm>
-          <a:prstGeom prst="rect">
-            <a:avLst/>
-          </a:prstGeom>
-        </p:spPr>
-        <p:txBody>
-          <a:bodyPr vert="horz" lIns="91440" tIns="45720" rIns="91440" bIns="45720" rtlCol="0" anchor="ctr"/>
-          <a:lstStyle>
-            <a:lvl1pPr algn="l">
-              <a:defRPr sz="2400" b="1">
-                <a:solidFill>
-                  <a:schemeClr val="tx2"/>
-                </a:solidFill>
-              </a:defRPr>
-            </a:lvl1pPr>
-          </a:lstStyle>
-          <a:p>
-            <a:fld id="{4DBC7FC8-25FB-FC45-8177-2B991DA6778C}" type="slidenum">
-              <a:rPr lang="en-US" smtClean="0"/>
-              <a:t>‹#›</a:t>
-            </a:fld>
-            <a:endParaRPr lang="en-US" dirty="0"/>
-          </a:p>
-        </p:txBody>
-      </p:sp>
-      <p:sp>
-        <p:nvSpPr>
-          <p:cNvPr id="10" name="Rectangle 9"/>
-          <p:cNvSpPr/>
-          <p:nvPr userDrawn="1"/>
-        </p:nvSpPr>
-        <p:spPr>
-          <a:xfrm>
-            <a:off x="8996106" y="2895600"/>
-            <a:ext cx="147895" cy="3962400"/>
+            <a:off x="0" y="6400800"/>
+            <a:ext cx="9144001" cy="457200"/>
           </a:xfrm>
           <a:prstGeom prst="rect">
             <a:avLst/>
           </a:prstGeom>
           <a:solidFill>
-            <a:srgbClr val="92D050"/>
+            <a:srgbClr val="0070C0"/>
           </a:solidFill>
           <a:ln>
-            <a:noFill/>
+            <a:solidFill>
+              <a:srgbClr val="0070C0"/>
+            </a:solidFill>
           </a:ln>
         </p:spPr>
         <p:style>
@@ -4243,20 +3935,20 @@
       </p:sp>
       <p:sp>
         <p:nvSpPr>
-          <p:cNvPr id="11" name="Rectangle 10"/>
+          <p:cNvPr id="9" name="Rectangle 8"/>
           <p:cNvSpPr/>
-          <p:nvPr userDrawn="1"/>
+          <p:nvPr/>
         </p:nvSpPr>
         <p:spPr>
           <a:xfrm>
-            <a:off x="8959042" y="0"/>
-            <a:ext cx="184958" cy="2895600"/>
+            <a:off x="0" y="6334315"/>
+            <a:ext cx="4487333" cy="92382"/>
           </a:xfrm>
           <a:prstGeom prst="rect">
             <a:avLst/>
           </a:prstGeom>
           <a:solidFill>
-            <a:srgbClr val="7030A0"/>
+            <a:srgbClr val="00B050"/>
           </a:solidFill>
           <a:ln>
             <a:noFill/>
@@ -4281,20 +3973,270 @@
       </p:sp>
       <p:sp>
         <p:nvSpPr>
-          <p:cNvPr id="12" name="Rectangle 11"/>
+          <p:cNvPr id="2" name="Title Placeholder 1"/>
+          <p:cNvSpPr>
+            <a:spLocks noGrp="1"/>
+          </p:cNvSpPr>
+          <p:nvPr>
+            <p:ph type="title"/>
+          </p:nvPr>
+        </p:nvSpPr>
+        <p:spPr>
+          <a:xfrm>
+            <a:off x="227874" y="287088"/>
+            <a:ext cx="8596812" cy="874055"/>
+          </a:xfrm>
+          <a:prstGeom prst="rect">
+            <a:avLst/>
+          </a:prstGeom>
+        </p:spPr>
+        <p:txBody>
+          <a:bodyPr vert="horz" lIns="91440" tIns="45720" rIns="91440" bIns="45720" rtlCol="0" anchor="b">
+            <a:normAutofit/>
+          </a:bodyPr>
+          <a:lstStyle/>
+          <a:p>
+            <a:r>
+              <a:rPr lang="en-US" smtClean="0"/>
+              <a:t>Click to edit Master title style</a:t>
+            </a:r>
+            <a:endParaRPr lang="en-US" dirty="0"/>
+          </a:p>
+        </p:txBody>
+      </p:sp>
+      <p:sp>
+        <p:nvSpPr>
+          <p:cNvPr id="3" name="Text Placeholder 2"/>
+          <p:cNvSpPr>
+            <a:spLocks noGrp="1"/>
+          </p:cNvSpPr>
+          <p:nvPr>
+            <p:ph type="body" idx="1"/>
+          </p:nvPr>
+        </p:nvSpPr>
+        <p:spPr>
+          <a:xfrm>
+            <a:off x="227874" y="1505616"/>
+            <a:ext cx="8596811" cy="4654528"/>
+          </a:xfrm>
+          <a:prstGeom prst="rect">
+            <a:avLst/>
+          </a:prstGeom>
+        </p:spPr>
+        <p:txBody>
+          <a:bodyPr vert="horz" lIns="0" tIns="45720" rIns="0" bIns="45720" rtlCol="0">
+            <a:normAutofit/>
+          </a:bodyPr>
+          <a:lstStyle/>
+          <a:p>
+            <a:pPr lvl="0"/>
+            <a:r>
+              <a:rPr lang="en-US" smtClean="0"/>
+              <a:t>Click to edit Master text styles</a:t>
+            </a:r>
+          </a:p>
+          <a:p>
+            <a:pPr lvl="1"/>
+            <a:r>
+              <a:rPr lang="en-US" smtClean="0"/>
+              <a:t>Second level</a:t>
+            </a:r>
+          </a:p>
+          <a:p>
+            <a:pPr lvl="2"/>
+            <a:r>
+              <a:rPr lang="en-US" smtClean="0"/>
+              <a:t>Third level</a:t>
+            </a:r>
+          </a:p>
+          <a:p>
+            <a:pPr lvl="3"/>
+            <a:r>
+              <a:rPr lang="en-US" smtClean="0"/>
+              <a:t>Fourth level</a:t>
+            </a:r>
+          </a:p>
+          <a:p>
+            <a:pPr lvl="4"/>
+            <a:r>
+              <a:rPr lang="en-US" smtClean="0"/>
+              <a:t>Fifth level</a:t>
+            </a:r>
+            <a:endParaRPr lang="en-US" dirty="0"/>
+          </a:p>
+        </p:txBody>
+      </p:sp>
+      <p:sp>
+        <p:nvSpPr>
+          <p:cNvPr id="4" name="Date Placeholder 3"/>
+          <p:cNvSpPr>
+            <a:spLocks noGrp="1"/>
+          </p:cNvSpPr>
+          <p:nvPr>
+            <p:ph type="dt" sz="half" idx="2"/>
+          </p:nvPr>
+        </p:nvSpPr>
+        <p:spPr>
+          <a:xfrm>
+            <a:off x="822961" y="6459786"/>
+            <a:ext cx="1854203" cy="365125"/>
+          </a:xfrm>
+          <a:prstGeom prst="rect">
+            <a:avLst/>
+          </a:prstGeom>
+        </p:spPr>
+        <p:txBody>
+          <a:bodyPr vert="horz" lIns="91440" tIns="45720" rIns="91440" bIns="45720" rtlCol="0" anchor="ctr"/>
+          <a:lstStyle>
+            <a:lvl1pPr algn="l">
+              <a:defRPr sz="900">
+                <a:solidFill>
+                  <a:srgbClr val="FFFFFF"/>
+                </a:solidFill>
+              </a:defRPr>
+            </a:lvl1pPr>
+          </a:lstStyle>
+          <a:p>
+            <a:fld id="{0604F77D-FCB8-A946-86A9-D14BD65D0D3D}" type="datetime1">
+              <a:rPr lang="en-US" smtClean="0"/>
+              <a:t>11/13/15</a:t>
+            </a:fld>
+            <a:endParaRPr lang="en-US" dirty="0"/>
+          </a:p>
+        </p:txBody>
+      </p:sp>
+      <p:sp>
+        <p:nvSpPr>
+          <p:cNvPr id="5" name="Footer Placeholder 4"/>
+          <p:cNvSpPr>
+            <a:spLocks noGrp="1"/>
+          </p:cNvSpPr>
+          <p:nvPr>
+            <p:ph type="ftr" sz="quarter" idx="3"/>
+          </p:nvPr>
+        </p:nvSpPr>
+        <p:spPr>
+          <a:xfrm>
+            <a:off x="2764639" y="6459786"/>
+            <a:ext cx="3617103" cy="365125"/>
+          </a:xfrm>
+          <a:prstGeom prst="rect">
+            <a:avLst/>
+          </a:prstGeom>
+        </p:spPr>
+        <p:txBody>
+          <a:bodyPr vert="horz" lIns="91440" tIns="45720" rIns="91440" bIns="45720" rtlCol="0" anchor="ctr"/>
+          <a:lstStyle>
+            <a:lvl1pPr algn="ctr">
+              <a:defRPr sz="900" cap="all" baseline="0">
+                <a:solidFill>
+                  <a:srgbClr val="FFFFFF"/>
+                </a:solidFill>
+              </a:defRPr>
+            </a:lvl1pPr>
+          </a:lstStyle>
+          <a:p>
+            <a:r>
+              <a:rPr lang="sk-SK" smtClean="0"/>
+              <a:t>© 2015 EV3Lessons.com, Last edit 11/13/2015</a:t>
+            </a:r>
+            <a:endParaRPr lang="en-US" dirty="0"/>
+          </a:p>
+        </p:txBody>
+      </p:sp>
+      <p:sp>
+        <p:nvSpPr>
+          <p:cNvPr id="6" name="Slide Number Placeholder 5"/>
+          <p:cNvSpPr>
+            <a:spLocks noGrp="1"/>
+          </p:cNvSpPr>
+          <p:nvPr>
+            <p:ph type="sldNum" sz="quarter" idx="4"/>
+          </p:nvPr>
+        </p:nvSpPr>
+        <p:spPr>
+          <a:xfrm>
+            <a:off x="7425344" y="6459786"/>
+            <a:ext cx="984019" cy="365125"/>
+          </a:xfrm>
+          <a:prstGeom prst="rect">
+            <a:avLst/>
+          </a:prstGeom>
+        </p:spPr>
+        <p:txBody>
+          <a:bodyPr vert="horz" lIns="91440" tIns="45720" rIns="91440" bIns="45720" rtlCol="0" anchor="ctr"/>
+          <a:lstStyle>
+            <a:lvl1pPr algn="r">
+              <a:defRPr sz="1050">
+                <a:solidFill>
+                  <a:srgbClr val="FFFFFF"/>
+                </a:solidFill>
+              </a:defRPr>
+            </a:lvl1pPr>
+          </a:lstStyle>
+          <a:p>
+            <a:fld id="{4382A7F7-08BF-4252-8141-63FB96055BBB}" type="slidenum">
+              <a:rPr lang="en-US" smtClean="0"/>
+              <a:t>‹#›</a:t>
+            </a:fld>
+            <a:endParaRPr lang="en-US"/>
+          </a:p>
+        </p:txBody>
+      </p:sp>
+      <p:cxnSp>
+        <p:nvCxnSpPr>
+          <p:cNvPr id="10" name="Straight Connector 9"/>
+          <p:cNvCxnSpPr/>
+          <p:nvPr/>
+        </p:nvCxnSpPr>
+        <p:spPr>
+          <a:xfrm flipV="1">
+            <a:off x="227874" y="1335314"/>
+            <a:ext cx="8596811" cy="1"/>
+          </a:xfrm>
+          <a:prstGeom prst="line">
+            <a:avLst/>
+          </a:prstGeom>
+          <a:ln w="6350">
+            <a:solidFill>
+              <a:schemeClr val="tx1">
+                <a:lumMod val="50000"/>
+                <a:lumOff val="50000"/>
+              </a:schemeClr>
+            </a:solidFill>
+          </a:ln>
+        </p:spPr>
+        <p:style>
+          <a:lnRef idx="1">
+            <a:schemeClr val="accent1"/>
+          </a:lnRef>
+          <a:fillRef idx="0">
+            <a:schemeClr val="accent1"/>
+          </a:fillRef>
+          <a:effectRef idx="0">
+            <a:schemeClr val="accent1"/>
+          </a:effectRef>
+          <a:fontRef idx="minor">
+            <a:schemeClr val="tx1"/>
+          </a:fontRef>
+        </p:style>
+      </p:cxnSp>
+      <p:sp>
+        <p:nvSpPr>
+          <p:cNvPr id="11" name="Rectangle 10"/>
           <p:cNvSpPr/>
           <p:nvPr userDrawn="1"/>
         </p:nvSpPr>
         <p:spPr>
           <a:xfrm>
-            <a:off x="8913670" y="-4618"/>
-            <a:ext cx="91440" cy="6862617"/>
+            <a:off x="4487333" y="6334315"/>
+            <a:ext cx="4656667" cy="92382"/>
           </a:xfrm>
           <a:prstGeom prst="rect">
             <a:avLst/>
           </a:prstGeom>
           <a:solidFill>
-            <a:srgbClr val="0070C0"/>
+            <a:srgbClr val="7030A0"/>
           </a:solidFill>
           <a:ln>
             <a:noFill/>
@@ -4318,32 +4260,43 @@
         </p:style>
       </p:sp>
     </p:spTree>
+    <p:extLst>
+      <p:ext uri="{BB962C8B-B14F-4D97-AF65-F5344CB8AC3E}">
+        <p14:creationId xmlns:p14="http://schemas.microsoft.com/office/powerpoint/2010/main" val="1621690148"/>
+      </p:ext>
+    </p:extLst>
   </p:cSld>
   <p:clrMap bg1="lt1" tx1="dk1" bg2="lt2" tx2="dk2" accent1="accent1" accent2="accent2" accent3="accent3" accent4="accent4" accent5="accent5" accent6="accent6" hlink="hlink" folHlink="folHlink"/>
   <p:sldLayoutIdLst>
-    <p:sldLayoutId id="2147483715" r:id="rId1"/>
-    <p:sldLayoutId id="2147483716" r:id="rId2"/>
-    <p:sldLayoutId id="2147483717" r:id="rId3"/>
-    <p:sldLayoutId id="2147483718" r:id="rId4"/>
-    <p:sldLayoutId id="2147483719" r:id="rId5"/>
-    <p:sldLayoutId id="2147483720" r:id="rId6"/>
-    <p:sldLayoutId id="2147483721" r:id="rId7"/>
-    <p:sldLayoutId id="2147483722" r:id="rId8"/>
-    <p:sldLayoutId id="2147483723" r:id="rId9"/>
-    <p:sldLayoutId id="2147483724" r:id="rId10"/>
-    <p:sldLayoutId id="2147483725" r:id="rId11"/>
+    <p:sldLayoutId id="2147483727" r:id="rId1"/>
+    <p:sldLayoutId id="2147483728" r:id="rId2"/>
+    <p:sldLayoutId id="2147483729" r:id="rId3"/>
+    <p:sldLayoutId id="2147483730" r:id="rId4"/>
+    <p:sldLayoutId id="2147483731" r:id="rId5"/>
+    <p:sldLayoutId id="2147483732" r:id="rId6"/>
+    <p:sldLayoutId id="2147483733" r:id="rId7"/>
+    <p:sldLayoutId id="2147483734" r:id="rId8"/>
+    <p:sldLayoutId id="2147483735" r:id="rId9"/>
+    <p:sldLayoutId id="2147483736" r:id="rId10"/>
+    <p:sldLayoutId id="2147483737" r:id="rId11"/>
   </p:sldLayoutIdLst>
   <p:hf hdr="0" dt="0"/>
   <p:txStyles>
     <p:titleStyle>
       <a:lvl1pPr algn="l" defTabSz="914400" rtl="0" eaLnBrk="1" latinLnBrk="0" hangingPunct="1">
+        <a:lnSpc>
+          <a:spcPct val="85000"/>
+        </a:lnSpc>
         <a:spcBef>
           <a:spcPct val="0"/>
         </a:spcBef>
         <a:buNone/>
-        <a:defRPr sz="3600" kern="1200" cap="all" spc="-60" baseline="0">
+        <a:defRPr sz="4800" kern="1200" spc="-50" baseline="0">
           <a:solidFill>
-            <a:schemeClr val="tx2"/>
+            <a:schemeClr val="tx1">
+              <a:lumMod val="75000"/>
+              <a:lumOff val="25000"/>
+            </a:schemeClr>
           </a:solidFill>
           <a:latin typeface="+mj-lt"/>
           <a:ea typeface="+mj-ea"/>
@@ -4352,162 +4305,244 @@
       </a:lvl1pPr>
     </p:titleStyle>
     <p:bodyStyle>
-      <a:lvl1pPr marL="0" indent="0" algn="l" defTabSz="914400" rtl="0" eaLnBrk="1" latinLnBrk="0" hangingPunct="1">
+      <a:lvl1pPr marL="91440" indent="-91440" algn="l" defTabSz="914400" rtl="0" eaLnBrk="1" latinLnBrk="0" hangingPunct="1">
+        <a:lnSpc>
+          <a:spcPct val="90000"/>
+        </a:lnSpc>
         <a:spcBef>
-          <a:spcPct val="20000"/>
+          <a:spcPts val="1200"/>
         </a:spcBef>
         <a:spcAft>
-          <a:spcPts val="600"/>
+          <a:spcPts val="200"/>
         </a:spcAft>
-        <a:buFont typeface="Arial" pitchFamily="34" charset="0"/>
-        <a:buNone/>
-        <a:defRPr sz="2000" b="1" kern="1200">
+        <a:buClr>
+          <a:schemeClr val="accent1"/>
+        </a:buClr>
+        <a:buSzPct val="100000"/>
+        <a:buFont typeface="Calibri" panose="020F0502020204030204" pitchFamily="34" charset="0"/>
+        <a:buChar char=" "/>
+        <a:defRPr sz="2000" kern="1200">
           <a:solidFill>
-            <a:schemeClr val="tx1"/>
+            <a:schemeClr val="tx1">
+              <a:lumMod val="75000"/>
+              <a:lumOff val="25000"/>
+            </a:schemeClr>
           </a:solidFill>
           <a:latin typeface="+mn-lt"/>
           <a:ea typeface="+mn-ea"/>
           <a:cs typeface="+mn-cs"/>
         </a:defRPr>
       </a:lvl1pPr>
-      <a:lvl2pPr marL="457200" indent="-182880" algn="l" defTabSz="914400" rtl="0" eaLnBrk="1" latinLnBrk="0" hangingPunct="1">
+      <a:lvl2pPr marL="384048" indent="-182880" algn="l" defTabSz="914400" rtl="0" eaLnBrk="1" latinLnBrk="0" hangingPunct="1">
+        <a:lnSpc>
+          <a:spcPct val="90000"/>
+        </a:lnSpc>
         <a:spcBef>
-          <a:spcPct val="20000"/>
+          <a:spcPts val="200"/>
         </a:spcBef>
+        <a:spcAft>
+          <a:spcPts val="400"/>
+        </a:spcAft>
         <a:buClr>
-          <a:schemeClr val="tx2"/>
+          <a:schemeClr val="accent1"/>
         </a:buClr>
-        <a:buFont typeface="Arial" pitchFamily="34" charset="0"/>
-        <a:buChar char="•"/>
-        <a:defRPr sz="2000" kern="1200">
+        <a:buFont typeface="Calibri" pitchFamily="34" charset="0"/>
+        <a:buChar char="◦"/>
+        <a:defRPr sz="1800" kern="1200">
           <a:solidFill>
-            <a:schemeClr val="tx1"/>
+            <a:schemeClr val="tx1">
+              <a:lumMod val="75000"/>
+              <a:lumOff val="25000"/>
+            </a:schemeClr>
           </a:solidFill>
           <a:latin typeface="+mn-lt"/>
           <a:ea typeface="+mn-ea"/>
           <a:cs typeface="+mn-cs"/>
         </a:defRPr>
       </a:lvl2pPr>
-      <a:lvl3pPr marL="1143000" indent="-228600" algn="l" defTabSz="914400" rtl="0" eaLnBrk="1" latinLnBrk="0" hangingPunct="1">
+      <a:lvl3pPr marL="566928" indent="-182880" algn="l" defTabSz="914400" rtl="0" eaLnBrk="1" latinLnBrk="0" hangingPunct="1">
+        <a:lnSpc>
+          <a:spcPct val="90000"/>
+        </a:lnSpc>
         <a:spcBef>
-          <a:spcPct val="20000"/>
+          <a:spcPts val="200"/>
         </a:spcBef>
+        <a:spcAft>
+          <a:spcPts val="400"/>
+        </a:spcAft>
         <a:buClr>
-          <a:schemeClr val="tx2"/>
+          <a:schemeClr val="accent1"/>
         </a:buClr>
-        <a:buFont typeface="Arial" pitchFamily="34" charset="0"/>
-        <a:buChar char="•"/>
-        <a:defRPr sz="1800" kern="1200">
+        <a:buFont typeface="Calibri" pitchFamily="34" charset="0"/>
+        <a:buChar char="◦"/>
+        <a:defRPr sz="1400" kern="1200">
           <a:solidFill>
-            <a:schemeClr val="tx1"/>
+            <a:schemeClr val="tx1">
+              <a:lumMod val="75000"/>
+              <a:lumOff val="25000"/>
+            </a:schemeClr>
           </a:solidFill>
           <a:latin typeface="+mn-lt"/>
           <a:ea typeface="+mn-ea"/>
           <a:cs typeface="+mn-cs"/>
         </a:defRPr>
       </a:lvl3pPr>
-      <a:lvl4pPr marL="1600200" indent="-228600" algn="l" defTabSz="914400" rtl="0" eaLnBrk="1" latinLnBrk="0" hangingPunct="1">
+      <a:lvl4pPr marL="749808" indent="-182880" algn="l" defTabSz="914400" rtl="0" eaLnBrk="1" latinLnBrk="0" hangingPunct="1">
+        <a:lnSpc>
+          <a:spcPct val="90000"/>
+        </a:lnSpc>
         <a:spcBef>
-          <a:spcPct val="20000"/>
+          <a:spcPts val="200"/>
         </a:spcBef>
+        <a:spcAft>
+          <a:spcPts val="400"/>
+        </a:spcAft>
         <a:buClr>
-          <a:schemeClr val="tx2"/>
+          <a:schemeClr val="accent1"/>
         </a:buClr>
-        <a:buFont typeface="Arial" pitchFamily="34" charset="0"/>
-        <a:buChar char="•"/>
-        <a:defRPr sz="1800" kern="1200">
+        <a:buFont typeface="Calibri" pitchFamily="34" charset="0"/>
+        <a:buChar char="◦"/>
+        <a:defRPr sz="1400" kern="1200">
           <a:solidFill>
-            <a:schemeClr val="tx1"/>
+            <a:schemeClr val="tx1">
+              <a:lumMod val="75000"/>
+              <a:lumOff val="25000"/>
+            </a:schemeClr>
           </a:solidFill>
           <a:latin typeface="+mn-lt"/>
           <a:ea typeface="+mn-ea"/>
           <a:cs typeface="+mn-cs"/>
         </a:defRPr>
       </a:lvl4pPr>
-      <a:lvl5pPr marL="2057400" indent="-228600" algn="l" defTabSz="914400" rtl="0" eaLnBrk="1" latinLnBrk="0" hangingPunct="1">
+      <a:lvl5pPr marL="932688" indent="-182880" algn="l" defTabSz="914400" rtl="0" eaLnBrk="1" latinLnBrk="0" hangingPunct="1">
+        <a:lnSpc>
+          <a:spcPct val="90000"/>
+        </a:lnSpc>
         <a:spcBef>
-          <a:spcPct val="20000"/>
+          <a:spcPts val="200"/>
         </a:spcBef>
+        <a:spcAft>
+          <a:spcPts val="400"/>
+        </a:spcAft>
         <a:buClr>
-          <a:schemeClr val="tx2"/>
+          <a:schemeClr val="accent1"/>
         </a:buClr>
-        <a:buFont typeface="Arial" pitchFamily="34" charset="0"/>
-        <a:buChar char="•"/>
-        <a:defRPr sz="1800" kern="1200" baseline="0">
+        <a:buFont typeface="Calibri" pitchFamily="34" charset="0"/>
+        <a:buChar char="◦"/>
+        <a:defRPr sz="1400" kern="1200">
           <a:solidFill>
-            <a:schemeClr val="tx1"/>
+            <a:schemeClr val="tx1">
+              <a:lumMod val="75000"/>
+              <a:lumOff val="25000"/>
+            </a:schemeClr>
           </a:solidFill>
           <a:latin typeface="+mn-lt"/>
           <a:ea typeface="+mn-ea"/>
           <a:cs typeface="+mn-cs"/>
         </a:defRPr>
       </a:lvl5pPr>
-      <a:lvl6pPr marL="2514600" indent="-228600" algn="l" defTabSz="914400" rtl="0" eaLnBrk="1" latinLnBrk="0" hangingPunct="1">
+      <a:lvl6pPr marL="1100000" indent="-228600" algn="l" defTabSz="914400" rtl="0" eaLnBrk="1" latinLnBrk="0" hangingPunct="1">
+        <a:lnSpc>
+          <a:spcPct val="90000"/>
+        </a:lnSpc>
         <a:spcBef>
-          <a:spcPct val="20000"/>
+          <a:spcPts val="200"/>
         </a:spcBef>
+        <a:spcAft>
+          <a:spcPts val="400"/>
+        </a:spcAft>
         <a:buClr>
-          <a:schemeClr val="tx2"/>
+          <a:schemeClr val="accent1"/>
         </a:buClr>
-        <a:buFont typeface="Arial" pitchFamily="34" charset="0"/>
-        <a:buChar char="•"/>
-        <a:defRPr sz="1600" kern="1200">
+        <a:buFont typeface="Calibri" pitchFamily="34" charset="0"/>
+        <a:buChar char="◦"/>
+        <a:defRPr sz="1400" kern="1200">
           <a:solidFill>
-            <a:schemeClr val="tx1"/>
+            <a:schemeClr val="tx1">
+              <a:lumMod val="75000"/>
+              <a:lumOff val="25000"/>
+            </a:schemeClr>
           </a:solidFill>
           <a:latin typeface="+mn-lt"/>
           <a:ea typeface="+mn-ea"/>
           <a:cs typeface="+mn-cs"/>
         </a:defRPr>
       </a:lvl6pPr>
-      <a:lvl7pPr marL="2971800" indent="-228600" algn="l" defTabSz="914400" rtl="0" eaLnBrk="1" latinLnBrk="0" hangingPunct="1">
+      <a:lvl7pPr marL="1300000" indent="-228600" algn="l" defTabSz="914400" rtl="0" eaLnBrk="1" latinLnBrk="0" hangingPunct="1">
+        <a:lnSpc>
+          <a:spcPct val="90000"/>
+        </a:lnSpc>
         <a:spcBef>
-          <a:spcPct val="20000"/>
+          <a:spcPts val="200"/>
         </a:spcBef>
+        <a:spcAft>
+          <a:spcPts val="400"/>
+        </a:spcAft>
         <a:buClr>
-          <a:schemeClr val="tx2"/>
+          <a:schemeClr val="accent1"/>
         </a:buClr>
-        <a:buFont typeface="Arial" pitchFamily="34" charset="0"/>
-        <a:buChar char="•"/>
-        <a:defRPr sz="1600" kern="1200">
+        <a:buFont typeface="Calibri" pitchFamily="34" charset="0"/>
+        <a:buChar char="◦"/>
+        <a:defRPr sz="1400" kern="1200">
           <a:solidFill>
-            <a:schemeClr val="tx1"/>
+            <a:schemeClr val="tx1">
+              <a:lumMod val="75000"/>
+              <a:lumOff val="25000"/>
+            </a:schemeClr>
           </a:solidFill>
           <a:latin typeface="+mn-lt"/>
           <a:ea typeface="+mn-ea"/>
           <a:cs typeface="+mn-cs"/>
         </a:defRPr>
       </a:lvl7pPr>
-      <a:lvl8pPr marL="3429000" indent="-228600" algn="l" defTabSz="914400" rtl="0" eaLnBrk="1" latinLnBrk="0" hangingPunct="1">
+      <a:lvl8pPr marL="1500000" indent="-228600" algn="l" defTabSz="914400" rtl="0" eaLnBrk="1" latinLnBrk="0" hangingPunct="1">
+        <a:lnSpc>
+          <a:spcPct val="90000"/>
+        </a:lnSpc>
         <a:spcBef>
-          <a:spcPct val="20000"/>
+          <a:spcPts val="200"/>
         </a:spcBef>
+        <a:spcAft>
+          <a:spcPts val="400"/>
+        </a:spcAft>
         <a:buClr>
-          <a:schemeClr val="tx2"/>
+          <a:schemeClr val="accent1"/>
         </a:buClr>
-        <a:buFont typeface="Arial" pitchFamily="34" charset="0"/>
-        <a:buChar char="•"/>
-        <a:defRPr sz="1600" kern="1200">
+        <a:buFont typeface="Calibri" pitchFamily="34" charset="0"/>
+        <a:buChar char="◦"/>
+        <a:defRPr sz="1400" kern="1200">
           <a:solidFill>
-            <a:schemeClr val="tx1"/>
+            <a:schemeClr val="tx1">
+              <a:lumMod val="75000"/>
+              <a:lumOff val="25000"/>
+            </a:schemeClr>
           </a:solidFill>
           <a:latin typeface="+mn-lt"/>
           <a:ea typeface="+mn-ea"/>
           <a:cs typeface="+mn-cs"/>
         </a:defRPr>
       </a:lvl8pPr>
-      <a:lvl9pPr marL="3886200" indent="-228600" algn="l" defTabSz="914400" rtl="0" eaLnBrk="1" latinLnBrk="0" hangingPunct="1">
+      <a:lvl9pPr marL="1700000" indent="-228600" algn="l" defTabSz="914400" rtl="0" eaLnBrk="1" latinLnBrk="0" hangingPunct="1">
+        <a:lnSpc>
+          <a:spcPct val="90000"/>
+        </a:lnSpc>
         <a:spcBef>
-          <a:spcPct val="20000"/>
+          <a:spcPts val="200"/>
         </a:spcBef>
+        <a:spcAft>
+          <a:spcPts val="400"/>
+        </a:spcAft>
         <a:buClr>
-          <a:schemeClr val="tx2"/>
+          <a:schemeClr val="accent1"/>
         </a:buClr>
-        <a:buFont typeface="Arial" pitchFamily="34" charset="0"/>
-        <a:buChar char="•"/>
-        <a:defRPr sz="1600" kern="1200">
+        <a:buFont typeface="Calibri" pitchFamily="34" charset="0"/>
+        <a:buChar char="◦"/>
+        <a:defRPr sz="1400" kern="1200">
           <a:solidFill>
-            <a:schemeClr val="tx1"/>
+            <a:schemeClr val="tx1">
+              <a:lumMod val="75000"/>
+              <a:lumOff val="25000"/>
+            </a:schemeClr>
           </a:solidFill>
           <a:latin typeface="+mn-lt"/>
           <a:ea typeface="+mn-ea"/>
@@ -4641,194 +4676,56 @@
             <p:ph type="ctrTitle"/>
           </p:nvPr>
         </p:nvSpPr>
-        <p:spPr>
-          <a:xfrm>
-            <a:off x="402305" y="311631"/>
-            <a:ext cx="4182799" cy="1923569"/>
-          </a:xfrm>
-        </p:spPr>
-        <p:txBody>
-          <a:bodyPr/>
-          <a:lstStyle/>
-          <a:p>
-            <a:pPr algn="ctr"/>
-            <a:r>
-              <a:rPr lang="en-US" sz="3200" dirty="0" smtClean="0"/>
-              <a:t>INTERMEDIATE PROGRAMMING</a:t>
-            </a:r>
-            <a:r>
-              <a:rPr lang="en-US" sz="4000" dirty="0" smtClean="0"/>
-              <a:t/>
-            </a:r>
-            <a:br>
-              <a:rPr lang="en-US" sz="4000" dirty="0" smtClean="0"/>
-            </a:br>
-            <a:r>
-              <a:rPr lang="en-US" sz="3200" dirty="0" smtClean="0"/>
-              <a:t>Lesson</a:t>
-            </a:r>
-            <a:endParaRPr lang="en-US" sz="3200" dirty="0"/>
-          </a:p>
-        </p:txBody>
-      </p:sp>
-      <p:sp>
-        <p:nvSpPr>
-          <p:cNvPr id="7" name="TextBox 6"/>
-          <p:cNvSpPr txBox="1"/>
-          <p:nvPr/>
-        </p:nvSpPr>
-        <p:spPr>
-          <a:xfrm>
-            <a:off x="1487501" y="5949643"/>
-            <a:ext cx="4750545" cy="523220"/>
-          </a:xfrm>
-          <a:prstGeom prst="rect">
-            <a:avLst/>
-          </a:prstGeom>
-          <a:noFill/>
-        </p:spPr>
-        <p:txBody>
-          <a:bodyPr wrap="square" rtlCol="0">
-            <a:spAutoFit/>
+        <p:spPr/>
+        <p:txBody>
+          <a:bodyPr>
+            <a:normAutofit fontScale="90000"/>
           </a:bodyPr>
           <a:lstStyle/>
           <a:p>
             <a:r>
-              <a:rPr lang="en-US" sz="2800" dirty="0" smtClean="0"/>
-              <a:t>By: Droids Robotics</a:t>
-            </a:r>
-          </a:p>
-        </p:txBody>
-      </p:sp>
-      <p:pic>
-        <p:nvPicPr>
-          <p:cNvPr id="3" name="Picture 2" descr="Droidslogo2.png"/>
-          <p:cNvPicPr>
-            <a:picLocks noChangeAspect="1"/>
-          </p:cNvPicPr>
-          <p:nvPr/>
-        </p:nvPicPr>
-        <p:blipFill>
-          <a:blip r:embed="rId3">
-            <a:extLst>
-              <a:ext uri="{28A0092B-C50C-407E-A947-70E740481C1C}">
-                <a14:useLocalDpi xmlns:a14="http://schemas.microsoft.com/office/drawing/2010/main" val="0"/>
-              </a:ext>
-            </a:extLst>
-          </a:blip>
-          <a:stretch>
-            <a:fillRect/>
-          </a:stretch>
-        </p:blipFill>
-        <p:spPr>
-          <a:xfrm>
-            <a:off x="402306" y="5456830"/>
-            <a:ext cx="1085195" cy="1085195"/>
-          </a:xfrm>
-          <a:prstGeom prst="rect">
-            <a:avLst/>
-          </a:prstGeom>
-        </p:spPr>
-      </p:pic>
-      <p:sp>
-        <p:nvSpPr>
-          <p:cNvPr id="4" name="TextBox 3"/>
-          <p:cNvSpPr txBox="1"/>
-          <p:nvPr/>
-        </p:nvSpPr>
-        <p:spPr>
-          <a:xfrm>
-            <a:off x="550088" y="2713113"/>
-            <a:ext cx="8187512" cy="954107"/>
-          </a:xfrm>
-          <a:prstGeom prst="rect">
-            <a:avLst/>
-          </a:prstGeom>
-          <a:noFill/>
-        </p:spPr>
-        <p:txBody>
-          <a:bodyPr wrap="square" rtlCol="0">
-            <a:spAutoFit/>
+              <a:rPr lang="en-US" dirty="0" smtClean="0"/>
+              <a:t>INTERMEDIATE PROGRAMMING LESSON</a:t>
+            </a:r>
+            <a:endParaRPr lang="en-US" dirty="0"/>
+          </a:p>
+        </p:txBody>
+      </p:sp>
+      <p:sp>
+        <p:nvSpPr>
+          <p:cNvPr id="3" name="Subtitle 2"/>
+          <p:cNvSpPr>
+            <a:spLocks noGrp="1"/>
+          </p:cNvSpPr>
+          <p:nvPr>
+            <p:ph type="subTitle" idx="1"/>
+          </p:nvPr>
+        </p:nvSpPr>
+        <p:spPr/>
+        <p:txBody>
+          <a:bodyPr>
+            <a:normAutofit lnSpcReduction="10000"/>
           </a:bodyPr>
           <a:lstStyle/>
           <a:p>
             <a:r>
-              <a:rPr lang="en-US" sz="2800" dirty="0" smtClean="0">
-                <a:solidFill>
-                  <a:srgbClr val="FF0000"/>
-                </a:solidFill>
-              </a:rPr>
-              <a:t>Debugging Techniques</a:t>
-            </a:r>
-            <a:endParaRPr lang="en-US" sz="2800" dirty="0">
-              <a:solidFill>
-                <a:srgbClr val="FF0000"/>
-              </a:solidFill>
-            </a:endParaRPr>
-          </a:p>
-          <a:p>
-            <a:endParaRPr lang="en-US" sz="2800" dirty="0"/>
-          </a:p>
-        </p:txBody>
-      </p:sp>
-      <p:pic>
-        <p:nvPicPr>
-          <p:cNvPr id="1026" name="Picture 2" descr="EV3Lessons.com"/>
-          <p:cNvPicPr>
-            <a:picLocks noChangeAspect="1" noChangeArrowheads="1"/>
-          </p:cNvPicPr>
-          <p:nvPr/>
-        </p:nvPicPr>
-        <p:blipFill>
-          <a:blip r:embed="rId4">
-            <a:extLst>
-              <a:ext uri="{28A0092B-C50C-407E-A947-70E740481C1C}">
-                <a14:useLocalDpi xmlns:a14="http://schemas.microsoft.com/office/drawing/2010/main" val="0"/>
-              </a:ext>
-            </a:extLst>
-          </a:blip>
-          <a:srcRect/>
-          <a:stretch>
-            <a:fillRect/>
-          </a:stretch>
-        </p:blipFill>
-        <p:spPr bwMode="auto">
-          <a:xfrm>
-            <a:off x="4585105" y="436041"/>
-            <a:ext cx="4231698" cy="1571774"/>
-          </a:xfrm>
-          <a:prstGeom prst="rect">
-            <a:avLst/>
-          </a:prstGeom>
-          <a:noFill/>
-          <a:extLst>
-            <a:ext uri="{909E8E84-426E-40dd-AFC4-6F175D3DCCD1}">
-              <a14:hiddenFill xmlns:a14="http://schemas.microsoft.com/office/drawing/2010/main" xmlns="">
-                <a:solidFill>
-                  <a:srgbClr val="FFFFFF"/>
-                </a:solidFill>
-              </a14:hiddenFill>
-            </a:ext>
-          </a:extLst>
-        </p:spPr>
-      </p:pic>
+              <a:rPr lang="en-US" dirty="0" smtClean="0"/>
+              <a:t>DEBUGGING TECHNIQUES</a:t>
+            </a:r>
+            <a:endParaRPr lang="en-US" dirty="0"/>
+          </a:p>
+        </p:txBody>
+      </p:sp>
     </p:spTree>
     <p:extLst>
       <p:ext uri="{BB962C8B-B14F-4D97-AF65-F5344CB8AC3E}">
-        <p14:creationId xmlns:p14="http://schemas.microsoft.com/office/powerpoint/2010/main" val="3177338056"/>
+        <p14:creationId xmlns:p14="http://schemas.microsoft.com/office/powerpoint/2010/main" val="2145688574"/>
       </p:ext>
     </p:extLst>
   </p:cSld>
   <p:clrMapOvr>
     <a:masterClrMapping/>
   </p:clrMapOvr>
-  <p:timing>
-    <p:tnLst>
-      <p:par>
-        <p:cTn id="1" dur="indefinite" restart="never" nodeType="tmRoot"/>
-      </p:par>
-    </p:tnLst>
-  </p:timing>
 </p:sld>
 </file>
 
@@ -4851,12 +4748,12 @@
       </p:grpSpPr>
       <p:sp>
         <p:nvSpPr>
-          <p:cNvPr id="2" name="Footer Placeholder 1"/>
-          <p:cNvSpPr>
-            <a:spLocks noGrp="1"/>
-          </p:cNvSpPr>
-          <p:nvPr>
-            <p:ph type="ftr" sz="quarter" idx="11"/>
+          <p:cNvPr id="2" name="Title 1"/>
+          <p:cNvSpPr>
+            <a:spLocks noGrp="1"/>
+          </p:cNvSpPr>
+          <p:nvPr>
+            <p:ph type="title"/>
           </p:nvPr>
         </p:nvSpPr>
         <p:spPr/>
@@ -4865,77 +4762,26 @@
           <a:lstStyle/>
           <a:p>
             <a:r>
-              <a:rPr lang="en-US" smtClean="0"/>
-              <a:t>© 2015, EV3Lessons.com, (last edit 4/5/2015)</a:t>
-            </a:r>
-            <a:endParaRPr lang="en-US"/>
-          </a:p>
-        </p:txBody>
-      </p:sp>
-      <p:sp>
-        <p:nvSpPr>
-          <p:cNvPr id="3" name="Title 7"/>
-          <p:cNvSpPr txBox="1">
-            <a:spLocks/>
-          </p:cNvSpPr>
-          <p:nvPr/>
-        </p:nvSpPr>
-        <p:spPr>
-          <a:xfrm>
-            <a:off x="457199" y="152718"/>
-            <a:ext cx="8245475" cy="1371600"/>
-          </a:xfrm>
-          <a:prstGeom prst="rect">
-            <a:avLst/>
-          </a:prstGeom>
-        </p:spPr>
+              <a:rPr lang="en-US" dirty="0" smtClean="0"/>
+              <a:t>Sample Video on Next Slide</a:t>
+            </a:r>
+            <a:endParaRPr lang="en-US" dirty="0"/>
+          </a:p>
+        </p:txBody>
+      </p:sp>
+      <p:sp>
+        <p:nvSpPr>
+          <p:cNvPr id="3" name="Content Placeholder 2"/>
+          <p:cNvSpPr>
+            <a:spLocks noGrp="1"/>
+          </p:cNvSpPr>
+          <p:nvPr>
+            <p:ph idx="1"/>
+          </p:nvPr>
+        </p:nvSpPr>
+        <p:spPr/>
         <p:txBody>
           <a:bodyPr/>
-          <a:lstStyle>
-            <a:lvl1pPr algn="l" defTabSz="914400" rtl="0" eaLnBrk="1" latinLnBrk="0" hangingPunct="1">
-              <a:spcBef>
-                <a:spcPct val="0"/>
-              </a:spcBef>
-              <a:buNone/>
-              <a:defRPr sz="3600" kern="1200" cap="all" spc="-60" baseline="0">
-                <a:solidFill>
-                  <a:schemeClr val="tx2"/>
-                </a:solidFill>
-                <a:latin typeface="+mj-lt"/>
-                <a:ea typeface="+mj-ea"/>
-                <a:cs typeface="+mj-cs"/>
-              </a:defRPr>
-            </a:lvl1pPr>
-          </a:lstStyle>
-          <a:p>
-            <a:r>
-              <a:rPr lang="en-US" dirty="0" smtClean="0"/>
-              <a:t>SAMPLE VIDEO ON NEXT SLIDE</a:t>
-            </a:r>
-            <a:endParaRPr lang="en-US" dirty="0"/>
-          </a:p>
-        </p:txBody>
-      </p:sp>
-      <p:sp>
-        <p:nvSpPr>
-          <p:cNvPr id="4" name="TextBox 3"/>
-          <p:cNvSpPr txBox="1"/>
-          <p:nvPr/>
-        </p:nvSpPr>
-        <p:spPr>
-          <a:xfrm>
-            <a:off x="457200" y="1166324"/>
-            <a:ext cx="8002238" cy="3970318"/>
-          </a:xfrm>
-          <a:prstGeom prst="rect">
-            <a:avLst/>
-          </a:prstGeom>
-          <a:noFill/>
-        </p:spPr>
-        <p:txBody>
-          <a:bodyPr wrap="square" rtlCol="0">
-            <a:spAutoFit/>
-          </a:bodyPr>
           <a:lstStyle/>
           <a:p>
             <a:pPr marL="285750" indent="-285750">
@@ -4943,7 +4789,7 @@
               <a:buChar char="•"/>
             </a:pPr>
             <a:r>
-              <a:rPr lang="en-US" sz="2800" dirty="0" smtClean="0"/>
+              <a:rPr lang="en-US" sz="2800" dirty="0"/>
               <a:t>The video on the next slide is NOT intended as a solution to the Search Engine mission and isn’t even very good code to get there</a:t>
             </a:r>
           </a:p>
@@ -4953,7 +4799,7 @@
               <a:buChar char="•"/>
             </a:pPr>
             <a:r>
-              <a:rPr lang="en-US" sz="2800" dirty="0" smtClean="0"/>
+              <a:rPr lang="en-US" sz="2800" dirty="0"/>
               <a:t>Instead, what you should look at is how debugging techniques were used during the run</a:t>
             </a:r>
           </a:p>
@@ -4963,10 +4809,9 @@
               <a:buChar char="•"/>
             </a:pPr>
             <a:r>
-              <a:rPr lang="en-US" sz="2800" dirty="0" smtClean="0"/>
+              <a:rPr lang="en-US" sz="2800" dirty="0"/>
               <a:t>Wait for button press</a:t>
             </a:r>
-            <a:endParaRPr lang="en-US" sz="2800" dirty="0"/>
           </a:p>
           <a:p>
             <a:pPr marL="742950" lvl="1" indent="-285750">
@@ -4974,7 +4819,7 @@
               <a:buChar char="•"/>
             </a:pPr>
             <a:r>
-              <a:rPr lang="en-US" sz="2800" dirty="0" smtClean="0"/>
+              <a:rPr lang="en-US" sz="2800" dirty="0"/>
               <a:t>Sounds alerts</a:t>
             </a:r>
           </a:p>
@@ -4984,7 +4829,7 @@
               <a:buChar char="•"/>
             </a:pPr>
             <a:r>
-              <a:rPr lang="en-US" sz="2800" dirty="0" smtClean="0"/>
+              <a:rPr lang="en-US" sz="2800" dirty="0"/>
               <a:t>Brick lights</a:t>
             </a:r>
           </a:p>
@@ -4994,29 +4839,71 @@
               <a:buChar char="•"/>
             </a:pPr>
             <a:r>
-              <a:rPr lang="en-US" sz="2800" dirty="0" smtClean="0"/>
+              <a:rPr lang="en-US" sz="2800" dirty="0"/>
               <a:t>Sensor readings displayed on brick</a:t>
             </a:r>
+          </a:p>
+          <a:p>
+            <a:endParaRPr lang="en-US" dirty="0"/>
+          </a:p>
+        </p:txBody>
+      </p:sp>
+      <p:sp>
+        <p:nvSpPr>
+          <p:cNvPr id="4" name="Footer Placeholder 3"/>
+          <p:cNvSpPr>
+            <a:spLocks noGrp="1"/>
+          </p:cNvSpPr>
+          <p:nvPr>
+            <p:ph type="ftr" sz="quarter" idx="11"/>
+          </p:nvPr>
+        </p:nvSpPr>
+        <p:spPr/>
+        <p:txBody>
+          <a:bodyPr/>
+          <a:lstStyle/>
+          <a:p>
+            <a:r>
+              <a:rPr lang="sk-SK" smtClean="0"/>
+              <a:t>© 2015 EV3Lessons.com, Last edit 11/13/2015</a:t>
+            </a:r>
+            <a:endParaRPr lang="en-US"/>
+          </a:p>
+        </p:txBody>
+      </p:sp>
+      <p:sp>
+        <p:nvSpPr>
+          <p:cNvPr id="5" name="Slide Number Placeholder 4"/>
+          <p:cNvSpPr>
+            <a:spLocks noGrp="1"/>
+          </p:cNvSpPr>
+          <p:nvPr>
+            <p:ph type="sldNum" sz="quarter" idx="12"/>
+          </p:nvPr>
+        </p:nvSpPr>
+        <p:spPr/>
+        <p:txBody>
+          <a:bodyPr/>
+          <a:lstStyle/>
+          <a:p>
+            <a:fld id="{4382A7F7-08BF-4252-8141-63FB96055BBB}" type="slidenum">
+              <a:rPr lang="en-US" smtClean="0"/>
+              <a:t>10</a:t>
+            </a:fld>
+            <a:endParaRPr lang="en-US"/>
           </a:p>
         </p:txBody>
       </p:sp>
     </p:spTree>
     <p:extLst>
       <p:ext uri="{BB962C8B-B14F-4D97-AF65-F5344CB8AC3E}">
-        <p14:creationId xmlns:p14="http://schemas.microsoft.com/office/powerpoint/2010/main" val="678321581"/>
+        <p14:creationId xmlns:p14="http://schemas.microsoft.com/office/powerpoint/2010/main" val="643050639"/>
       </p:ext>
     </p:extLst>
   </p:cSld>
   <p:clrMapOvr>
     <a:masterClrMapping/>
   </p:clrMapOvr>
-  <p:timing>
-    <p:tnLst>
-      <p:par>
-        <p:cTn id="1" dur="indefinite" restart="never" nodeType="tmRoot"/>
-      </p:par>
-    </p:tnLst>
-  </p:timing>
 </p:sld>
 </file>
 
@@ -5039,7 +4926,30 @@
       </p:grpSpPr>
       <p:sp>
         <p:nvSpPr>
-          <p:cNvPr id="2" name="Footer Placeholder 1"/>
+          <p:cNvPr id="2" name="Title 1"/>
+          <p:cNvSpPr>
+            <a:spLocks noGrp="1"/>
+          </p:cNvSpPr>
+          <p:nvPr>
+            <p:ph type="title"/>
+          </p:nvPr>
+        </p:nvSpPr>
+        <p:spPr/>
+        <p:txBody>
+          <a:bodyPr/>
+          <a:lstStyle/>
+          <a:p>
+            <a:r>
+              <a:rPr lang="en-US" dirty="0" smtClean="0"/>
+              <a:t>Sample Video – Click to Play</a:t>
+            </a:r>
+            <a:endParaRPr lang="en-US" dirty="0"/>
+          </a:p>
+        </p:txBody>
+      </p:sp>
+      <p:sp>
+        <p:nvSpPr>
+          <p:cNvPr id="4" name="Footer Placeholder 3"/>
           <p:cNvSpPr>
             <a:spLocks noGrp="1"/>
           </p:cNvSpPr>
@@ -5053,8 +4963,8 @@
           <a:lstStyle/>
           <a:p>
             <a:r>
-              <a:rPr lang="en-US" smtClean="0"/>
-              <a:t>© 2015, EV3Lessons.com, (last edit 4/5/2015)</a:t>
+              <a:rPr lang="sk-SK" smtClean="0"/>
+              <a:t>© 2015 EV3Lessons.com, Last edit 11/13/2015</a:t>
             </a:r>
             <a:endParaRPr lang="en-US"/>
           </a:p>
@@ -5062,51 +4972,30 @@
       </p:sp>
       <p:sp>
         <p:nvSpPr>
-          <p:cNvPr id="3" name="Title 7"/>
-          <p:cNvSpPr txBox="1">
-            <a:spLocks/>
-          </p:cNvSpPr>
-          <p:nvPr/>
-        </p:nvSpPr>
-        <p:spPr>
-          <a:xfrm>
-            <a:off x="457199" y="152718"/>
-            <a:ext cx="8245475" cy="1371600"/>
-          </a:xfrm>
-          <a:prstGeom prst="rect">
-            <a:avLst/>
-          </a:prstGeom>
-        </p:spPr>
+          <p:cNvPr id="5" name="Slide Number Placeholder 4"/>
+          <p:cNvSpPr>
+            <a:spLocks noGrp="1"/>
+          </p:cNvSpPr>
+          <p:nvPr>
+            <p:ph type="sldNum" sz="quarter" idx="12"/>
+          </p:nvPr>
+        </p:nvSpPr>
+        <p:spPr/>
         <p:txBody>
           <a:bodyPr/>
-          <a:lstStyle>
-            <a:lvl1pPr algn="l" defTabSz="914400" rtl="0" eaLnBrk="1" latinLnBrk="0" hangingPunct="1">
-              <a:spcBef>
-                <a:spcPct val="0"/>
-              </a:spcBef>
-              <a:buNone/>
-              <a:defRPr sz="3600" kern="1200" cap="all" spc="-60" baseline="0">
-                <a:solidFill>
-                  <a:schemeClr val="tx2"/>
-                </a:solidFill>
-                <a:latin typeface="+mj-lt"/>
-                <a:ea typeface="+mj-ea"/>
-                <a:cs typeface="+mj-cs"/>
-              </a:defRPr>
-            </a:lvl1pPr>
-          </a:lstStyle>
-          <a:p>
-            <a:r>
-              <a:rPr lang="en-US" dirty="0" smtClean="0"/>
-              <a:t>SAMPLE VIDEO – CLICK TO PLAY</a:t>
-            </a:r>
-            <a:endParaRPr lang="en-US" dirty="0"/>
+          <a:lstStyle/>
+          <a:p>
+            <a:fld id="{4382A7F7-08BF-4252-8141-63FB96055BBB}" type="slidenum">
+              <a:rPr lang="en-US" smtClean="0"/>
+              <a:t>11</a:t>
+            </a:fld>
+            <a:endParaRPr lang="en-US"/>
           </a:p>
         </p:txBody>
       </p:sp>
       <p:pic>
         <p:nvPicPr>
-          <p:cNvPr id="5" name="DebuggingPreview.mov">
+          <p:cNvPr id="6" name="DebuggingPreview.mov">
             <a:hlinkClick r:id="" action="ppaction://media"/>
           </p:cNvPr>
           <p:cNvPicPr>
@@ -5129,8 +5018,8 @@
         </p:blipFill>
         <p:spPr>
           <a:xfrm>
-            <a:off x="457199" y="1158459"/>
-            <a:ext cx="8118453" cy="4573776"/>
+            <a:off x="1171724" y="1681654"/>
+            <a:ext cx="6909942" cy="3892925"/>
           </a:xfrm>
           <a:prstGeom prst="rect">
             <a:avLst/>
@@ -5140,21 +5029,13 @@
     </p:spTree>
     <p:extLst>
       <p:ext uri="{BB962C8B-B14F-4D97-AF65-F5344CB8AC3E}">
-        <p14:creationId xmlns:p14="http://schemas.microsoft.com/office/powerpoint/2010/main" val="770375536"/>
+        <p14:creationId xmlns:p14="http://schemas.microsoft.com/office/powerpoint/2010/main" val="578353852"/>
       </p:ext>
     </p:extLst>
   </p:cSld>
   <p:clrMapOvr>
     <a:masterClrMapping/>
   </p:clrMapOvr>
-  <mc:AlternateContent xmlns:mc="http://schemas.openxmlformats.org/markup-compatibility/2006" xmlns:p14="http://schemas.microsoft.com/office/powerpoint/2010/main">
-    <mc:Choice Requires="p14">
-      <p:transition spd="slow" p14:dur="2000"/>
-    </mc:Choice>
-    <mc:Fallback xmlns="">
-      <p:transition xmlns:p14="http://schemas.microsoft.com/office/powerpoint/2010/main" spd="slow"/>
-    </mc:Fallback>
-  </mc:AlternateContent>
   <p:timing>
     <p:tnLst>
       <p:par>
@@ -5185,7 +5066,7 @@
                                       <p:cBhvr>
                                         <p:cTn id="6" dur="20851" fill="hold"/>
                                         <p:tgtEl>
-                                          <p:spTgt spid="5"/>
+                                          <p:spTgt spid="6"/>
                                         </p:tgtEl>
                                       </p:cBhvr>
                                     </p:cmd>
@@ -5220,7 +5101,7 @@
                 <p:stCondLst>
                   <p:cond evt="onClick" delay="0">
                     <p:tgtEl>
-                      <p:spTgt spid="5"/>
+                      <p:spTgt spid="6"/>
                     </p:tgtEl>
                   </p:cond>
                 </p:stCondLst>
@@ -5250,7 +5131,7 @@
                                       <p:cBhvr>
                                         <p:cTn id="11" dur="1" fill="hold"/>
                                         <p:tgtEl>
-                                          <p:spTgt spid="5"/>
+                                          <p:spTgt spid="6"/>
                                         </p:tgtEl>
                                       </p:cBhvr>
                                     </p:cmd>
@@ -5268,7 +5149,7 @@
               <p:nextCondLst>
                 <p:cond evt="onClick" delay="0">
                   <p:tgtEl>
-                    <p:spTgt spid="5"/>
+                    <p:spTgt spid="6"/>
                   </p:tgtEl>
                 </p:cond>
               </p:nextCondLst>
@@ -5281,7 +5162,7 @@
                   </p:stCondLst>
                 </p:cTn>
                 <p:tgtEl>
-                  <p:spTgt spid="5"/>
+                  <p:spTgt spid="6"/>
                 </p:tgtEl>
               </p:cMediaNode>
             </p:video>
@@ -5312,12 +5193,12 @@
       </p:grpSpPr>
       <p:sp>
         <p:nvSpPr>
-          <p:cNvPr id="2" name="Footer Placeholder 1"/>
-          <p:cNvSpPr>
-            <a:spLocks noGrp="1"/>
-          </p:cNvSpPr>
-          <p:nvPr>
-            <p:ph type="ftr" sz="quarter" idx="11"/>
+          <p:cNvPr id="2" name="Title 1"/>
+          <p:cNvSpPr>
+            <a:spLocks noGrp="1"/>
+          </p:cNvSpPr>
+          <p:nvPr>
+            <p:ph type="title"/>
           </p:nvPr>
         </p:nvSpPr>
         <p:spPr/>
@@ -5326,77 +5207,31 @@
           <a:lstStyle/>
           <a:p>
             <a:r>
-              <a:rPr lang="en-US" smtClean="0"/>
-              <a:t>© 2015, EV3Lessons.com, (last edit 4/5/2015)</a:t>
-            </a:r>
-            <a:endParaRPr lang="en-US"/>
-          </a:p>
-        </p:txBody>
-      </p:sp>
-      <p:sp>
-        <p:nvSpPr>
-          <p:cNvPr id="3" name="Title 7"/>
-          <p:cNvSpPr txBox="1">
-            <a:spLocks/>
-          </p:cNvSpPr>
-          <p:nvPr/>
+              <a:rPr lang="en-US" dirty="0" smtClean="0"/>
+              <a:t>Other Methods</a:t>
+            </a:r>
+            <a:endParaRPr lang="en-US" dirty="0"/>
+          </a:p>
+        </p:txBody>
+      </p:sp>
+      <p:sp>
+        <p:nvSpPr>
+          <p:cNvPr id="3" name="Content Placeholder 2"/>
+          <p:cNvSpPr>
+            <a:spLocks noGrp="1"/>
+          </p:cNvSpPr>
+          <p:nvPr>
+            <p:ph idx="1"/>
+          </p:nvPr>
         </p:nvSpPr>
         <p:spPr>
           <a:xfrm>
-            <a:off x="457199" y="152718"/>
-            <a:ext cx="8245475" cy="1371600"/>
-          </a:xfrm>
-          <a:prstGeom prst="rect">
-            <a:avLst/>
-          </a:prstGeom>
+            <a:off x="227874" y="1505616"/>
+            <a:ext cx="4985257" cy="4654528"/>
+          </a:xfrm>
         </p:spPr>
         <p:txBody>
           <a:bodyPr/>
-          <a:lstStyle>
-            <a:lvl1pPr algn="l" defTabSz="914400" rtl="0" eaLnBrk="1" latinLnBrk="0" hangingPunct="1">
-              <a:spcBef>
-                <a:spcPct val="0"/>
-              </a:spcBef>
-              <a:buNone/>
-              <a:defRPr sz="3600" kern="1200" cap="all" spc="-60" baseline="0">
-                <a:solidFill>
-                  <a:schemeClr val="tx2"/>
-                </a:solidFill>
-                <a:latin typeface="+mj-lt"/>
-                <a:ea typeface="+mj-ea"/>
-                <a:cs typeface="+mj-cs"/>
-              </a:defRPr>
-            </a:lvl1pPr>
-          </a:lstStyle>
-          <a:p>
-            <a:r>
-              <a:rPr lang="en-US" dirty="0" smtClean="0"/>
-              <a:t>OTHER METHODS</a:t>
-            </a:r>
-            <a:endParaRPr lang="en-US" dirty="0"/>
-          </a:p>
-        </p:txBody>
-      </p:sp>
-      <p:sp>
-        <p:nvSpPr>
-          <p:cNvPr id="4" name="TextBox 3"/>
-          <p:cNvSpPr txBox="1"/>
-          <p:nvPr/>
-        </p:nvSpPr>
-        <p:spPr>
-          <a:xfrm>
-            <a:off x="491952" y="1116502"/>
-            <a:ext cx="3912728" cy="4914998"/>
-          </a:xfrm>
-          <a:prstGeom prst="rect">
-            <a:avLst/>
-          </a:prstGeom>
-          <a:noFill/>
-        </p:spPr>
-        <p:txBody>
-          <a:bodyPr wrap="square" rtlCol="0">
-            <a:normAutofit fontScale="92500" lnSpcReduction="20000"/>
-          </a:bodyPr>
           <a:lstStyle/>
           <a:p>
             <a:pPr marL="285750" indent="-285750">
@@ -5404,7 +5239,7 @@
               <a:buChar char="•"/>
             </a:pPr>
             <a:r>
-              <a:rPr lang="en-US" sz="2400" dirty="0" smtClean="0"/>
+              <a:rPr lang="en-US" sz="2400" dirty="0"/>
               <a:t>Recordings:</a:t>
             </a:r>
           </a:p>
@@ -5414,35 +5249,8 @@
               <a:buChar char="•"/>
             </a:pPr>
             <a:r>
-              <a:rPr lang="en-US" sz="2400" dirty="0" smtClean="0"/>
+              <a:rPr lang="en-US" sz="2400" dirty="0"/>
               <a:t>You can record your runs with a camera. Then watch each run and observe what went wrong</a:t>
-            </a:r>
-          </a:p>
-          <a:p>
-            <a:pPr marL="742950" lvl="1" indent="-285750">
-              <a:buFont typeface="Arial"/>
-              <a:buChar char="•"/>
-            </a:pPr>
-            <a:endParaRPr lang="en-US" sz="2400" dirty="0" smtClean="0"/>
-          </a:p>
-          <a:p>
-            <a:pPr marL="285750" indent="-285750">
-              <a:buFont typeface="Arial"/>
-              <a:buChar char="•"/>
-            </a:pPr>
-            <a:r>
-              <a:rPr lang="en-US" sz="2400" dirty="0" smtClean="0"/>
-              <a:t>Comments:</a:t>
-            </a:r>
-          </a:p>
-          <a:p>
-            <a:pPr marL="742950" lvl="1" indent="-285750">
-              <a:buFont typeface="Arial"/>
-              <a:buChar char="•"/>
-            </a:pPr>
-            <a:r>
-              <a:rPr lang="en-US" sz="2400" dirty="0" smtClean="0"/>
-              <a:t>You can also use “comments” to help debug – we add comments to remember what older values were entered into a block.  We watch the run and then adjust these values</a:t>
             </a:r>
           </a:p>
           <a:p>
@@ -5452,11 +5260,80 @@
             </a:pPr>
             <a:endParaRPr lang="en-US" sz="2400" dirty="0"/>
           </a:p>
+          <a:p>
+            <a:pPr marL="285750" indent="-285750">
+              <a:buFont typeface="Arial"/>
+              <a:buChar char="•"/>
+            </a:pPr>
+            <a:r>
+              <a:rPr lang="en-US" sz="2400" dirty="0"/>
+              <a:t>Comments:</a:t>
+            </a:r>
+          </a:p>
+          <a:p>
+            <a:pPr marL="742950" lvl="1" indent="-285750">
+              <a:buFont typeface="Arial"/>
+              <a:buChar char="•"/>
+            </a:pPr>
+            <a:r>
+              <a:rPr lang="en-US" sz="2400" dirty="0"/>
+              <a:t>You can also use “comments” to help debug – we add comments to remember what older values were entered into a block.  We watch the run and then adjust these values</a:t>
+            </a:r>
+          </a:p>
+          <a:p>
+            <a:endParaRPr lang="en-US" dirty="0"/>
+          </a:p>
+        </p:txBody>
+      </p:sp>
+      <p:sp>
+        <p:nvSpPr>
+          <p:cNvPr id="4" name="Footer Placeholder 3"/>
+          <p:cNvSpPr>
+            <a:spLocks noGrp="1"/>
+          </p:cNvSpPr>
+          <p:nvPr>
+            <p:ph type="ftr" sz="quarter" idx="11"/>
+          </p:nvPr>
+        </p:nvSpPr>
+        <p:spPr/>
+        <p:txBody>
+          <a:bodyPr/>
+          <a:lstStyle/>
+          <a:p>
+            <a:r>
+              <a:rPr lang="sk-SK" smtClean="0"/>
+              <a:t>© 2015 EV3Lessons.com, Last edit 11/13/2015</a:t>
+            </a:r>
+            <a:endParaRPr lang="en-US"/>
+          </a:p>
+        </p:txBody>
+      </p:sp>
+      <p:sp>
+        <p:nvSpPr>
+          <p:cNvPr id="5" name="Slide Number Placeholder 4"/>
+          <p:cNvSpPr>
+            <a:spLocks noGrp="1"/>
+          </p:cNvSpPr>
+          <p:nvPr>
+            <p:ph type="sldNum" sz="quarter" idx="12"/>
+          </p:nvPr>
+        </p:nvSpPr>
+        <p:spPr/>
+        <p:txBody>
+          <a:bodyPr/>
+          <a:lstStyle/>
+          <a:p>
+            <a:fld id="{4382A7F7-08BF-4252-8141-63FB96055BBB}" type="slidenum">
+              <a:rPr lang="en-US" smtClean="0"/>
+              <a:t>12</a:t>
+            </a:fld>
+            <a:endParaRPr lang="en-US"/>
+          </a:p>
         </p:txBody>
       </p:sp>
       <p:pic>
         <p:nvPicPr>
-          <p:cNvPr id="7" name="Picture 6" descr="imgres.jpg"/>
+          <p:cNvPr id="6" name="Picture 5" descr="imgres.jpg"/>
           <p:cNvPicPr>
             <a:picLocks noChangeAspect="1"/>
           </p:cNvPicPr>
@@ -5476,7 +5353,7 @@
         </p:blipFill>
         <p:spPr>
           <a:xfrm>
-            <a:off x="5164035" y="699052"/>
+            <a:off x="5531897" y="1592431"/>
             <a:ext cx="2765298" cy="1957458"/>
           </a:xfrm>
           <a:prstGeom prst="rect">
@@ -5486,7 +5363,7 @@
       </p:pic>
       <p:pic>
         <p:nvPicPr>
-          <p:cNvPr id="8" name="Picture 7" descr="imgres.jpg"/>
+          <p:cNvPr id="7" name="Picture 6" descr="imgres.jpg"/>
           <p:cNvPicPr>
             <a:picLocks noChangeAspect="1"/>
           </p:cNvPicPr>
@@ -5506,7 +5383,7 @@
         </p:blipFill>
         <p:spPr>
           <a:xfrm>
-            <a:off x="5767798" y="2416040"/>
+            <a:off x="6135660" y="3309419"/>
             <a:ext cx="1953095" cy="1953095"/>
           </a:xfrm>
           <a:prstGeom prst="rect">
@@ -5517,20 +5394,13 @@
     </p:spTree>
     <p:extLst>
       <p:ext uri="{BB962C8B-B14F-4D97-AF65-F5344CB8AC3E}">
-        <p14:creationId xmlns:p14="http://schemas.microsoft.com/office/powerpoint/2010/main" val="899366918"/>
+        <p14:creationId xmlns:p14="http://schemas.microsoft.com/office/powerpoint/2010/main" val="2097504359"/>
       </p:ext>
     </p:extLst>
   </p:cSld>
   <p:clrMapOvr>
     <a:masterClrMapping/>
   </p:clrMapOvr>
-  <p:timing>
-    <p:tnLst>
-      <p:par>
-        <p:cTn id="1" dur="indefinite" restart="never" nodeType="tmRoot"/>
-      </p:par>
-    </p:tnLst>
-  </p:timing>
 </p:sld>
 </file>
 
@@ -5553,164 +5423,6 @@
       </p:grpSpPr>
       <p:sp>
         <p:nvSpPr>
-          <p:cNvPr id="2" name="Footer Placeholder 1"/>
-          <p:cNvSpPr>
-            <a:spLocks noGrp="1"/>
-          </p:cNvSpPr>
-          <p:nvPr>
-            <p:ph type="ftr" sz="quarter" idx="11"/>
-          </p:nvPr>
-        </p:nvSpPr>
-        <p:spPr/>
-        <p:txBody>
-          <a:bodyPr/>
-          <a:lstStyle/>
-          <a:p>
-            <a:r>
-              <a:rPr lang="en-US" smtClean="0"/>
-              <a:t>© 2015, EV3Lessons.com, (last edit 4/5/2015)</a:t>
-            </a:r>
-            <a:endParaRPr lang="en-US"/>
-          </a:p>
-        </p:txBody>
-      </p:sp>
-      <p:sp>
-        <p:nvSpPr>
-          <p:cNvPr id="3" name="Title 7"/>
-          <p:cNvSpPr txBox="1">
-            <a:spLocks/>
-          </p:cNvSpPr>
-          <p:nvPr/>
-        </p:nvSpPr>
-        <p:spPr>
-          <a:xfrm>
-            <a:off x="457199" y="152718"/>
-            <a:ext cx="8245475" cy="1371600"/>
-          </a:xfrm>
-          <a:prstGeom prst="rect">
-            <a:avLst/>
-          </a:prstGeom>
-        </p:spPr>
-        <p:txBody>
-          <a:bodyPr/>
-          <a:lstStyle>
-            <a:lvl1pPr algn="l" defTabSz="914400" rtl="0" eaLnBrk="1" latinLnBrk="0" hangingPunct="1">
-              <a:spcBef>
-                <a:spcPct val="0"/>
-              </a:spcBef>
-              <a:buNone/>
-              <a:defRPr sz="3600" kern="1200" cap="all" spc="-60" baseline="0">
-                <a:solidFill>
-                  <a:schemeClr val="tx2"/>
-                </a:solidFill>
-                <a:latin typeface="+mj-lt"/>
-                <a:ea typeface="+mj-ea"/>
-                <a:cs typeface="+mj-cs"/>
-              </a:defRPr>
-            </a:lvl1pPr>
-          </a:lstStyle>
-          <a:p>
-            <a:r>
-              <a:rPr lang="en-US" dirty="0" smtClean="0"/>
-              <a:t>DISCUSSION GUIDE</a:t>
-            </a:r>
-            <a:endParaRPr lang="en-US" dirty="0"/>
-          </a:p>
-        </p:txBody>
-      </p:sp>
-      <p:sp>
-        <p:nvSpPr>
-          <p:cNvPr id="4" name="TextBox 3"/>
-          <p:cNvSpPr txBox="1"/>
-          <p:nvPr/>
-        </p:nvSpPr>
-        <p:spPr>
-          <a:xfrm>
-            <a:off x="491952" y="1116502"/>
-            <a:ext cx="7816008" cy="4914998"/>
-          </a:xfrm>
-          <a:prstGeom prst="rect">
-            <a:avLst/>
-          </a:prstGeom>
-          <a:noFill/>
-        </p:spPr>
-        <p:txBody>
-          <a:bodyPr wrap="square" rtlCol="0">
-            <a:normAutofit/>
-          </a:bodyPr>
-          <a:lstStyle/>
-          <a:p>
-            <a:pPr marL="285750" indent="-285750">
-              <a:buFont typeface="Arial"/>
-              <a:buChar char="•"/>
-            </a:pPr>
-            <a:r>
-              <a:rPr lang="en-US" sz="2400" dirty="0" smtClean="0">
-                <a:solidFill>
-                  <a:srgbClr val="FF0000"/>
-                </a:solidFill>
-              </a:rPr>
-              <a:t>What are some good ways of debugging your code?</a:t>
-            </a:r>
-          </a:p>
-          <a:p>
-            <a:pPr marL="742950" lvl="1" indent="-285750">
-              <a:buFont typeface="Arial"/>
-              <a:buChar char="•"/>
-            </a:pPr>
-            <a:r>
-              <a:rPr lang="en-US" sz="2400" dirty="0" smtClean="0"/>
-              <a:t>Ans. Any of the techniques mentioned in this lesson </a:t>
-            </a:r>
-          </a:p>
-          <a:p>
-            <a:pPr marL="742950" lvl="1" indent="-285750">
-              <a:buFont typeface="Arial"/>
-              <a:buChar char="•"/>
-            </a:pPr>
-            <a:endParaRPr lang="en-US" sz="2400" dirty="0"/>
-          </a:p>
-        </p:txBody>
-      </p:sp>
-    </p:spTree>
-    <p:extLst>
-      <p:ext uri="{BB962C8B-B14F-4D97-AF65-F5344CB8AC3E}">
-        <p14:creationId xmlns:p14="http://schemas.microsoft.com/office/powerpoint/2010/main" val="3465243717"/>
-      </p:ext>
-    </p:extLst>
-  </p:cSld>
-  <p:clrMapOvr>
-    <a:masterClrMapping/>
-  </p:clrMapOvr>
-  <p:timing>
-    <p:tnLst>
-      <p:par>
-        <p:cTn id="1" dur="indefinite" restart="never" nodeType="tmRoot"/>
-      </p:par>
-    </p:tnLst>
-  </p:timing>
-</p:sld>
-</file>
-
-<file path=ppt/slides/slide14.xml><?xml version="1.0" encoding="utf-8"?>
-<p:sld xmlns:a="http://schemas.openxmlformats.org/drawingml/2006/main" xmlns:r="http://schemas.openxmlformats.org/officeDocument/2006/relationships" xmlns:p="http://schemas.openxmlformats.org/presentationml/2006/main">
-  <p:cSld>
-    <p:spTree>
-      <p:nvGrpSpPr>
-        <p:cNvPr id="1" name=""/>
-        <p:cNvGrpSpPr/>
-        <p:nvPr/>
-      </p:nvGrpSpPr>
-      <p:grpSpPr>
-        <a:xfrm>
-          <a:off x="0" y="0"/>
-          <a:ext cx="0" cy="0"/>
-          <a:chOff x="0" y="0"/>
-          <a:chExt cx="0" cy="0"/>
-        </a:xfrm>
-      </p:grpSpPr>
-      <p:sp>
-        <p:nvSpPr>
           <p:cNvPr id="2" name="Title 1"/>
           <p:cNvSpPr>
             <a:spLocks noGrp="1"/>
@@ -5799,6 +5511,29 @@
               <a:rPr lang="en-US" smtClean="0"/>
               <a:t>© 2015, EV3Lessons.com, (last edit 4/5/2015)</a:t>
             </a:r>
+            <a:endParaRPr lang="en-US" dirty="0"/>
+          </a:p>
+        </p:txBody>
+      </p:sp>
+      <p:sp>
+        <p:nvSpPr>
+          <p:cNvPr id="7" name="Slide Number Placeholder 6"/>
+          <p:cNvSpPr>
+            <a:spLocks noGrp="1"/>
+          </p:cNvSpPr>
+          <p:nvPr>
+            <p:ph type="sldNum" sz="quarter" idx="12"/>
+          </p:nvPr>
+        </p:nvSpPr>
+        <p:spPr/>
+        <p:txBody>
+          <a:bodyPr/>
+          <a:lstStyle/>
+          <a:p>
+            <a:fld id="{4DBC7FC8-25FB-FC45-8177-2B991DA6778C}" type="slidenum">
+              <a:rPr lang="en-US" smtClean="0"/>
+              <a:t>13</a:t>
+            </a:fld>
             <a:endParaRPr lang="en-US" dirty="0"/>
           </a:p>
         </p:txBody>
@@ -5828,7 +5563,7 @@
           <a:effectLst/>
           <a:extLst>
             <a:ext uri="{91240B29-F687-4f45-9708-019B960494DF}">
-              <a14:hiddenLine xmlns:a14="http://schemas.microsoft.com/office/drawing/2010/main" xmlns="" w="9525">
+              <a14:hiddenLine xmlns="" xmlns:a14="http://schemas.microsoft.com/office/drawing/2010/main" w="9525">
                 <a:solidFill>
                   <a:schemeClr val="tx1"/>
                 </a:solidFill>
@@ -5838,7 +5573,7 @@
               </a14:hiddenLine>
             </a:ext>
             <a:ext uri="{AF507438-7753-43e0-B8FC-AC1667EBCBE1}">
-              <a14:hiddenEffects xmlns:a14="http://schemas.microsoft.com/office/drawing/2010/main" xmlns="">
+              <a14:hiddenEffects xmlns="" xmlns:a14="http://schemas.microsoft.com/office/drawing/2010/main">
                 <a:effectLst>
                   <a:outerShdw dist="35921" dir="2700000" algn="ctr" rotWithShape="0">
                     <a:schemeClr val="bg2"/>
@@ -6191,7 +5926,7 @@
           <a:noFill/>
           <a:extLst>
             <a:ext uri="{909E8E84-426E-40dd-AFC4-6F175D3DCCD1}">
-              <a14:hiddenFill xmlns:a14="http://schemas.microsoft.com/office/drawing/2010/main" xmlns="">
+              <a14:hiddenFill xmlns="" xmlns:a14="http://schemas.microsoft.com/office/drawing/2010/main">
                 <a:solidFill>
                   <a:srgbClr val="FFFFFF"/>
                 </a:solidFill>
@@ -6200,29 +5935,6 @@
           </a:extLst>
         </p:spPr>
       </p:pic>
-      <p:sp>
-        <p:nvSpPr>
-          <p:cNvPr id="7" name="Slide Number Placeholder 6"/>
-          <p:cNvSpPr>
-            <a:spLocks noGrp="1"/>
-          </p:cNvSpPr>
-          <p:nvPr>
-            <p:ph type="sldNum" sz="quarter" idx="4"/>
-          </p:nvPr>
-        </p:nvSpPr>
-        <p:spPr/>
-        <p:txBody>
-          <a:bodyPr/>
-          <a:lstStyle/>
-          <a:p>
-            <a:fld id="{4DBC7FC8-25FB-FC45-8177-2B991DA6778C}" type="slidenum">
-              <a:rPr lang="en-US" smtClean="0"/>
-              <a:t>14</a:t>
-            </a:fld>
-            <a:endParaRPr lang="en-US" dirty="0"/>
-          </a:p>
-        </p:txBody>
-      </p:sp>
     </p:spTree>
     <p:extLst>
       <p:ext uri="{BB962C8B-B14F-4D97-AF65-F5344CB8AC3E}">
@@ -6348,7 +6060,7 @@
             <a:spLocks noGrp="1"/>
           </p:cNvSpPr>
           <p:nvPr>
-            <p:ph type="sldNum" sz="quarter" idx="4"/>
+            <p:ph type="sldNum" sz="quarter" idx="12"/>
           </p:nvPr>
         </p:nvSpPr>
         <p:spPr/>
@@ -6396,6 +6108,29 @@
       </p:grpSpPr>
       <p:sp>
         <p:nvSpPr>
+          <p:cNvPr id="8" name="Title 7"/>
+          <p:cNvSpPr>
+            <a:spLocks noGrp="1"/>
+          </p:cNvSpPr>
+          <p:nvPr>
+            <p:ph type="title"/>
+          </p:nvPr>
+        </p:nvSpPr>
+        <p:spPr/>
+        <p:txBody>
+          <a:bodyPr/>
+          <a:lstStyle/>
+          <a:p>
+            <a:r>
+              <a:rPr lang="en-US" smtClean="0"/>
+              <a:t>Why Debug?</a:t>
+            </a:r>
+            <a:endParaRPr lang="en-US" dirty="0"/>
+          </a:p>
+        </p:txBody>
+      </p:sp>
+      <p:sp>
+        <p:nvSpPr>
           <p:cNvPr id="3" name="Content Placeholder 2"/>
           <p:cNvSpPr>
             <a:spLocks noGrp="1"/>
@@ -6404,64 +6139,81 @@
             <p:ph idx="1"/>
           </p:nvPr>
         </p:nvSpPr>
-        <p:spPr>
-          <a:xfrm>
-            <a:off x="457199" y="1022459"/>
-            <a:ext cx="7886700" cy="3226621"/>
-          </a:xfrm>
-        </p:spPr>
-        <p:txBody>
-          <a:bodyPr>
-            <a:normAutofit lnSpcReduction="10000"/>
-          </a:bodyPr>
-          <a:lstStyle/>
-          <a:p>
-            <a:pPr marL="233363" indent="-233363">
-              <a:buFont typeface="Arial"/>
-              <a:buChar char="•"/>
-            </a:pPr>
-            <a:r>
-              <a:rPr lang="en-US" b="0" dirty="0" smtClean="0"/>
+        <p:spPr/>
+        <p:txBody>
+          <a:bodyPr/>
+          <a:lstStyle/>
+          <a:p>
+            <a:r>
+              <a:rPr lang="en-US" dirty="0" smtClean="0"/>
               <a:t>Debugging is a useful strategy to figure out where in your program something is going wrong or what went wrong</a:t>
             </a:r>
           </a:p>
           <a:p>
-            <a:pPr marL="233363" indent="-233363">
-              <a:buFont typeface="Arial"/>
-              <a:buChar char="•"/>
-            </a:pPr>
-            <a:r>
-              <a:rPr lang="en-US" b="0" dirty="0" smtClean="0"/>
-              <a:t>Once your code starts to become long</a:t>
-            </a:r>
-            <a:r>
-              <a:rPr lang="en-US" b="0" dirty="0"/>
-              <a:t> </a:t>
-            </a:r>
-            <a:r>
-              <a:rPr lang="en-US" b="0" dirty="0" smtClean="0"/>
-              <a:t>or complicated (e.g. using sensors), it can become hard to figure out where in the program you are</a:t>
-            </a:r>
-          </a:p>
-          <a:p>
-            <a:pPr marL="233363" indent="-233363">
-              <a:buFont typeface="Arial"/>
-              <a:buChar char="•"/>
-            </a:pPr>
-            <a:r>
-              <a:rPr lang="en-US" b="0" dirty="0" smtClean="0"/>
+            <a:r>
+              <a:rPr lang="en-US" dirty="0" smtClean="0"/>
+              <a:t>Once your code starts to become long or complicated (e.g. using sensors), it can become hard to figure out where in the program you are</a:t>
+            </a:r>
+          </a:p>
+          <a:p>
+            <a:r>
+              <a:rPr lang="en-US" dirty="0" smtClean="0"/>
               <a:t>The following slides show you some ways of knowing where you are in your program or knowing what values your sensors see</a:t>
             </a:r>
           </a:p>
           <a:p>
-            <a:pPr marL="233363" indent="-233363">
-              <a:buFont typeface="Arial"/>
-              <a:buChar char="•"/>
-            </a:pPr>
-            <a:r>
-              <a:rPr lang="en-US" b="0" dirty="0" smtClean="0"/>
+            <a:r>
+              <a:rPr lang="en-US" dirty="0" smtClean="0"/>
               <a:t>You will see that these techniques can be VERY USEFUL to any programmer.</a:t>
             </a:r>
+            <a:endParaRPr lang="en-US" dirty="0" smtClean="0"/>
+          </a:p>
+        </p:txBody>
+      </p:sp>
+      <p:sp>
+        <p:nvSpPr>
+          <p:cNvPr id="9" name="Footer Placeholder 8"/>
+          <p:cNvSpPr>
+            <a:spLocks noGrp="1"/>
+          </p:cNvSpPr>
+          <p:nvPr>
+            <p:ph type="ftr" sz="quarter" idx="11"/>
+          </p:nvPr>
+        </p:nvSpPr>
+        <p:spPr/>
+        <p:txBody>
+          <a:bodyPr/>
+          <a:lstStyle/>
+          <a:p>
+            <a:r>
+              <a:rPr lang="en-US" smtClean="0"/>
+              <a:t>© 2015, EV3Lessons.com, (last edit 4/5/2015)</a:t>
+            </a:r>
+            <a:endParaRPr lang="en-US"/>
+          </a:p>
+        </p:txBody>
+      </p:sp>
+      <p:sp>
+        <p:nvSpPr>
+          <p:cNvPr id="12" name="Slide Number Placeholder 11"/>
+          <p:cNvSpPr>
+            <a:spLocks noGrp="1"/>
+          </p:cNvSpPr>
+          <p:nvPr>
+            <p:ph type="sldNum" sz="quarter" idx="12"/>
+          </p:nvPr>
+        </p:nvSpPr>
+        <p:spPr/>
+        <p:txBody>
+          <a:bodyPr/>
+          <a:lstStyle/>
+          <a:p>
+            <a:fld id="{4DBC7FC8-25FB-FC45-8177-2B991DA6778C}" type="slidenum">
+              <a:rPr lang="en-US" smtClean="0"/>
+              <a:pPr/>
+              <a:t>3</a:t>
+            </a:fld>
+            <a:endParaRPr lang="en-US" dirty="0"/>
           </a:p>
         </p:txBody>
       </p:sp>
@@ -6896,76 +6648,6 @@
               <a:rPr lang="en-US" dirty="0" smtClean="0"/>
               <a:t>HURRAY!</a:t>
             </a:r>
-            <a:endParaRPr lang="en-US" dirty="0"/>
-          </a:p>
-        </p:txBody>
-      </p:sp>
-      <p:sp>
-        <p:nvSpPr>
-          <p:cNvPr id="8" name="Title 7"/>
-          <p:cNvSpPr>
-            <a:spLocks noGrp="1"/>
-          </p:cNvSpPr>
-          <p:nvPr>
-            <p:ph type="title"/>
-          </p:nvPr>
-        </p:nvSpPr>
-        <p:spPr/>
-        <p:txBody>
-          <a:bodyPr/>
-          <a:lstStyle/>
-          <a:p>
-            <a:pPr marL="233363" indent="-233363"/>
-            <a:r>
-              <a:rPr lang="en-US" dirty="0" smtClean="0"/>
-              <a:t>Why Debug?</a:t>
-            </a:r>
-            <a:endParaRPr lang="en-US" dirty="0"/>
-          </a:p>
-        </p:txBody>
-      </p:sp>
-      <p:sp>
-        <p:nvSpPr>
-          <p:cNvPr id="9" name="Footer Placeholder 8"/>
-          <p:cNvSpPr>
-            <a:spLocks noGrp="1"/>
-          </p:cNvSpPr>
-          <p:nvPr>
-            <p:ph type="ftr" sz="quarter" idx="11"/>
-          </p:nvPr>
-        </p:nvSpPr>
-        <p:spPr/>
-        <p:txBody>
-          <a:bodyPr/>
-          <a:lstStyle/>
-          <a:p>
-            <a:r>
-              <a:rPr lang="en-US" smtClean="0"/>
-              <a:t>© 2015, EV3Lessons.com, (last edit 4/5/2015)</a:t>
-            </a:r>
-            <a:endParaRPr lang="en-US"/>
-          </a:p>
-        </p:txBody>
-      </p:sp>
-      <p:sp>
-        <p:nvSpPr>
-          <p:cNvPr id="12" name="Slide Number Placeholder 11"/>
-          <p:cNvSpPr>
-            <a:spLocks noGrp="1"/>
-          </p:cNvSpPr>
-          <p:nvPr>
-            <p:ph type="sldNum" sz="quarter" idx="4"/>
-          </p:nvPr>
-        </p:nvSpPr>
-        <p:spPr/>
-        <p:txBody>
-          <a:bodyPr/>
-          <a:lstStyle/>
-          <a:p>
-            <a:fld id="{4DBC7FC8-25FB-FC45-8177-2B991DA6778C}" type="slidenum">
-              <a:rPr lang="en-US" smtClean="0"/>
-              <a:t>3</a:t>
-            </a:fld>
             <a:endParaRPr lang="en-US" dirty="0"/>
           </a:p>
         </p:txBody>
@@ -7050,7 +6732,7 @@
         </p:nvSpPr>
         <p:spPr>
           <a:xfrm>
-            <a:off x="352331" y="1186677"/>
+            <a:off x="337213" y="1438925"/>
             <a:ext cx="4028866" cy="4032921"/>
           </a:xfrm>
         </p:spPr>
@@ -7139,6 +6821,29 @@
       </p:sp>
       <p:sp>
         <p:nvSpPr>
+          <p:cNvPr id="8" name="Slide Number Placeholder 7"/>
+          <p:cNvSpPr>
+            <a:spLocks noGrp="1"/>
+          </p:cNvSpPr>
+          <p:nvPr>
+            <p:ph type="sldNum" sz="quarter" idx="12"/>
+          </p:nvPr>
+        </p:nvSpPr>
+        <p:spPr/>
+        <p:txBody>
+          <a:bodyPr/>
+          <a:lstStyle/>
+          <a:p>
+            <a:fld id="{4DBC7FC8-25FB-FC45-8177-2B991DA6778C}" type="slidenum">
+              <a:rPr lang="en-US" smtClean="0"/>
+              <a:t>4</a:t>
+            </a:fld>
+            <a:endParaRPr lang="en-US" dirty="0"/>
+          </a:p>
+        </p:txBody>
+      </p:sp>
+      <p:sp>
+        <p:nvSpPr>
           <p:cNvPr id="6" name="Content Placeholder 2"/>
           <p:cNvSpPr txBox="1">
             <a:spLocks/>
@@ -7147,7 +6852,7 @@
         </p:nvSpPr>
         <p:spPr>
           <a:xfrm>
-            <a:off x="4544326" y="1205011"/>
+            <a:off x="4529208" y="1446749"/>
             <a:ext cx="3880155" cy="4259255"/>
           </a:xfrm>
           <a:prstGeom prst="rect">
@@ -7325,77 +7030,142 @@
           <a:p>
             <a:pPr algn="ctr"/>
             <a:r>
-              <a:rPr lang="en-US" sz="2400" u="sng" dirty="0" smtClean="0"/>
-              <a:t>Light, Sound and Display</a:t>
-            </a:r>
-          </a:p>
-          <a:p>
-            <a:pPr algn="ctr"/>
-            <a:endParaRPr lang="en-US" sz="2400" u="sng" dirty="0" smtClean="0"/>
+              <a:rPr lang="en-US" sz="2400" b="0" u="sng" dirty="0" smtClean="0"/>
+              <a:t>Light, Sound and </a:t>
+            </a:r>
+            <a:r>
+              <a:rPr lang="en-US" sz="2400" b="0" u="sng" dirty="0" smtClean="0"/>
+              <a:t>Display</a:t>
+            </a:r>
+            <a:endParaRPr lang="en-US" sz="2400" b="0" u="sng" dirty="0" smtClean="0"/>
           </a:p>
           <a:p>
             <a:pPr marL="342900" indent="-342900">
+              <a:lnSpc>
+                <a:spcPct val="110000"/>
+              </a:lnSpc>
+              <a:spcBef>
+                <a:spcPts val="1200"/>
+              </a:spcBef>
+              <a:spcAft>
+                <a:spcPts val="200"/>
+              </a:spcAft>
+              <a:buClr>
+                <a:schemeClr val="accent1"/>
+              </a:buClr>
+              <a:buSzPct val="100000"/>
               <a:buFont typeface="Arial"/>
               <a:buChar char="•"/>
             </a:pPr>
             <a:r>
-              <a:rPr lang="en-US" sz="2200" b="0" dirty="0" smtClean="0"/>
+              <a:rPr lang="en-US" sz="2200" b="0" dirty="0">
+                <a:solidFill>
+                  <a:schemeClr val="tx1">
+                    <a:lumMod val="75000"/>
+                    <a:lumOff val="25000"/>
+                  </a:schemeClr>
+                </a:solidFill>
+              </a:rPr>
               <a:t>Very similar techniques</a:t>
             </a:r>
           </a:p>
           <a:p>
             <a:pPr marL="342900" indent="-342900">
+              <a:lnSpc>
+                <a:spcPct val="110000"/>
+              </a:lnSpc>
+              <a:spcBef>
+                <a:spcPts val="1200"/>
+              </a:spcBef>
+              <a:spcAft>
+                <a:spcPts val="200"/>
+              </a:spcAft>
+              <a:buClr>
+                <a:schemeClr val="accent1"/>
+              </a:buClr>
+              <a:buSzPct val="100000"/>
               <a:buFont typeface="Arial"/>
               <a:buChar char="•"/>
             </a:pPr>
             <a:r>
-              <a:rPr lang="en-US" sz="2200" b="0" dirty="0" smtClean="0"/>
+              <a:rPr lang="en-US" sz="2200" b="0" dirty="0">
+                <a:solidFill>
+                  <a:schemeClr val="tx1">
+                    <a:lumMod val="75000"/>
+                    <a:lumOff val="25000"/>
+                  </a:schemeClr>
+                </a:solidFill>
+              </a:rPr>
               <a:t>Light and Sound are used in the same way</a:t>
             </a:r>
           </a:p>
           <a:p>
             <a:pPr marL="342900" indent="-342900">
+              <a:lnSpc>
+                <a:spcPct val="110000"/>
+              </a:lnSpc>
+              <a:spcBef>
+                <a:spcPts val="1200"/>
+              </a:spcBef>
+              <a:spcAft>
+                <a:spcPts val="200"/>
+              </a:spcAft>
+              <a:buClr>
+                <a:schemeClr val="accent1"/>
+              </a:buClr>
+              <a:buSzPct val="100000"/>
               <a:buFont typeface="Arial"/>
               <a:buChar char="•"/>
             </a:pPr>
             <a:r>
-              <a:rPr lang="en-US" sz="2200" b="0" dirty="0" smtClean="0"/>
+              <a:rPr lang="en-US" sz="2200" b="0" dirty="0">
+                <a:solidFill>
+                  <a:schemeClr val="tx1">
+                    <a:lumMod val="75000"/>
+                    <a:lumOff val="25000"/>
+                  </a:schemeClr>
+                </a:solidFill>
+              </a:rPr>
               <a:t>Teams enjoy the sound more and it is easier to identify sometimes</a:t>
             </a:r>
           </a:p>
           <a:p>
             <a:pPr marL="342900" indent="-342900">
+              <a:lnSpc>
+                <a:spcPct val="110000"/>
+              </a:lnSpc>
+              <a:spcBef>
+                <a:spcPts val="1200"/>
+              </a:spcBef>
+              <a:spcAft>
+                <a:spcPts val="200"/>
+              </a:spcAft>
+              <a:buClr>
+                <a:schemeClr val="accent1"/>
+              </a:buClr>
+              <a:buSzPct val="100000"/>
               <a:buFont typeface="Arial"/>
               <a:buChar char="•"/>
             </a:pPr>
             <a:r>
-              <a:rPr lang="en-US" sz="2200" b="0" dirty="0" smtClean="0"/>
+              <a:rPr lang="en-US" sz="2200" b="0" dirty="0">
+                <a:solidFill>
+                  <a:schemeClr val="tx1">
+                    <a:lumMod val="75000"/>
+                    <a:lumOff val="25000"/>
+                  </a:schemeClr>
+                </a:solidFill>
+              </a:rPr>
               <a:t>Display Block comes in handy for knowing what block is played if your robot gets stuck and if you want to see the sensor values</a:t>
             </a:r>
-            <a:endParaRPr lang="en-US" sz="2200" b="0" dirty="0"/>
-          </a:p>
-        </p:txBody>
-      </p:sp>
-      <p:sp>
-        <p:nvSpPr>
-          <p:cNvPr id="8" name="Slide Number Placeholder 7"/>
-          <p:cNvSpPr>
-            <a:spLocks noGrp="1"/>
-          </p:cNvSpPr>
-          <p:nvPr>
-            <p:ph type="sldNum" sz="quarter" idx="4"/>
-          </p:nvPr>
-        </p:nvSpPr>
-        <p:spPr/>
-        <p:txBody>
-          <a:bodyPr/>
-          <a:lstStyle/>
-          <a:p>
-            <a:fld id="{4DBC7FC8-25FB-FC45-8177-2B991DA6778C}" type="slidenum">
-              <a:rPr lang="en-US" smtClean="0"/>
-              <a:t>4</a:t>
-            </a:fld>
-            <a:endParaRPr lang="en-US" dirty="0"/>
+            <a:endParaRPr lang="en-US" sz="2200" b="0" dirty="0">
+              <a:solidFill>
+                <a:schemeClr val="tx1">
+                  <a:lumMod val="75000"/>
+                  <a:lumOff val="25000"/>
+                </a:schemeClr>
+              </a:solidFill>
+            </a:endParaRPr>
           </a:p>
         </p:txBody>
       </p:sp>
@@ -7438,12 +7208,12 @@
       </p:grpSpPr>
       <p:sp>
         <p:nvSpPr>
-          <p:cNvPr id="2" name="Footer Placeholder 1"/>
-          <p:cNvSpPr>
-            <a:spLocks noGrp="1"/>
-          </p:cNvSpPr>
-          <p:nvPr>
-            <p:ph type="ftr" sz="quarter" idx="11"/>
+          <p:cNvPr id="2" name="Title 1"/>
+          <p:cNvSpPr>
+            <a:spLocks noGrp="1"/>
+          </p:cNvSpPr>
+          <p:nvPr>
+            <p:ph type="title"/>
           </p:nvPr>
         </p:nvSpPr>
         <p:spPr/>
@@ -7452,33 +7222,26 @@
           <a:lstStyle/>
           <a:p>
             <a:r>
-              <a:rPr lang="en-US" smtClean="0"/>
-              <a:t>© 2015, EV3Lessons.com, (last edit 4/5/2015)</a:t>
-            </a:r>
-            <a:endParaRPr lang="en-US"/>
-          </a:p>
-        </p:txBody>
-      </p:sp>
-      <p:sp>
-        <p:nvSpPr>
-          <p:cNvPr id="3" name="TextBox 2"/>
-          <p:cNvSpPr txBox="1"/>
-          <p:nvPr/>
-        </p:nvSpPr>
-        <p:spPr>
-          <a:xfrm>
-            <a:off x="457199" y="1182665"/>
-            <a:ext cx="8153717" cy="2554545"/>
-          </a:xfrm>
-          <a:prstGeom prst="rect">
-            <a:avLst/>
-          </a:prstGeom>
-          <a:noFill/>
-        </p:spPr>
-        <p:txBody>
-          <a:bodyPr wrap="square" rtlCol="0">
-            <a:spAutoFit/>
-          </a:bodyPr>
+              <a:rPr lang="en-US" dirty="0" smtClean="0"/>
+              <a:t>Play Selected</a:t>
+            </a:r>
+            <a:endParaRPr lang="en-US" dirty="0"/>
+          </a:p>
+        </p:txBody>
+      </p:sp>
+      <p:sp>
+        <p:nvSpPr>
+          <p:cNvPr id="3" name="Content Placeholder 2"/>
+          <p:cNvSpPr>
+            <a:spLocks noGrp="1"/>
+          </p:cNvSpPr>
+          <p:nvPr>
+            <p:ph idx="1"/>
+          </p:nvPr>
+        </p:nvSpPr>
+        <p:spPr/>
+        <p:txBody>
+          <a:bodyPr/>
           <a:lstStyle/>
           <a:p>
             <a:pPr marL="285750" indent="-285750">
@@ -7486,18 +7249,9 @@
               <a:buChar char="•"/>
             </a:pPr>
             <a:r>
-              <a:rPr lang="en-US" sz="2000" dirty="0" smtClean="0"/>
-              <a:t>Play selected is useful for </a:t>
-            </a:r>
-            <a:r>
-              <a:rPr lang="en-US" sz="2000" dirty="0"/>
-              <a:t>running small parts of the </a:t>
-            </a:r>
-            <a:r>
-              <a:rPr lang="en-US" sz="2000" dirty="0" smtClean="0"/>
-              <a:t>program</a:t>
-            </a:r>
-            <a:endParaRPr lang="en-US" sz="2000" dirty="0"/>
+              <a:rPr lang="en-US" dirty="0"/>
+              <a:t>Play selected is useful for running small parts of the program</a:t>
+            </a:r>
           </a:p>
           <a:p>
             <a:pPr marL="285750" indent="-285750">
@@ -7505,24 +7259,8 @@
               <a:buChar char="•"/>
             </a:pPr>
             <a:r>
-              <a:rPr lang="en-US" sz="2000" dirty="0" smtClean="0"/>
-              <a:t>Use when you don’t want to wait for </a:t>
-            </a:r>
-            <a:r>
-              <a:rPr lang="en-US" sz="2000" dirty="0"/>
-              <a:t>your robot to complete </a:t>
-            </a:r>
-            <a:r>
-              <a:rPr lang="en-US" sz="2000" dirty="0" smtClean="0"/>
-              <a:t>other parts of the program before </a:t>
-            </a:r>
-            <a:r>
-              <a:rPr lang="en-US" sz="2000" dirty="0"/>
-              <a:t>getting to the </a:t>
-            </a:r>
-            <a:r>
-              <a:rPr lang="en-US" sz="2000" dirty="0" smtClean="0"/>
-              <a:t>part you want to see</a:t>
+              <a:rPr lang="en-US" dirty="0"/>
+              <a:t>Use when you don’t want to wait for your robot to complete other parts of the program before getting to the part you want to see</a:t>
             </a:r>
           </a:p>
           <a:p>
@@ -7531,23 +7269,23 @@
               <a:buChar char="•"/>
             </a:pPr>
             <a:r>
-              <a:rPr lang="en-US" sz="2000" dirty="0" smtClean="0"/>
+              <a:rPr lang="en-US" dirty="0"/>
               <a:t>If you don’t have </a:t>
             </a:r>
             <a:r>
-              <a:rPr lang="en-US" sz="2000" dirty="0" err="1" smtClean="0"/>
+              <a:rPr lang="en-US" dirty="0" err="1"/>
               <a:t>bluetooth</a:t>
             </a:r>
             <a:r>
-              <a:rPr lang="en-US" sz="2000" dirty="0" smtClean="0"/>
+              <a:rPr lang="en-US" dirty="0"/>
               <a:t> built in the computer, we recommend that you purchase a </a:t>
             </a:r>
             <a:r>
-              <a:rPr lang="en-US" sz="2000" dirty="0" err="1" smtClean="0"/>
+              <a:rPr lang="en-US" dirty="0" err="1"/>
               <a:t>bluetooth</a:t>
             </a:r>
             <a:r>
-              <a:rPr lang="en-US" sz="2000" dirty="0" smtClean="0"/>
+              <a:rPr lang="en-US" dirty="0"/>
               <a:t> dongle (US $10-15) because it makes this type of debugging easier</a:t>
             </a:r>
           </a:p>
@@ -7557,16 +7295,64 @@
               <a:buChar char="•"/>
             </a:pPr>
             <a:r>
-              <a:rPr lang="en-US" sz="2000" dirty="0" smtClean="0"/>
+              <a:rPr lang="en-US" dirty="0"/>
               <a:t>To use, highlight the parts of the program you want to run and pick the play button with the parentheses (&gt;)</a:t>
             </a:r>
-            <a:endParaRPr lang="en-US" sz="2000" dirty="0"/>
+          </a:p>
+          <a:p>
+            <a:endParaRPr lang="en-US" dirty="0"/>
+          </a:p>
+        </p:txBody>
+      </p:sp>
+      <p:sp>
+        <p:nvSpPr>
+          <p:cNvPr id="4" name="Footer Placeholder 3"/>
+          <p:cNvSpPr>
+            <a:spLocks noGrp="1"/>
+          </p:cNvSpPr>
+          <p:nvPr>
+            <p:ph type="ftr" sz="quarter" idx="11"/>
+          </p:nvPr>
+        </p:nvSpPr>
+        <p:spPr/>
+        <p:txBody>
+          <a:bodyPr/>
+          <a:lstStyle/>
+          <a:p>
+            <a:r>
+              <a:rPr lang="sk-SK" smtClean="0"/>
+              <a:t>© 2015 EV3Lessons.com, Last edit 11/13/2015</a:t>
+            </a:r>
+            <a:endParaRPr lang="en-US"/>
+          </a:p>
+        </p:txBody>
+      </p:sp>
+      <p:sp>
+        <p:nvSpPr>
+          <p:cNvPr id="5" name="Slide Number Placeholder 4"/>
+          <p:cNvSpPr>
+            <a:spLocks noGrp="1"/>
+          </p:cNvSpPr>
+          <p:nvPr>
+            <p:ph type="sldNum" sz="quarter" idx="12"/>
+          </p:nvPr>
+        </p:nvSpPr>
+        <p:spPr/>
+        <p:txBody>
+          <a:bodyPr/>
+          <a:lstStyle/>
+          <a:p>
+            <a:fld id="{4382A7F7-08BF-4252-8141-63FB96055BBB}" type="slidenum">
+              <a:rPr lang="en-US" smtClean="0"/>
+              <a:t>5</a:t>
+            </a:fld>
+            <a:endParaRPr lang="en-US"/>
           </a:p>
         </p:txBody>
       </p:sp>
       <p:pic>
         <p:nvPicPr>
-          <p:cNvPr id="4" name="Picture 3"/>
+          <p:cNvPr id="6" name="Picture 5"/>
           <p:cNvPicPr>
             <a:picLocks noChangeAspect="1"/>
           </p:cNvPicPr>
@@ -7588,50 +7374,6 @@
           </a:prstGeom>
         </p:spPr>
       </p:pic>
-      <p:sp>
-        <p:nvSpPr>
-          <p:cNvPr id="6" name="Title 7"/>
-          <p:cNvSpPr txBox="1">
-            <a:spLocks/>
-          </p:cNvSpPr>
-          <p:nvPr/>
-        </p:nvSpPr>
-        <p:spPr>
-          <a:xfrm>
-            <a:off x="457199" y="152718"/>
-            <a:ext cx="8245475" cy="1371600"/>
-          </a:xfrm>
-          <a:prstGeom prst="rect">
-            <a:avLst/>
-          </a:prstGeom>
-        </p:spPr>
-        <p:txBody>
-          <a:bodyPr/>
-          <a:lstStyle>
-            <a:lvl1pPr algn="l" defTabSz="914400" rtl="0" eaLnBrk="1" latinLnBrk="0" hangingPunct="1">
-              <a:spcBef>
-                <a:spcPct val="0"/>
-              </a:spcBef>
-              <a:buNone/>
-              <a:defRPr sz="3600" kern="1200" cap="all" spc="-60" baseline="0">
-                <a:solidFill>
-                  <a:schemeClr val="tx2"/>
-                </a:solidFill>
-                <a:latin typeface="+mj-lt"/>
-                <a:ea typeface="+mj-ea"/>
-                <a:cs typeface="+mj-cs"/>
-              </a:defRPr>
-            </a:lvl1pPr>
-          </a:lstStyle>
-          <a:p>
-            <a:r>
-              <a:rPr lang="en-US" dirty="0" smtClean="0"/>
-              <a:t>PLAY SELECTED</a:t>
-            </a:r>
-            <a:endParaRPr lang="en-US" dirty="0"/>
-          </a:p>
-        </p:txBody>
-      </p:sp>
       <p:sp>
         <p:nvSpPr>
           <p:cNvPr id="7" name="Oval 6"/>
@@ -7679,20 +7421,13 @@
     </p:spTree>
     <p:extLst>
       <p:ext uri="{BB962C8B-B14F-4D97-AF65-F5344CB8AC3E}">
-        <p14:creationId xmlns:p14="http://schemas.microsoft.com/office/powerpoint/2010/main" val="4078827946"/>
+        <p14:creationId xmlns:p14="http://schemas.microsoft.com/office/powerpoint/2010/main" val="1712121431"/>
       </p:ext>
     </p:extLst>
   </p:cSld>
   <p:clrMapOvr>
     <a:masterClrMapping/>
   </p:clrMapOvr>
-  <p:timing>
-    <p:tnLst>
-      <p:par>
-        <p:cTn id="1" dur="indefinite" restart="never" nodeType="tmRoot"/>
-      </p:par>
-    </p:tnLst>
-  </p:timing>
 </p:sld>
 </file>
 
@@ -7713,6 +7448,146 @@
           <a:chExt cx="0" cy="0"/>
         </a:xfrm>
       </p:grpSpPr>
+      <p:sp>
+        <p:nvSpPr>
+          <p:cNvPr id="2" name="Title 1"/>
+          <p:cNvSpPr>
+            <a:spLocks noGrp="1"/>
+          </p:cNvSpPr>
+          <p:nvPr>
+            <p:ph type="title"/>
+          </p:nvPr>
+        </p:nvSpPr>
+        <p:spPr/>
+        <p:txBody>
+          <a:bodyPr/>
+          <a:lstStyle/>
+          <a:p>
+            <a:r>
+              <a:rPr lang="en-US" dirty="0" smtClean="0"/>
+              <a:t>Wait For Button Press</a:t>
+            </a:r>
+            <a:endParaRPr lang="en-US" dirty="0"/>
+          </a:p>
+        </p:txBody>
+      </p:sp>
+      <p:sp>
+        <p:nvSpPr>
+          <p:cNvPr id="3" name="Content Placeholder 2"/>
+          <p:cNvSpPr>
+            <a:spLocks noGrp="1"/>
+          </p:cNvSpPr>
+          <p:nvPr>
+            <p:ph idx="1"/>
+          </p:nvPr>
+        </p:nvSpPr>
+        <p:spPr/>
+        <p:txBody>
+          <a:bodyPr>
+            <a:normAutofit/>
+          </a:bodyPr>
+          <a:lstStyle/>
+          <a:p>
+            <a:pPr marL="285750" indent="-285750">
+              <a:buFont typeface="Arial"/>
+              <a:buChar char="•"/>
+            </a:pPr>
+            <a:r>
+              <a:rPr lang="en-US" sz="1600" dirty="0"/>
+              <a:t>To place a Wait for Button Press block in your program, place a wait block into your program</a:t>
+            </a:r>
+          </a:p>
+          <a:p>
+            <a:pPr marL="285750" indent="-285750">
+              <a:buFont typeface="Arial"/>
+              <a:buChar char="•"/>
+            </a:pPr>
+            <a:r>
+              <a:rPr lang="en-US" sz="1600" dirty="0"/>
+              <a:t>Go under brick buttons &gt; compare &gt; brick buttons, then choose which button needs to be pressed to continue the program</a:t>
+            </a:r>
+          </a:p>
+          <a:p>
+            <a:pPr marL="285750" indent="-285750">
+              <a:buFont typeface="Arial"/>
+              <a:buChar char="•"/>
+            </a:pPr>
+            <a:r>
+              <a:rPr lang="en-US" sz="1600" dirty="0"/>
+              <a:t>Place these wait for button presses every block or two close to where the robot is not working correctly </a:t>
+            </a:r>
+          </a:p>
+          <a:p>
+            <a:pPr marL="285750" indent="-285750">
+              <a:buFont typeface="Arial"/>
+              <a:buChar char="•"/>
+            </a:pPr>
+            <a:r>
+              <a:rPr lang="en-US" sz="1600" dirty="0"/>
+              <a:t>This can help you pinpoint which block is causing the robot to fail</a:t>
+            </a:r>
+          </a:p>
+          <a:p>
+            <a:pPr marL="285750" indent="-285750">
+              <a:buFont typeface="Arial"/>
+              <a:buChar char="•"/>
+            </a:pPr>
+            <a:r>
+              <a:rPr lang="en-US" sz="1600" dirty="0"/>
+              <a:t>The robot will stop and “wait for you to press the button”</a:t>
+            </a:r>
+          </a:p>
+          <a:p>
+            <a:endParaRPr lang="en-US" sz="1600" dirty="0"/>
+          </a:p>
+        </p:txBody>
+      </p:sp>
+      <p:sp>
+        <p:nvSpPr>
+          <p:cNvPr id="4" name="Footer Placeholder 3"/>
+          <p:cNvSpPr>
+            <a:spLocks noGrp="1"/>
+          </p:cNvSpPr>
+          <p:nvPr>
+            <p:ph type="ftr" sz="quarter" idx="11"/>
+          </p:nvPr>
+        </p:nvSpPr>
+        <p:spPr/>
+        <p:txBody>
+          <a:bodyPr/>
+          <a:lstStyle/>
+          <a:p>
+            <a:r>
+              <a:rPr lang="sk-SK" smtClean="0"/>
+              <a:t>© 2015 EV3Lessons.com, Last edit 11/13/2015</a:t>
+            </a:r>
+            <a:endParaRPr lang="en-US"/>
+          </a:p>
+        </p:txBody>
+      </p:sp>
+      <p:sp>
+        <p:nvSpPr>
+          <p:cNvPr id="5" name="Slide Number Placeholder 4"/>
+          <p:cNvSpPr>
+            <a:spLocks noGrp="1"/>
+          </p:cNvSpPr>
+          <p:nvPr>
+            <p:ph type="sldNum" sz="quarter" idx="12"/>
+          </p:nvPr>
+        </p:nvSpPr>
+        <p:spPr/>
+        <p:txBody>
+          <a:bodyPr/>
+          <a:lstStyle/>
+          <a:p>
+            <a:fld id="{4382A7F7-08BF-4252-8141-63FB96055BBB}" type="slidenum">
+              <a:rPr lang="en-US" smtClean="0"/>
+              <a:t>6</a:t>
+            </a:fld>
+            <a:endParaRPr lang="en-US"/>
+          </a:p>
+        </p:txBody>
+      </p:sp>
       <p:pic>
         <p:nvPicPr>
           <p:cNvPr id="6" name="Picture 5"/>
@@ -7729,7 +7604,7 @@
         </p:blipFill>
         <p:spPr>
           <a:xfrm>
-            <a:off x="457199" y="4034441"/>
+            <a:off x="1014247" y="4200749"/>
             <a:ext cx="6686185" cy="1959395"/>
           </a:xfrm>
           <a:prstGeom prst="rect">
@@ -7737,143 +7612,9 @@
           </a:prstGeom>
         </p:spPr>
       </p:pic>
-      <p:sp>
-        <p:nvSpPr>
-          <p:cNvPr id="3" name="TextBox 2"/>
-          <p:cNvSpPr txBox="1"/>
-          <p:nvPr/>
-        </p:nvSpPr>
-        <p:spPr>
-          <a:xfrm>
-            <a:off x="320341" y="1091301"/>
-            <a:ext cx="8209010" cy="2554545"/>
-          </a:xfrm>
-          <a:prstGeom prst="rect">
-            <a:avLst/>
-          </a:prstGeom>
-          <a:noFill/>
-        </p:spPr>
-        <p:txBody>
-          <a:bodyPr wrap="square" rtlCol="0">
-            <a:spAutoFit/>
-          </a:bodyPr>
-          <a:lstStyle/>
-          <a:p>
-            <a:pPr marL="285750" indent="-285750">
-              <a:buFont typeface="Arial"/>
-              <a:buChar char="•"/>
-            </a:pPr>
-            <a:r>
-              <a:rPr lang="en-US" sz="2000" dirty="0"/>
-              <a:t>To place a </a:t>
-            </a:r>
-            <a:r>
-              <a:rPr lang="en-US" sz="2000" dirty="0" smtClean="0"/>
-              <a:t>Wait </a:t>
-            </a:r>
-            <a:r>
-              <a:rPr lang="en-US" sz="2000" dirty="0"/>
-              <a:t>for </a:t>
-            </a:r>
-            <a:r>
-              <a:rPr lang="en-US" sz="2000" dirty="0" smtClean="0"/>
-              <a:t>Button </a:t>
-            </a:r>
-            <a:r>
-              <a:rPr lang="en-US" sz="2000" dirty="0"/>
-              <a:t>P</a:t>
-            </a:r>
-            <a:r>
-              <a:rPr lang="en-US" sz="2000" dirty="0" smtClean="0"/>
-              <a:t>ress </a:t>
-            </a:r>
-            <a:r>
-              <a:rPr lang="en-US" sz="2000" dirty="0"/>
-              <a:t>block in your program, place a wait block into your </a:t>
-            </a:r>
-            <a:r>
-              <a:rPr lang="en-US" sz="2000" dirty="0" smtClean="0"/>
-              <a:t>program</a:t>
-            </a:r>
-          </a:p>
-          <a:p>
-            <a:pPr marL="285750" indent="-285750">
-              <a:buFont typeface="Arial"/>
-              <a:buChar char="•"/>
-            </a:pPr>
-            <a:r>
-              <a:rPr lang="en-US" sz="2000" dirty="0" smtClean="0"/>
-              <a:t>Go </a:t>
-            </a:r>
-            <a:r>
-              <a:rPr lang="en-US" sz="2000" dirty="0"/>
-              <a:t>under brick buttons &gt; compare &gt; brick buttons, then choose which button needs to be pressed to continue the </a:t>
-            </a:r>
-            <a:r>
-              <a:rPr lang="en-US" sz="2000" dirty="0" smtClean="0"/>
-              <a:t>program</a:t>
-            </a:r>
-          </a:p>
-          <a:p>
-            <a:pPr marL="285750" indent="-285750">
-              <a:buFont typeface="Arial"/>
-              <a:buChar char="•"/>
-            </a:pPr>
-            <a:r>
-              <a:rPr lang="en-US" sz="2000" dirty="0" smtClean="0"/>
-              <a:t>Place </a:t>
-            </a:r>
-            <a:r>
-              <a:rPr lang="en-US" sz="2000" dirty="0"/>
-              <a:t>these wait for button presses every </a:t>
-            </a:r>
-            <a:r>
-              <a:rPr lang="en-US" sz="2000" dirty="0" smtClean="0"/>
-              <a:t>block or two close to </a:t>
-            </a:r>
-            <a:r>
-              <a:rPr lang="en-US" sz="2000" dirty="0"/>
-              <a:t>where the robot is </a:t>
-            </a:r>
-            <a:r>
-              <a:rPr lang="en-US" sz="2000" dirty="0" smtClean="0"/>
-              <a:t>not working correctly </a:t>
-            </a:r>
-          </a:p>
-          <a:p>
-            <a:pPr marL="285750" indent="-285750">
-              <a:buFont typeface="Arial"/>
-              <a:buChar char="•"/>
-            </a:pPr>
-            <a:r>
-              <a:rPr lang="en-US" sz="2000" dirty="0" smtClean="0"/>
-              <a:t>This </a:t>
-            </a:r>
-            <a:r>
-              <a:rPr lang="en-US" sz="2000" dirty="0"/>
-              <a:t>can help you pinpoint which block is causing the robot to </a:t>
-            </a:r>
-            <a:r>
-              <a:rPr lang="en-US" sz="2000" dirty="0" smtClean="0"/>
-              <a:t>fail</a:t>
-            </a:r>
-          </a:p>
-          <a:p>
-            <a:pPr marL="285750" indent="-285750">
-              <a:buFont typeface="Arial"/>
-              <a:buChar char="•"/>
-            </a:pPr>
-            <a:r>
-              <a:rPr lang="en-US" sz="2000" dirty="0" smtClean="0"/>
-              <a:t>The robot will stop and “wait for you to press the button”</a:t>
-            </a:r>
-            <a:endParaRPr lang="en-US" sz="2000" dirty="0"/>
-          </a:p>
-        </p:txBody>
-      </p:sp>
       <p:pic>
         <p:nvPicPr>
-          <p:cNvPr id="9" name="Picture 8"/>
+          <p:cNvPr id="7" name="Picture 6"/>
           <p:cNvPicPr>
             <a:picLocks noChangeAspect="1"/>
           </p:cNvPicPr>
@@ -7887,7 +7628,7 @@
         </p:blipFill>
         <p:spPr>
           <a:xfrm>
-            <a:off x="6984134" y="4286255"/>
+            <a:off x="7541182" y="4452563"/>
             <a:ext cx="946444" cy="887291"/>
           </a:xfrm>
           <a:prstGeom prst="rect">
@@ -7895,98 +7636,16 @@
           </a:prstGeom>
         </p:spPr>
       </p:pic>
-      <p:sp>
-        <p:nvSpPr>
-          <p:cNvPr id="11" name="Title 7"/>
-          <p:cNvSpPr txBox="1">
-            <a:spLocks/>
-          </p:cNvSpPr>
-          <p:nvPr/>
-        </p:nvSpPr>
-        <p:spPr>
-          <a:xfrm>
-            <a:off x="457199" y="152718"/>
-            <a:ext cx="8245475" cy="1371600"/>
-          </a:xfrm>
-          <a:prstGeom prst="rect">
-            <a:avLst/>
-          </a:prstGeom>
-        </p:spPr>
-        <p:txBody>
-          <a:bodyPr/>
-          <a:lstStyle>
-            <a:lvl1pPr algn="l" defTabSz="914400" rtl="0" eaLnBrk="1" latinLnBrk="0" hangingPunct="1">
-              <a:spcBef>
-                <a:spcPct val="0"/>
-              </a:spcBef>
-              <a:buNone/>
-              <a:defRPr sz="3600" kern="1200" cap="all" spc="-60" baseline="0">
-                <a:solidFill>
-                  <a:schemeClr val="tx2"/>
-                </a:solidFill>
-                <a:latin typeface="+mj-lt"/>
-                <a:ea typeface="+mj-ea"/>
-                <a:cs typeface="+mj-cs"/>
-              </a:defRPr>
-            </a:lvl1pPr>
-          </a:lstStyle>
-          <a:p>
-            <a:r>
-              <a:rPr lang="en-US" dirty="0" smtClean="0"/>
-              <a:t>“WAIT FOR” BUTTON PRESS</a:t>
-            </a:r>
-            <a:endParaRPr lang="en-US" dirty="0"/>
-          </a:p>
-        </p:txBody>
-      </p:sp>
-      <p:sp>
-        <p:nvSpPr>
-          <p:cNvPr id="7" name="Footer Placeholder 6"/>
-          <p:cNvSpPr>
-            <a:spLocks noGrp="1"/>
-          </p:cNvSpPr>
-          <p:nvPr>
-            <p:ph type="ftr" sz="quarter" idx="11"/>
-          </p:nvPr>
-        </p:nvSpPr>
-        <p:spPr/>
-        <p:txBody>
-          <a:bodyPr/>
-          <a:lstStyle/>
-          <a:p>
-            <a:r>
-              <a:rPr lang="en-US" smtClean="0"/>
-              <a:t>© 2015, EV3Lessons.com, (last edit 4/5/2015)</a:t>
-            </a:r>
-            <a:endParaRPr lang="en-US"/>
-          </a:p>
-        </p:txBody>
-      </p:sp>
     </p:spTree>
     <p:extLst>
       <p:ext uri="{BB962C8B-B14F-4D97-AF65-F5344CB8AC3E}">
-        <p14:creationId xmlns:p14="http://schemas.microsoft.com/office/powerpoint/2010/main" val="1148309789"/>
+        <p14:creationId xmlns:p14="http://schemas.microsoft.com/office/powerpoint/2010/main" val="177238107"/>
       </p:ext>
     </p:extLst>
   </p:cSld>
   <p:clrMapOvr>
     <a:masterClrMapping/>
   </p:clrMapOvr>
-  <mc:AlternateContent xmlns:mc="http://schemas.openxmlformats.org/markup-compatibility/2006" xmlns:p14="http://schemas.microsoft.com/office/powerpoint/2010/main">
-    <mc:Choice Requires="p14">
-      <p:transition spd="slow" p14:dur="2000"/>
-    </mc:Choice>
-    <mc:Fallback xmlns="">
-      <p:transition xmlns:p14="http://schemas.microsoft.com/office/powerpoint/2010/main" spd="slow"/>
-    </mc:Fallback>
-  </mc:AlternateContent>
-  <p:timing>
-    <p:tnLst>
-      <p:par>
-        <p:cTn id="1" dur="indefinite" restart="never" nodeType="tmRoot"/>
-      </p:par>
-    </p:tnLst>
-  </p:timing>
 </p:sld>
 </file>
 
@@ -8009,7 +7668,74 @@
       </p:grpSpPr>
       <p:sp>
         <p:nvSpPr>
-          <p:cNvPr id="2" name="Footer Placeholder 1"/>
+          <p:cNvPr id="2" name="Title 1"/>
+          <p:cNvSpPr>
+            <a:spLocks noGrp="1"/>
+          </p:cNvSpPr>
+          <p:nvPr>
+            <p:ph type="title"/>
+          </p:nvPr>
+        </p:nvSpPr>
+        <p:spPr/>
+        <p:txBody>
+          <a:bodyPr/>
+          <a:lstStyle/>
+          <a:p>
+            <a:r>
+              <a:rPr lang="en-US" dirty="0" smtClean="0"/>
+              <a:t>Visual Alerts: Brick Status Light</a:t>
+            </a:r>
+            <a:endParaRPr lang="en-US" dirty="0"/>
+          </a:p>
+        </p:txBody>
+      </p:sp>
+      <p:sp>
+        <p:nvSpPr>
+          <p:cNvPr id="3" name="Content Placeholder 2"/>
+          <p:cNvSpPr>
+            <a:spLocks noGrp="1"/>
+          </p:cNvSpPr>
+          <p:nvPr>
+            <p:ph idx="1"/>
+          </p:nvPr>
+        </p:nvSpPr>
+        <p:spPr>
+          <a:xfrm>
+            <a:off x="5328745" y="1505616"/>
+            <a:ext cx="3495940" cy="4654528"/>
+          </a:xfrm>
+        </p:spPr>
+        <p:txBody>
+          <a:bodyPr/>
+          <a:lstStyle/>
+          <a:p>
+            <a:pPr marL="285750" indent="-285750">
+              <a:buFont typeface="Arial"/>
+              <a:buChar char="•"/>
+            </a:pPr>
+            <a:r>
+              <a:rPr lang="en-US" dirty="0"/>
+              <a:t>Place these blocks at critical steps in your program</a:t>
+            </a:r>
+          </a:p>
+          <a:p>
+            <a:pPr marL="285750" indent="-285750">
+              <a:buFont typeface="Arial"/>
+              <a:buChar char="•"/>
+            </a:pPr>
+            <a:r>
+              <a:rPr lang="en-US" dirty="0"/>
+              <a:t>You will then be able to visualize what block is playing and figure out where the error might be</a:t>
+            </a:r>
+          </a:p>
+          <a:p>
+            <a:endParaRPr lang="en-US" dirty="0"/>
+          </a:p>
+        </p:txBody>
+      </p:sp>
+      <p:sp>
+        <p:nvSpPr>
+          <p:cNvPr id="4" name="Footer Placeholder 3"/>
           <p:cNvSpPr>
             <a:spLocks noGrp="1"/>
           </p:cNvSpPr>
@@ -8023,8 +7749,8 @@
           <a:lstStyle/>
           <a:p>
             <a:r>
-              <a:rPr lang="en-US" smtClean="0"/>
-              <a:t>© 2015, EV3Lessons.com, (last edit 4/5/2015)</a:t>
+              <a:rPr lang="sk-SK" smtClean="0"/>
+              <a:t>© 2015 EV3Lessons.com, Last edit 11/13/2015</a:t>
             </a:r>
             <a:endParaRPr lang="en-US"/>
           </a:p>
@@ -8032,51 +7758,30 @@
       </p:sp>
       <p:sp>
         <p:nvSpPr>
-          <p:cNvPr id="3" name="Title 7"/>
-          <p:cNvSpPr txBox="1">
-            <a:spLocks/>
-          </p:cNvSpPr>
-          <p:nvPr/>
-        </p:nvSpPr>
-        <p:spPr>
-          <a:xfrm>
-            <a:off x="457199" y="152718"/>
-            <a:ext cx="8245475" cy="1371600"/>
-          </a:xfrm>
-          <a:prstGeom prst="rect">
-            <a:avLst/>
-          </a:prstGeom>
-        </p:spPr>
+          <p:cNvPr id="5" name="Slide Number Placeholder 4"/>
+          <p:cNvSpPr>
+            <a:spLocks noGrp="1"/>
+          </p:cNvSpPr>
+          <p:nvPr>
+            <p:ph type="sldNum" sz="quarter" idx="12"/>
+          </p:nvPr>
+        </p:nvSpPr>
+        <p:spPr/>
         <p:txBody>
           <a:bodyPr/>
-          <a:lstStyle>
-            <a:lvl1pPr algn="l" defTabSz="914400" rtl="0" eaLnBrk="1" latinLnBrk="0" hangingPunct="1">
-              <a:spcBef>
-                <a:spcPct val="0"/>
-              </a:spcBef>
-              <a:buNone/>
-              <a:defRPr sz="3600" kern="1200" cap="all" spc="-60" baseline="0">
-                <a:solidFill>
-                  <a:schemeClr val="tx2"/>
-                </a:solidFill>
-                <a:latin typeface="+mj-lt"/>
-                <a:ea typeface="+mj-ea"/>
-                <a:cs typeface="+mj-cs"/>
-              </a:defRPr>
-            </a:lvl1pPr>
-          </a:lstStyle>
-          <a:p>
-            <a:r>
-              <a:rPr lang="en-US" dirty="0" smtClean="0"/>
-              <a:t>VISUAL ALERTS: BRICK STATUS LIGHT BLOCK</a:t>
-            </a:r>
-            <a:endParaRPr lang="en-US" dirty="0"/>
+          <a:lstStyle/>
+          <a:p>
+            <a:fld id="{4382A7F7-08BF-4252-8141-63FB96055BBB}" type="slidenum">
+              <a:rPr lang="en-US" smtClean="0"/>
+              <a:t>7</a:t>
+            </a:fld>
+            <a:endParaRPr lang="en-US"/>
           </a:p>
         </p:txBody>
       </p:sp>
       <p:pic>
         <p:nvPicPr>
-          <p:cNvPr id="5" name="Picture 4"/>
+          <p:cNvPr id="6" name="Picture 5"/>
           <p:cNvPicPr>
             <a:picLocks noChangeAspect="1"/>
           </p:cNvPicPr>
@@ -8090,7 +7795,7 @@
         </p:blipFill>
         <p:spPr>
           <a:xfrm>
-            <a:off x="366884" y="1821546"/>
+            <a:off x="387904" y="1502413"/>
             <a:ext cx="1665348" cy="2194731"/>
           </a:xfrm>
           <a:prstGeom prst="rect">
@@ -8106,7 +7811,7 @@
         </p:nvSpPr>
         <p:spPr>
           <a:xfrm>
-            <a:off x="2067331" y="1983766"/>
+            <a:off x="2088351" y="1664633"/>
             <a:ext cx="2052110" cy="1200329"/>
           </a:xfrm>
           <a:prstGeom prst="rect">
@@ -8138,13 +7843,13 @@
       </p:sp>
       <p:sp>
         <p:nvSpPr>
-          <p:cNvPr id="9" name="TextBox 8"/>
+          <p:cNvPr id="8" name="TextBox 7"/>
           <p:cNvSpPr txBox="1"/>
           <p:nvPr/>
         </p:nvSpPr>
         <p:spPr>
           <a:xfrm>
-            <a:off x="3694915" y="5278948"/>
+            <a:off x="3715935" y="4959815"/>
             <a:ext cx="1222421" cy="1200329"/>
           </a:xfrm>
           <a:prstGeom prst="rect">
@@ -8184,53 +7889,9 @@
           </a:p>
         </p:txBody>
       </p:sp>
-      <p:sp>
-        <p:nvSpPr>
-          <p:cNvPr id="11" name="TextBox 10"/>
-          <p:cNvSpPr txBox="1"/>
-          <p:nvPr/>
-        </p:nvSpPr>
-        <p:spPr>
-          <a:xfrm>
-            <a:off x="4882237" y="1844847"/>
-            <a:ext cx="3460680" cy="3046988"/>
-          </a:xfrm>
-          <a:prstGeom prst="rect">
-            <a:avLst/>
-          </a:prstGeom>
-          <a:noFill/>
-        </p:spPr>
-        <p:txBody>
-          <a:bodyPr wrap="square" rtlCol="0">
-            <a:spAutoFit/>
-          </a:bodyPr>
-          <a:lstStyle/>
-          <a:p>
-            <a:pPr marL="285750" indent="-285750">
-              <a:buFont typeface="Arial"/>
-              <a:buChar char="•"/>
-            </a:pPr>
-            <a:r>
-              <a:rPr lang="en-US" sz="2400" dirty="0" smtClean="0"/>
-              <a:t>Place these blocks at critical steps in your program</a:t>
-            </a:r>
-          </a:p>
-          <a:p>
-            <a:pPr marL="285750" indent="-285750">
-              <a:buFont typeface="Arial"/>
-              <a:buChar char="•"/>
-            </a:pPr>
-            <a:r>
-              <a:rPr lang="en-US" sz="2400" dirty="0" smtClean="0"/>
-              <a:t>You will then be able to visualize what block is playing and figure out where the error might be</a:t>
-            </a:r>
-            <a:endParaRPr lang="en-US" sz="2400" dirty="0"/>
-          </a:p>
-        </p:txBody>
-      </p:sp>
       <p:pic>
         <p:nvPicPr>
-          <p:cNvPr id="12" name="Picture 11"/>
+          <p:cNvPr id="9" name="Picture 8"/>
           <p:cNvPicPr>
             <a:picLocks noChangeAspect="1"/>
           </p:cNvPicPr>
@@ -8243,7 +7904,7 @@
         </p:blipFill>
         <p:spPr>
           <a:xfrm>
-            <a:off x="366880" y="4221821"/>
+            <a:off x="387900" y="3902688"/>
             <a:ext cx="3636297" cy="919824"/>
           </a:xfrm>
           <a:prstGeom prst="rect">
@@ -8253,13 +7914,13 @@
       </p:pic>
       <p:sp>
         <p:nvSpPr>
-          <p:cNvPr id="14" name="Oval 13"/>
+          <p:cNvPr id="10" name="Oval 9"/>
           <p:cNvSpPr/>
           <p:nvPr/>
         </p:nvSpPr>
         <p:spPr>
           <a:xfrm>
-            <a:off x="3274388" y="4401508"/>
+            <a:off x="3295408" y="4082375"/>
             <a:ext cx="879371" cy="740138"/>
           </a:xfrm>
           <a:prstGeom prst="ellipse">
@@ -8298,20 +7959,13 @@
     </p:spTree>
     <p:extLst>
       <p:ext uri="{BB962C8B-B14F-4D97-AF65-F5344CB8AC3E}">
-        <p14:creationId xmlns:p14="http://schemas.microsoft.com/office/powerpoint/2010/main" val="517418497"/>
+        <p14:creationId xmlns:p14="http://schemas.microsoft.com/office/powerpoint/2010/main" val="402823439"/>
       </p:ext>
     </p:extLst>
   </p:cSld>
   <p:clrMapOvr>
     <a:masterClrMapping/>
   </p:clrMapOvr>
-  <p:timing>
-    <p:tnLst>
-      <p:par>
-        <p:cTn id="1" dur="indefinite" restart="never" nodeType="tmRoot"/>
-      </p:par>
-    </p:tnLst>
-  </p:timing>
 </p:sld>
 </file>
 
@@ -8334,7 +7988,30 @@
       </p:grpSpPr>
       <p:sp>
         <p:nvSpPr>
-          <p:cNvPr id="2" name="Footer Placeholder 1"/>
+          <p:cNvPr id="2" name="Title 1"/>
+          <p:cNvSpPr>
+            <a:spLocks noGrp="1"/>
+          </p:cNvSpPr>
+          <p:nvPr>
+            <p:ph type="title"/>
+          </p:nvPr>
+        </p:nvSpPr>
+        <p:spPr/>
+        <p:txBody>
+          <a:bodyPr/>
+          <a:lstStyle/>
+          <a:p>
+            <a:r>
+              <a:rPr lang="en-US" dirty="0" smtClean="0"/>
+              <a:t>Sound Alerts: Sound Block</a:t>
+            </a:r>
+            <a:endParaRPr lang="en-US" dirty="0"/>
+          </a:p>
+        </p:txBody>
+      </p:sp>
+      <p:sp>
+        <p:nvSpPr>
+          <p:cNvPr id="4" name="Footer Placeholder 3"/>
           <p:cNvSpPr>
             <a:spLocks noGrp="1"/>
           </p:cNvSpPr>
@@ -8348,8 +8025,8 @@
           <a:lstStyle/>
           <a:p>
             <a:r>
-              <a:rPr lang="en-US" smtClean="0"/>
-              <a:t>© 2015, EV3Lessons.com, (last edit 4/5/2015)</a:t>
+              <a:rPr lang="sk-SK" smtClean="0"/>
+              <a:t>© 2015 EV3Lessons.com, Last edit 11/13/2015</a:t>
             </a:r>
             <a:endParaRPr lang="en-US"/>
           </a:p>
@@ -8357,57 +8034,36 @@
       </p:sp>
       <p:sp>
         <p:nvSpPr>
-          <p:cNvPr id="3" name="Title 7"/>
-          <p:cNvSpPr txBox="1">
-            <a:spLocks/>
-          </p:cNvSpPr>
-          <p:nvPr/>
-        </p:nvSpPr>
-        <p:spPr>
-          <a:xfrm>
-            <a:off x="457199" y="152718"/>
-            <a:ext cx="8245475" cy="1371600"/>
-          </a:xfrm>
-          <a:prstGeom prst="rect">
-            <a:avLst/>
-          </a:prstGeom>
-        </p:spPr>
+          <p:cNvPr id="5" name="Slide Number Placeholder 4"/>
+          <p:cNvSpPr>
+            <a:spLocks noGrp="1"/>
+          </p:cNvSpPr>
+          <p:nvPr>
+            <p:ph type="sldNum" sz="quarter" idx="12"/>
+          </p:nvPr>
+        </p:nvSpPr>
+        <p:spPr/>
         <p:txBody>
           <a:bodyPr/>
-          <a:lstStyle>
-            <a:lvl1pPr algn="l" defTabSz="914400" rtl="0" eaLnBrk="1" latinLnBrk="0" hangingPunct="1">
-              <a:spcBef>
-                <a:spcPct val="0"/>
-              </a:spcBef>
-              <a:buNone/>
-              <a:defRPr sz="3600" kern="1200" cap="all" spc="-60" baseline="0">
-                <a:solidFill>
-                  <a:schemeClr val="tx2"/>
-                </a:solidFill>
-                <a:latin typeface="+mj-lt"/>
-                <a:ea typeface="+mj-ea"/>
-                <a:cs typeface="+mj-cs"/>
-              </a:defRPr>
-            </a:lvl1pPr>
-          </a:lstStyle>
-          <a:p>
-            <a:r>
-              <a:rPr lang="en-US" dirty="0" smtClean="0"/>
-              <a:t>SOUND ALERTs: SOUND BLOCK</a:t>
-            </a:r>
-            <a:endParaRPr lang="en-US" dirty="0"/>
-          </a:p>
-        </p:txBody>
-      </p:sp>
-      <p:sp>
-        <p:nvSpPr>
-          <p:cNvPr id="4" name="Rectangle 3"/>
+          <a:lstStyle/>
+          <a:p>
+            <a:fld id="{4382A7F7-08BF-4252-8141-63FB96055BBB}" type="slidenum">
+              <a:rPr lang="en-US" smtClean="0"/>
+              <a:t>8</a:t>
+            </a:fld>
+            <a:endParaRPr lang="en-US"/>
+          </a:p>
+        </p:txBody>
+      </p:sp>
+      <p:sp>
+        <p:nvSpPr>
+          <p:cNvPr id="6" name="Rectangle 5"/>
           <p:cNvSpPr/>
           <p:nvPr/>
         </p:nvSpPr>
         <p:spPr>
           <a:xfrm>
-            <a:off x="457199" y="914292"/>
+            <a:off x="406530" y="1559725"/>
             <a:ext cx="3784172" cy="3785652"/>
           </a:xfrm>
           <a:prstGeom prst="rect">
@@ -8461,7 +8117,7 @@
       </p:sp>
       <p:pic>
         <p:nvPicPr>
-          <p:cNvPr id="18" name="Picture 17"/>
+          <p:cNvPr id="7" name="Picture 6"/>
           <p:cNvPicPr>
             <a:picLocks noChangeAspect="1"/>
           </p:cNvPicPr>
@@ -8475,7 +8131,7 @@
         </p:blipFill>
         <p:spPr>
           <a:xfrm>
-            <a:off x="4873653" y="914292"/>
+            <a:off x="4873653" y="1397765"/>
             <a:ext cx="1928255" cy="1973732"/>
           </a:xfrm>
           <a:prstGeom prst="rect">
@@ -8485,13 +8141,13 @@
       </p:pic>
       <p:sp>
         <p:nvSpPr>
-          <p:cNvPr id="21" name="Oval 20"/>
+          <p:cNvPr id="8" name="Oval 7"/>
           <p:cNvSpPr/>
           <p:nvPr/>
         </p:nvSpPr>
         <p:spPr>
           <a:xfrm>
-            <a:off x="6239555" y="1076252"/>
+            <a:off x="6239555" y="1559725"/>
             <a:ext cx="629240" cy="1086983"/>
           </a:xfrm>
           <a:prstGeom prst="ellipse">
@@ -8529,13 +8185,13 @@
       </p:sp>
       <p:sp>
         <p:nvSpPr>
-          <p:cNvPr id="22" name="Oval 21"/>
+          <p:cNvPr id="9" name="Oval 8"/>
           <p:cNvSpPr/>
           <p:nvPr/>
         </p:nvSpPr>
         <p:spPr>
           <a:xfrm>
-            <a:off x="4836017" y="2117467"/>
+            <a:off x="4836017" y="2600940"/>
             <a:ext cx="1334894" cy="713055"/>
           </a:xfrm>
           <a:prstGeom prst="ellipse">
@@ -8573,7 +8229,7 @@
       </p:sp>
       <p:pic>
         <p:nvPicPr>
-          <p:cNvPr id="23" name="Picture 22"/>
+          <p:cNvPr id="10" name="Picture 9"/>
           <p:cNvPicPr>
             <a:picLocks noChangeAspect="1"/>
           </p:cNvPicPr>
@@ -8586,7 +8242,7 @@
         </p:blipFill>
         <p:spPr>
           <a:xfrm>
-            <a:off x="457199" y="4900097"/>
+            <a:off x="4563593" y="4187954"/>
             <a:ext cx="3636297" cy="919824"/>
           </a:xfrm>
           <a:prstGeom prst="rect">
@@ -8596,13 +8252,13 @@
       </p:pic>
       <p:sp>
         <p:nvSpPr>
-          <p:cNvPr id="24" name="TextBox 23"/>
+          <p:cNvPr id="11" name="TextBox 10"/>
           <p:cNvSpPr txBox="1"/>
           <p:nvPr/>
         </p:nvSpPr>
         <p:spPr>
           <a:xfrm>
-            <a:off x="2709482" y="5819921"/>
+            <a:off x="6815876" y="5107778"/>
             <a:ext cx="956638" cy="646331"/>
           </a:xfrm>
           <a:prstGeom prst="rect">
@@ -8632,13 +8288,13 @@
       </p:sp>
       <p:sp>
         <p:nvSpPr>
-          <p:cNvPr id="25" name="Oval 24"/>
+          <p:cNvPr id="12" name="Oval 11"/>
           <p:cNvSpPr/>
           <p:nvPr/>
         </p:nvSpPr>
         <p:spPr>
           <a:xfrm>
-            <a:off x="2709482" y="5111757"/>
+            <a:off x="6815876" y="4399614"/>
             <a:ext cx="879371" cy="740138"/>
           </a:xfrm>
           <a:prstGeom prst="ellipse">
@@ -8677,20 +8333,13 @@
     </p:spTree>
     <p:extLst>
       <p:ext uri="{BB962C8B-B14F-4D97-AF65-F5344CB8AC3E}">
-        <p14:creationId xmlns:p14="http://schemas.microsoft.com/office/powerpoint/2010/main" val="899366918"/>
+        <p14:creationId xmlns:p14="http://schemas.microsoft.com/office/powerpoint/2010/main" val="887568549"/>
       </p:ext>
     </p:extLst>
   </p:cSld>
   <p:clrMapOvr>
     <a:masterClrMapping/>
   </p:clrMapOvr>
-  <p:timing>
-    <p:tnLst>
-      <p:par>
-        <p:cTn id="1" dur="indefinite" restart="never" nodeType="tmRoot"/>
-      </p:par>
-    </p:tnLst>
-  </p:timing>
 </p:sld>
 </file>
 
@@ -8711,9 +8360,78 @@
           <a:chExt cx="0" cy="0"/>
         </a:xfrm>
       </p:grpSpPr>
+      <p:sp>
+        <p:nvSpPr>
+          <p:cNvPr id="2" name="Title 1"/>
+          <p:cNvSpPr>
+            <a:spLocks noGrp="1"/>
+          </p:cNvSpPr>
+          <p:nvPr>
+            <p:ph type="title"/>
+          </p:nvPr>
+        </p:nvSpPr>
+        <p:spPr/>
+        <p:txBody>
+          <a:bodyPr/>
+          <a:lstStyle/>
+          <a:p>
+            <a:r>
+              <a:rPr lang="en-US" dirty="0" smtClean="0"/>
+              <a:t>Print to Screen: Display Block</a:t>
+            </a:r>
+            <a:endParaRPr lang="en-US" dirty="0"/>
+          </a:p>
+        </p:txBody>
+      </p:sp>
+      <p:sp>
+        <p:nvSpPr>
+          <p:cNvPr id="4" name="Footer Placeholder 3"/>
+          <p:cNvSpPr>
+            <a:spLocks noGrp="1"/>
+          </p:cNvSpPr>
+          <p:nvPr>
+            <p:ph type="ftr" sz="quarter" idx="11"/>
+          </p:nvPr>
+        </p:nvSpPr>
+        <p:spPr/>
+        <p:txBody>
+          <a:bodyPr/>
+          <a:lstStyle/>
+          <a:p>
+            <a:r>
+              <a:rPr lang="sk-SK" smtClean="0"/>
+              <a:t>© 2015 EV3Lessons.com, Last edit 11/13/2015</a:t>
+            </a:r>
+            <a:endParaRPr lang="en-US"/>
+          </a:p>
+        </p:txBody>
+      </p:sp>
+      <p:sp>
+        <p:nvSpPr>
+          <p:cNvPr id="5" name="Slide Number Placeholder 4"/>
+          <p:cNvSpPr>
+            <a:spLocks noGrp="1"/>
+          </p:cNvSpPr>
+          <p:nvPr>
+            <p:ph type="sldNum" sz="quarter" idx="12"/>
+          </p:nvPr>
+        </p:nvSpPr>
+        <p:spPr/>
+        <p:txBody>
+          <a:bodyPr/>
+          <a:lstStyle/>
+          <a:p>
+            <a:fld id="{4382A7F7-08BF-4252-8141-63FB96055BBB}" type="slidenum">
+              <a:rPr lang="en-US" smtClean="0"/>
+              <a:t>9</a:t>
+            </a:fld>
+            <a:endParaRPr lang="en-US"/>
+          </a:p>
+        </p:txBody>
+      </p:sp>
       <p:pic>
         <p:nvPicPr>
-          <p:cNvPr id="15" name="Picture 14" descr="LEGO_31313_brick._V360256019_.jpg"/>
+          <p:cNvPr id="6" name="Picture 5" descr="LEGO_31313_brick._V360256019_.jpg"/>
           <p:cNvPicPr>
             <a:picLocks noChangeAspect="1"/>
           </p:cNvPicPr>
@@ -8743,81 +8461,14 @@
       </p:pic>
       <p:sp>
         <p:nvSpPr>
-          <p:cNvPr id="2" name="Footer Placeholder 1"/>
-          <p:cNvSpPr>
-            <a:spLocks noGrp="1"/>
-          </p:cNvSpPr>
-          <p:nvPr>
-            <p:ph type="ftr" sz="quarter" idx="11"/>
-          </p:nvPr>
-        </p:nvSpPr>
-        <p:spPr/>
-        <p:txBody>
-          <a:bodyPr/>
-          <a:lstStyle/>
-          <a:p>
-            <a:r>
-              <a:rPr lang="en-US" smtClean="0"/>
-              <a:t>© 2015, EV3Lessons.com, (last edit 4/5/2015)</a:t>
-            </a:r>
-            <a:endParaRPr lang="en-US"/>
-          </a:p>
-        </p:txBody>
-      </p:sp>
-      <p:sp>
-        <p:nvSpPr>
-          <p:cNvPr id="3" name="Title 7"/>
-          <p:cNvSpPr txBox="1">
-            <a:spLocks/>
-          </p:cNvSpPr>
-          <p:nvPr/>
-        </p:nvSpPr>
-        <p:spPr>
-          <a:xfrm>
-            <a:off x="457199" y="152718"/>
-            <a:ext cx="8245475" cy="1371600"/>
-          </a:xfrm>
-          <a:prstGeom prst="rect">
-            <a:avLst/>
-          </a:prstGeom>
-        </p:spPr>
-        <p:txBody>
-          <a:bodyPr/>
-          <a:lstStyle>
-            <a:lvl1pPr algn="l" defTabSz="914400" rtl="0" eaLnBrk="1" latinLnBrk="0" hangingPunct="1">
-              <a:spcBef>
-                <a:spcPct val="0"/>
-              </a:spcBef>
-              <a:buNone/>
-              <a:defRPr sz="3600" kern="1200" cap="all" spc="-60" baseline="0">
-                <a:solidFill>
-                  <a:schemeClr val="tx2"/>
-                </a:solidFill>
-                <a:latin typeface="+mj-lt"/>
-                <a:ea typeface="+mj-ea"/>
-                <a:cs typeface="+mj-cs"/>
-              </a:defRPr>
-            </a:lvl1pPr>
-          </a:lstStyle>
-          <a:p>
-            <a:r>
-              <a:rPr lang="en-US" dirty="0" smtClean="0"/>
-              <a:t>PRINT TO SCREEN: DISPLAY BLOCK</a:t>
-            </a:r>
-            <a:endParaRPr lang="en-US" dirty="0"/>
-          </a:p>
-        </p:txBody>
-      </p:sp>
-      <p:sp>
-        <p:nvSpPr>
-          <p:cNvPr id="5" name="TextBox 4"/>
+          <p:cNvPr id="7" name="TextBox 6"/>
           <p:cNvSpPr txBox="1"/>
           <p:nvPr/>
         </p:nvSpPr>
         <p:spPr>
           <a:xfrm>
-            <a:off x="2193008" y="1161472"/>
-            <a:ext cx="6509666" cy="3785652"/>
+            <a:off x="2193008" y="1338426"/>
+            <a:ext cx="6509666" cy="3477875"/>
           </a:xfrm>
           <a:prstGeom prst="rect">
             <a:avLst/>
@@ -8893,24 +8544,16 @@
             <a:endParaRPr lang="en-US" sz="2000" dirty="0" smtClean="0"/>
           </a:p>
           <a:p>
+            <a:endParaRPr lang="en-US" sz="2000" dirty="0"/>
+          </a:p>
+          <a:p>
+            <a:endParaRPr lang="en-US" sz="2000" dirty="0" smtClean="0"/>
+          </a:p>
+          <a:p>
             <a:pPr marL="285750" indent="-285750">
               <a:buFont typeface="Arial"/>
               <a:buChar char="•"/>
             </a:pPr>
-            <a:endParaRPr lang="en-US" sz="2000" dirty="0" smtClean="0"/>
-          </a:p>
-          <a:p>
-            <a:pPr marL="285750" indent="-285750">
-              <a:buFont typeface="Arial"/>
-              <a:buChar char="•"/>
-            </a:pPr>
-            <a:endParaRPr lang="en-US" sz="2000" dirty="0" smtClean="0"/>
-          </a:p>
-          <a:p>
-            <a:pPr marL="285750" indent="-285750">
-              <a:buFont typeface="Arial"/>
-              <a:buChar char="•"/>
-            </a:pPr>
             <a:r>
               <a:rPr lang="en-US" sz="2000" dirty="0" smtClean="0"/>
               <a:t>Seeing </a:t>
@@ -8929,7 +8572,7 @@
       </p:sp>
       <p:sp>
         <p:nvSpPr>
-          <p:cNvPr id="9" name="TextBox 8"/>
+          <p:cNvPr id="8" name="TextBox 7"/>
           <p:cNvSpPr txBox="1"/>
           <p:nvPr/>
         </p:nvSpPr>
@@ -8971,7 +8614,7 @@
       </p:sp>
       <p:sp>
         <p:nvSpPr>
-          <p:cNvPr id="11" name="TextBox 10"/>
+          <p:cNvPr id="9" name="TextBox 8"/>
           <p:cNvSpPr txBox="1"/>
           <p:nvPr/>
         </p:nvSpPr>
@@ -9013,7 +8656,7 @@
       </p:sp>
       <p:pic>
         <p:nvPicPr>
-          <p:cNvPr id="19" name="Picture 18" descr="Screen Shot 2014-10-09 at 10.07.24 PM.png"/>
+          <p:cNvPr id="10" name="Picture 9" descr="Screen Shot 2014-10-09 at 10.07.24 PM.png"/>
           <p:cNvPicPr>
             <a:picLocks noChangeAspect="1"/>
           </p:cNvPicPr>
@@ -9033,7 +8676,7 @@
         </p:blipFill>
         <p:spPr>
           <a:xfrm>
-            <a:off x="2433739" y="1814015"/>
+            <a:off x="2259502" y="1977128"/>
             <a:ext cx="2192152" cy="2317931"/>
           </a:xfrm>
           <a:prstGeom prst="rect">
@@ -9043,7 +8686,7 @@
       </p:pic>
       <p:pic>
         <p:nvPicPr>
-          <p:cNvPr id="20" name="Picture 19" descr="Screen Shot 2014-10-09 at 10.07.51 PM.png"/>
+          <p:cNvPr id="11" name="Picture 10" descr="Screen Shot 2014-10-09 at 10.07.51 PM.png"/>
           <p:cNvPicPr>
             <a:picLocks noChangeAspect="1"/>
           </p:cNvPicPr>
@@ -9063,7 +8706,7 @@
         </p:blipFill>
         <p:spPr>
           <a:xfrm>
-            <a:off x="4759393" y="1977128"/>
+            <a:off x="4765581" y="2207969"/>
             <a:ext cx="3302414" cy="2046566"/>
           </a:xfrm>
           <a:prstGeom prst="rect">
@@ -9073,7 +8716,7 @@
       </p:pic>
       <p:pic>
         <p:nvPicPr>
-          <p:cNvPr id="21" name="Picture 20" descr="Screen Shot 2014-10-09 at 10.11.09 PM.png"/>
+          <p:cNvPr id="12" name="Picture 11" descr="Screen Shot 2014-10-09 at 10.11.09 PM.png"/>
           <p:cNvPicPr>
             <a:picLocks noChangeAspect="1"/>
           </p:cNvPicPr>
@@ -9093,7 +8736,7 @@
         </p:blipFill>
         <p:spPr>
           <a:xfrm>
-            <a:off x="3868503" y="4917569"/>
+            <a:off x="3198982" y="4748703"/>
             <a:ext cx="4497718" cy="1575306"/>
           </a:xfrm>
           <a:prstGeom prst="rect">
@@ -9104,76 +8747,69 @@
     </p:spTree>
     <p:extLst>
       <p:ext uri="{BB962C8B-B14F-4D97-AF65-F5344CB8AC3E}">
-        <p14:creationId xmlns:p14="http://schemas.microsoft.com/office/powerpoint/2010/main" val="899366918"/>
+        <p14:creationId xmlns:p14="http://schemas.microsoft.com/office/powerpoint/2010/main" val="939144284"/>
       </p:ext>
     </p:extLst>
   </p:cSld>
   <p:clrMapOvr>
     <a:masterClrMapping/>
   </p:clrMapOvr>
-  <p:timing>
-    <p:tnLst>
-      <p:par>
-        <p:cTn id="1" dur="indefinite" restart="never" nodeType="tmRoot"/>
-      </p:par>
-    </p:tnLst>
-  </p:timing>
 </p:sld>
 </file>
 
 <file path=ppt/theme/theme1.xml><?xml version="1.0" encoding="utf-8"?>
-<a:theme xmlns:a="http://schemas.openxmlformats.org/drawingml/2006/main" name="Essential">
+<a:theme xmlns:a="http://schemas.openxmlformats.org/drawingml/2006/main" name="Retrospect">
   <a:themeElements>
-    <a:clrScheme name="Essential">
+    <a:clrScheme name="Blue II">
       <a:dk1>
-        <a:srgbClr val="000000"/>
+        <a:sysClr val="windowText" lastClr="000000"/>
       </a:dk1>
       <a:lt1>
-        <a:srgbClr val="FFFFFF"/>
+        <a:sysClr val="window" lastClr="FFFFFF"/>
       </a:lt1>
       <a:dk2>
-        <a:srgbClr val="D1282E"/>
+        <a:srgbClr val="335B74"/>
       </a:dk2>
       <a:lt2>
-        <a:srgbClr val="C8C8B1"/>
+        <a:srgbClr val="DFE3E5"/>
       </a:lt2>
       <a:accent1>
-        <a:srgbClr val="7A7A7A"/>
+        <a:srgbClr val="1CADE4"/>
       </a:accent1>
       <a:accent2>
-        <a:srgbClr val="F5C201"/>
+        <a:srgbClr val="2683C6"/>
       </a:accent2>
       <a:accent3>
-        <a:srgbClr val="526DB0"/>
+        <a:srgbClr val="27CED7"/>
       </a:accent3>
       <a:accent4>
-        <a:srgbClr val="989AAC"/>
+        <a:srgbClr val="42BA97"/>
       </a:accent4>
       <a:accent5>
-        <a:srgbClr val="DC5924"/>
+        <a:srgbClr val="3E8853"/>
       </a:accent5>
       <a:accent6>
-        <a:srgbClr val="B4B392"/>
+        <a:srgbClr val="62A39F"/>
       </a:accent6>
       <a:hlink>
-        <a:srgbClr val="CC9900"/>
+        <a:srgbClr val="6EAC1C"/>
       </a:hlink>
       <a:folHlink>
-        <a:srgbClr val="969696"/>
+        <a:srgbClr val="B26B02"/>
       </a:folHlink>
     </a:clrScheme>
-    <a:fontScheme name="Essential">
+    <a:fontScheme name="Retrospect">
       <a:majorFont>
-        <a:latin typeface="Arial Black"/>
+        <a:latin typeface="Calibri Light" panose="020F0302020204030204"/>
         <a:ea typeface=""/>
         <a:cs typeface=""/>
         <a:font script="Jpan" typeface="ＭＳ Ｐゴシック"/>
-        <a:font script="Hang" typeface="HY견고딕"/>
-        <a:font script="Hans" typeface="微软雅黑"/>
-        <a:font script="Hant" typeface="微軟正黑體"/>
-        <a:font script="Arab" typeface="Tahoma"/>
-        <a:font script="Hebr" typeface="Tahoma"/>
-        <a:font script="Thai" typeface="Tahoma"/>
+        <a:font script="Hang" typeface="맑은 고딕"/>
+        <a:font script="Hans" typeface="宋体"/>
+        <a:font script="Hant" typeface="新細明體"/>
+        <a:font script="Arab" typeface="Times New Roman"/>
+        <a:font script="Hebr" typeface="Times New Roman"/>
+        <a:font script="Thai" typeface="Angsana New"/>
         <a:font script="Ethi" typeface="Nyala"/>
         <a:font script="Beng" typeface="Vrinda"/>
         <a:font script="Gujr" typeface="Shruti"/>
@@ -9199,13 +8835,13 @@
         <a:font script="Geor" typeface="Sylfaen"/>
       </a:majorFont>
       <a:minorFont>
-        <a:latin typeface="Arial"/>
+        <a:latin typeface="Calibri" panose="020F0502020204030204"/>
         <a:ea typeface=""/>
         <a:cs typeface=""/>
         <a:font script="Jpan" typeface="ＭＳ Ｐゴシック"/>
-        <a:font script="Hang" typeface="돋움"/>
-        <a:font script="Hans" typeface="黑体"/>
-        <a:font script="Hant" typeface="微軟正黑體"/>
+        <a:font script="Hang" typeface="맑은 고딕"/>
+        <a:font script="Hans" typeface="宋体"/>
+        <a:font script="Hant" typeface="新細明體"/>
         <a:font script="Arab" typeface="Arial"/>
         <a:font script="Hebr" typeface="Arial"/>
         <a:font script="Thai" typeface="Cordia New"/>
@@ -9234,7 +8870,7 @@
         <a:font script="Geor" typeface="Sylfaen"/>
       </a:minorFont>
     </a:fontScheme>
-    <a:fmtScheme name="Essential">
+    <a:fmtScheme name="Retrospect">
       <a:fillStyleLst>
         <a:solidFill>
           <a:schemeClr val="phClr"/>
@@ -9243,48 +8879,77 @@
           <a:gsLst>
             <a:gs pos="0">
               <a:schemeClr val="phClr">
-                <a:tint val="60000"/>
-                <a:satMod val="250000"/>
+                <a:tint val="65000"/>
+                <a:shade val="92000"/>
+                <a:satMod val="130000"/>
               </a:schemeClr>
             </a:gs>
-            <a:gs pos="35000">
+            <a:gs pos="45000">
               <a:schemeClr val="phClr">
-                <a:tint val="47000"/>
-                <a:satMod val="275000"/>
+                <a:tint val="60000"/>
+                <a:shade val="99000"/>
+                <a:satMod val="120000"/>
               </a:schemeClr>
             </a:gs>
             <a:gs pos="100000">
               <a:schemeClr val="phClr">
-                <a:tint val="25000"/>
-                <a:satMod val="300000"/>
+                <a:tint val="55000"/>
+                <a:satMod val="140000"/>
               </a:schemeClr>
             </a:gs>
           </a:gsLst>
-          <a:lin ang="16200000" scaled="1"/>
+          <a:path path="circle">
+            <a:fillToRect l="100000" t="100000" r="100000" b="100000"/>
+          </a:path>
         </a:gradFill>
-        <a:solidFill>
-          <a:schemeClr val="phClr">
-            <a:satMod val="110000"/>
-          </a:schemeClr>
-        </a:solidFill>
+        <a:gradFill rotWithShape="1">
+          <a:gsLst>
+            <a:gs pos="0">
+              <a:schemeClr val="phClr">
+                <a:shade val="85000"/>
+                <a:satMod val="130000"/>
+              </a:schemeClr>
+            </a:gs>
+            <a:gs pos="34000">
+              <a:schemeClr val="phClr">
+                <a:shade val="87000"/>
+                <a:satMod val="125000"/>
+              </a:schemeClr>
+            </a:gs>
+            <a:gs pos="70000">
+              <a:schemeClr val="phClr">
+                <a:tint val="100000"/>
+                <a:shade val="90000"/>
+                <a:satMod val="130000"/>
+              </a:schemeClr>
+            </a:gs>
+            <a:gs pos="100000">
+              <a:schemeClr val="phClr">
+                <a:tint val="100000"/>
+                <a:shade val="100000"/>
+                <a:satMod val="110000"/>
+              </a:schemeClr>
+            </a:gs>
+          </a:gsLst>
+          <a:path path="circle">
+            <a:fillToRect l="100000" t="100000" r="100000" b="100000"/>
+          </a:path>
+        </a:gradFill>
       </a:fillStyleLst>
       <a:lnStyleLst>
         <a:ln w="12700" cap="flat" cmpd="sng" algn="ctr">
-          <a:solidFill>
-            <a:schemeClr val="phClr">
-              <a:shade val="95000"/>
-              <a:satMod val="105000"/>
-            </a:schemeClr>
-          </a:solidFill>
-          <a:prstDash val="solid"/>
-        </a:ln>
-        <a:ln w="28575" cap="flat" cmpd="sng" algn="ctr">
           <a:solidFill>
             <a:schemeClr val="phClr"/>
           </a:solidFill>
           <a:prstDash val="solid"/>
         </a:ln>
-        <a:ln w="41275" cap="flat" cmpd="sng" algn="ctr">
+        <a:ln w="15875" cap="flat" cmpd="sng" algn="ctr">
+          <a:solidFill>
+            <a:schemeClr val="phClr"/>
+          </a:solidFill>
+          <a:prstDash val="solid"/>
+        </a:ln>
+        <a:ln w="25400" cap="flat" cmpd="sng" algn="ctr">
           <a:solidFill>
             <a:schemeClr val="phClr"/>
           </a:solidFill>
@@ -9297,16 +8962,16 @@
         </a:effectStyle>
         <a:effectStyle>
           <a:effectLst>
-            <a:outerShdw blurRad="39999" dist="23000" algn="bl" rotWithShape="0">
+            <a:outerShdw blurRad="38100" dist="25400" dir="2700000" algn="br" rotWithShape="0">
               <a:srgbClr val="000000">
-                <a:alpha val="40000"/>
+                <a:alpha val="60000"/>
               </a:srgbClr>
             </a:outerShdw>
           </a:effectLst>
         </a:effectStyle>
         <a:effectStyle>
           <a:effectLst>
-            <a:outerShdw blurRad="38100" dist="19050" algn="bl" rotWithShape="0">
+            <a:outerShdw blurRad="44450" dist="25400" dir="2700000" algn="br" rotWithShape="0">
               <a:srgbClr val="000000">
                 <a:alpha val="60000"/>
               </a:srgbClr>
@@ -9316,10 +8981,12 @@
             <a:camera prst="orthographicFront">
               <a:rot lat="0" lon="0" rev="0"/>
             </a:camera>
-            <a:lightRig rig="balanced" dir="l"/>
+            <a:lightRig rig="threePt" dir="t">
+              <a:rot lat="0" lon="0" rev="19800000"/>
+            </a:lightRig>
           </a:scene3d>
-          <a:sp3d prstMaterial="plastic">
-            <a:bevelT w="38100" h="31750"/>
+          <a:sp3d prstMaterial="flat">
+            <a:bevelT w="25400" h="31750"/>
           </a:sp3d>
         </a:effectStyle>
       </a:effectStyleLst>
@@ -9327,50 +8994,49 @@
         <a:solidFill>
           <a:schemeClr val="phClr"/>
         </a:solidFill>
-        <a:blipFill rotWithShape="1">
-          <a:blip xmlns:r="http://schemas.openxmlformats.org/officeDocument/2006/relationships" r:embed="rId1">
-            <a:duotone>
-              <a:schemeClr val="phClr">
-                <a:tint val="96000"/>
-              </a:schemeClr>
-              <a:schemeClr val="phClr">
-                <a:shade val="94000"/>
-              </a:schemeClr>
-            </a:duotone>
-          </a:blip>
-          <a:tile tx="0" ty="0" sx="100000" sy="100000" flip="none" algn="tl"/>
-        </a:blipFill>
+        <a:solidFill>
+          <a:schemeClr val="phClr">
+            <a:tint val="90000"/>
+            <a:shade val="97000"/>
+            <a:satMod val="130000"/>
+          </a:schemeClr>
+        </a:solidFill>
         <a:gradFill rotWithShape="1">
           <a:gsLst>
             <a:gs pos="0">
               <a:schemeClr val="phClr">
-                <a:tint val="84000"/>
-                <a:satMod val="110000"/>
+                <a:tint val="96000"/>
+                <a:shade val="99000"/>
+                <a:satMod val="140000"/>
               </a:schemeClr>
             </a:gs>
-            <a:gs pos="44000">
+            <a:gs pos="65000">
               <a:schemeClr val="phClr">
-                <a:tint val="93000"/>
-                <a:satMod val="115000"/>
+                <a:tint val="100000"/>
+                <a:shade val="80000"/>
+                <a:satMod val="130000"/>
               </a:schemeClr>
             </a:gs>
             <a:gs pos="100000">
               <a:schemeClr val="phClr">
                 <a:tint val="100000"/>
-                <a:shade val="59000"/>
+                <a:shade val="48000"/>
                 <a:satMod val="120000"/>
               </a:schemeClr>
             </a:gs>
           </a:gsLst>
-          <a:path path="circle">
-            <a:fillToRect l="40000" t="60000" r="60000" b="40000"/>
-          </a:path>
+          <a:lin ang="16200000" scaled="0"/>
         </a:gradFill>
       </a:bgFillStyleLst>
     </a:fmtScheme>
   </a:themeElements>
   <a:objectDefaults/>
   <a:extraClrSchemeLst/>
+  <a:extLst>
+    <a:ext uri="{05A4C25C-085E-4340-85A3-A5531E510DB2}">
+      <thm15:themeFamily xmlns:thm15="http://schemas.microsoft.com/office/thememl/2012/main" name="Retrospect" id="{5F128B03-DCCA-4EEB-AB3B-CF2899314A46}" vid="{3F1AAB62-24C6-49D2-8E01-B56FAC9A3DCD}"/>
+    </a:ext>
+  </a:extLst>
 </a:theme>
 </file>
 

--- a/translations/en-us/intermediate/Debug.pptx
+++ b/translations/en-us/intermediate/Debug.pptx
@@ -3,27 +3,28 @@
 <p:presentation xmlns:a="http://schemas.openxmlformats.org/drawingml/2006/main" xmlns:r="http://schemas.openxmlformats.org/officeDocument/2006/relationships" xmlns:p="http://schemas.openxmlformats.org/presentationml/2006/main" showSpecialPlsOnTitleSld="0" saveSubsetFonts="1">
   <p:sldMasterIdLst>
     <p:sldMasterId id="2147483726" r:id="rId1"/>
+    <p:sldMasterId id="2147483738" r:id="rId2"/>
   </p:sldMasterIdLst>
   <p:notesMasterIdLst>
-    <p:notesMasterId r:id="rId15"/>
+    <p:notesMasterId r:id="rId16"/>
   </p:notesMasterIdLst>
   <p:handoutMasterIdLst>
-    <p:handoutMasterId r:id="rId16"/>
+    <p:handoutMasterId r:id="rId17"/>
   </p:handoutMasterIdLst>
   <p:sldIdLst>
-    <p:sldId id="374" r:id="rId2"/>
-    <p:sldId id="372" r:id="rId3"/>
-    <p:sldId id="356" r:id="rId4"/>
-    <p:sldId id="368" r:id="rId5"/>
-    <p:sldId id="375" r:id="rId6"/>
-    <p:sldId id="376" r:id="rId7"/>
-    <p:sldId id="377" r:id="rId8"/>
-    <p:sldId id="378" r:id="rId9"/>
-    <p:sldId id="379" r:id="rId10"/>
-    <p:sldId id="380" r:id="rId11"/>
-    <p:sldId id="381" r:id="rId12"/>
-    <p:sldId id="382" r:id="rId13"/>
-    <p:sldId id="370" r:id="rId14"/>
+    <p:sldId id="374" r:id="rId3"/>
+    <p:sldId id="372" r:id="rId4"/>
+    <p:sldId id="356" r:id="rId5"/>
+    <p:sldId id="368" r:id="rId6"/>
+    <p:sldId id="375" r:id="rId7"/>
+    <p:sldId id="376" r:id="rId8"/>
+    <p:sldId id="377" r:id="rId9"/>
+    <p:sldId id="378" r:id="rId10"/>
+    <p:sldId id="379" r:id="rId11"/>
+    <p:sldId id="380" r:id="rId12"/>
+    <p:sldId id="381" r:id="rId13"/>
+    <p:sldId id="382" r:id="rId14"/>
+    <p:sldId id="370" r:id="rId15"/>
   </p:sldIdLst>
   <p:sldSz cx="9144000" cy="6858000" type="screen4x3"/>
   <p:notesSz cx="6858000" cy="9144000"/>
@@ -223,7 +224,7 @@
           <a:p>
             <a:fld id="{E00FA3B4-5499-9244-86B5-B0871A9DDD84}" type="datetimeFigureOut">
               <a:rPr lang="en-US" smtClean="0"/>
-              <a:t>11/13/15</a:t>
+              <a:t>7/7/2016</a:t>
             </a:fld>
             <a:endParaRPr lang="en-US"/>
           </a:p>
@@ -389,7 +390,7 @@
           <a:p>
             <a:fld id="{FD3EFF1E-85A1-6640-AFB9-C38833E80A84}" type="datetimeFigureOut">
               <a:rPr lang="en-US" smtClean="0"/>
-              <a:t>11/13/15</a:t>
+              <a:t>7/7/2016</a:t>
             </a:fld>
             <a:endParaRPr lang="en-US"/>
           </a:p>
@@ -453,38 +454,37 @@
           <a:p>
             <a:pPr lvl="0"/>
             <a:r>
-              <a:rPr lang="en-US" smtClean="0"/>
+              <a:rPr lang="en-US"/>
               <a:t>Click to edit Master text styles</a:t>
             </a:r>
           </a:p>
           <a:p>
             <a:pPr lvl="1"/>
             <a:r>
-              <a:rPr lang="en-US" smtClean="0"/>
+              <a:rPr lang="en-US"/>
               <a:t>Second level</a:t>
             </a:r>
           </a:p>
           <a:p>
             <a:pPr lvl="2"/>
             <a:r>
-              <a:rPr lang="en-US" smtClean="0"/>
+              <a:rPr lang="en-US"/>
               <a:t>Third level</a:t>
             </a:r>
           </a:p>
           <a:p>
             <a:pPr lvl="3"/>
             <a:r>
-              <a:rPr lang="en-US" smtClean="0"/>
+              <a:rPr lang="en-US"/>
               <a:t>Fourth level</a:t>
             </a:r>
           </a:p>
           <a:p>
             <a:pPr lvl="4"/>
             <a:r>
-              <a:rPr lang="en-US" smtClean="0"/>
+              <a:rPr lang="en-US"/>
               <a:t>Fifth level</a:t>
             </a:r>
-            <a:endParaRPr lang="en-US"/>
           </a:p>
         </p:txBody>
       </p:sp>
@@ -837,10 +837,9 @@
           </a:lstStyle>
           <a:p>
             <a:r>
-              <a:rPr lang="en-US" dirty="0" smtClean="0"/>
+              <a:rPr lang="en-US" dirty="0"/>
               <a:t>INTERMEDIATE PROGRAMMING LESSON</a:t>
             </a:r>
-            <a:endParaRPr lang="en-US" dirty="0"/>
           </a:p>
         </p:txBody>
       </p:sp>
@@ -909,10 +908,9 @@
           </a:lstStyle>
           <a:p>
             <a:r>
-              <a:rPr lang="en-US" dirty="0" smtClean="0"/>
+              <a:rPr lang="en-US" dirty="0"/>
               <a:t>Click to edit Master subtitle style</a:t>
             </a:r>
-            <a:endParaRPr lang="en-US" dirty="0"/>
           </a:p>
         </p:txBody>
       </p:sp>
@@ -931,9 +929,9 @@
           <a:bodyPr/>
           <a:lstStyle/>
           <a:p>
-            <a:fld id="{6B13CFBD-0392-DF42-9C65-6D1DE0580181}" type="datetime1">
+            <a:fld id="{A193DE47-B990-4036-93C3-F56F4BE3E903}" type="datetime1">
               <a:rPr lang="en-US" smtClean="0"/>
-              <a:t>11/13/15</a:t>
+              <a:t>7/7/2016</a:t>
             </a:fld>
             <a:endParaRPr lang="en-US"/>
           </a:p>
@@ -955,10 +953,9 @@
           <a:lstStyle/>
           <a:p>
             <a:r>
-              <a:rPr lang="sk-SK" smtClean="0"/>
-              <a:t>© 2015 EV3Lessons.com, Last edit 11/13/2015</a:t>
-            </a:r>
-            <a:endParaRPr lang="en-US"/>
+              <a:rPr lang="en-US"/>
+              <a:t>© 2016 EV3Lessons.com, Last edit 7/06/2016</a:t>
+            </a:r>
           </a:p>
         </p:txBody>
       </p:sp>
@@ -1122,14 +1119,13 @@
           <a:lstStyle/>
           <a:p>
             <a:r>
-              <a:rPr lang="en-US" dirty="0" smtClean="0"/>
+              <a:rPr lang="en-US" dirty="0"/>
               <a:t>By </a:t>
             </a:r>
             <a:r>
-              <a:rPr lang="en-US" smtClean="0"/>
+              <a:rPr lang="en-US"/>
               <a:t>Droids Robotics</a:t>
             </a:r>
-            <a:endParaRPr lang="en-US"/>
           </a:p>
         </p:txBody>
       </p:sp>
@@ -1195,7 +1191,7 @@
           <a:noFill/>
           <a:extLst>
             <a:ext uri="{909E8E84-426E-40dd-AFC4-6F175D3DCCD1}">
-              <a14:hiddenFill xmlns:a14="http://schemas.microsoft.com/office/drawing/2010/main" xmlns="">
+              <a14:hiddenFill xmlns="" xmlns:a14="http://schemas.microsoft.com/office/drawing/2010/main">
                 <a:solidFill>
                   <a:srgbClr val="FFFFFF"/>
                 </a:solidFill>
@@ -1250,83 +1246,83 @@
           <a:lstStyle/>
           <a:p>
             <a:r>
+              <a:rPr lang="en-US"/>
+              <a:t>Click to edit Master title style</a:t>
+            </a:r>
+            <a:endParaRPr lang="en-US" dirty="0"/>
+          </a:p>
+        </p:txBody>
+      </p:sp>
+      <p:sp>
+        <p:nvSpPr>
+          <p:cNvPr id="3" name="Vertical Text Placeholder 2"/>
+          <p:cNvSpPr>
+            <a:spLocks noGrp="1"/>
+          </p:cNvSpPr>
+          <p:nvPr>
+            <p:ph type="body" orient="vert" idx="1"/>
+          </p:nvPr>
+        </p:nvSpPr>
+        <p:spPr/>
+        <p:txBody>
+          <a:bodyPr vert="eaVert" lIns="45720" tIns="0" rIns="45720" bIns="0"/>
+          <a:lstStyle/>
+          <a:p>
+            <a:pPr lvl="0"/>
+            <a:r>
+              <a:rPr lang="en-US"/>
+              <a:t>Click to edit Master text styles</a:t>
+            </a:r>
+          </a:p>
+          <a:p>
+            <a:pPr lvl="1"/>
+            <a:r>
+              <a:rPr lang="en-US"/>
+              <a:t>Second level</a:t>
+            </a:r>
+          </a:p>
+          <a:p>
+            <a:pPr lvl="2"/>
+            <a:r>
+              <a:rPr lang="en-US"/>
+              <a:t>Third level</a:t>
+            </a:r>
+          </a:p>
+          <a:p>
+            <a:pPr lvl="3"/>
+            <a:r>
+              <a:rPr lang="en-US"/>
+              <a:t>Fourth level</a:t>
+            </a:r>
+          </a:p>
+          <a:p>
+            <a:pPr lvl="4"/>
+            <a:r>
+              <a:rPr lang="en-US"/>
+              <a:t>Fifth level</a:t>
+            </a:r>
+            <a:endParaRPr lang="en-US" dirty="0"/>
+          </a:p>
+        </p:txBody>
+      </p:sp>
+      <p:sp>
+        <p:nvSpPr>
+          <p:cNvPr id="4" name="Date Placeholder 3"/>
+          <p:cNvSpPr>
+            <a:spLocks noGrp="1"/>
+          </p:cNvSpPr>
+          <p:nvPr>
+            <p:ph type="dt" sz="half" idx="10"/>
+          </p:nvPr>
+        </p:nvSpPr>
+        <p:spPr/>
+        <p:txBody>
+          <a:bodyPr/>
+          <a:lstStyle/>
+          <a:p>
+            <a:fld id="{C40CF301-23CC-4414-ADC1-B056B5B1B8D5}" type="datetime1">
               <a:rPr lang="en-US" smtClean="0"/>
-              <a:t>Click to edit Master title style</a:t>
-            </a:r>
-            <a:endParaRPr lang="en-US" dirty="0"/>
-          </a:p>
-        </p:txBody>
-      </p:sp>
-      <p:sp>
-        <p:nvSpPr>
-          <p:cNvPr id="3" name="Vertical Text Placeholder 2"/>
-          <p:cNvSpPr>
-            <a:spLocks noGrp="1"/>
-          </p:cNvSpPr>
-          <p:nvPr>
-            <p:ph type="body" orient="vert" idx="1"/>
-          </p:nvPr>
-        </p:nvSpPr>
-        <p:spPr/>
-        <p:txBody>
-          <a:bodyPr vert="eaVert" lIns="45720" tIns="0" rIns="45720" bIns="0"/>
-          <a:lstStyle/>
-          <a:p>
-            <a:pPr lvl="0"/>
-            <a:r>
-              <a:rPr lang="en-US" smtClean="0"/>
-              <a:t>Click to edit Master text styles</a:t>
-            </a:r>
-          </a:p>
-          <a:p>
-            <a:pPr lvl="1"/>
-            <a:r>
-              <a:rPr lang="en-US" smtClean="0"/>
-              <a:t>Second level</a:t>
-            </a:r>
-          </a:p>
-          <a:p>
-            <a:pPr lvl="2"/>
-            <a:r>
-              <a:rPr lang="en-US" smtClean="0"/>
-              <a:t>Third level</a:t>
-            </a:r>
-          </a:p>
-          <a:p>
-            <a:pPr lvl="3"/>
-            <a:r>
-              <a:rPr lang="en-US" smtClean="0"/>
-              <a:t>Fourth level</a:t>
-            </a:r>
-          </a:p>
-          <a:p>
-            <a:pPr lvl="4"/>
-            <a:r>
-              <a:rPr lang="en-US" smtClean="0"/>
-              <a:t>Fifth level</a:t>
-            </a:r>
-            <a:endParaRPr lang="en-US" dirty="0"/>
-          </a:p>
-        </p:txBody>
-      </p:sp>
-      <p:sp>
-        <p:nvSpPr>
-          <p:cNvPr id="4" name="Date Placeholder 3"/>
-          <p:cNvSpPr>
-            <a:spLocks noGrp="1"/>
-          </p:cNvSpPr>
-          <p:nvPr>
-            <p:ph type="dt" sz="half" idx="10"/>
-          </p:nvPr>
-        </p:nvSpPr>
-        <p:spPr/>
-        <p:txBody>
-          <a:bodyPr/>
-          <a:lstStyle/>
-          <a:p>
-            <a:fld id="{BF0F175E-9EAC-E14B-B7AC-8C8F25EC1DAA}" type="datetime1">
-              <a:rPr lang="en-US" smtClean="0"/>
-              <a:t>11/13/15</a:t>
+              <a:t>7/7/2016</a:t>
             </a:fld>
             <a:endParaRPr lang="en-US"/>
           </a:p>
@@ -1348,10 +1344,9 @@
           <a:lstStyle/>
           <a:p>
             <a:r>
-              <a:rPr lang="sk-SK" smtClean="0"/>
-              <a:t>© 2015 EV3Lessons.com, Last edit 11/13/2015</a:t>
-            </a:r>
-            <a:endParaRPr lang="en-US"/>
+              <a:rPr lang="en-US"/>
+              <a:t>© 2016 EV3Lessons.com, Last edit 7/06/2016</a:t>
+            </a:r>
           </a:p>
         </p:txBody>
       </p:sp>
@@ -1505,7 +1500,7 @@
           <a:lstStyle/>
           <a:p>
             <a:r>
-              <a:rPr lang="en-US" smtClean="0"/>
+              <a:rPr lang="en-US"/>
               <a:t>Click to edit Master title style</a:t>
             </a:r>
             <a:endParaRPr lang="en-US" dirty="0"/>
@@ -1534,59 +1529,59 @@
           <a:p>
             <a:pPr lvl="0"/>
             <a:r>
+              <a:rPr lang="en-US"/>
+              <a:t>Click to edit Master text styles</a:t>
+            </a:r>
+          </a:p>
+          <a:p>
+            <a:pPr lvl="1"/>
+            <a:r>
+              <a:rPr lang="en-US"/>
+              <a:t>Second level</a:t>
+            </a:r>
+          </a:p>
+          <a:p>
+            <a:pPr lvl="2"/>
+            <a:r>
+              <a:rPr lang="en-US"/>
+              <a:t>Third level</a:t>
+            </a:r>
+          </a:p>
+          <a:p>
+            <a:pPr lvl="3"/>
+            <a:r>
+              <a:rPr lang="en-US"/>
+              <a:t>Fourth level</a:t>
+            </a:r>
+          </a:p>
+          <a:p>
+            <a:pPr lvl="4"/>
+            <a:r>
+              <a:rPr lang="en-US"/>
+              <a:t>Fifth level</a:t>
+            </a:r>
+            <a:endParaRPr lang="en-US" dirty="0"/>
+          </a:p>
+        </p:txBody>
+      </p:sp>
+      <p:sp>
+        <p:nvSpPr>
+          <p:cNvPr id="4" name="Date Placeholder 3"/>
+          <p:cNvSpPr>
+            <a:spLocks noGrp="1"/>
+          </p:cNvSpPr>
+          <p:nvPr>
+            <p:ph type="dt" sz="half" idx="10"/>
+          </p:nvPr>
+        </p:nvSpPr>
+        <p:spPr/>
+        <p:txBody>
+          <a:bodyPr/>
+          <a:lstStyle/>
+          <a:p>
+            <a:fld id="{44381E98-7DFA-4183-A3E4-2014548663C6}" type="datetime1">
               <a:rPr lang="en-US" smtClean="0"/>
-              <a:t>Click to edit Master text styles</a:t>
-            </a:r>
-          </a:p>
-          <a:p>
-            <a:pPr lvl="1"/>
-            <a:r>
-              <a:rPr lang="en-US" smtClean="0"/>
-              <a:t>Second level</a:t>
-            </a:r>
-          </a:p>
-          <a:p>
-            <a:pPr lvl="2"/>
-            <a:r>
-              <a:rPr lang="en-US" smtClean="0"/>
-              <a:t>Third level</a:t>
-            </a:r>
-          </a:p>
-          <a:p>
-            <a:pPr lvl="3"/>
-            <a:r>
-              <a:rPr lang="en-US" smtClean="0"/>
-              <a:t>Fourth level</a:t>
-            </a:r>
-          </a:p>
-          <a:p>
-            <a:pPr lvl="4"/>
-            <a:r>
-              <a:rPr lang="en-US" smtClean="0"/>
-              <a:t>Fifth level</a:t>
-            </a:r>
-            <a:endParaRPr lang="en-US" dirty="0"/>
-          </a:p>
-        </p:txBody>
-      </p:sp>
-      <p:sp>
-        <p:nvSpPr>
-          <p:cNvPr id="4" name="Date Placeholder 3"/>
-          <p:cNvSpPr>
-            <a:spLocks noGrp="1"/>
-          </p:cNvSpPr>
-          <p:nvPr>
-            <p:ph type="dt" sz="half" idx="10"/>
-          </p:nvPr>
-        </p:nvSpPr>
-        <p:spPr/>
-        <p:txBody>
-          <a:bodyPr/>
-          <a:lstStyle/>
-          <a:p>
-            <a:fld id="{ABE2FCFC-C57A-2442-884C-F5C58B3A2465}" type="datetime1">
-              <a:rPr lang="en-US" smtClean="0"/>
-              <a:t>11/13/15</a:t>
+              <a:t>7/7/2016</a:t>
             </a:fld>
             <a:endParaRPr lang="en-US"/>
           </a:p>
@@ -1608,10 +1603,9 @@
           <a:lstStyle/>
           <a:p>
             <a:r>
-              <a:rPr lang="sk-SK" smtClean="0"/>
-              <a:t>© 2015 EV3Lessons.com, Last edit 11/13/2015</a:t>
-            </a:r>
-            <a:endParaRPr lang="en-US"/>
+              <a:rPr lang="en-US"/>
+              <a:t>© 2016 EV3Lessons.com, Last edit 7/06/2016</a:t>
+            </a:r>
           </a:p>
         </p:txBody>
       </p:sp>
@@ -1651,7 +1645,533 @@
 </p:sldLayout>
 </file>
 
-<file path=ppt/slideLayouts/slideLayout2.xml><?xml version="1.0" encoding="utf-8"?>
+<file path=ppt/slideLayouts/slideLayout12.xml><?xml version="1.0" encoding="utf-8"?>
+<p:sldLayout xmlns:a="http://schemas.openxmlformats.org/drawingml/2006/main" xmlns:r="http://schemas.openxmlformats.org/officeDocument/2006/relationships" xmlns:p="http://schemas.openxmlformats.org/presentationml/2006/main" showMasterSp="0" type="title" preserve="1">
+  <p:cSld name="Title Slide">
+    <p:spTree>
+      <p:nvGrpSpPr>
+        <p:cNvPr id="1" name=""/>
+        <p:cNvGrpSpPr/>
+        <p:nvPr/>
+      </p:nvGrpSpPr>
+      <p:grpSpPr>
+        <a:xfrm>
+          <a:off x="0" y="0"/>
+          <a:ext cx="0" cy="0"/>
+          <a:chOff x="0" y="0"/>
+          <a:chExt cx="0" cy="0"/>
+        </a:xfrm>
+      </p:grpSpPr>
+      <p:sp>
+        <p:nvSpPr>
+          <p:cNvPr id="7" name="Rectangle 6"/>
+          <p:cNvSpPr/>
+          <p:nvPr/>
+        </p:nvSpPr>
+        <p:spPr>
+          <a:xfrm>
+            <a:off x="2382" y="6400800"/>
+            <a:ext cx="9141619" cy="457200"/>
+          </a:xfrm>
+          <a:prstGeom prst="rect">
+            <a:avLst/>
+          </a:prstGeom>
+          <a:solidFill>
+            <a:srgbClr val="0070C0"/>
+          </a:solidFill>
+          <a:ln>
+            <a:noFill/>
+          </a:ln>
+        </p:spPr>
+        <p:style>
+          <a:lnRef idx="2">
+            <a:schemeClr val="accent1">
+              <a:shade val="50000"/>
+            </a:schemeClr>
+          </a:lnRef>
+          <a:fillRef idx="1">
+            <a:schemeClr val="accent1"/>
+          </a:fillRef>
+          <a:effectRef idx="0">
+            <a:schemeClr val="accent1"/>
+          </a:effectRef>
+          <a:fontRef idx="minor">
+            <a:schemeClr val="lt1"/>
+          </a:fontRef>
+        </p:style>
+      </p:sp>
+      <p:sp>
+        <p:nvSpPr>
+          <p:cNvPr id="2" name="Title 1"/>
+          <p:cNvSpPr>
+            <a:spLocks noGrp="1"/>
+          </p:cNvSpPr>
+          <p:nvPr>
+            <p:ph type="ctrTitle" hasCustomPrompt="1"/>
+          </p:nvPr>
+        </p:nvSpPr>
+        <p:spPr>
+          <a:xfrm>
+            <a:off x="196279" y="154094"/>
+            <a:ext cx="3853207" cy="1870649"/>
+          </a:xfrm>
+          <a:ln>
+            <a:noFill/>
+          </a:ln>
+        </p:spPr>
+        <p:txBody>
+          <a:bodyPr anchor="ctr">
+            <a:normAutofit/>
+          </a:bodyPr>
+          <a:lstStyle>
+            <a:lvl1pPr algn="l">
+              <a:lnSpc>
+                <a:spcPct val="85000"/>
+              </a:lnSpc>
+              <a:defRPr sz="4000" spc="-50" baseline="0">
+                <a:solidFill>
+                  <a:schemeClr val="tx1">
+                    <a:lumMod val="85000"/>
+                    <a:lumOff val="15000"/>
+                  </a:schemeClr>
+                </a:solidFill>
+              </a:defRPr>
+            </a:lvl1pPr>
+          </a:lstStyle>
+          <a:p>
+            <a:r>
+              <a:rPr lang="en-US" dirty="0"/>
+              <a:t>INTERMEDIATE PROGRAMMING LESSON</a:t>
+            </a:r>
+          </a:p>
+        </p:txBody>
+      </p:sp>
+      <p:sp>
+        <p:nvSpPr>
+          <p:cNvPr id="3" name="Subtitle 2"/>
+          <p:cNvSpPr>
+            <a:spLocks noGrp="1"/>
+          </p:cNvSpPr>
+          <p:nvPr>
+            <p:ph type="subTitle" idx="1"/>
+          </p:nvPr>
+        </p:nvSpPr>
+        <p:spPr>
+          <a:xfrm>
+            <a:off x="1548051" y="3452894"/>
+            <a:ext cx="6004883" cy="401411"/>
+          </a:xfrm>
+        </p:spPr>
+        <p:txBody>
+          <a:bodyPr lIns="91440" rIns="91440">
+            <a:normAutofit/>
+          </a:bodyPr>
+          <a:lstStyle>
+            <a:lvl1pPr marL="0" indent="0" algn="ctr">
+              <a:buNone/>
+              <a:defRPr sz="2400" cap="all" spc="200" baseline="0">
+                <a:solidFill>
+                  <a:schemeClr val="tx2"/>
+                </a:solidFill>
+                <a:latin typeface="+mj-lt"/>
+              </a:defRPr>
+            </a:lvl1pPr>
+            <a:lvl2pPr marL="457200" indent="0" algn="ctr">
+              <a:buNone/>
+              <a:defRPr sz="2400"/>
+            </a:lvl2pPr>
+            <a:lvl3pPr marL="914400" indent="0" algn="ctr">
+              <a:buNone/>
+              <a:defRPr sz="2400"/>
+            </a:lvl3pPr>
+            <a:lvl4pPr marL="1371600" indent="0" algn="ctr">
+              <a:buNone/>
+              <a:defRPr sz="2000"/>
+            </a:lvl4pPr>
+            <a:lvl5pPr marL="1828800" indent="0" algn="ctr">
+              <a:buNone/>
+              <a:defRPr sz="2000"/>
+            </a:lvl5pPr>
+            <a:lvl6pPr marL="2286000" indent="0" algn="ctr">
+              <a:buNone/>
+              <a:defRPr sz="2000"/>
+            </a:lvl6pPr>
+            <a:lvl7pPr marL="2743200" indent="0" algn="ctr">
+              <a:buNone/>
+              <a:defRPr sz="2000"/>
+            </a:lvl7pPr>
+            <a:lvl8pPr marL="3200400" indent="0" algn="ctr">
+              <a:buNone/>
+              <a:defRPr sz="2000"/>
+            </a:lvl8pPr>
+            <a:lvl9pPr marL="3657600" indent="0" algn="ctr">
+              <a:buNone/>
+              <a:defRPr sz="2000"/>
+            </a:lvl9pPr>
+          </a:lstStyle>
+          <a:p>
+            <a:r>
+              <a:rPr lang="en-US"/>
+              <a:t>Click to edit Master subtitle style</a:t>
+            </a:r>
+            <a:endParaRPr lang="en-US" dirty="0"/>
+          </a:p>
+        </p:txBody>
+      </p:sp>
+      <p:sp>
+        <p:nvSpPr>
+          <p:cNvPr id="4" name="Date Placeholder 3"/>
+          <p:cNvSpPr>
+            <a:spLocks noGrp="1"/>
+          </p:cNvSpPr>
+          <p:nvPr>
+            <p:ph type="dt" sz="half" idx="10"/>
+          </p:nvPr>
+        </p:nvSpPr>
+        <p:spPr/>
+        <p:txBody>
+          <a:bodyPr/>
+          <a:lstStyle/>
+          <a:p>
+            <a:fld id="{3B324B8D-C6E9-43FA-A0E1-0DDC9A3FC384}" type="datetime1">
+              <a:rPr lang="en-US" smtClean="0"/>
+              <a:t>7/7/2016</a:t>
+            </a:fld>
+            <a:endParaRPr lang="en-US"/>
+          </a:p>
+        </p:txBody>
+      </p:sp>
+      <p:sp>
+        <p:nvSpPr>
+          <p:cNvPr id="5" name="Footer Placeholder 4"/>
+          <p:cNvSpPr>
+            <a:spLocks noGrp="1"/>
+          </p:cNvSpPr>
+          <p:nvPr>
+            <p:ph type="ftr" sz="quarter" idx="11"/>
+          </p:nvPr>
+        </p:nvSpPr>
+        <p:spPr/>
+        <p:txBody>
+          <a:bodyPr/>
+          <a:lstStyle/>
+          <a:p>
+            <a:r>
+              <a:rPr lang="en-US"/>
+              <a:t>© 2016 EV3Lessons.com, Last edit 7/06/2016</a:t>
+            </a:r>
+          </a:p>
+        </p:txBody>
+      </p:sp>
+      <p:sp>
+        <p:nvSpPr>
+          <p:cNvPr id="6" name="Slide Number Placeholder 5"/>
+          <p:cNvSpPr>
+            <a:spLocks noGrp="1"/>
+          </p:cNvSpPr>
+          <p:nvPr>
+            <p:ph type="sldNum" sz="quarter" idx="12"/>
+          </p:nvPr>
+        </p:nvSpPr>
+        <p:spPr/>
+        <p:txBody>
+          <a:bodyPr/>
+          <a:lstStyle/>
+          <a:p>
+            <a:fld id="{7F5CE407-6216-4202-80E4-A30DC2F709B2}" type="slidenum">
+              <a:rPr lang="en-US" smtClean="0"/>
+              <a:t>‹#›</a:t>
+            </a:fld>
+            <a:endParaRPr lang="en-US"/>
+          </a:p>
+        </p:txBody>
+      </p:sp>
+      <p:cxnSp>
+        <p:nvCxnSpPr>
+          <p:cNvPr id="9" name="Straight Connector 8"/>
+          <p:cNvCxnSpPr/>
+          <p:nvPr/>
+        </p:nvCxnSpPr>
+        <p:spPr>
+          <a:xfrm>
+            <a:off x="905744" y="3854305"/>
+            <a:ext cx="7406640" cy="0"/>
+          </a:xfrm>
+          <a:prstGeom prst="line">
+            <a:avLst/>
+          </a:prstGeom>
+          <a:ln w="6350">
+            <a:solidFill>
+              <a:schemeClr val="tx1">
+                <a:lumMod val="50000"/>
+                <a:lumOff val="50000"/>
+              </a:schemeClr>
+            </a:solidFill>
+          </a:ln>
+        </p:spPr>
+        <p:style>
+          <a:lnRef idx="1">
+            <a:schemeClr val="accent1"/>
+          </a:lnRef>
+          <a:fillRef idx="0">
+            <a:schemeClr val="accent1"/>
+          </a:fillRef>
+          <a:effectRef idx="0">
+            <a:schemeClr val="accent1"/>
+          </a:effectRef>
+          <a:fontRef idx="minor">
+            <a:schemeClr val="tx1"/>
+          </a:fontRef>
+        </p:style>
+      </p:cxnSp>
+      <p:sp>
+        <p:nvSpPr>
+          <p:cNvPr id="10" name="Rectangle 9"/>
+          <p:cNvSpPr/>
+          <p:nvPr/>
+        </p:nvSpPr>
+        <p:spPr>
+          <a:xfrm>
+            <a:off x="0" y="6334315"/>
+            <a:ext cx="4487333" cy="92382"/>
+          </a:xfrm>
+          <a:prstGeom prst="rect">
+            <a:avLst/>
+          </a:prstGeom>
+          <a:solidFill>
+            <a:srgbClr val="00B050"/>
+          </a:solidFill>
+          <a:ln>
+            <a:noFill/>
+          </a:ln>
+        </p:spPr>
+        <p:style>
+          <a:lnRef idx="2">
+            <a:schemeClr val="accent1">
+              <a:shade val="50000"/>
+            </a:schemeClr>
+          </a:lnRef>
+          <a:fillRef idx="1">
+            <a:schemeClr val="accent1"/>
+          </a:fillRef>
+          <a:effectRef idx="0">
+            <a:schemeClr val="accent1"/>
+          </a:effectRef>
+          <a:fontRef idx="minor">
+            <a:schemeClr val="lt1"/>
+          </a:fontRef>
+        </p:style>
+      </p:sp>
+      <p:sp>
+        <p:nvSpPr>
+          <p:cNvPr id="11" name="Rectangle 10"/>
+          <p:cNvSpPr/>
+          <p:nvPr/>
+        </p:nvSpPr>
+        <p:spPr>
+          <a:xfrm>
+            <a:off x="4487333" y="6334315"/>
+            <a:ext cx="4656667" cy="92382"/>
+          </a:xfrm>
+          <a:prstGeom prst="rect">
+            <a:avLst/>
+          </a:prstGeom>
+          <a:solidFill>
+            <a:srgbClr val="7030A0"/>
+          </a:solidFill>
+          <a:ln>
+            <a:noFill/>
+          </a:ln>
+        </p:spPr>
+        <p:style>
+          <a:lnRef idx="2">
+            <a:schemeClr val="accent1">
+              <a:shade val="50000"/>
+            </a:schemeClr>
+          </a:lnRef>
+          <a:fillRef idx="1">
+            <a:schemeClr val="accent1"/>
+          </a:fillRef>
+          <a:effectRef idx="0">
+            <a:schemeClr val="accent1"/>
+          </a:effectRef>
+          <a:fontRef idx="minor">
+            <a:schemeClr val="lt1"/>
+          </a:fontRef>
+        </p:style>
+      </p:sp>
+      <p:sp>
+        <p:nvSpPr>
+          <p:cNvPr id="8" name="TextBox 7"/>
+          <p:cNvSpPr txBox="1"/>
+          <p:nvPr/>
+        </p:nvSpPr>
+        <p:spPr>
+          <a:xfrm>
+            <a:off x="2363695" y="3959525"/>
+            <a:ext cx="4373593" cy="369332"/>
+          </a:xfrm>
+          <a:prstGeom prst="rect">
+            <a:avLst/>
+          </a:prstGeom>
+          <a:noFill/>
+        </p:spPr>
+        <p:txBody>
+          <a:bodyPr wrap="square" rtlCol="0">
+            <a:spAutoFit/>
+          </a:bodyPr>
+          <a:lstStyle/>
+          <a:p>
+            <a:pPr algn="ctr"/>
+            <a:r>
+              <a:rPr lang="en-US" dirty="0">
+                <a:latin typeface="+mj-lt"/>
+              </a:rPr>
+              <a:t>By</a:t>
+            </a:r>
+            <a:r>
+              <a:rPr lang="en-US" baseline="0" dirty="0">
+                <a:latin typeface="+mj-lt"/>
+              </a:rPr>
+              <a:t> Sanjay and Arvind Seshan</a:t>
+            </a:r>
+            <a:endParaRPr lang="en-US" dirty="0">
+              <a:latin typeface="+mj-lt"/>
+            </a:endParaRPr>
+          </a:p>
+        </p:txBody>
+      </p:sp>
+      <p:pic>
+        <p:nvPicPr>
+          <p:cNvPr id="1026" name="Picture 2" descr="EV3Lessons.com"/>
+          <p:cNvPicPr>
+            <a:picLocks noChangeAspect="1" noChangeArrowheads="1"/>
+          </p:cNvPicPr>
+          <p:nvPr/>
+        </p:nvPicPr>
+        <p:blipFill>
+          <a:blip r:embed="rId2">
+            <a:extLst>
+              <a:ext uri="{28A0092B-C50C-407E-A947-70E740481C1C}">
+                <a14:useLocalDpi xmlns:a14="http://schemas.microsoft.com/office/drawing/2010/main" val="0"/>
+              </a:ext>
+            </a:extLst>
+          </a:blip>
+          <a:srcRect/>
+          <a:stretch>
+            <a:fillRect/>
+          </a:stretch>
+        </p:blipFill>
+        <p:spPr bwMode="auto">
+          <a:xfrm>
+            <a:off x="3955687" y="139554"/>
+            <a:ext cx="5075507" cy="1885189"/>
+          </a:xfrm>
+          <a:prstGeom prst="rect">
+            <a:avLst/>
+          </a:prstGeom>
+          <a:noFill/>
+          <a:extLst>
+            <a:ext uri="{909E8E84-426E-40DD-AFC4-6F175D3DCCD1}">
+              <a14:hiddenFill xmlns:a14="http://schemas.microsoft.com/office/drawing/2010/main">
+                <a:solidFill>
+                  <a:srgbClr val="FFFFFF"/>
+                </a:solidFill>
+              </a14:hiddenFill>
+            </a:ext>
+          </a:extLst>
+        </p:spPr>
+      </p:pic>
+      <p:sp>
+        <p:nvSpPr>
+          <p:cNvPr id="13" name="Rectangle 12"/>
+          <p:cNvSpPr/>
+          <p:nvPr userDrawn="1"/>
+        </p:nvSpPr>
+        <p:spPr>
+          <a:xfrm>
+            <a:off x="0" y="6334315"/>
+            <a:ext cx="4487333" cy="92382"/>
+          </a:xfrm>
+          <a:prstGeom prst="rect">
+            <a:avLst/>
+          </a:prstGeom>
+          <a:solidFill>
+            <a:srgbClr val="00B050"/>
+          </a:solidFill>
+          <a:ln>
+            <a:noFill/>
+          </a:ln>
+        </p:spPr>
+        <p:style>
+          <a:lnRef idx="2">
+            <a:schemeClr val="accent1">
+              <a:shade val="50000"/>
+            </a:schemeClr>
+          </a:lnRef>
+          <a:fillRef idx="1">
+            <a:schemeClr val="accent1"/>
+          </a:fillRef>
+          <a:effectRef idx="0">
+            <a:schemeClr val="accent1"/>
+          </a:effectRef>
+          <a:fontRef idx="minor">
+            <a:schemeClr val="lt1"/>
+          </a:fontRef>
+        </p:style>
+      </p:sp>
+      <p:sp>
+        <p:nvSpPr>
+          <p:cNvPr id="14" name="Rectangle 13"/>
+          <p:cNvSpPr/>
+          <p:nvPr userDrawn="1"/>
+        </p:nvSpPr>
+        <p:spPr>
+          <a:xfrm>
+            <a:off x="4487333" y="6334315"/>
+            <a:ext cx="4656667" cy="92382"/>
+          </a:xfrm>
+          <a:prstGeom prst="rect">
+            <a:avLst/>
+          </a:prstGeom>
+          <a:solidFill>
+            <a:srgbClr val="7030A0"/>
+          </a:solidFill>
+          <a:ln>
+            <a:noFill/>
+          </a:ln>
+        </p:spPr>
+        <p:style>
+          <a:lnRef idx="2">
+            <a:schemeClr val="accent1">
+              <a:shade val="50000"/>
+            </a:schemeClr>
+          </a:lnRef>
+          <a:fillRef idx="1">
+            <a:schemeClr val="accent1"/>
+          </a:fillRef>
+          <a:effectRef idx="0">
+            <a:schemeClr val="accent1"/>
+          </a:effectRef>
+          <a:fontRef idx="minor">
+            <a:schemeClr val="lt1"/>
+          </a:fontRef>
+        </p:style>
+      </p:sp>
+    </p:spTree>
+    <p:extLst>
+      <p:ext uri="{BB962C8B-B14F-4D97-AF65-F5344CB8AC3E}">
+        <p14:creationId xmlns:p14="http://schemas.microsoft.com/office/powerpoint/2010/main" val="2391186628"/>
+      </p:ext>
+    </p:extLst>
+  </p:cSld>
+  <p:clrMapOvr>
+    <a:masterClrMapping/>
+  </p:clrMapOvr>
+</p:sldLayout>
+</file>
+
+<file path=ppt/slideLayouts/slideLayout13.xml><?xml version="1.0" encoding="utf-8"?>
 <p:sldLayout xmlns:a="http://schemas.openxmlformats.org/drawingml/2006/main" xmlns:r="http://schemas.openxmlformats.org/officeDocument/2006/relationships" xmlns:p="http://schemas.openxmlformats.org/presentationml/2006/main" type="obj" preserve="1">
   <p:cSld name="Title and Content">
     <p:spTree>
@@ -1684,83 +2204,83 @@
           <a:lstStyle/>
           <a:p>
             <a:r>
+              <a:rPr lang="en-US"/>
+              <a:t>Click to edit Master title style</a:t>
+            </a:r>
+            <a:endParaRPr lang="en-US" dirty="0"/>
+          </a:p>
+        </p:txBody>
+      </p:sp>
+      <p:sp>
+        <p:nvSpPr>
+          <p:cNvPr id="3" name="Content Placeholder 2"/>
+          <p:cNvSpPr>
+            <a:spLocks noGrp="1"/>
+          </p:cNvSpPr>
+          <p:nvPr>
+            <p:ph idx="1"/>
+          </p:nvPr>
+        </p:nvSpPr>
+        <p:spPr/>
+        <p:txBody>
+          <a:bodyPr/>
+          <a:lstStyle/>
+          <a:p>
+            <a:pPr lvl="0"/>
+            <a:r>
+              <a:rPr lang="en-US"/>
+              <a:t>Edit Master text styles</a:t>
+            </a:r>
+          </a:p>
+          <a:p>
+            <a:pPr lvl="1"/>
+            <a:r>
+              <a:rPr lang="en-US"/>
+              <a:t>Second level</a:t>
+            </a:r>
+          </a:p>
+          <a:p>
+            <a:pPr lvl="2"/>
+            <a:r>
+              <a:rPr lang="en-US"/>
+              <a:t>Third level</a:t>
+            </a:r>
+          </a:p>
+          <a:p>
+            <a:pPr lvl="3"/>
+            <a:r>
+              <a:rPr lang="en-US"/>
+              <a:t>Fourth level</a:t>
+            </a:r>
+          </a:p>
+          <a:p>
+            <a:pPr lvl="4"/>
+            <a:r>
+              <a:rPr lang="en-US"/>
+              <a:t>Fifth level</a:t>
+            </a:r>
+            <a:endParaRPr lang="en-US" dirty="0"/>
+          </a:p>
+        </p:txBody>
+      </p:sp>
+      <p:sp>
+        <p:nvSpPr>
+          <p:cNvPr id="4" name="Date Placeholder 3"/>
+          <p:cNvSpPr>
+            <a:spLocks noGrp="1"/>
+          </p:cNvSpPr>
+          <p:nvPr>
+            <p:ph type="dt" sz="half" idx="10"/>
+          </p:nvPr>
+        </p:nvSpPr>
+        <p:spPr/>
+        <p:txBody>
+          <a:bodyPr/>
+          <a:lstStyle/>
+          <a:p>
+            <a:fld id="{F8D3558C-6097-47F9-AD38-72D8F4D436A7}" type="datetime1">
               <a:rPr lang="en-US" smtClean="0"/>
-              <a:t>Click to edit Master title style</a:t>
-            </a:r>
-            <a:endParaRPr lang="en-US" dirty="0"/>
-          </a:p>
-        </p:txBody>
-      </p:sp>
-      <p:sp>
-        <p:nvSpPr>
-          <p:cNvPr id="3" name="Content Placeholder 2"/>
-          <p:cNvSpPr>
-            <a:spLocks noGrp="1"/>
-          </p:cNvSpPr>
-          <p:nvPr>
-            <p:ph idx="1"/>
-          </p:nvPr>
-        </p:nvSpPr>
-        <p:spPr/>
-        <p:txBody>
-          <a:bodyPr/>
-          <a:lstStyle/>
-          <a:p>
-            <a:pPr lvl="0"/>
-            <a:r>
-              <a:rPr lang="en-US" smtClean="0"/>
-              <a:t>Click to edit Master text styles</a:t>
-            </a:r>
-          </a:p>
-          <a:p>
-            <a:pPr lvl="1"/>
-            <a:r>
-              <a:rPr lang="en-US" smtClean="0"/>
-              <a:t>Second level</a:t>
-            </a:r>
-          </a:p>
-          <a:p>
-            <a:pPr lvl="2"/>
-            <a:r>
-              <a:rPr lang="en-US" smtClean="0"/>
-              <a:t>Third level</a:t>
-            </a:r>
-          </a:p>
-          <a:p>
-            <a:pPr lvl="3"/>
-            <a:r>
-              <a:rPr lang="en-US" smtClean="0"/>
-              <a:t>Fourth level</a:t>
-            </a:r>
-          </a:p>
-          <a:p>
-            <a:pPr lvl="4"/>
-            <a:r>
-              <a:rPr lang="en-US" smtClean="0"/>
-              <a:t>Fifth level</a:t>
-            </a:r>
-            <a:endParaRPr lang="en-US" dirty="0"/>
-          </a:p>
-        </p:txBody>
-      </p:sp>
-      <p:sp>
-        <p:nvSpPr>
-          <p:cNvPr id="4" name="Date Placeholder 3"/>
-          <p:cNvSpPr>
-            <a:spLocks noGrp="1"/>
-          </p:cNvSpPr>
-          <p:nvPr>
-            <p:ph type="dt" sz="half" idx="10"/>
-          </p:nvPr>
-        </p:nvSpPr>
-        <p:spPr/>
-        <p:txBody>
-          <a:bodyPr/>
-          <a:lstStyle/>
-          <a:p>
-            <a:fld id="{6964D4EB-A2A3-5D46-A2E3-B082D53C11C5}" type="datetime1">
-              <a:rPr lang="en-US" smtClean="0"/>
-              <a:t>11/13/15</a:t>
+              <a:t>7/7/2016</a:t>
             </a:fld>
             <a:endParaRPr lang="en-US"/>
           </a:p>
@@ -1782,10 +2302,9 @@
           <a:lstStyle/>
           <a:p>
             <a:r>
-              <a:rPr lang="sk-SK" smtClean="0"/>
-              <a:t>© 2015 EV3Lessons.com, Last edit 11/13/2015</a:t>
-            </a:r>
-            <a:endParaRPr lang="en-US"/>
+              <a:rPr lang="en-US"/>
+              <a:t>© 2016 EV3Lessons.com, Last edit 7/06/2016</a:t>
+            </a:r>
           </a:p>
         </p:txBody>
       </p:sp>
@@ -1815,7 +2334,7 @@
     </p:spTree>
     <p:extLst>
       <p:ext uri="{BB962C8B-B14F-4D97-AF65-F5344CB8AC3E}">
-        <p14:creationId xmlns:p14="http://schemas.microsoft.com/office/powerpoint/2010/main" val="685386584"/>
+        <p14:creationId xmlns:p14="http://schemas.microsoft.com/office/powerpoint/2010/main" val="2734977773"/>
       </p:ext>
     </p:extLst>
   </p:cSld>
@@ -1825,7 +2344,7 @@
 </p:sldLayout>
 </file>
 
-<file path=ppt/slideLayouts/slideLayout3.xml><?xml version="1.0" encoding="utf-8"?>
+<file path=ppt/slideLayouts/slideLayout14.xml><?xml version="1.0" encoding="utf-8"?>
 <p:sldLayout xmlns:a="http://schemas.openxmlformats.org/drawingml/2006/main" xmlns:r="http://schemas.openxmlformats.org/officeDocument/2006/relationships" xmlns:p="http://schemas.openxmlformats.org/presentationml/2006/main" showMasterSp="0" type="secHead" preserve="1">
   <p:cSld name="Section Header">
     <p:bg>
@@ -1963,7 +2482,7 @@
           </a:lstStyle>
           <a:p>
             <a:r>
-              <a:rPr lang="en-US" smtClean="0"/>
+              <a:rPr lang="en-US"/>
               <a:t>Click to edit Master title style</a:t>
             </a:r>
             <a:endParaRPr lang="en-US" dirty="0"/>
@@ -2084,30 +2603,30 @@
           <a:p>
             <a:pPr lvl="0"/>
             <a:r>
+              <a:rPr lang="en-US"/>
+              <a:t>Edit Master text styles</a:t>
+            </a:r>
+          </a:p>
+        </p:txBody>
+      </p:sp>
+      <p:sp>
+        <p:nvSpPr>
+          <p:cNvPr id="4" name="Date Placeholder 3"/>
+          <p:cNvSpPr>
+            <a:spLocks noGrp="1"/>
+          </p:cNvSpPr>
+          <p:nvPr>
+            <p:ph type="dt" sz="half" idx="10"/>
+          </p:nvPr>
+        </p:nvSpPr>
+        <p:spPr/>
+        <p:txBody>
+          <a:bodyPr/>
+          <a:lstStyle/>
+          <a:p>
+            <a:fld id="{8A786A06-96D1-49A5-8737-1ABCA8AEEED5}" type="datetime1">
               <a:rPr lang="en-US" smtClean="0"/>
-              <a:t>Click to edit Master text styles</a:t>
-            </a:r>
-          </a:p>
-        </p:txBody>
-      </p:sp>
-      <p:sp>
-        <p:nvSpPr>
-          <p:cNvPr id="4" name="Date Placeholder 3"/>
-          <p:cNvSpPr>
-            <a:spLocks noGrp="1"/>
-          </p:cNvSpPr>
-          <p:nvPr>
-            <p:ph type="dt" sz="half" idx="10"/>
-          </p:nvPr>
-        </p:nvSpPr>
-        <p:spPr/>
-        <p:txBody>
-          <a:bodyPr/>
-          <a:lstStyle/>
-          <a:p>
-            <a:fld id="{719062A6-538C-914A-A4D7-9D77EAAE33AB}" type="datetime1">
-              <a:rPr lang="en-US" smtClean="0"/>
-              <a:t>11/13/15</a:t>
+              <a:t>7/7/2016</a:t>
             </a:fld>
             <a:endParaRPr lang="en-US"/>
           </a:p>
@@ -2129,10 +2648,9 @@
           <a:lstStyle/>
           <a:p>
             <a:r>
-              <a:rPr lang="sk-SK" smtClean="0"/>
-              <a:t>© 2015 EV3Lessons.com, Last edit 11/13/2015</a:t>
-            </a:r>
-            <a:endParaRPr lang="en-US"/>
+              <a:rPr lang="en-US"/>
+              <a:t>© 2016 EV3Lessons.com, Last edit 7/06/2016</a:t>
+            </a:r>
           </a:p>
         </p:txBody>
       </p:sp>
@@ -2200,7 +2718,7 @@
     </p:spTree>
     <p:extLst>
       <p:ext uri="{BB962C8B-B14F-4D97-AF65-F5344CB8AC3E}">
-        <p14:creationId xmlns:p14="http://schemas.microsoft.com/office/powerpoint/2010/main" val="606364371"/>
+        <p14:creationId xmlns:p14="http://schemas.microsoft.com/office/powerpoint/2010/main" val="1571782061"/>
       </p:ext>
     </p:extLst>
   </p:cSld>
@@ -2210,7 +2728,7 @@
 </p:sldLayout>
 </file>
 
-<file path=ppt/slideLayouts/slideLayout4.xml><?xml version="1.0" encoding="utf-8"?>
+<file path=ppt/slideLayouts/slideLayout15.xml><?xml version="1.0" encoding="utf-8"?>
 <p:sldLayout xmlns:a="http://schemas.openxmlformats.org/drawingml/2006/main" xmlns:r="http://schemas.openxmlformats.org/officeDocument/2006/relationships" xmlns:p="http://schemas.openxmlformats.org/presentationml/2006/main" type="twoObj" preserve="1">
   <p:cSld name="Two Content">
     <p:spTree>
@@ -2248,7 +2766,7 @@
           <a:lstStyle/>
           <a:p>
             <a:r>
-              <a:rPr lang="en-US" smtClean="0"/>
+              <a:rPr lang="en-US"/>
               <a:t>Click to edit Master title style</a:t>
             </a:r>
             <a:endParaRPr lang="en-US" dirty="0"/>
@@ -2277,35 +2795,35 @@
           <a:p>
             <a:pPr lvl="0"/>
             <a:r>
-              <a:rPr lang="en-US" smtClean="0"/>
-              <a:t>Click to edit Master text styles</a:t>
+              <a:rPr lang="en-US"/>
+              <a:t>Edit Master text styles</a:t>
             </a:r>
           </a:p>
           <a:p>
             <a:pPr lvl="1"/>
             <a:r>
-              <a:rPr lang="en-US" smtClean="0"/>
+              <a:rPr lang="en-US"/>
               <a:t>Second level</a:t>
             </a:r>
           </a:p>
           <a:p>
             <a:pPr lvl="2"/>
             <a:r>
-              <a:rPr lang="en-US" smtClean="0"/>
+              <a:rPr lang="en-US"/>
               <a:t>Third level</a:t>
             </a:r>
           </a:p>
           <a:p>
             <a:pPr lvl="3"/>
             <a:r>
-              <a:rPr lang="en-US" smtClean="0"/>
+              <a:rPr lang="en-US"/>
               <a:t>Fourth level</a:t>
             </a:r>
           </a:p>
           <a:p>
             <a:pPr lvl="4"/>
             <a:r>
-              <a:rPr lang="en-US" smtClean="0"/>
+              <a:rPr lang="en-US"/>
               <a:t>Fifth level</a:t>
             </a:r>
             <a:endParaRPr lang="en-US" dirty="0"/>
@@ -2334,59 +2852,59 @@
           <a:p>
             <a:pPr lvl="0"/>
             <a:r>
+              <a:rPr lang="en-US"/>
+              <a:t>Edit Master text styles</a:t>
+            </a:r>
+          </a:p>
+          <a:p>
+            <a:pPr lvl="1"/>
+            <a:r>
+              <a:rPr lang="en-US"/>
+              <a:t>Second level</a:t>
+            </a:r>
+          </a:p>
+          <a:p>
+            <a:pPr lvl="2"/>
+            <a:r>
+              <a:rPr lang="en-US"/>
+              <a:t>Third level</a:t>
+            </a:r>
+          </a:p>
+          <a:p>
+            <a:pPr lvl="3"/>
+            <a:r>
+              <a:rPr lang="en-US"/>
+              <a:t>Fourth level</a:t>
+            </a:r>
+          </a:p>
+          <a:p>
+            <a:pPr lvl="4"/>
+            <a:r>
+              <a:rPr lang="en-US"/>
+              <a:t>Fifth level</a:t>
+            </a:r>
+            <a:endParaRPr lang="en-US" dirty="0"/>
+          </a:p>
+        </p:txBody>
+      </p:sp>
+      <p:sp>
+        <p:nvSpPr>
+          <p:cNvPr id="5" name="Date Placeholder 4"/>
+          <p:cNvSpPr>
+            <a:spLocks noGrp="1"/>
+          </p:cNvSpPr>
+          <p:nvPr>
+            <p:ph type="dt" sz="half" idx="10"/>
+          </p:nvPr>
+        </p:nvSpPr>
+        <p:spPr/>
+        <p:txBody>
+          <a:bodyPr/>
+          <a:lstStyle/>
+          <a:p>
+            <a:fld id="{526A1DCE-348E-4FA6-8794-BBB1DB5A0381}" type="datetime1">
               <a:rPr lang="en-US" smtClean="0"/>
-              <a:t>Click to edit Master text styles</a:t>
-            </a:r>
-          </a:p>
-          <a:p>
-            <a:pPr lvl="1"/>
-            <a:r>
-              <a:rPr lang="en-US" smtClean="0"/>
-              <a:t>Second level</a:t>
-            </a:r>
-          </a:p>
-          <a:p>
-            <a:pPr lvl="2"/>
-            <a:r>
-              <a:rPr lang="en-US" smtClean="0"/>
-              <a:t>Third level</a:t>
-            </a:r>
-          </a:p>
-          <a:p>
-            <a:pPr lvl="3"/>
-            <a:r>
-              <a:rPr lang="en-US" smtClean="0"/>
-              <a:t>Fourth level</a:t>
-            </a:r>
-          </a:p>
-          <a:p>
-            <a:pPr lvl="4"/>
-            <a:r>
-              <a:rPr lang="en-US" smtClean="0"/>
-              <a:t>Fifth level</a:t>
-            </a:r>
-            <a:endParaRPr lang="en-US" dirty="0"/>
-          </a:p>
-        </p:txBody>
-      </p:sp>
-      <p:sp>
-        <p:nvSpPr>
-          <p:cNvPr id="5" name="Date Placeholder 4"/>
-          <p:cNvSpPr>
-            <a:spLocks noGrp="1"/>
-          </p:cNvSpPr>
-          <p:nvPr>
-            <p:ph type="dt" sz="half" idx="10"/>
-          </p:nvPr>
-        </p:nvSpPr>
-        <p:spPr/>
-        <p:txBody>
-          <a:bodyPr/>
-          <a:lstStyle/>
-          <a:p>
-            <a:fld id="{FBA86DE5-4727-3C44-A125-458AC819E1C1}" type="datetime1">
-              <a:rPr lang="en-US" smtClean="0"/>
-              <a:t>11/13/15</a:t>
+              <a:t>7/7/2016</a:t>
             </a:fld>
             <a:endParaRPr lang="en-US"/>
           </a:p>
@@ -2407,6 +2925,10 @@
           <a:bodyPr/>
           <a:lstStyle/>
           <a:p>
+            <a:r>
+              <a:rPr lang="en-US"/>
+              <a:t>© 2016 EV3Lessons.com, Last edit 7/06/2016</a:t>
+            </a:r>
             <a:endParaRPr lang="en-US" dirty="0"/>
           </a:p>
         </p:txBody>
@@ -2437,7 +2959,7 @@
     </p:spTree>
     <p:extLst>
       <p:ext uri="{BB962C8B-B14F-4D97-AF65-F5344CB8AC3E}">
-        <p14:creationId xmlns:p14="http://schemas.microsoft.com/office/powerpoint/2010/main" val="365420663"/>
+        <p14:creationId xmlns:p14="http://schemas.microsoft.com/office/powerpoint/2010/main" val="932267887"/>
       </p:ext>
     </p:extLst>
   </p:cSld>
@@ -2447,7 +2969,7 @@
 </p:sldLayout>
 </file>
 
-<file path=ppt/slideLayouts/slideLayout5.xml><?xml version="1.0" encoding="utf-8"?>
+<file path=ppt/slideLayouts/slideLayout16.xml><?xml version="1.0" encoding="utf-8"?>
 <p:sldLayout xmlns:a="http://schemas.openxmlformats.org/drawingml/2006/main" xmlns:r="http://schemas.openxmlformats.org/officeDocument/2006/relationships" xmlns:p="http://schemas.openxmlformats.org/presentationml/2006/main" type="twoTxTwoObj" preserve="1">
   <p:cSld name="Comparison">
     <p:spTree>
@@ -2485,7 +3007,7 @@
           <a:lstStyle/>
           <a:p>
             <a:r>
-              <a:rPr lang="en-US" smtClean="0"/>
+              <a:rPr lang="en-US"/>
               <a:t>Click to edit Master title style</a:t>
             </a:r>
             <a:endParaRPr lang="en-US" dirty="0"/>
@@ -2557,8 +3079,8 @@
           <a:p>
             <a:pPr lvl="0"/>
             <a:r>
-              <a:rPr lang="en-US" smtClean="0"/>
-              <a:t>Click to edit Master text styles</a:t>
+              <a:rPr lang="en-US"/>
+              <a:t>Edit Master text styles</a:t>
             </a:r>
           </a:p>
         </p:txBody>
@@ -2585,35 +3107,35 @@
           <a:p>
             <a:pPr lvl="0"/>
             <a:r>
-              <a:rPr lang="en-US" smtClean="0"/>
-              <a:t>Click to edit Master text styles</a:t>
+              <a:rPr lang="en-US"/>
+              <a:t>Edit Master text styles</a:t>
             </a:r>
           </a:p>
           <a:p>
             <a:pPr lvl="1"/>
             <a:r>
-              <a:rPr lang="en-US" smtClean="0"/>
+              <a:rPr lang="en-US"/>
               <a:t>Second level</a:t>
             </a:r>
           </a:p>
           <a:p>
             <a:pPr lvl="2"/>
             <a:r>
-              <a:rPr lang="en-US" smtClean="0"/>
+              <a:rPr lang="en-US"/>
               <a:t>Third level</a:t>
             </a:r>
           </a:p>
           <a:p>
             <a:pPr lvl="3"/>
             <a:r>
-              <a:rPr lang="en-US" smtClean="0"/>
+              <a:rPr lang="en-US"/>
               <a:t>Fourth level</a:t>
             </a:r>
           </a:p>
           <a:p>
             <a:pPr lvl="4"/>
             <a:r>
-              <a:rPr lang="en-US" smtClean="0"/>
+              <a:rPr lang="en-US"/>
               <a:t>Fifth level</a:t>
             </a:r>
             <a:endParaRPr lang="en-US" dirty="0"/>
@@ -2685,8 +3207,8 @@
           <a:p>
             <a:pPr lvl="0"/>
             <a:r>
-              <a:rPr lang="en-US" smtClean="0"/>
-              <a:t>Click to edit Master text styles</a:t>
+              <a:rPr lang="en-US"/>
+              <a:t>Edit Master text styles</a:t>
             </a:r>
           </a:p>
         </p:txBody>
@@ -2713,59 +3235,59 @@
           <a:p>
             <a:pPr lvl="0"/>
             <a:r>
+              <a:rPr lang="en-US"/>
+              <a:t>Edit Master text styles</a:t>
+            </a:r>
+          </a:p>
+          <a:p>
+            <a:pPr lvl="1"/>
+            <a:r>
+              <a:rPr lang="en-US"/>
+              <a:t>Second level</a:t>
+            </a:r>
+          </a:p>
+          <a:p>
+            <a:pPr lvl="2"/>
+            <a:r>
+              <a:rPr lang="en-US"/>
+              <a:t>Third level</a:t>
+            </a:r>
+          </a:p>
+          <a:p>
+            <a:pPr lvl="3"/>
+            <a:r>
+              <a:rPr lang="en-US"/>
+              <a:t>Fourth level</a:t>
+            </a:r>
+          </a:p>
+          <a:p>
+            <a:pPr lvl="4"/>
+            <a:r>
+              <a:rPr lang="en-US"/>
+              <a:t>Fifth level</a:t>
+            </a:r>
+            <a:endParaRPr lang="en-US" dirty="0"/>
+          </a:p>
+        </p:txBody>
+      </p:sp>
+      <p:sp>
+        <p:nvSpPr>
+          <p:cNvPr id="7" name="Date Placeholder 6"/>
+          <p:cNvSpPr>
+            <a:spLocks noGrp="1"/>
+          </p:cNvSpPr>
+          <p:nvPr>
+            <p:ph type="dt" sz="half" idx="10"/>
+          </p:nvPr>
+        </p:nvSpPr>
+        <p:spPr/>
+        <p:txBody>
+          <a:bodyPr/>
+          <a:lstStyle/>
+          <a:p>
+            <a:fld id="{547DEDE7-68FA-4886-9F5A-BEFCB71585A3}" type="datetime1">
               <a:rPr lang="en-US" smtClean="0"/>
-              <a:t>Click to edit Master text styles</a:t>
-            </a:r>
-          </a:p>
-          <a:p>
-            <a:pPr lvl="1"/>
-            <a:r>
-              <a:rPr lang="en-US" smtClean="0"/>
-              <a:t>Second level</a:t>
-            </a:r>
-          </a:p>
-          <a:p>
-            <a:pPr lvl="2"/>
-            <a:r>
-              <a:rPr lang="en-US" smtClean="0"/>
-              <a:t>Third level</a:t>
-            </a:r>
-          </a:p>
-          <a:p>
-            <a:pPr lvl="3"/>
-            <a:r>
-              <a:rPr lang="en-US" smtClean="0"/>
-              <a:t>Fourth level</a:t>
-            </a:r>
-          </a:p>
-          <a:p>
-            <a:pPr lvl="4"/>
-            <a:r>
-              <a:rPr lang="en-US" smtClean="0"/>
-              <a:t>Fifth level</a:t>
-            </a:r>
-            <a:endParaRPr lang="en-US" dirty="0"/>
-          </a:p>
-        </p:txBody>
-      </p:sp>
-      <p:sp>
-        <p:nvSpPr>
-          <p:cNvPr id="7" name="Date Placeholder 6"/>
-          <p:cNvSpPr>
-            <a:spLocks noGrp="1"/>
-          </p:cNvSpPr>
-          <p:nvPr>
-            <p:ph type="dt" sz="half" idx="10"/>
-          </p:nvPr>
-        </p:nvSpPr>
-        <p:spPr/>
-        <p:txBody>
-          <a:bodyPr/>
-          <a:lstStyle/>
-          <a:p>
-            <a:fld id="{18F252B0-687D-184F-B682-0021640A5D63}" type="datetime1">
-              <a:rPr lang="en-US" smtClean="0"/>
-              <a:t>11/13/15</a:t>
+              <a:t>7/7/2016</a:t>
             </a:fld>
             <a:endParaRPr lang="en-US"/>
           </a:p>
@@ -2787,10 +3309,9 @@
           <a:lstStyle/>
           <a:p>
             <a:r>
-              <a:rPr lang="sk-SK" smtClean="0"/>
-              <a:t>© 2015 EV3Lessons.com, Last edit 11/13/2015</a:t>
-            </a:r>
-            <a:endParaRPr lang="en-US"/>
+              <a:rPr lang="en-US"/>
+              <a:t>© 2016 EV3Lessons.com, Last edit 7/06/2016</a:t>
+            </a:r>
           </a:p>
         </p:txBody>
       </p:sp>
@@ -2820,7 +3341,7 @@
     </p:spTree>
     <p:extLst>
       <p:ext uri="{BB962C8B-B14F-4D97-AF65-F5344CB8AC3E}">
-        <p14:creationId xmlns:p14="http://schemas.microsoft.com/office/powerpoint/2010/main" val="1616688712"/>
+        <p14:creationId xmlns:p14="http://schemas.microsoft.com/office/powerpoint/2010/main" val="896806921"/>
       </p:ext>
     </p:extLst>
   </p:cSld>
@@ -2830,7 +3351,7 @@
 </p:sldLayout>
 </file>
 
-<file path=ppt/slideLayouts/slideLayout6.xml><?xml version="1.0" encoding="utf-8"?>
+<file path=ppt/slideLayouts/slideLayout17.xml><?xml version="1.0" encoding="utf-8"?>
 <p:sldLayout xmlns:a="http://schemas.openxmlformats.org/drawingml/2006/main" xmlns:r="http://schemas.openxmlformats.org/officeDocument/2006/relationships" xmlns:p="http://schemas.openxmlformats.org/presentationml/2006/main" type="titleOnly" preserve="1">
   <p:cSld name="Title Only">
     <p:spTree>
@@ -2863,31 +3384,31 @@
           <a:lstStyle/>
           <a:p>
             <a:r>
+              <a:rPr lang="en-US"/>
+              <a:t>Click to edit Master title style</a:t>
+            </a:r>
+            <a:endParaRPr lang="en-US" dirty="0"/>
+          </a:p>
+        </p:txBody>
+      </p:sp>
+      <p:sp>
+        <p:nvSpPr>
+          <p:cNvPr id="3" name="Date Placeholder 2"/>
+          <p:cNvSpPr>
+            <a:spLocks noGrp="1"/>
+          </p:cNvSpPr>
+          <p:nvPr>
+            <p:ph type="dt" sz="half" idx="10"/>
+          </p:nvPr>
+        </p:nvSpPr>
+        <p:spPr/>
+        <p:txBody>
+          <a:bodyPr/>
+          <a:lstStyle/>
+          <a:p>
+            <a:fld id="{0E74060D-0A4F-41BA-9264-DF303B51D6DF}" type="datetime1">
               <a:rPr lang="en-US" smtClean="0"/>
-              <a:t>Click to edit Master title style</a:t>
-            </a:r>
-            <a:endParaRPr lang="en-US" dirty="0"/>
-          </a:p>
-        </p:txBody>
-      </p:sp>
-      <p:sp>
-        <p:nvSpPr>
-          <p:cNvPr id="3" name="Date Placeholder 2"/>
-          <p:cNvSpPr>
-            <a:spLocks noGrp="1"/>
-          </p:cNvSpPr>
-          <p:nvPr>
-            <p:ph type="dt" sz="half" idx="10"/>
-          </p:nvPr>
-        </p:nvSpPr>
-        <p:spPr/>
-        <p:txBody>
-          <a:bodyPr/>
-          <a:lstStyle/>
-          <a:p>
-            <a:fld id="{3457AD7A-12C8-EA48-9011-B2F46261DD98}" type="datetime1">
-              <a:rPr lang="en-US" smtClean="0"/>
-              <a:t>11/13/15</a:t>
+              <a:t>7/7/2016</a:t>
             </a:fld>
             <a:endParaRPr lang="en-US"/>
           </a:p>
@@ -2909,10 +3430,9 @@
           <a:lstStyle/>
           <a:p>
             <a:r>
-              <a:rPr lang="sk-SK" smtClean="0"/>
-              <a:t>© 2015 EV3Lessons.com, Last edit 11/13/2015</a:t>
-            </a:r>
-            <a:endParaRPr lang="en-US"/>
+              <a:rPr lang="en-US"/>
+              <a:t>© 2016 EV3Lessons.com, Last edit 7/06/2016</a:t>
+            </a:r>
           </a:p>
         </p:txBody>
       </p:sp>
@@ -2942,7 +3462,7 @@
     </p:spTree>
     <p:extLst>
       <p:ext uri="{BB962C8B-B14F-4D97-AF65-F5344CB8AC3E}">
-        <p14:creationId xmlns:p14="http://schemas.microsoft.com/office/powerpoint/2010/main" val="628148209"/>
+        <p14:creationId xmlns:p14="http://schemas.microsoft.com/office/powerpoint/2010/main" val="877096043"/>
       </p:ext>
     </p:extLst>
   </p:cSld>
@@ -2952,7 +3472,7 @@
 </p:sldLayout>
 </file>
 
-<file path=ppt/slideLayouts/slideLayout7.xml><?xml version="1.0" encoding="utf-8"?>
+<file path=ppt/slideLayouts/slideLayout18.xml><?xml version="1.0" encoding="utf-8"?>
 <p:sldLayout xmlns:a="http://schemas.openxmlformats.org/drawingml/2006/main" xmlns:r="http://schemas.openxmlformats.org/officeDocument/2006/relationships" xmlns:p="http://schemas.openxmlformats.org/presentationml/2006/main" showMasterSp="0" type="blank" preserve="1">
   <p:cSld name="Blank">
     <p:spTree>
@@ -3060,9 +3580,9 @@
           <a:bodyPr/>
           <a:lstStyle/>
           <a:p>
-            <a:fld id="{77D3C5C7-2346-9A49-8660-921460E2744B}" type="datetime1">
+            <a:fld id="{F0CA9267-5E36-4F02-B978-4E5C0F69436C}" type="datetime1">
               <a:rPr lang="en-US" smtClean="0"/>
-              <a:t>11/13/15</a:t>
+              <a:t>7/7/2016</a:t>
             </a:fld>
             <a:endParaRPr lang="en-US"/>
           </a:p>
@@ -3092,10 +3612,9 @@
           </a:lstStyle>
           <a:p>
             <a:r>
-              <a:rPr lang="sk-SK" smtClean="0"/>
-              <a:t>© 2015 EV3Lessons.com, Last edit 11/13/2015</a:t>
-            </a:r>
-            <a:endParaRPr lang="en-US"/>
+              <a:rPr lang="en-US"/>
+              <a:t>© 2016 EV3Lessons.com, Last edit 7/06/2016</a:t>
+            </a:r>
           </a:p>
         </p:txBody>
       </p:sp>
@@ -3125,7 +3644,7 @@
     </p:spTree>
     <p:extLst>
       <p:ext uri="{BB962C8B-B14F-4D97-AF65-F5344CB8AC3E}">
-        <p14:creationId xmlns:p14="http://schemas.microsoft.com/office/powerpoint/2010/main" val="81499819"/>
+        <p14:creationId xmlns:p14="http://schemas.microsoft.com/office/powerpoint/2010/main" val="704329514"/>
       </p:ext>
     </p:extLst>
   </p:cSld>
@@ -3135,7 +3654,7 @@
 </p:sldLayout>
 </file>
 
-<file path=ppt/slideLayouts/slideLayout8.xml><?xml version="1.0" encoding="utf-8"?>
+<file path=ppt/slideLayouts/slideLayout19.xml><?xml version="1.0" encoding="utf-8"?>
 <p:sldLayout xmlns:a="http://schemas.openxmlformats.org/drawingml/2006/main" xmlns:r="http://schemas.openxmlformats.org/officeDocument/2006/relationships" xmlns:p="http://schemas.openxmlformats.org/presentationml/2006/main" showMasterSp="0" type="objTx" preserve="1">
   <p:cSld name="Content with Caption">
     <p:spTree>
@@ -3259,7 +3778,7 @@
           </a:lstStyle>
           <a:p>
             <a:r>
-              <a:rPr lang="en-US" smtClean="0"/>
+              <a:rPr lang="en-US"/>
               <a:t>Click to edit Master title style</a:t>
             </a:r>
             <a:endParaRPr lang="en-US" dirty="0"/>
@@ -3288,35 +3807,35 @@
           <a:p>
             <a:pPr lvl="0"/>
             <a:r>
-              <a:rPr lang="en-US" smtClean="0"/>
-              <a:t>Click to edit Master text styles</a:t>
+              <a:rPr lang="en-US"/>
+              <a:t>Edit Master text styles</a:t>
             </a:r>
           </a:p>
           <a:p>
             <a:pPr lvl="1"/>
             <a:r>
-              <a:rPr lang="en-US" smtClean="0"/>
+              <a:rPr lang="en-US"/>
               <a:t>Second level</a:t>
             </a:r>
           </a:p>
           <a:p>
             <a:pPr lvl="2"/>
             <a:r>
-              <a:rPr lang="en-US" smtClean="0"/>
+              <a:rPr lang="en-US"/>
               <a:t>Third level</a:t>
             </a:r>
           </a:p>
           <a:p>
             <a:pPr lvl="3"/>
             <a:r>
-              <a:rPr lang="en-US" smtClean="0"/>
+              <a:rPr lang="en-US"/>
               <a:t>Fourth level</a:t>
             </a:r>
           </a:p>
           <a:p>
             <a:pPr lvl="4"/>
             <a:r>
-              <a:rPr lang="en-US" smtClean="0"/>
+              <a:rPr lang="en-US"/>
               <a:t>Fifth level</a:t>
             </a:r>
             <a:endParaRPr lang="en-US" dirty="0"/>
@@ -3388,8 +3907,8 @@
           <a:p>
             <a:pPr lvl="0"/>
             <a:r>
-              <a:rPr lang="en-US" smtClean="0"/>
-              <a:t>Click to edit Master text styles</a:t>
+              <a:rPr lang="en-US"/>
+              <a:t>Edit Master text styles</a:t>
             </a:r>
           </a:p>
         </p:txBody>
@@ -3418,9 +3937,9 @@
             </a:lvl1pPr>
           </a:lstStyle>
           <a:p>
-            <a:fld id="{E5A27797-1683-ED47-A74A-6DEBEDA39DC8}" type="datetime1">
+            <a:fld id="{5A4BACF0-6053-405D-A1D2-DCB0AD357F51}" type="datetime1">
               <a:rPr lang="en-US" smtClean="0"/>
-              <a:t>11/13/15</a:t>
+              <a:t>7/7/2016</a:t>
             </a:fld>
             <a:endParaRPr lang="en-US"/>
           </a:p>
@@ -3455,10 +3974,9 @@
           </a:lstStyle>
           <a:p>
             <a:r>
-              <a:rPr lang="sk-SK" smtClean="0"/>
-              <a:t>© 2015 EV3Lessons.com, Last edit 11/13/2015</a:t>
-            </a:r>
-            <a:endParaRPr lang="en-US"/>
+              <a:rPr lang="en-US"/>
+              <a:t>© 2016 EV3Lessons.com, Last edit 7/06/2016</a:t>
+            </a:r>
           </a:p>
         </p:txBody>
       </p:sp>
@@ -3496,7 +4014,7 @@
     </p:spTree>
     <p:extLst>
       <p:ext uri="{BB962C8B-B14F-4D97-AF65-F5344CB8AC3E}">
-        <p14:creationId xmlns:p14="http://schemas.microsoft.com/office/powerpoint/2010/main" val="1987127596"/>
+        <p14:creationId xmlns:p14="http://schemas.microsoft.com/office/powerpoint/2010/main" val="2908354356"/>
       </p:ext>
     </p:extLst>
   </p:cSld>
@@ -3506,7 +4024,180 @@
 </p:sldLayout>
 </file>
 
-<file path=ppt/slideLayouts/slideLayout9.xml><?xml version="1.0" encoding="utf-8"?>
+<file path=ppt/slideLayouts/slideLayout2.xml><?xml version="1.0" encoding="utf-8"?>
+<p:sldLayout xmlns:a="http://schemas.openxmlformats.org/drawingml/2006/main" xmlns:r="http://schemas.openxmlformats.org/officeDocument/2006/relationships" xmlns:p="http://schemas.openxmlformats.org/presentationml/2006/main" type="obj" preserve="1">
+  <p:cSld name="Title and Content">
+    <p:spTree>
+      <p:nvGrpSpPr>
+        <p:cNvPr id="1" name=""/>
+        <p:cNvGrpSpPr/>
+        <p:nvPr/>
+      </p:nvGrpSpPr>
+      <p:grpSpPr>
+        <a:xfrm>
+          <a:off x="0" y="0"/>
+          <a:ext cx="0" cy="0"/>
+          <a:chOff x="0" y="0"/>
+          <a:chExt cx="0" cy="0"/>
+        </a:xfrm>
+      </p:grpSpPr>
+      <p:sp>
+        <p:nvSpPr>
+          <p:cNvPr id="2" name="Title 1"/>
+          <p:cNvSpPr>
+            <a:spLocks noGrp="1"/>
+          </p:cNvSpPr>
+          <p:nvPr>
+            <p:ph type="title"/>
+          </p:nvPr>
+        </p:nvSpPr>
+        <p:spPr/>
+        <p:txBody>
+          <a:bodyPr/>
+          <a:lstStyle/>
+          <a:p>
+            <a:r>
+              <a:rPr lang="en-US"/>
+              <a:t>Click to edit Master title style</a:t>
+            </a:r>
+            <a:endParaRPr lang="en-US" dirty="0"/>
+          </a:p>
+        </p:txBody>
+      </p:sp>
+      <p:sp>
+        <p:nvSpPr>
+          <p:cNvPr id="3" name="Content Placeholder 2"/>
+          <p:cNvSpPr>
+            <a:spLocks noGrp="1"/>
+          </p:cNvSpPr>
+          <p:nvPr>
+            <p:ph idx="1"/>
+          </p:nvPr>
+        </p:nvSpPr>
+        <p:spPr/>
+        <p:txBody>
+          <a:bodyPr/>
+          <a:lstStyle/>
+          <a:p>
+            <a:pPr lvl="0"/>
+            <a:r>
+              <a:rPr lang="en-US"/>
+              <a:t>Click to edit Master text styles</a:t>
+            </a:r>
+          </a:p>
+          <a:p>
+            <a:pPr lvl="1"/>
+            <a:r>
+              <a:rPr lang="en-US"/>
+              <a:t>Second level</a:t>
+            </a:r>
+          </a:p>
+          <a:p>
+            <a:pPr lvl="2"/>
+            <a:r>
+              <a:rPr lang="en-US"/>
+              <a:t>Third level</a:t>
+            </a:r>
+          </a:p>
+          <a:p>
+            <a:pPr lvl="3"/>
+            <a:r>
+              <a:rPr lang="en-US"/>
+              <a:t>Fourth level</a:t>
+            </a:r>
+          </a:p>
+          <a:p>
+            <a:pPr lvl="4"/>
+            <a:r>
+              <a:rPr lang="en-US"/>
+              <a:t>Fifth level</a:t>
+            </a:r>
+            <a:endParaRPr lang="en-US" dirty="0"/>
+          </a:p>
+        </p:txBody>
+      </p:sp>
+      <p:sp>
+        <p:nvSpPr>
+          <p:cNvPr id="4" name="Date Placeholder 3"/>
+          <p:cNvSpPr>
+            <a:spLocks noGrp="1"/>
+          </p:cNvSpPr>
+          <p:nvPr>
+            <p:ph type="dt" sz="half" idx="10"/>
+          </p:nvPr>
+        </p:nvSpPr>
+        <p:spPr/>
+        <p:txBody>
+          <a:bodyPr/>
+          <a:lstStyle/>
+          <a:p>
+            <a:fld id="{315262E3-0892-4A03-9FBE-B36019C93F96}" type="datetime1">
+              <a:rPr lang="en-US" smtClean="0"/>
+              <a:t>7/7/2016</a:t>
+            </a:fld>
+            <a:endParaRPr lang="en-US"/>
+          </a:p>
+        </p:txBody>
+      </p:sp>
+      <p:sp>
+        <p:nvSpPr>
+          <p:cNvPr id="5" name="Footer Placeholder 4"/>
+          <p:cNvSpPr>
+            <a:spLocks noGrp="1"/>
+          </p:cNvSpPr>
+          <p:nvPr>
+            <p:ph type="ftr" sz="quarter" idx="11"/>
+          </p:nvPr>
+        </p:nvSpPr>
+        <p:spPr/>
+        <p:txBody>
+          <a:bodyPr/>
+          <a:lstStyle/>
+          <a:p>
+            <a:r>
+              <a:rPr lang="en-US"/>
+              <a:t>© 2016 EV3Lessons.com, Last edit 7/06/2016</a:t>
+            </a:r>
+          </a:p>
+        </p:txBody>
+      </p:sp>
+      <p:sp>
+        <p:nvSpPr>
+          <p:cNvPr id="6" name="Slide Number Placeholder 5"/>
+          <p:cNvSpPr>
+            <a:spLocks noGrp="1"/>
+          </p:cNvSpPr>
+          <p:nvPr>
+            <p:ph type="sldNum" sz="quarter" idx="12"/>
+          </p:nvPr>
+        </p:nvSpPr>
+        <p:spPr/>
+        <p:txBody>
+          <a:bodyPr/>
+          <a:lstStyle/>
+          <a:p>
+            <a:fld id="{4382A7F7-08BF-4252-8141-63FB96055BBB}" type="slidenum">
+              <a:rPr lang="en-US" smtClean="0"/>
+              <a:t>‹#›</a:t>
+            </a:fld>
+            <a:endParaRPr lang="en-US"/>
+          </a:p>
+        </p:txBody>
+      </p:sp>
+    </p:spTree>
+    <p:extLst>
+      <p:ext uri="{BB962C8B-B14F-4D97-AF65-F5344CB8AC3E}">
+        <p14:creationId xmlns:p14="http://schemas.microsoft.com/office/powerpoint/2010/main" val="685386584"/>
+      </p:ext>
+    </p:extLst>
+  </p:cSld>
+  <p:clrMapOvr>
+    <a:masterClrMapping/>
+  </p:clrMapOvr>
+</p:sldLayout>
+</file>
+
+<file path=ppt/slideLayouts/slideLayout20.xml><?xml version="1.0" encoding="utf-8"?>
 <p:sldLayout xmlns:a="http://schemas.openxmlformats.org/drawingml/2006/main" xmlns:r="http://schemas.openxmlformats.org/officeDocument/2006/relationships" xmlns:p="http://schemas.openxmlformats.org/presentationml/2006/main" showMasterSp="0" type="picTx" preserve="1">
   <p:cSld name="Picture with Caption">
     <p:spTree>
@@ -3630,7 +4321,7 @@
           </a:lstStyle>
           <a:p>
             <a:r>
-              <a:rPr lang="en-US" smtClean="0"/>
+              <a:rPr lang="en-US"/>
               <a:t>Click to edit Master title style</a:t>
             </a:r>
             <a:endParaRPr lang="en-US" dirty="0"/>
@@ -3705,8 +4396,8 @@
           </a:lstStyle>
           <a:p>
             <a:r>
-              <a:rPr lang="en-US" smtClean="0"/>
-              <a:t>Drag picture to placeholder or click icon to add</a:t>
+              <a:rPr lang="en-US"/>
+              <a:t>Click icon to add picture</a:t>
             </a:r>
             <a:endParaRPr lang="en-US" dirty="0"/>
           </a:p>
@@ -3783,30 +4474,30 @@
           <a:p>
             <a:pPr lvl="0"/>
             <a:r>
+              <a:rPr lang="en-US"/>
+              <a:t>Edit Master text styles</a:t>
+            </a:r>
+          </a:p>
+        </p:txBody>
+      </p:sp>
+      <p:sp>
+        <p:nvSpPr>
+          <p:cNvPr id="5" name="Date Placeholder 4"/>
+          <p:cNvSpPr>
+            <a:spLocks noGrp="1"/>
+          </p:cNvSpPr>
+          <p:nvPr>
+            <p:ph type="dt" sz="half" idx="10"/>
+          </p:nvPr>
+        </p:nvSpPr>
+        <p:spPr/>
+        <p:txBody>
+          <a:bodyPr/>
+          <a:lstStyle/>
+          <a:p>
+            <a:fld id="{9986E7CA-DF89-40CD-BF8A-88352220E76C}" type="datetime1">
               <a:rPr lang="en-US" smtClean="0"/>
-              <a:t>Click to edit Master text styles</a:t>
-            </a:r>
-          </a:p>
-        </p:txBody>
-      </p:sp>
-      <p:sp>
-        <p:nvSpPr>
-          <p:cNvPr id="5" name="Date Placeholder 4"/>
-          <p:cNvSpPr>
-            <a:spLocks noGrp="1"/>
-          </p:cNvSpPr>
-          <p:nvPr>
-            <p:ph type="dt" sz="half" idx="10"/>
-          </p:nvPr>
-        </p:nvSpPr>
-        <p:spPr/>
-        <p:txBody>
-          <a:bodyPr/>
-          <a:lstStyle/>
-          <a:p>
-            <a:fld id="{9F9CFCDA-76FF-C942-8304-6FF0EF7EF019}" type="datetime1">
-              <a:rPr lang="en-US" smtClean="0"/>
-              <a:t>11/13/15</a:t>
+              <a:t>7/7/2016</a:t>
             </a:fld>
             <a:endParaRPr lang="en-US"/>
           </a:p>
@@ -3828,10 +4519,2485 @@
           <a:lstStyle/>
           <a:p>
             <a:r>
-              <a:rPr lang="sk-SK" smtClean="0"/>
-              <a:t>© 2015 EV3Lessons.com, Last edit 11/13/2015</a:t>
-            </a:r>
+              <a:rPr lang="en-US"/>
+              <a:t>© 2016 EV3Lessons.com, Last edit 7/06/2016</a:t>
+            </a:r>
+          </a:p>
+        </p:txBody>
+      </p:sp>
+      <p:sp>
+        <p:nvSpPr>
+          <p:cNvPr id="7" name="Slide Number Placeholder 6"/>
+          <p:cNvSpPr>
+            <a:spLocks noGrp="1"/>
+          </p:cNvSpPr>
+          <p:nvPr>
+            <p:ph type="sldNum" sz="quarter" idx="12"/>
+          </p:nvPr>
+        </p:nvSpPr>
+        <p:spPr/>
+        <p:txBody>
+          <a:bodyPr/>
+          <a:lstStyle/>
+          <a:p>
+            <a:fld id="{4382A7F7-08BF-4252-8141-63FB96055BBB}" type="slidenum">
+              <a:rPr lang="en-US" smtClean="0"/>
+              <a:t>‹#›</a:t>
+            </a:fld>
             <a:endParaRPr lang="en-US"/>
+          </a:p>
+        </p:txBody>
+      </p:sp>
+    </p:spTree>
+    <p:extLst>
+      <p:ext uri="{BB962C8B-B14F-4D97-AF65-F5344CB8AC3E}">
+        <p14:creationId xmlns:p14="http://schemas.microsoft.com/office/powerpoint/2010/main" val="3477028949"/>
+      </p:ext>
+    </p:extLst>
+  </p:cSld>
+  <p:clrMapOvr>
+    <a:masterClrMapping/>
+  </p:clrMapOvr>
+</p:sldLayout>
+</file>
+
+<file path=ppt/slideLayouts/slideLayout21.xml><?xml version="1.0" encoding="utf-8"?>
+<p:sldLayout xmlns:a="http://schemas.openxmlformats.org/drawingml/2006/main" xmlns:r="http://schemas.openxmlformats.org/officeDocument/2006/relationships" xmlns:p="http://schemas.openxmlformats.org/presentationml/2006/main" type="vertTx" preserve="1">
+  <p:cSld name="Title and Vertical Text">
+    <p:spTree>
+      <p:nvGrpSpPr>
+        <p:cNvPr id="1" name=""/>
+        <p:cNvGrpSpPr/>
+        <p:nvPr/>
+      </p:nvGrpSpPr>
+      <p:grpSpPr>
+        <a:xfrm>
+          <a:off x="0" y="0"/>
+          <a:ext cx="0" cy="0"/>
+          <a:chOff x="0" y="0"/>
+          <a:chExt cx="0" cy="0"/>
+        </a:xfrm>
+      </p:grpSpPr>
+      <p:sp>
+        <p:nvSpPr>
+          <p:cNvPr id="2" name="Title 1"/>
+          <p:cNvSpPr>
+            <a:spLocks noGrp="1"/>
+          </p:cNvSpPr>
+          <p:nvPr>
+            <p:ph type="title"/>
+          </p:nvPr>
+        </p:nvSpPr>
+        <p:spPr/>
+        <p:txBody>
+          <a:bodyPr/>
+          <a:lstStyle/>
+          <a:p>
+            <a:r>
+              <a:rPr lang="en-US"/>
+              <a:t>Click to edit Master title style</a:t>
+            </a:r>
+            <a:endParaRPr lang="en-US" dirty="0"/>
+          </a:p>
+        </p:txBody>
+      </p:sp>
+      <p:sp>
+        <p:nvSpPr>
+          <p:cNvPr id="3" name="Vertical Text Placeholder 2"/>
+          <p:cNvSpPr>
+            <a:spLocks noGrp="1"/>
+          </p:cNvSpPr>
+          <p:nvPr>
+            <p:ph type="body" orient="vert" idx="1"/>
+          </p:nvPr>
+        </p:nvSpPr>
+        <p:spPr/>
+        <p:txBody>
+          <a:bodyPr vert="eaVert" lIns="45720" tIns="0" rIns="45720" bIns="0"/>
+          <a:lstStyle/>
+          <a:p>
+            <a:pPr lvl="0"/>
+            <a:r>
+              <a:rPr lang="en-US"/>
+              <a:t>Edit Master text styles</a:t>
+            </a:r>
+          </a:p>
+          <a:p>
+            <a:pPr lvl="1"/>
+            <a:r>
+              <a:rPr lang="en-US"/>
+              <a:t>Second level</a:t>
+            </a:r>
+          </a:p>
+          <a:p>
+            <a:pPr lvl="2"/>
+            <a:r>
+              <a:rPr lang="en-US"/>
+              <a:t>Third level</a:t>
+            </a:r>
+          </a:p>
+          <a:p>
+            <a:pPr lvl="3"/>
+            <a:r>
+              <a:rPr lang="en-US"/>
+              <a:t>Fourth level</a:t>
+            </a:r>
+          </a:p>
+          <a:p>
+            <a:pPr lvl="4"/>
+            <a:r>
+              <a:rPr lang="en-US"/>
+              <a:t>Fifth level</a:t>
+            </a:r>
+            <a:endParaRPr lang="en-US" dirty="0"/>
+          </a:p>
+        </p:txBody>
+      </p:sp>
+      <p:sp>
+        <p:nvSpPr>
+          <p:cNvPr id="4" name="Date Placeholder 3"/>
+          <p:cNvSpPr>
+            <a:spLocks noGrp="1"/>
+          </p:cNvSpPr>
+          <p:nvPr>
+            <p:ph type="dt" sz="half" idx="10"/>
+          </p:nvPr>
+        </p:nvSpPr>
+        <p:spPr/>
+        <p:txBody>
+          <a:bodyPr/>
+          <a:lstStyle/>
+          <a:p>
+            <a:fld id="{C6547444-8874-43E9-A4C0-DE411639E821}" type="datetime1">
+              <a:rPr lang="en-US" smtClean="0"/>
+              <a:t>7/7/2016</a:t>
+            </a:fld>
+            <a:endParaRPr lang="en-US"/>
+          </a:p>
+        </p:txBody>
+      </p:sp>
+      <p:sp>
+        <p:nvSpPr>
+          <p:cNvPr id="5" name="Footer Placeholder 4"/>
+          <p:cNvSpPr>
+            <a:spLocks noGrp="1"/>
+          </p:cNvSpPr>
+          <p:nvPr>
+            <p:ph type="ftr" sz="quarter" idx="11"/>
+          </p:nvPr>
+        </p:nvSpPr>
+        <p:spPr/>
+        <p:txBody>
+          <a:bodyPr/>
+          <a:lstStyle/>
+          <a:p>
+            <a:r>
+              <a:rPr lang="en-US"/>
+              <a:t>© 2016 EV3Lessons.com, Last edit 7/06/2016</a:t>
+            </a:r>
+          </a:p>
+        </p:txBody>
+      </p:sp>
+      <p:sp>
+        <p:nvSpPr>
+          <p:cNvPr id="6" name="Slide Number Placeholder 5"/>
+          <p:cNvSpPr>
+            <a:spLocks noGrp="1"/>
+          </p:cNvSpPr>
+          <p:nvPr>
+            <p:ph type="sldNum" sz="quarter" idx="12"/>
+          </p:nvPr>
+        </p:nvSpPr>
+        <p:spPr/>
+        <p:txBody>
+          <a:bodyPr/>
+          <a:lstStyle/>
+          <a:p>
+            <a:fld id="{4382A7F7-08BF-4252-8141-63FB96055BBB}" type="slidenum">
+              <a:rPr lang="en-US" smtClean="0"/>
+              <a:t>‹#›</a:t>
+            </a:fld>
+            <a:endParaRPr lang="en-US"/>
+          </a:p>
+        </p:txBody>
+      </p:sp>
+    </p:spTree>
+    <p:extLst>
+      <p:ext uri="{BB962C8B-B14F-4D97-AF65-F5344CB8AC3E}">
+        <p14:creationId xmlns:p14="http://schemas.microsoft.com/office/powerpoint/2010/main" val="4138330419"/>
+      </p:ext>
+    </p:extLst>
+  </p:cSld>
+  <p:clrMapOvr>
+    <a:masterClrMapping/>
+  </p:clrMapOvr>
+</p:sldLayout>
+</file>
+
+<file path=ppt/slideLayouts/slideLayout22.xml><?xml version="1.0" encoding="utf-8"?>
+<p:sldLayout xmlns:a="http://schemas.openxmlformats.org/drawingml/2006/main" xmlns:r="http://schemas.openxmlformats.org/officeDocument/2006/relationships" xmlns:p="http://schemas.openxmlformats.org/presentationml/2006/main" showMasterSp="0" type="vertTitleAndTx" preserve="1">
+  <p:cSld name="Vertical Title and Text">
+    <p:spTree>
+      <p:nvGrpSpPr>
+        <p:cNvPr id="1" name=""/>
+        <p:cNvGrpSpPr/>
+        <p:nvPr/>
+      </p:nvGrpSpPr>
+      <p:grpSpPr>
+        <a:xfrm>
+          <a:off x="0" y="0"/>
+          <a:ext cx="0" cy="0"/>
+          <a:chOff x="0" y="0"/>
+          <a:chExt cx="0" cy="0"/>
+        </a:xfrm>
+      </p:grpSpPr>
+      <p:sp>
+        <p:nvSpPr>
+          <p:cNvPr id="7" name="Rectangle 6"/>
+          <p:cNvSpPr/>
+          <p:nvPr/>
+        </p:nvSpPr>
+        <p:spPr>
+          <a:xfrm>
+            <a:off x="2382" y="6400800"/>
+            <a:ext cx="9141619" cy="457200"/>
+          </a:xfrm>
+          <a:prstGeom prst="rect">
+            <a:avLst/>
+          </a:prstGeom>
+          <a:solidFill>
+            <a:schemeClr val="accent2"/>
+          </a:solidFill>
+          <a:ln>
+            <a:noFill/>
+          </a:ln>
+        </p:spPr>
+        <p:style>
+          <a:lnRef idx="2">
+            <a:schemeClr val="accent1">
+              <a:shade val="50000"/>
+            </a:schemeClr>
+          </a:lnRef>
+          <a:fillRef idx="1">
+            <a:schemeClr val="accent1"/>
+          </a:fillRef>
+          <a:effectRef idx="0">
+            <a:schemeClr val="accent1"/>
+          </a:effectRef>
+          <a:fontRef idx="minor">
+            <a:schemeClr val="lt1"/>
+          </a:fontRef>
+        </p:style>
+      </p:sp>
+      <p:sp>
+        <p:nvSpPr>
+          <p:cNvPr id="8" name="Rectangle 7"/>
+          <p:cNvSpPr/>
+          <p:nvPr/>
+        </p:nvSpPr>
+        <p:spPr>
+          <a:xfrm>
+            <a:off x="12" y="6334316"/>
+            <a:ext cx="9141619" cy="64008"/>
+          </a:xfrm>
+          <a:prstGeom prst="rect">
+            <a:avLst/>
+          </a:prstGeom>
+          <a:solidFill>
+            <a:schemeClr val="accent1"/>
+          </a:solidFill>
+          <a:ln>
+            <a:noFill/>
+          </a:ln>
+        </p:spPr>
+        <p:style>
+          <a:lnRef idx="2">
+            <a:schemeClr val="accent1">
+              <a:shade val="50000"/>
+            </a:schemeClr>
+          </a:lnRef>
+          <a:fillRef idx="1">
+            <a:schemeClr val="accent1"/>
+          </a:fillRef>
+          <a:effectRef idx="0">
+            <a:schemeClr val="accent1"/>
+          </a:effectRef>
+          <a:fontRef idx="minor">
+            <a:schemeClr val="lt1"/>
+          </a:fontRef>
+        </p:style>
+      </p:sp>
+      <p:sp>
+        <p:nvSpPr>
+          <p:cNvPr id="2" name="Vertical Title 1"/>
+          <p:cNvSpPr>
+            <a:spLocks noGrp="1"/>
+          </p:cNvSpPr>
+          <p:nvPr>
+            <p:ph type="title" orient="vert"/>
+          </p:nvPr>
+        </p:nvSpPr>
+        <p:spPr>
+          <a:xfrm>
+            <a:off x="6543675" y="414779"/>
+            <a:ext cx="1971675" cy="5757421"/>
+          </a:xfrm>
+        </p:spPr>
+        <p:txBody>
+          <a:bodyPr vert="eaVert"/>
+          <a:lstStyle/>
+          <a:p>
+            <a:r>
+              <a:rPr lang="en-US"/>
+              <a:t>Click to edit Master title style</a:t>
+            </a:r>
+            <a:endParaRPr lang="en-US" dirty="0"/>
+          </a:p>
+        </p:txBody>
+      </p:sp>
+      <p:sp>
+        <p:nvSpPr>
+          <p:cNvPr id="3" name="Vertical Text Placeholder 2"/>
+          <p:cNvSpPr>
+            <a:spLocks noGrp="1"/>
+          </p:cNvSpPr>
+          <p:nvPr>
+            <p:ph type="body" orient="vert" idx="1"/>
+          </p:nvPr>
+        </p:nvSpPr>
+        <p:spPr>
+          <a:xfrm>
+            <a:off x="628650" y="414779"/>
+            <a:ext cx="5800725" cy="5757420"/>
+          </a:xfrm>
+        </p:spPr>
+        <p:txBody>
+          <a:bodyPr vert="eaVert" lIns="45720" tIns="0" rIns="45720" bIns="0"/>
+          <a:lstStyle/>
+          <a:p>
+            <a:pPr lvl="0"/>
+            <a:r>
+              <a:rPr lang="en-US"/>
+              <a:t>Edit Master text styles</a:t>
+            </a:r>
+          </a:p>
+          <a:p>
+            <a:pPr lvl="1"/>
+            <a:r>
+              <a:rPr lang="en-US"/>
+              <a:t>Second level</a:t>
+            </a:r>
+          </a:p>
+          <a:p>
+            <a:pPr lvl="2"/>
+            <a:r>
+              <a:rPr lang="en-US"/>
+              <a:t>Third level</a:t>
+            </a:r>
+          </a:p>
+          <a:p>
+            <a:pPr lvl="3"/>
+            <a:r>
+              <a:rPr lang="en-US"/>
+              <a:t>Fourth level</a:t>
+            </a:r>
+          </a:p>
+          <a:p>
+            <a:pPr lvl="4"/>
+            <a:r>
+              <a:rPr lang="en-US"/>
+              <a:t>Fifth level</a:t>
+            </a:r>
+            <a:endParaRPr lang="en-US" dirty="0"/>
+          </a:p>
+        </p:txBody>
+      </p:sp>
+      <p:sp>
+        <p:nvSpPr>
+          <p:cNvPr id="4" name="Date Placeholder 3"/>
+          <p:cNvSpPr>
+            <a:spLocks noGrp="1"/>
+          </p:cNvSpPr>
+          <p:nvPr>
+            <p:ph type="dt" sz="half" idx="10"/>
+          </p:nvPr>
+        </p:nvSpPr>
+        <p:spPr/>
+        <p:txBody>
+          <a:bodyPr/>
+          <a:lstStyle/>
+          <a:p>
+            <a:fld id="{93F3F334-E4D1-4604-A4C5-A966664A3117}" type="datetime1">
+              <a:rPr lang="en-US" smtClean="0"/>
+              <a:t>7/7/2016</a:t>
+            </a:fld>
+            <a:endParaRPr lang="en-US"/>
+          </a:p>
+        </p:txBody>
+      </p:sp>
+      <p:sp>
+        <p:nvSpPr>
+          <p:cNvPr id="5" name="Footer Placeholder 4"/>
+          <p:cNvSpPr>
+            <a:spLocks noGrp="1"/>
+          </p:cNvSpPr>
+          <p:nvPr>
+            <p:ph type="ftr" sz="quarter" idx="11"/>
+          </p:nvPr>
+        </p:nvSpPr>
+        <p:spPr/>
+        <p:txBody>
+          <a:bodyPr/>
+          <a:lstStyle/>
+          <a:p>
+            <a:r>
+              <a:rPr lang="en-US"/>
+              <a:t>© 2016 EV3Lessons.com, Last edit 7/06/2016</a:t>
+            </a:r>
+          </a:p>
+        </p:txBody>
+      </p:sp>
+      <p:sp>
+        <p:nvSpPr>
+          <p:cNvPr id="6" name="Slide Number Placeholder 5"/>
+          <p:cNvSpPr>
+            <a:spLocks noGrp="1"/>
+          </p:cNvSpPr>
+          <p:nvPr>
+            <p:ph type="sldNum" sz="quarter" idx="12"/>
+          </p:nvPr>
+        </p:nvSpPr>
+        <p:spPr/>
+        <p:txBody>
+          <a:bodyPr/>
+          <a:lstStyle/>
+          <a:p>
+            <a:fld id="{4382A7F7-08BF-4252-8141-63FB96055BBB}" type="slidenum">
+              <a:rPr lang="en-US" smtClean="0"/>
+              <a:t>‹#›</a:t>
+            </a:fld>
+            <a:endParaRPr lang="en-US"/>
+          </a:p>
+        </p:txBody>
+      </p:sp>
+    </p:spTree>
+    <p:extLst>
+      <p:ext uri="{BB962C8B-B14F-4D97-AF65-F5344CB8AC3E}">
+        <p14:creationId xmlns:p14="http://schemas.microsoft.com/office/powerpoint/2010/main" val="3446389211"/>
+      </p:ext>
+    </p:extLst>
+  </p:cSld>
+  <p:clrMapOvr>
+    <a:masterClrMapping/>
+  </p:clrMapOvr>
+</p:sldLayout>
+</file>
+
+<file path=ppt/slideLayouts/slideLayout3.xml><?xml version="1.0" encoding="utf-8"?>
+<p:sldLayout xmlns:a="http://schemas.openxmlformats.org/drawingml/2006/main" xmlns:r="http://schemas.openxmlformats.org/officeDocument/2006/relationships" xmlns:p="http://schemas.openxmlformats.org/presentationml/2006/main" showMasterSp="0" type="secHead" preserve="1">
+  <p:cSld name="Section Header">
+    <p:bg>
+      <p:bgPr>
+        <a:solidFill>
+          <a:schemeClr val="bg1"/>
+        </a:solidFill>
+        <a:effectLst/>
+      </p:bgPr>
+    </p:bg>
+    <p:spTree>
+      <p:nvGrpSpPr>
+        <p:cNvPr id="1" name=""/>
+        <p:cNvGrpSpPr/>
+        <p:nvPr/>
+      </p:nvGrpSpPr>
+      <p:grpSpPr>
+        <a:xfrm>
+          <a:off x="0" y="0"/>
+          <a:ext cx="0" cy="0"/>
+          <a:chOff x="0" y="0"/>
+          <a:chExt cx="0" cy="0"/>
+        </a:xfrm>
+      </p:grpSpPr>
+      <p:sp>
+        <p:nvSpPr>
+          <p:cNvPr id="7" name="Rectangle 6"/>
+          <p:cNvSpPr/>
+          <p:nvPr/>
+        </p:nvSpPr>
+        <p:spPr>
+          <a:xfrm>
+            <a:off x="2382" y="6400800"/>
+            <a:ext cx="9141619" cy="457200"/>
+          </a:xfrm>
+          <a:prstGeom prst="rect">
+            <a:avLst/>
+          </a:prstGeom>
+          <a:solidFill>
+            <a:schemeClr val="accent2"/>
+          </a:solidFill>
+          <a:ln>
+            <a:noFill/>
+          </a:ln>
+        </p:spPr>
+        <p:style>
+          <a:lnRef idx="2">
+            <a:schemeClr val="accent1">
+              <a:shade val="50000"/>
+            </a:schemeClr>
+          </a:lnRef>
+          <a:fillRef idx="1">
+            <a:schemeClr val="accent1"/>
+          </a:fillRef>
+          <a:effectRef idx="0">
+            <a:schemeClr val="accent1"/>
+          </a:effectRef>
+          <a:fontRef idx="minor">
+            <a:schemeClr val="lt1"/>
+          </a:fontRef>
+        </p:style>
+      </p:sp>
+      <p:sp>
+        <p:nvSpPr>
+          <p:cNvPr id="8" name="Rectangle 7"/>
+          <p:cNvSpPr/>
+          <p:nvPr/>
+        </p:nvSpPr>
+        <p:spPr>
+          <a:xfrm>
+            <a:off x="12" y="6334316"/>
+            <a:ext cx="9141619" cy="64008"/>
+          </a:xfrm>
+          <a:prstGeom prst="rect">
+            <a:avLst/>
+          </a:prstGeom>
+          <a:solidFill>
+            <a:schemeClr val="accent1"/>
+          </a:solidFill>
+          <a:ln>
+            <a:noFill/>
+          </a:ln>
+        </p:spPr>
+        <p:style>
+          <a:lnRef idx="2">
+            <a:schemeClr val="accent1">
+              <a:shade val="50000"/>
+            </a:schemeClr>
+          </a:lnRef>
+          <a:fillRef idx="1">
+            <a:schemeClr val="accent1"/>
+          </a:fillRef>
+          <a:effectRef idx="0">
+            <a:schemeClr val="accent1"/>
+          </a:effectRef>
+          <a:fontRef idx="minor">
+            <a:schemeClr val="lt1"/>
+          </a:fontRef>
+        </p:style>
+      </p:sp>
+      <p:sp>
+        <p:nvSpPr>
+          <p:cNvPr id="2" name="Title 1"/>
+          <p:cNvSpPr>
+            <a:spLocks noGrp="1"/>
+          </p:cNvSpPr>
+          <p:nvPr>
+            <p:ph type="title"/>
+          </p:nvPr>
+        </p:nvSpPr>
+        <p:spPr>
+          <a:xfrm>
+            <a:off x="822960" y="758952"/>
+            <a:ext cx="7543800" cy="3566160"/>
+          </a:xfrm>
+        </p:spPr>
+        <p:txBody>
+          <a:bodyPr anchor="b" anchorCtr="0">
+            <a:normAutofit/>
+          </a:bodyPr>
+          <a:lstStyle>
+            <a:lvl1pPr>
+              <a:lnSpc>
+                <a:spcPct val="85000"/>
+              </a:lnSpc>
+              <a:defRPr sz="8000" b="0">
+                <a:solidFill>
+                  <a:schemeClr val="tx1">
+                    <a:lumMod val="85000"/>
+                    <a:lumOff val="15000"/>
+                  </a:schemeClr>
+                </a:solidFill>
+              </a:defRPr>
+            </a:lvl1pPr>
+          </a:lstStyle>
+          <a:p>
+            <a:r>
+              <a:rPr lang="en-US"/>
+              <a:t>Click to edit Master title style</a:t>
+            </a:r>
+            <a:endParaRPr lang="en-US" dirty="0"/>
+          </a:p>
+        </p:txBody>
+      </p:sp>
+      <p:sp>
+        <p:nvSpPr>
+          <p:cNvPr id="3" name="Text Placeholder 2"/>
+          <p:cNvSpPr>
+            <a:spLocks noGrp="1"/>
+          </p:cNvSpPr>
+          <p:nvPr>
+            <p:ph type="body" idx="1"/>
+          </p:nvPr>
+        </p:nvSpPr>
+        <p:spPr>
+          <a:xfrm>
+            <a:off x="822960" y="4453128"/>
+            <a:ext cx="7543800" cy="1143000"/>
+          </a:xfrm>
+        </p:spPr>
+        <p:txBody>
+          <a:bodyPr lIns="91440" rIns="91440" anchor="t" anchorCtr="0">
+            <a:normAutofit/>
+          </a:bodyPr>
+          <a:lstStyle>
+            <a:lvl1pPr marL="0" indent="0">
+              <a:buNone/>
+              <a:defRPr sz="2400" cap="all" spc="200" baseline="0">
+                <a:solidFill>
+                  <a:schemeClr val="tx2"/>
+                </a:solidFill>
+                <a:latin typeface="+mj-lt"/>
+              </a:defRPr>
+            </a:lvl1pPr>
+            <a:lvl2pPr marL="457200" indent="0">
+              <a:buNone/>
+              <a:defRPr sz="1800">
+                <a:solidFill>
+                  <a:schemeClr val="tx1">
+                    <a:tint val="75000"/>
+                  </a:schemeClr>
+                </a:solidFill>
+              </a:defRPr>
+            </a:lvl2pPr>
+            <a:lvl3pPr marL="914400" indent="0">
+              <a:buNone/>
+              <a:defRPr sz="1600">
+                <a:solidFill>
+                  <a:schemeClr val="tx1">
+                    <a:tint val="75000"/>
+                  </a:schemeClr>
+                </a:solidFill>
+              </a:defRPr>
+            </a:lvl3pPr>
+            <a:lvl4pPr marL="1371600" indent="0">
+              <a:buNone/>
+              <a:defRPr sz="1400">
+                <a:solidFill>
+                  <a:schemeClr val="tx1">
+                    <a:tint val="75000"/>
+                  </a:schemeClr>
+                </a:solidFill>
+              </a:defRPr>
+            </a:lvl4pPr>
+            <a:lvl5pPr marL="1828800" indent="0">
+              <a:buNone/>
+              <a:defRPr sz="1400">
+                <a:solidFill>
+                  <a:schemeClr val="tx1">
+                    <a:tint val="75000"/>
+                  </a:schemeClr>
+                </a:solidFill>
+              </a:defRPr>
+            </a:lvl5pPr>
+            <a:lvl6pPr marL="2286000" indent="0">
+              <a:buNone/>
+              <a:defRPr sz="1400">
+                <a:solidFill>
+                  <a:schemeClr val="tx1">
+                    <a:tint val="75000"/>
+                  </a:schemeClr>
+                </a:solidFill>
+              </a:defRPr>
+            </a:lvl6pPr>
+            <a:lvl7pPr marL="2743200" indent="0">
+              <a:buNone/>
+              <a:defRPr sz="1400">
+                <a:solidFill>
+                  <a:schemeClr val="tx1">
+                    <a:tint val="75000"/>
+                  </a:schemeClr>
+                </a:solidFill>
+              </a:defRPr>
+            </a:lvl7pPr>
+            <a:lvl8pPr marL="3200400" indent="0">
+              <a:buNone/>
+              <a:defRPr sz="1400">
+                <a:solidFill>
+                  <a:schemeClr val="tx1">
+                    <a:tint val="75000"/>
+                  </a:schemeClr>
+                </a:solidFill>
+              </a:defRPr>
+            </a:lvl8pPr>
+            <a:lvl9pPr marL="3657600" indent="0">
+              <a:buNone/>
+              <a:defRPr sz="1400">
+                <a:solidFill>
+                  <a:schemeClr val="tx1">
+                    <a:tint val="75000"/>
+                  </a:schemeClr>
+                </a:solidFill>
+              </a:defRPr>
+            </a:lvl9pPr>
+          </a:lstStyle>
+          <a:p>
+            <a:pPr lvl="0"/>
+            <a:r>
+              <a:rPr lang="en-US"/>
+              <a:t>Click to edit Master text styles</a:t>
+            </a:r>
+          </a:p>
+        </p:txBody>
+      </p:sp>
+      <p:sp>
+        <p:nvSpPr>
+          <p:cNvPr id="4" name="Date Placeholder 3"/>
+          <p:cNvSpPr>
+            <a:spLocks noGrp="1"/>
+          </p:cNvSpPr>
+          <p:nvPr>
+            <p:ph type="dt" sz="half" idx="10"/>
+          </p:nvPr>
+        </p:nvSpPr>
+        <p:spPr/>
+        <p:txBody>
+          <a:bodyPr/>
+          <a:lstStyle/>
+          <a:p>
+            <a:fld id="{5E6711B2-684D-4D0F-B0CE-58E05D6C9CB5}" type="datetime1">
+              <a:rPr lang="en-US" smtClean="0"/>
+              <a:t>7/7/2016</a:t>
+            </a:fld>
+            <a:endParaRPr lang="en-US"/>
+          </a:p>
+        </p:txBody>
+      </p:sp>
+      <p:sp>
+        <p:nvSpPr>
+          <p:cNvPr id="5" name="Footer Placeholder 4"/>
+          <p:cNvSpPr>
+            <a:spLocks noGrp="1"/>
+          </p:cNvSpPr>
+          <p:nvPr>
+            <p:ph type="ftr" sz="quarter" idx="11"/>
+          </p:nvPr>
+        </p:nvSpPr>
+        <p:spPr/>
+        <p:txBody>
+          <a:bodyPr/>
+          <a:lstStyle/>
+          <a:p>
+            <a:r>
+              <a:rPr lang="en-US"/>
+              <a:t>© 2016 EV3Lessons.com, Last edit 7/06/2016</a:t>
+            </a:r>
+          </a:p>
+        </p:txBody>
+      </p:sp>
+      <p:sp>
+        <p:nvSpPr>
+          <p:cNvPr id="6" name="Slide Number Placeholder 5"/>
+          <p:cNvSpPr>
+            <a:spLocks noGrp="1"/>
+          </p:cNvSpPr>
+          <p:nvPr>
+            <p:ph type="sldNum" sz="quarter" idx="12"/>
+          </p:nvPr>
+        </p:nvSpPr>
+        <p:spPr/>
+        <p:txBody>
+          <a:bodyPr/>
+          <a:lstStyle/>
+          <a:p>
+            <a:fld id="{162F1D00-BD13-4404-86B0-79703945A0A7}" type="slidenum">
+              <a:rPr lang="en-US" smtClean="0"/>
+              <a:t>‹#›</a:t>
+            </a:fld>
+            <a:endParaRPr lang="en-US"/>
+          </a:p>
+        </p:txBody>
+      </p:sp>
+      <p:cxnSp>
+        <p:nvCxnSpPr>
+          <p:cNvPr id="9" name="Straight Connector 8"/>
+          <p:cNvCxnSpPr/>
+          <p:nvPr/>
+        </p:nvCxnSpPr>
+        <p:spPr>
+          <a:xfrm>
+            <a:off x="905744" y="4343400"/>
+            <a:ext cx="7406640" cy="0"/>
+          </a:xfrm>
+          <a:prstGeom prst="line">
+            <a:avLst/>
+          </a:prstGeom>
+          <a:ln w="6350">
+            <a:solidFill>
+              <a:schemeClr val="tx1">
+                <a:lumMod val="50000"/>
+                <a:lumOff val="50000"/>
+              </a:schemeClr>
+            </a:solidFill>
+          </a:ln>
+        </p:spPr>
+        <p:style>
+          <a:lnRef idx="1">
+            <a:schemeClr val="accent1"/>
+          </a:lnRef>
+          <a:fillRef idx="0">
+            <a:schemeClr val="accent1"/>
+          </a:fillRef>
+          <a:effectRef idx="0">
+            <a:schemeClr val="accent1"/>
+          </a:effectRef>
+          <a:fontRef idx="minor">
+            <a:schemeClr val="tx1"/>
+          </a:fontRef>
+        </p:style>
+      </p:cxnSp>
+    </p:spTree>
+    <p:extLst>
+      <p:ext uri="{BB962C8B-B14F-4D97-AF65-F5344CB8AC3E}">
+        <p14:creationId xmlns:p14="http://schemas.microsoft.com/office/powerpoint/2010/main" val="606364371"/>
+      </p:ext>
+    </p:extLst>
+  </p:cSld>
+  <p:clrMapOvr>
+    <a:masterClrMapping/>
+  </p:clrMapOvr>
+</p:sldLayout>
+</file>
+
+<file path=ppt/slideLayouts/slideLayout4.xml><?xml version="1.0" encoding="utf-8"?>
+<p:sldLayout xmlns:a="http://schemas.openxmlformats.org/drawingml/2006/main" xmlns:r="http://schemas.openxmlformats.org/officeDocument/2006/relationships" xmlns:p="http://schemas.openxmlformats.org/presentationml/2006/main" type="twoObj" preserve="1">
+  <p:cSld name="Two Content">
+    <p:spTree>
+      <p:nvGrpSpPr>
+        <p:cNvPr id="1" name=""/>
+        <p:cNvGrpSpPr/>
+        <p:nvPr/>
+      </p:nvGrpSpPr>
+      <p:grpSpPr>
+        <a:xfrm>
+          <a:off x="0" y="0"/>
+          <a:ext cx="0" cy="0"/>
+          <a:chOff x="0" y="0"/>
+          <a:chExt cx="0" cy="0"/>
+        </a:xfrm>
+      </p:grpSpPr>
+      <p:sp>
+        <p:nvSpPr>
+          <p:cNvPr id="8" name="Title 7"/>
+          <p:cNvSpPr>
+            <a:spLocks noGrp="1"/>
+          </p:cNvSpPr>
+          <p:nvPr>
+            <p:ph type="title"/>
+          </p:nvPr>
+        </p:nvSpPr>
+        <p:spPr>
+          <a:xfrm>
+            <a:off x="822960" y="286604"/>
+            <a:ext cx="7543800" cy="1450757"/>
+          </a:xfrm>
+        </p:spPr>
+        <p:txBody>
+          <a:bodyPr/>
+          <a:lstStyle/>
+          <a:p>
+            <a:r>
+              <a:rPr lang="en-US"/>
+              <a:t>Click to edit Master title style</a:t>
+            </a:r>
+            <a:endParaRPr lang="en-US" dirty="0"/>
+          </a:p>
+        </p:txBody>
+      </p:sp>
+      <p:sp>
+        <p:nvSpPr>
+          <p:cNvPr id="3" name="Content Placeholder 2"/>
+          <p:cNvSpPr>
+            <a:spLocks noGrp="1"/>
+          </p:cNvSpPr>
+          <p:nvPr>
+            <p:ph sz="half" idx="1"/>
+          </p:nvPr>
+        </p:nvSpPr>
+        <p:spPr>
+          <a:xfrm>
+            <a:off x="822960" y="1845734"/>
+            <a:ext cx="3703320" cy="4023360"/>
+          </a:xfrm>
+        </p:spPr>
+        <p:txBody>
+          <a:bodyPr/>
+          <a:lstStyle/>
+          <a:p>
+            <a:pPr lvl="0"/>
+            <a:r>
+              <a:rPr lang="en-US"/>
+              <a:t>Click to edit Master text styles</a:t>
+            </a:r>
+          </a:p>
+          <a:p>
+            <a:pPr lvl="1"/>
+            <a:r>
+              <a:rPr lang="en-US"/>
+              <a:t>Second level</a:t>
+            </a:r>
+          </a:p>
+          <a:p>
+            <a:pPr lvl="2"/>
+            <a:r>
+              <a:rPr lang="en-US"/>
+              <a:t>Third level</a:t>
+            </a:r>
+          </a:p>
+          <a:p>
+            <a:pPr lvl="3"/>
+            <a:r>
+              <a:rPr lang="en-US"/>
+              <a:t>Fourth level</a:t>
+            </a:r>
+          </a:p>
+          <a:p>
+            <a:pPr lvl="4"/>
+            <a:r>
+              <a:rPr lang="en-US"/>
+              <a:t>Fifth level</a:t>
+            </a:r>
+            <a:endParaRPr lang="en-US" dirty="0"/>
+          </a:p>
+        </p:txBody>
+      </p:sp>
+      <p:sp>
+        <p:nvSpPr>
+          <p:cNvPr id="4" name="Content Placeholder 3"/>
+          <p:cNvSpPr>
+            <a:spLocks noGrp="1"/>
+          </p:cNvSpPr>
+          <p:nvPr>
+            <p:ph sz="half" idx="2"/>
+          </p:nvPr>
+        </p:nvSpPr>
+        <p:spPr>
+          <a:xfrm>
+            <a:off x="4663440" y="1845736"/>
+            <a:ext cx="3703320" cy="4023359"/>
+          </a:xfrm>
+        </p:spPr>
+        <p:txBody>
+          <a:bodyPr/>
+          <a:lstStyle/>
+          <a:p>
+            <a:pPr lvl="0"/>
+            <a:r>
+              <a:rPr lang="en-US"/>
+              <a:t>Click to edit Master text styles</a:t>
+            </a:r>
+          </a:p>
+          <a:p>
+            <a:pPr lvl="1"/>
+            <a:r>
+              <a:rPr lang="en-US"/>
+              <a:t>Second level</a:t>
+            </a:r>
+          </a:p>
+          <a:p>
+            <a:pPr lvl="2"/>
+            <a:r>
+              <a:rPr lang="en-US"/>
+              <a:t>Third level</a:t>
+            </a:r>
+          </a:p>
+          <a:p>
+            <a:pPr lvl="3"/>
+            <a:r>
+              <a:rPr lang="en-US"/>
+              <a:t>Fourth level</a:t>
+            </a:r>
+          </a:p>
+          <a:p>
+            <a:pPr lvl="4"/>
+            <a:r>
+              <a:rPr lang="en-US"/>
+              <a:t>Fifth level</a:t>
+            </a:r>
+            <a:endParaRPr lang="en-US" dirty="0"/>
+          </a:p>
+        </p:txBody>
+      </p:sp>
+      <p:sp>
+        <p:nvSpPr>
+          <p:cNvPr id="5" name="Date Placeholder 4"/>
+          <p:cNvSpPr>
+            <a:spLocks noGrp="1"/>
+          </p:cNvSpPr>
+          <p:nvPr>
+            <p:ph type="dt" sz="half" idx="10"/>
+          </p:nvPr>
+        </p:nvSpPr>
+        <p:spPr/>
+        <p:txBody>
+          <a:bodyPr/>
+          <a:lstStyle/>
+          <a:p>
+            <a:fld id="{A9B55790-527A-427F-AB47-A10E21307322}" type="datetime1">
+              <a:rPr lang="en-US" smtClean="0"/>
+              <a:t>7/7/2016</a:t>
+            </a:fld>
+            <a:endParaRPr lang="en-US"/>
+          </a:p>
+        </p:txBody>
+      </p:sp>
+      <p:sp>
+        <p:nvSpPr>
+          <p:cNvPr id="6" name="Footer Placeholder 5"/>
+          <p:cNvSpPr>
+            <a:spLocks noGrp="1"/>
+          </p:cNvSpPr>
+          <p:nvPr>
+            <p:ph type="ftr" sz="quarter" idx="11"/>
+          </p:nvPr>
+        </p:nvSpPr>
+        <p:spPr/>
+        <p:txBody>
+          <a:bodyPr/>
+          <a:lstStyle/>
+          <a:p>
+            <a:r>
+              <a:rPr lang="en-US"/>
+              <a:t>© 2016 EV3Lessons.com, Last edit 7/06/2016</a:t>
+            </a:r>
+            <a:endParaRPr lang="en-US" dirty="0"/>
+          </a:p>
+        </p:txBody>
+      </p:sp>
+      <p:sp>
+        <p:nvSpPr>
+          <p:cNvPr id="7" name="Slide Number Placeholder 6"/>
+          <p:cNvSpPr>
+            <a:spLocks noGrp="1"/>
+          </p:cNvSpPr>
+          <p:nvPr>
+            <p:ph type="sldNum" sz="quarter" idx="12"/>
+          </p:nvPr>
+        </p:nvSpPr>
+        <p:spPr/>
+        <p:txBody>
+          <a:bodyPr/>
+          <a:lstStyle/>
+          <a:p>
+            <a:fld id="{4382A7F7-08BF-4252-8141-63FB96055BBB}" type="slidenum">
+              <a:rPr lang="en-US" smtClean="0"/>
+              <a:t>‹#›</a:t>
+            </a:fld>
+            <a:endParaRPr lang="en-US"/>
+          </a:p>
+        </p:txBody>
+      </p:sp>
+    </p:spTree>
+    <p:extLst>
+      <p:ext uri="{BB962C8B-B14F-4D97-AF65-F5344CB8AC3E}">
+        <p14:creationId xmlns:p14="http://schemas.microsoft.com/office/powerpoint/2010/main" val="365420663"/>
+      </p:ext>
+    </p:extLst>
+  </p:cSld>
+  <p:clrMapOvr>
+    <a:masterClrMapping/>
+  </p:clrMapOvr>
+</p:sldLayout>
+</file>
+
+<file path=ppt/slideLayouts/slideLayout5.xml><?xml version="1.0" encoding="utf-8"?>
+<p:sldLayout xmlns:a="http://schemas.openxmlformats.org/drawingml/2006/main" xmlns:r="http://schemas.openxmlformats.org/officeDocument/2006/relationships" xmlns:p="http://schemas.openxmlformats.org/presentationml/2006/main" type="twoTxTwoObj" preserve="1">
+  <p:cSld name="Comparison">
+    <p:spTree>
+      <p:nvGrpSpPr>
+        <p:cNvPr id="1" name=""/>
+        <p:cNvGrpSpPr/>
+        <p:nvPr/>
+      </p:nvGrpSpPr>
+      <p:grpSpPr>
+        <a:xfrm>
+          <a:off x="0" y="0"/>
+          <a:ext cx="0" cy="0"/>
+          <a:chOff x="0" y="0"/>
+          <a:chExt cx="0" cy="0"/>
+        </a:xfrm>
+      </p:grpSpPr>
+      <p:sp>
+        <p:nvSpPr>
+          <p:cNvPr id="10" name="Title 9"/>
+          <p:cNvSpPr>
+            <a:spLocks noGrp="1"/>
+          </p:cNvSpPr>
+          <p:nvPr>
+            <p:ph type="title"/>
+          </p:nvPr>
+        </p:nvSpPr>
+        <p:spPr>
+          <a:xfrm>
+            <a:off x="822960" y="286604"/>
+            <a:ext cx="7543800" cy="1450757"/>
+          </a:xfrm>
+        </p:spPr>
+        <p:txBody>
+          <a:bodyPr/>
+          <a:lstStyle/>
+          <a:p>
+            <a:r>
+              <a:rPr lang="en-US"/>
+              <a:t>Click to edit Master title style</a:t>
+            </a:r>
+            <a:endParaRPr lang="en-US" dirty="0"/>
+          </a:p>
+        </p:txBody>
+      </p:sp>
+      <p:sp>
+        <p:nvSpPr>
+          <p:cNvPr id="3" name="Text Placeholder 2"/>
+          <p:cNvSpPr>
+            <a:spLocks noGrp="1"/>
+          </p:cNvSpPr>
+          <p:nvPr>
+            <p:ph type="body" idx="1"/>
+          </p:nvPr>
+        </p:nvSpPr>
+        <p:spPr>
+          <a:xfrm>
+            <a:off x="822960" y="1846052"/>
+            <a:ext cx="3703320" cy="736282"/>
+          </a:xfrm>
+        </p:spPr>
+        <p:txBody>
+          <a:bodyPr lIns="91440" rIns="91440" anchor="ctr">
+            <a:normAutofit/>
+          </a:bodyPr>
+          <a:lstStyle>
+            <a:lvl1pPr marL="0" indent="0">
+              <a:buNone/>
+              <a:defRPr sz="2000" b="0" cap="all" baseline="0">
+                <a:solidFill>
+                  <a:schemeClr val="tx2"/>
+                </a:solidFill>
+              </a:defRPr>
+            </a:lvl1pPr>
+            <a:lvl2pPr marL="457200" indent="0">
+              <a:buNone/>
+              <a:defRPr sz="2000" b="1"/>
+            </a:lvl2pPr>
+            <a:lvl3pPr marL="914400" indent="0">
+              <a:buNone/>
+              <a:defRPr sz="1800" b="1"/>
+            </a:lvl3pPr>
+            <a:lvl4pPr marL="1371600" indent="0">
+              <a:buNone/>
+              <a:defRPr sz="1600" b="1"/>
+            </a:lvl4pPr>
+            <a:lvl5pPr marL="1828800" indent="0">
+              <a:buNone/>
+              <a:defRPr sz="1600" b="1"/>
+            </a:lvl5pPr>
+            <a:lvl6pPr marL="2286000" indent="0">
+              <a:buNone/>
+              <a:defRPr sz="1600" b="1"/>
+            </a:lvl6pPr>
+            <a:lvl7pPr marL="2743200" indent="0">
+              <a:buNone/>
+              <a:defRPr sz="1600" b="1"/>
+            </a:lvl7pPr>
+            <a:lvl8pPr marL="3200400" indent="0">
+              <a:buNone/>
+              <a:defRPr sz="1600" b="1"/>
+            </a:lvl8pPr>
+            <a:lvl9pPr marL="3657600" indent="0">
+              <a:buNone/>
+              <a:defRPr sz="1600" b="1"/>
+            </a:lvl9pPr>
+          </a:lstStyle>
+          <a:p>
+            <a:pPr lvl="0"/>
+            <a:r>
+              <a:rPr lang="en-US"/>
+              <a:t>Click to edit Master text styles</a:t>
+            </a:r>
+          </a:p>
+        </p:txBody>
+      </p:sp>
+      <p:sp>
+        <p:nvSpPr>
+          <p:cNvPr id="4" name="Content Placeholder 3"/>
+          <p:cNvSpPr>
+            <a:spLocks noGrp="1"/>
+          </p:cNvSpPr>
+          <p:nvPr>
+            <p:ph sz="half" idx="2"/>
+          </p:nvPr>
+        </p:nvSpPr>
+        <p:spPr>
+          <a:xfrm>
+            <a:off x="822960" y="2582334"/>
+            <a:ext cx="3703320" cy="3286760"/>
+          </a:xfrm>
+        </p:spPr>
+        <p:txBody>
+          <a:bodyPr/>
+          <a:lstStyle/>
+          <a:p>
+            <a:pPr lvl="0"/>
+            <a:r>
+              <a:rPr lang="en-US"/>
+              <a:t>Click to edit Master text styles</a:t>
+            </a:r>
+          </a:p>
+          <a:p>
+            <a:pPr lvl="1"/>
+            <a:r>
+              <a:rPr lang="en-US"/>
+              <a:t>Second level</a:t>
+            </a:r>
+          </a:p>
+          <a:p>
+            <a:pPr lvl="2"/>
+            <a:r>
+              <a:rPr lang="en-US"/>
+              <a:t>Third level</a:t>
+            </a:r>
+          </a:p>
+          <a:p>
+            <a:pPr lvl="3"/>
+            <a:r>
+              <a:rPr lang="en-US"/>
+              <a:t>Fourth level</a:t>
+            </a:r>
+          </a:p>
+          <a:p>
+            <a:pPr lvl="4"/>
+            <a:r>
+              <a:rPr lang="en-US"/>
+              <a:t>Fifth level</a:t>
+            </a:r>
+            <a:endParaRPr lang="en-US" dirty="0"/>
+          </a:p>
+        </p:txBody>
+      </p:sp>
+      <p:sp>
+        <p:nvSpPr>
+          <p:cNvPr id="5" name="Text Placeholder 4"/>
+          <p:cNvSpPr>
+            <a:spLocks noGrp="1"/>
+          </p:cNvSpPr>
+          <p:nvPr>
+            <p:ph type="body" sz="quarter" idx="3"/>
+          </p:nvPr>
+        </p:nvSpPr>
+        <p:spPr>
+          <a:xfrm>
+            <a:off x="4663440" y="1846052"/>
+            <a:ext cx="3703320" cy="736282"/>
+          </a:xfrm>
+        </p:spPr>
+        <p:txBody>
+          <a:bodyPr lIns="91440" rIns="91440" anchor="ctr">
+            <a:normAutofit/>
+          </a:bodyPr>
+          <a:lstStyle>
+            <a:lvl1pPr marL="0" indent="0">
+              <a:buNone/>
+              <a:defRPr sz="2000" b="0" cap="all" baseline="0">
+                <a:solidFill>
+                  <a:schemeClr val="tx2"/>
+                </a:solidFill>
+              </a:defRPr>
+            </a:lvl1pPr>
+            <a:lvl2pPr marL="457200" indent="0">
+              <a:buNone/>
+              <a:defRPr sz="2000" b="1"/>
+            </a:lvl2pPr>
+            <a:lvl3pPr marL="914400" indent="0">
+              <a:buNone/>
+              <a:defRPr sz="1800" b="1"/>
+            </a:lvl3pPr>
+            <a:lvl4pPr marL="1371600" indent="0">
+              <a:buNone/>
+              <a:defRPr sz="1600" b="1"/>
+            </a:lvl4pPr>
+            <a:lvl5pPr marL="1828800" indent="0">
+              <a:buNone/>
+              <a:defRPr sz="1600" b="1"/>
+            </a:lvl5pPr>
+            <a:lvl6pPr marL="2286000" indent="0">
+              <a:buNone/>
+              <a:defRPr sz="1600" b="1"/>
+            </a:lvl6pPr>
+            <a:lvl7pPr marL="2743200" indent="0">
+              <a:buNone/>
+              <a:defRPr sz="1600" b="1"/>
+            </a:lvl7pPr>
+            <a:lvl8pPr marL="3200400" indent="0">
+              <a:buNone/>
+              <a:defRPr sz="1600" b="1"/>
+            </a:lvl8pPr>
+            <a:lvl9pPr marL="3657600" indent="0">
+              <a:buNone/>
+              <a:defRPr sz="1600" b="1"/>
+            </a:lvl9pPr>
+          </a:lstStyle>
+          <a:p>
+            <a:pPr lvl="0"/>
+            <a:r>
+              <a:rPr lang="en-US"/>
+              <a:t>Click to edit Master text styles</a:t>
+            </a:r>
+          </a:p>
+        </p:txBody>
+      </p:sp>
+      <p:sp>
+        <p:nvSpPr>
+          <p:cNvPr id="6" name="Content Placeholder 5"/>
+          <p:cNvSpPr>
+            <a:spLocks noGrp="1"/>
+          </p:cNvSpPr>
+          <p:nvPr>
+            <p:ph sz="quarter" idx="4"/>
+          </p:nvPr>
+        </p:nvSpPr>
+        <p:spPr>
+          <a:xfrm>
+            <a:off x="4663440" y="2582334"/>
+            <a:ext cx="3703320" cy="3286760"/>
+          </a:xfrm>
+        </p:spPr>
+        <p:txBody>
+          <a:bodyPr/>
+          <a:lstStyle/>
+          <a:p>
+            <a:pPr lvl="0"/>
+            <a:r>
+              <a:rPr lang="en-US"/>
+              <a:t>Click to edit Master text styles</a:t>
+            </a:r>
+          </a:p>
+          <a:p>
+            <a:pPr lvl="1"/>
+            <a:r>
+              <a:rPr lang="en-US"/>
+              <a:t>Second level</a:t>
+            </a:r>
+          </a:p>
+          <a:p>
+            <a:pPr lvl="2"/>
+            <a:r>
+              <a:rPr lang="en-US"/>
+              <a:t>Third level</a:t>
+            </a:r>
+          </a:p>
+          <a:p>
+            <a:pPr lvl="3"/>
+            <a:r>
+              <a:rPr lang="en-US"/>
+              <a:t>Fourth level</a:t>
+            </a:r>
+          </a:p>
+          <a:p>
+            <a:pPr lvl="4"/>
+            <a:r>
+              <a:rPr lang="en-US"/>
+              <a:t>Fifth level</a:t>
+            </a:r>
+            <a:endParaRPr lang="en-US" dirty="0"/>
+          </a:p>
+        </p:txBody>
+      </p:sp>
+      <p:sp>
+        <p:nvSpPr>
+          <p:cNvPr id="7" name="Date Placeholder 6"/>
+          <p:cNvSpPr>
+            <a:spLocks noGrp="1"/>
+          </p:cNvSpPr>
+          <p:nvPr>
+            <p:ph type="dt" sz="half" idx="10"/>
+          </p:nvPr>
+        </p:nvSpPr>
+        <p:spPr/>
+        <p:txBody>
+          <a:bodyPr/>
+          <a:lstStyle/>
+          <a:p>
+            <a:fld id="{B29776AD-04E4-40B1-AFFB-904AE288E4C8}" type="datetime1">
+              <a:rPr lang="en-US" smtClean="0"/>
+              <a:t>7/7/2016</a:t>
+            </a:fld>
+            <a:endParaRPr lang="en-US"/>
+          </a:p>
+        </p:txBody>
+      </p:sp>
+      <p:sp>
+        <p:nvSpPr>
+          <p:cNvPr id="8" name="Footer Placeholder 7"/>
+          <p:cNvSpPr>
+            <a:spLocks noGrp="1"/>
+          </p:cNvSpPr>
+          <p:nvPr>
+            <p:ph type="ftr" sz="quarter" idx="11"/>
+          </p:nvPr>
+        </p:nvSpPr>
+        <p:spPr/>
+        <p:txBody>
+          <a:bodyPr/>
+          <a:lstStyle/>
+          <a:p>
+            <a:r>
+              <a:rPr lang="en-US"/>
+              <a:t>© 2016 EV3Lessons.com, Last edit 7/06/2016</a:t>
+            </a:r>
+          </a:p>
+        </p:txBody>
+      </p:sp>
+      <p:sp>
+        <p:nvSpPr>
+          <p:cNvPr id="9" name="Slide Number Placeholder 8"/>
+          <p:cNvSpPr>
+            <a:spLocks noGrp="1"/>
+          </p:cNvSpPr>
+          <p:nvPr>
+            <p:ph type="sldNum" sz="quarter" idx="12"/>
+          </p:nvPr>
+        </p:nvSpPr>
+        <p:spPr/>
+        <p:txBody>
+          <a:bodyPr/>
+          <a:lstStyle/>
+          <a:p>
+            <a:fld id="{4382A7F7-08BF-4252-8141-63FB96055BBB}" type="slidenum">
+              <a:rPr lang="en-US" smtClean="0"/>
+              <a:t>‹#›</a:t>
+            </a:fld>
+            <a:endParaRPr lang="en-US"/>
+          </a:p>
+        </p:txBody>
+      </p:sp>
+    </p:spTree>
+    <p:extLst>
+      <p:ext uri="{BB962C8B-B14F-4D97-AF65-F5344CB8AC3E}">
+        <p14:creationId xmlns:p14="http://schemas.microsoft.com/office/powerpoint/2010/main" val="1616688712"/>
+      </p:ext>
+    </p:extLst>
+  </p:cSld>
+  <p:clrMapOvr>
+    <a:masterClrMapping/>
+  </p:clrMapOvr>
+</p:sldLayout>
+</file>
+
+<file path=ppt/slideLayouts/slideLayout6.xml><?xml version="1.0" encoding="utf-8"?>
+<p:sldLayout xmlns:a="http://schemas.openxmlformats.org/drawingml/2006/main" xmlns:r="http://schemas.openxmlformats.org/officeDocument/2006/relationships" xmlns:p="http://schemas.openxmlformats.org/presentationml/2006/main" type="titleOnly" preserve="1">
+  <p:cSld name="Title Only">
+    <p:spTree>
+      <p:nvGrpSpPr>
+        <p:cNvPr id="1" name=""/>
+        <p:cNvGrpSpPr/>
+        <p:nvPr/>
+      </p:nvGrpSpPr>
+      <p:grpSpPr>
+        <a:xfrm>
+          <a:off x="0" y="0"/>
+          <a:ext cx="0" cy="0"/>
+          <a:chOff x="0" y="0"/>
+          <a:chExt cx="0" cy="0"/>
+        </a:xfrm>
+      </p:grpSpPr>
+      <p:sp>
+        <p:nvSpPr>
+          <p:cNvPr id="2" name="Title 1"/>
+          <p:cNvSpPr>
+            <a:spLocks noGrp="1"/>
+          </p:cNvSpPr>
+          <p:nvPr>
+            <p:ph type="title"/>
+          </p:nvPr>
+        </p:nvSpPr>
+        <p:spPr/>
+        <p:txBody>
+          <a:bodyPr/>
+          <a:lstStyle/>
+          <a:p>
+            <a:r>
+              <a:rPr lang="en-US"/>
+              <a:t>Click to edit Master title style</a:t>
+            </a:r>
+            <a:endParaRPr lang="en-US" dirty="0"/>
+          </a:p>
+        </p:txBody>
+      </p:sp>
+      <p:sp>
+        <p:nvSpPr>
+          <p:cNvPr id="3" name="Date Placeholder 2"/>
+          <p:cNvSpPr>
+            <a:spLocks noGrp="1"/>
+          </p:cNvSpPr>
+          <p:nvPr>
+            <p:ph type="dt" sz="half" idx="10"/>
+          </p:nvPr>
+        </p:nvSpPr>
+        <p:spPr/>
+        <p:txBody>
+          <a:bodyPr/>
+          <a:lstStyle/>
+          <a:p>
+            <a:fld id="{1A6C8B1C-5794-42CB-9700-89E982348EBD}" type="datetime1">
+              <a:rPr lang="en-US" smtClean="0"/>
+              <a:t>7/7/2016</a:t>
+            </a:fld>
+            <a:endParaRPr lang="en-US"/>
+          </a:p>
+        </p:txBody>
+      </p:sp>
+      <p:sp>
+        <p:nvSpPr>
+          <p:cNvPr id="4" name="Footer Placeholder 3"/>
+          <p:cNvSpPr>
+            <a:spLocks noGrp="1"/>
+          </p:cNvSpPr>
+          <p:nvPr>
+            <p:ph type="ftr" sz="quarter" idx="11"/>
+          </p:nvPr>
+        </p:nvSpPr>
+        <p:spPr/>
+        <p:txBody>
+          <a:bodyPr/>
+          <a:lstStyle/>
+          <a:p>
+            <a:r>
+              <a:rPr lang="en-US"/>
+              <a:t>© 2016 EV3Lessons.com, Last edit 7/06/2016</a:t>
+            </a:r>
+          </a:p>
+        </p:txBody>
+      </p:sp>
+      <p:sp>
+        <p:nvSpPr>
+          <p:cNvPr id="5" name="Slide Number Placeholder 4"/>
+          <p:cNvSpPr>
+            <a:spLocks noGrp="1"/>
+          </p:cNvSpPr>
+          <p:nvPr>
+            <p:ph type="sldNum" sz="quarter" idx="12"/>
+          </p:nvPr>
+        </p:nvSpPr>
+        <p:spPr/>
+        <p:txBody>
+          <a:bodyPr/>
+          <a:lstStyle/>
+          <a:p>
+            <a:fld id="{4382A7F7-08BF-4252-8141-63FB96055BBB}" type="slidenum">
+              <a:rPr lang="en-US" smtClean="0"/>
+              <a:t>‹#›</a:t>
+            </a:fld>
+            <a:endParaRPr lang="en-US"/>
+          </a:p>
+        </p:txBody>
+      </p:sp>
+    </p:spTree>
+    <p:extLst>
+      <p:ext uri="{BB962C8B-B14F-4D97-AF65-F5344CB8AC3E}">
+        <p14:creationId xmlns:p14="http://schemas.microsoft.com/office/powerpoint/2010/main" val="628148209"/>
+      </p:ext>
+    </p:extLst>
+  </p:cSld>
+  <p:clrMapOvr>
+    <a:masterClrMapping/>
+  </p:clrMapOvr>
+</p:sldLayout>
+</file>
+
+<file path=ppt/slideLayouts/slideLayout7.xml><?xml version="1.0" encoding="utf-8"?>
+<p:sldLayout xmlns:a="http://schemas.openxmlformats.org/drawingml/2006/main" xmlns:r="http://schemas.openxmlformats.org/officeDocument/2006/relationships" xmlns:p="http://schemas.openxmlformats.org/presentationml/2006/main" showMasterSp="0" type="blank" preserve="1">
+  <p:cSld name="Blank">
+    <p:spTree>
+      <p:nvGrpSpPr>
+        <p:cNvPr id="1" name=""/>
+        <p:cNvGrpSpPr/>
+        <p:nvPr/>
+      </p:nvGrpSpPr>
+      <p:grpSpPr>
+        <a:xfrm>
+          <a:off x="0" y="0"/>
+          <a:ext cx="0" cy="0"/>
+          <a:chOff x="0" y="0"/>
+          <a:chExt cx="0" cy="0"/>
+        </a:xfrm>
+      </p:grpSpPr>
+      <p:sp>
+        <p:nvSpPr>
+          <p:cNvPr id="5" name="Rectangle 4"/>
+          <p:cNvSpPr/>
+          <p:nvPr/>
+        </p:nvSpPr>
+        <p:spPr>
+          <a:xfrm>
+            <a:off x="2382" y="6400800"/>
+            <a:ext cx="9141619" cy="457200"/>
+          </a:xfrm>
+          <a:prstGeom prst="rect">
+            <a:avLst/>
+          </a:prstGeom>
+          <a:solidFill>
+            <a:schemeClr val="accent2"/>
+          </a:solidFill>
+          <a:ln>
+            <a:noFill/>
+          </a:ln>
+        </p:spPr>
+        <p:style>
+          <a:lnRef idx="2">
+            <a:schemeClr val="accent1">
+              <a:shade val="50000"/>
+            </a:schemeClr>
+          </a:lnRef>
+          <a:fillRef idx="1">
+            <a:schemeClr val="accent1"/>
+          </a:fillRef>
+          <a:effectRef idx="0">
+            <a:schemeClr val="accent1"/>
+          </a:effectRef>
+          <a:fontRef idx="minor">
+            <a:schemeClr val="lt1"/>
+          </a:fontRef>
+        </p:style>
+      </p:sp>
+      <p:sp>
+        <p:nvSpPr>
+          <p:cNvPr id="6" name="Rectangle 5"/>
+          <p:cNvSpPr/>
+          <p:nvPr/>
+        </p:nvSpPr>
+        <p:spPr>
+          <a:xfrm>
+            <a:off x="12" y="6334316"/>
+            <a:ext cx="9141619" cy="64008"/>
+          </a:xfrm>
+          <a:prstGeom prst="rect">
+            <a:avLst/>
+          </a:prstGeom>
+          <a:solidFill>
+            <a:schemeClr val="accent1"/>
+          </a:solidFill>
+          <a:ln>
+            <a:noFill/>
+          </a:ln>
+        </p:spPr>
+        <p:style>
+          <a:lnRef idx="2">
+            <a:schemeClr val="accent1">
+              <a:shade val="50000"/>
+            </a:schemeClr>
+          </a:lnRef>
+          <a:fillRef idx="1">
+            <a:schemeClr val="accent1"/>
+          </a:fillRef>
+          <a:effectRef idx="0">
+            <a:schemeClr val="accent1"/>
+          </a:effectRef>
+          <a:fontRef idx="minor">
+            <a:schemeClr val="lt1"/>
+          </a:fontRef>
+        </p:style>
+      </p:sp>
+      <p:sp>
+        <p:nvSpPr>
+          <p:cNvPr id="7" name="Date Placeholder 6"/>
+          <p:cNvSpPr>
+            <a:spLocks noGrp="1"/>
+          </p:cNvSpPr>
+          <p:nvPr>
+            <p:ph type="dt" sz="half" idx="10"/>
+          </p:nvPr>
+        </p:nvSpPr>
+        <p:spPr/>
+        <p:txBody>
+          <a:bodyPr/>
+          <a:lstStyle/>
+          <a:p>
+            <a:fld id="{A54E0CA6-12D8-4F4D-AE32-9F1A49B6EBB4}" type="datetime1">
+              <a:rPr lang="en-US" smtClean="0"/>
+              <a:t>7/7/2016</a:t>
+            </a:fld>
+            <a:endParaRPr lang="en-US"/>
+          </a:p>
+        </p:txBody>
+      </p:sp>
+      <p:sp>
+        <p:nvSpPr>
+          <p:cNvPr id="8" name="Footer Placeholder 7"/>
+          <p:cNvSpPr>
+            <a:spLocks noGrp="1"/>
+          </p:cNvSpPr>
+          <p:nvPr>
+            <p:ph type="ftr" sz="quarter" idx="11"/>
+          </p:nvPr>
+        </p:nvSpPr>
+        <p:spPr/>
+        <p:txBody>
+          <a:bodyPr/>
+          <a:lstStyle>
+            <a:lvl1pPr>
+              <a:defRPr>
+                <a:solidFill>
+                  <a:srgbClr val="FFFFFF"/>
+                </a:solidFill>
+              </a:defRPr>
+            </a:lvl1pPr>
+          </a:lstStyle>
+          <a:p>
+            <a:r>
+              <a:rPr lang="en-US"/>
+              <a:t>© 2016 EV3Lessons.com, Last edit 7/06/2016</a:t>
+            </a:r>
+          </a:p>
+        </p:txBody>
+      </p:sp>
+      <p:sp>
+        <p:nvSpPr>
+          <p:cNvPr id="9" name="Slide Number Placeholder 8"/>
+          <p:cNvSpPr>
+            <a:spLocks noGrp="1"/>
+          </p:cNvSpPr>
+          <p:nvPr>
+            <p:ph type="sldNum" sz="quarter" idx="12"/>
+          </p:nvPr>
+        </p:nvSpPr>
+        <p:spPr/>
+        <p:txBody>
+          <a:bodyPr/>
+          <a:lstStyle/>
+          <a:p>
+            <a:fld id="{4382A7F7-08BF-4252-8141-63FB96055BBB}" type="slidenum">
+              <a:rPr lang="en-US" smtClean="0"/>
+              <a:t>‹#›</a:t>
+            </a:fld>
+            <a:endParaRPr lang="en-US"/>
+          </a:p>
+        </p:txBody>
+      </p:sp>
+    </p:spTree>
+    <p:extLst>
+      <p:ext uri="{BB962C8B-B14F-4D97-AF65-F5344CB8AC3E}">
+        <p14:creationId xmlns:p14="http://schemas.microsoft.com/office/powerpoint/2010/main" val="81499819"/>
+      </p:ext>
+    </p:extLst>
+  </p:cSld>
+  <p:clrMapOvr>
+    <a:masterClrMapping/>
+  </p:clrMapOvr>
+</p:sldLayout>
+</file>
+
+<file path=ppt/slideLayouts/slideLayout8.xml><?xml version="1.0" encoding="utf-8"?>
+<p:sldLayout xmlns:a="http://schemas.openxmlformats.org/drawingml/2006/main" xmlns:r="http://schemas.openxmlformats.org/officeDocument/2006/relationships" xmlns:p="http://schemas.openxmlformats.org/presentationml/2006/main" showMasterSp="0" type="objTx" preserve="1">
+  <p:cSld name="Content with Caption">
+    <p:spTree>
+      <p:nvGrpSpPr>
+        <p:cNvPr id="1" name=""/>
+        <p:cNvGrpSpPr/>
+        <p:nvPr/>
+      </p:nvGrpSpPr>
+      <p:grpSpPr>
+        <a:xfrm>
+          <a:off x="0" y="0"/>
+          <a:ext cx="0" cy="0"/>
+          <a:chOff x="0" y="0"/>
+          <a:chExt cx="0" cy="0"/>
+        </a:xfrm>
+      </p:grpSpPr>
+      <p:sp>
+        <p:nvSpPr>
+          <p:cNvPr id="8" name="Rectangle 7"/>
+          <p:cNvSpPr/>
+          <p:nvPr/>
+        </p:nvSpPr>
+        <p:spPr>
+          <a:xfrm>
+            <a:off x="13" y="0"/>
+            <a:ext cx="3038093" cy="6858000"/>
+          </a:xfrm>
+          <a:prstGeom prst="rect">
+            <a:avLst/>
+          </a:prstGeom>
+          <a:solidFill>
+            <a:schemeClr val="accent2"/>
+          </a:solidFill>
+          <a:ln>
+            <a:noFill/>
+          </a:ln>
+        </p:spPr>
+        <p:style>
+          <a:lnRef idx="2">
+            <a:schemeClr val="accent1">
+              <a:shade val="50000"/>
+            </a:schemeClr>
+          </a:lnRef>
+          <a:fillRef idx="1">
+            <a:schemeClr val="accent1"/>
+          </a:fillRef>
+          <a:effectRef idx="0">
+            <a:schemeClr val="accent1"/>
+          </a:effectRef>
+          <a:fontRef idx="minor">
+            <a:schemeClr val="lt1"/>
+          </a:fontRef>
+        </p:style>
+      </p:sp>
+      <p:sp>
+        <p:nvSpPr>
+          <p:cNvPr id="9" name="Rectangle 8"/>
+          <p:cNvSpPr/>
+          <p:nvPr/>
+        </p:nvSpPr>
+        <p:spPr>
+          <a:xfrm>
+            <a:off x="3030053" y="0"/>
+            <a:ext cx="48006" cy="6858000"/>
+          </a:xfrm>
+          <a:prstGeom prst="rect">
+            <a:avLst/>
+          </a:prstGeom>
+          <a:solidFill>
+            <a:schemeClr val="accent1"/>
+          </a:solidFill>
+          <a:ln>
+            <a:noFill/>
+          </a:ln>
+        </p:spPr>
+        <p:style>
+          <a:lnRef idx="2">
+            <a:schemeClr val="accent1">
+              <a:shade val="50000"/>
+            </a:schemeClr>
+          </a:lnRef>
+          <a:fillRef idx="1">
+            <a:schemeClr val="accent1"/>
+          </a:fillRef>
+          <a:effectRef idx="0">
+            <a:schemeClr val="accent1"/>
+          </a:effectRef>
+          <a:fontRef idx="minor">
+            <a:schemeClr val="lt1"/>
+          </a:fontRef>
+        </p:style>
+      </p:sp>
+      <p:sp>
+        <p:nvSpPr>
+          <p:cNvPr id="2" name="Title 1"/>
+          <p:cNvSpPr>
+            <a:spLocks noGrp="1"/>
+          </p:cNvSpPr>
+          <p:nvPr>
+            <p:ph type="title"/>
+          </p:nvPr>
+        </p:nvSpPr>
+        <p:spPr>
+          <a:xfrm>
+            <a:off x="342900" y="594359"/>
+            <a:ext cx="2400300" cy="2286000"/>
+          </a:xfrm>
+        </p:spPr>
+        <p:txBody>
+          <a:bodyPr anchor="b">
+            <a:normAutofit/>
+          </a:bodyPr>
+          <a:lstStyle>
+            <a:lvl1pPr>
+              <a:defRPr sz="3600" b="0">
+                <a:solidFill>
+                  <a:srgbClr val="FFFFFF"/>
+                </a:solidFill>
+              </a:defRPr>
+            </a:lvl1pPr>
+          </a:lstStyle>
+          <a:p>
+            <a:r>
+              <a:rPr lang="en-US"/>
+              <a:t>Click to edit Master title style</a:t>
+            </a:r>
+            <a:endParaRPr lang="en-US" dirty="0"/>
+          </a:p>
+        </p:txBody>
+      </p:sp>
+      <p:sp>
+        <p:nvSpPr>
+          <p:cNvPr id="3" name="Content Placeholder 2"/>
+          <p:cNvSpPr>
+            <a:spLocks noGrp="1"/>
+          </p:cNvSpPr>
+          <p:nvPr>
+            <p:ph idx="1"/>
+          </p:nvPr>
+        </p:nvSpPr>
+        <p:spPr>
+          <a:xfrm>
+            <a:off x="3460237" y="731520"/>
+            <a:ext cx="5009393" cy="5257800"/>
+          </a:xfrm>
+        </p:spPr>
+        <p:txBody>
+          <a:bodyPr/>
+          <a:lstStyle/>
+          <a:p>
+            <a:pPr lvl="0"/>
+            <a:r>
+              <a:rPr lang="en-US"/>
+              <a:t>Click to edit Master text styles</a:t>
+            </a:r>
+          </a:p>
+          <a:p>
+            <a:pPr lvl="1"/>
+            <a:r>
+              <a:rPr lang="en-US"/>
+              <a:t>Second level</a:t>
+            </a:r>
+          </a:p>
+          <a:p>
+            <a:pPr lvl="2"/>
+            <a:r>
+              <a:rPr lang="en-US"/>
+              <a:t>Third level</a:t>
+            </a:r>
+          </a:p>
+          <a:p>
+            <a:pPr lvl="3"/>
+            <a:r>
+              <a:rPr lang="en-US"/>
+              <a:t>Fourth level</a:t>
+            </a:r>
+          </a:p>
+          <a:p>
+            <a:pPr lvl="4"/>
+            <a:r>
+              <a:rPr lang="en-US"/>
+              <a:t>Fifth level</a:t>
+            </a:r>
+            <a:endParaRPr lang="en-US" dirty="0"/>
+          </a:p>
+        </p:txBody>
+      </p:sp>
+      <p:sp>
+        <p:nvSpPr>
+          <p:cNvPr id="4" name="Text Placeholder 3"/>
+          <p:cNvSpPr>
+            <a:spLocks noGrp="1"/>
+          </p:cNvSpPr>
+          <p:nvPr>
+            <p:ph type="body" sz="half" idx="2"/>
+          </p:nvPr>
+        </p:nvSpPr>
+        <p:spPr>
+          <a:xfrm>
+            <a:off x="342900" y="2926080"/>
+            <a:ext cx="2400300" cy="3379124"/>
+          </a:xfrm>
+        </p:spPr>
+        <p:txBody>
+          <a:bodyPr lIns="91440" rIns="91440">
+            <a:normAutofit/>
+          </a:bodyPr>
+          <a:lstStyle>
+            <a:lvl1pPr marL="0" indent="0">
+              <a:buNone/>
+              <a:defRPr sz="1500">
+                <a:solidFill>
+                  <a:srgbClr val="FFFFFF"/>
+                </a:solidFill>
+              </a:defRPr>
+            </a:lvl1pPr>
+            <a:lvl2pPr marL="457200" indent="0">
+              <a:buNone/>
+              <a:defRPr sz="1200"/>
+            </a:lvl2pPr>
+            <a:lvl3pPr marL="914400" indent="0">
+              <a:buNone/>
+              <a:defRPr sz="1000"/>
+            </a:lvl3pPr>
+            <a:lvl4pPr marL="1371600" indent="0">
+              <a:buNone/>
+              <a:defRPr sz="900"/>
+            </a:lvl4pPr>
+            <a:lvl5pPr marL="1828800" indent="0">
+              <a:buNone/>
+              <a:defRPr sz="900"/>
+            </a:lvl5pPr>
+            <a:lvl6pPr marL="2286000" indent="0">
+              <a:buNone/>
+              <a:defRPr sz="900"/>
+            </a:lvl6pPr>
+            <a:lvl7pPr marL="2743200" indent="0">
+              <a:buNone/>
+              <a:defRPr sz="900"/>
+            </a:lvl7pPr>
+            <a:lvl8pPr marL="3200400" indent="0">
+              <a:buNone/>
+              <a:defRPr sz="900"/>
+            </a:lvl8pPr>
+            <a:lvl9pPr marL="3657600" indent="0">
+              <a:buNone/>
+              <a:defRPr sz="900"/>
+            </a:lvl9pPr>
+          </a:lstStyle>
+          <a:p>
+            <a:pPr lvl="0"/>
+            <a:r>
+              <a:rPr lang="en-US"/>
+              <a:t>Click to edit Master text styles</a:t>
+            </a:r>
+          </a:p>
+        </p:txBody>
+      </p:sp>
+      <p:sp>
+        <p:nvSpPr>
+          <p:cNvPr id="5" name="Date Placeholder 4"/>
+          <p:cNvSpPr>
+            <a:spLocks noGrp="1"/>
+          </p:cNvSpPr>
+          <p:nvPr>
+            <p:ph type="dt" sz="half" idx="10"/>
+          </p:nvPr>
+        </p:nvSpPr>
+        <p:spPr>
+          <a:xfrm>
+            <a:off x="349134" y="6459786"/>
+            <a:ext cx="1963883" cy="365125"/>
+          </a:xfrm>
+        </p:spPr>
+        <p:txBody>
+          <a:bodyPr/>
+          <a:lstStyle>
+            <a:lvl1pPr algn="l">
+              <a:defRPr/>
+            </a:lvl1pPr>
+          </a:lstStyle>
+          <a:p>
+            <a:fld id="{9FB303C8-0B2A-4825-A67D-E0013E6E6DAA}" type="datetime1">
+              <a:rPr lang="en-US" smtClean="0"/>
+              <a:t>7/7/2016</a:t>
+            </a:fld>
+            <a:endParaRPr lang="en-US"/>
+          </a:p>
+        </p:txBody>
+      </p:sp>
+      <p:sp>
+        <p:nvSpPr>
+          <p:cNvPr id="6" name="Footer Placeholder 5"/>
+          <p:cNvSpPr>
+            <a:spLocks noGrp="1"/>
+          </p:cNvSpPr>
+          <p:nvPr>
+            <p:ph type="ftr" sz="quarter" idx="11"/>
+          </p:nvPr>
+        </p:nvSpPr>
+        <p:spPr>
+          <a:xfrm>
+            <a:off x="3600450" y="6459786"/>
+            <a:ext cx="3486150" cy="365125"/>
+          </a:xfrm>
+        </p:spPr>
+        <p:txBody>
+          <a:bodyPr/>
+          <a:lstStyle>
+            <a:lvl1pPr algn="l">
+              <a:defRPr>
+                <a:solidFill>
+                  <a:schemeClr val="tx2"/>
+                </a:solidFill>
+              </a:defRPr>
+            </a:lvl1pPr>
+          </a:lstStyle>
+          <a:p>
+            <a:r>
+              <a:rPr lang="en-US"/>
+              <a:t>© 2016 EV3Lessons.com, Last edit 7/06/2016</a:t>
+            </a:r>
+          </a:p>
+        </p:txBody>
+      </p:sp>
+      <p:sp>
+        <p:nvSpPr>
+          <p:cNvPr id="7" name="Slide Number Placeholder 6"/>
+          <p:cNvSpPr>
+            <a:spLocks noGrp="1"/>
+          </p:cNvSpPr>
+          <p:nvPr>
+            <p:ph type="sldNum" sz="quarter" idx="12"/>
+          </p:nvPr>
+        </p:nvSpPr>
+        <p:spPr/>
+        <p:txBody>
+          <a:bodyPr/>
+          <a:lstStyle>
+            <a:lvl1pPr>
+              <a:defRPr>
+                <a:solidFill>
+                  <a:schemeClr val="tx2"/>
+                </a:solidFill>
+              </a:defRPr>
+            </a:lvl1pPr>
+          </a:lstStyle>
+          <a:p>
+            <a:fld id="{7F5CE407-6216-4202-80E4-A30DC2F709B2}" type="slidenum">
+              <a:rPr lang="en-US" smtClean="0"/>
+              <a:t>‹#›</a:t>
+            </a:fld>
+            <a:endParaRPr lang="en-US"/>
+          </a:p>
+        </p:txBody>
+      </p:sp>
+    </p:spTree>
+    <p:extLst>
+      <p:ext uri="{BB962C8B-B14F-4D97-AF65-F5344CB8AC3E}">
+        <p14:creationId xmlns:p14="http://schemas.microsoft.com/office/powerpoint/2010/main" val="1987127596"/>
+      </p:ext>
+    </p:extLst>
+  </p:cSld>
+  <p:clrMapOvr>
+    <a:masterClrMapping/>
+  </p:clrMapOvr>
+</p:sldLayout>
+</file>
+
+<file path=ppt/slideLayouts/slideLayout9.xml><?xml version="1.0" encoding="utf-8"?>
+<p:sldLayout xmlns:a="http://schemas.openxmlformats.org/drawingml/2006/main" xmlns:r="http://schemas.openxmlformats.org/officeDocument/2006/relationships" xmlns:p="http://schemas.openxmlformats.org/presentationml/2006/main" showMasterSp="0" type="picTx" preserve="1">
+  <p:cSld name="Picture with Caption">
+    <p:spTree>
+      <p:nvGrpSpPr>
+        <p:cNvPr id="1" name=""/>
+        <p:cNvGrpSpPr/>
+        <p:nvPr/>
+      </p:nvGrpSpPr>
+      <p:grpSpPr>
+        <a:xfrm>
+          <a:off x="0" y="0"/>
+          <a:ext cx="0" cy="0"/>
+          <a:chOff x="0" y="0"/>
+          <a:chExt cx="0" cy="0"/>
+        </a:xfrm>
+      </p:grpSpPr>
+      <p:sp>
+        <p:nvSpPr>
+          <p:cNvPr id="8" name="Rectangle 7"/>
+          <p:cNvSpPr/>
+          <p:nvPr/>
+        </p:nvSpPr>
+        <p:spPr>
+          <a:xfrm>
+            <a:off x="0" y="4953000"/>
+            <a:ext cx="9141619" cy="1905000"/>
+          </a:xfrm>
+          <a:prstGeom prst="rect">
+            <a:avLst/>
+          </a:prstGeom>
+          <a:solidFill>
+            <a:schemeClr val="accent2"/>
+          </a:solidFill>
+          <a:ln>
+            <a:noFill/>
+          </a:ln>
+        </p:spPr>
+        <p:style>
+          <a:lnRef idx="2">
+            <a:schemeClr val="accent1">
+              <a:shade val="50000"/>
+            </a:schemeClr>
+          </a:lnRef>
+          <a:fillRef idx="1">
+            <a:schemeClr val="accent1"/>
+          </a:fillRef>
+          <a:effectRef idx="0">
+            <a:schemeClr val="accent1"/>
+          </a:effectRef>
+          <a:fontRef idx="minor">
+            <a:schemeClr val="lt1"/>
+          </a:fontRef>
+        </p:style>
+      </p:sp>
+      <p:sp>
+        <p:nvSpPr>
+          <p:cNvPr id="9" name="Rectangle 8"/>
+          <p:cNvSpPr/>
+          <p:nvPr/>
+        </p:nvSpPr>
+        <p:spPr>
+          <a:xfrm>
+            <a:off x="12" y="4915076"/>
+            <a:ext cx="9141619" cy="64008"/>
+          </a:xfrm>
+          <a:prstGeom prst="rect">
+            <a:avLst/>
+          </a:prstGeom>
+          <a:solidFill>
+            <a:schemeClr val="accent1"/>
+          </a:solidFill>
+          <a:ln>
+            <a:noFill/>
+          </a:ln>
+        </p:spPr>
+        <p:style>
+          <a:lnRef idx="2">
+            <a:schemeClr val="accent1">
+              <a:shade val="50000"/>
+            </a:schemeClr>
+          </a:lnRef>
+          <a:fillRef idx="1">
+            <a:schemeClr val="accent1"/>
+          </a:fillRef>
+          <a:effectRef idx="0">
+            <a:schemeClr val="accent1"/>
+          </a:effectRef>
+          <a:fontRef idx="minor">
+            <a:schemeClr val="lt1"/>
+          </a:fontRef>
+        </p:style>
+      </p:sp>
+      <p:sp>
+        <p:nvSpPr>
+          <p:cNvPr id="2" name="Title 1"/>
+          <p:cNvSpPr>
+            <a:spLocks noGrp="1"/>
+          </p:cNvSpPr>
+          <p:nvPr>
+            <p:ph type="title"/>
+          </p:nvPr>
+        </p:nvSpPr>
+        <p:spPr>
+          <a:xfrm>
+            <a:off x="822960" y="5074920"/>
+            <a:ext cx="7589520" cy="822960"/>
+          </a:xfrm>
+        </p:spPr>
+        <p:txBody>
+          <a:bodyPr tIns="0" bIns="0" anchor="b">
+            <a:noAutofit/>
+          </a:bodyPr>
+          <a:lstStyle>
+            <a:lvl1pPr>
+              <a:defRPr sz="3600" b="0">
+                <a:solidFill>
+                  <a:srgbClr val="FFFFFF"/>
+                </a:solidFill>
+              </a:defRPr>
+            </a:lvl1pPr>
+          </a:lstStyle>
+          <a:p>
+            <a:r>
+              <a:rPr lang="en-US"/>
+              <a:t>Click to edit Master title style</a:t>
+            </a:r>
+            <a:endParaRPr lang="en-US" dirty="0"/>
+          </a:p>
+        </p:txBody>
+      </p:sp>
+      <p:sp>
+        <p:nvSpPr>
+          <p:cNvPr id="3" name="Picture Placeholder 2"/>
+          <p:cNvSpPr>
+            <a:spLocks noGrp="1" noChangeAspect="1"/>
+          </p:cNvSpPr>
+          <p:nvPr>
+            <p:ph type="pic" idx="1"/>
+          </p:nvPr>
+        </p:nvSpPr>
+        <p:spPr>
+          <a:xfrm>
+            <a:off x="12" y="0"/>
+            <a:ext cx="9143989" cy="4915076"/>
+          </a:xfrm>
+          <a:blipFill>
+            <a:blip r:embed="rId2"/>
+            <a:stretch>
+              <a:fillRect/>
+            </a:stretch>
+          </a:blipFill>
+        </p:spPr>
+        <p:txBody>
+          <a:bodyPr lIns="457200" tIns="457200" anchor="t"/>
+          <a:lstStyle>
+            <a:lvl1pPr marL="0" indent="0">
+              <a:buNone/>
+              <a:defRPr sz="3200">
+                <a:solidFill>
+                  <a:schemeClr val="bg1"/>
+                </a:solidFill>
+              </a:defRPr>
+            </a:lvl1pPr>
+            <a:lvl2pPr marL="457200" indent="0">
+              <a:buNone/>
+              <a:defRPr sz="2800"/>
+            </a:lvl2pPr>
+            <a:lvl3pPr marL="914400" indent="0">
+              <a:buNone/>
+              <a:defRPr sz="2400"/>
+            </a:lvl3pPr>
+            <a:lvl4pPr marL="1371600" indent="0">
+              <a:buNone/>
+              <a:defRPr sz="2000"/>
+            </a:lvl4pPr>
+            <a:lvl5pPr marL="1828800" indent="0">
+              <a:buNone/>
+              <a:defRPr sz="2000"/>
+            </a:lvl5pPr>
+            <a:lvl6pPr marL="2286000" indent="0">
+              <a:buNone/>
+              <a:defRPr sz="2000"/>
+            </a:lvl6pPr>
+            <a:lvl7pPr marL="2743200" indent="0">
+              <a:buNone/>
+              <a:defRPr sz="2000"/>
+            </a:lvl7pPr>
+            <a:lvl8pPr marL="3200400" indent="0">
+              <a:buNone/>
+              <a:defRPr sz="2000"/>
+            </a:lvl8pPr>
+            <a:lvl9pPr marL="3657600" indent="0">
+              <a:buNone/>
+              <a:defRPr sz="2000"/>
+            </a:lvl9pPr>
+          </a:lstStyle>
+          <a:p>
+            <a:r>
+              <a:rPr lang="en-US"/>
+              <a:t>Drag picture to placeholder or click icon to add</a:t>
+            </a:r>
+            <a:endParaRPr lang="en-US" dirty="0"/>
+          </a:p>
+        </p:txBody>
+      </p:sp>
+      <p:sp>
+        <p:nvSpPr>
+          <p:cNvPr id="4" name="Text Placeholder 3"/>
+          <p:cNvSpPr>
+            <a:spLocks noGrp="1"/>
+          </p:cNvSpPr>
+          <p:nvPr>
+            <p:ph type="body" sz="half" idx="2"/>
+          </p:nvPr>
+        </p:nvSpPr>
+        <p:spPr>
+          <a:xfrm>
+            <a:off x="822959" y="5907024"/>
+            <a:ext cx="7589520" cy="594360"/>
+          </a:xfrm>
+        </p:spPr>
+        <p:txBody>
+          <a:bodyPr lIns="91440" tIns="0" rIns="91440" bIns="0">
+            <a:normAutofit/>
+          </a:bodyPr>
+          <a:lstStyle>
+            <a:lvl1pPr marL="0" indent="0">
+              <a:spcBef>
+                <a:spcPts val="0"/>
+              </a:spcBef>
+              <a:spcAft>
+                <a:spcPts val="600"/>
+              </a:spcAft>
+              <a:buNone/>
+              <a:defRPr sz="1500">
+                <a:solidFill>
+                  <a:srgbClr val="FFFFFF"/>
+                </a:solidFill>
+              </a:defRPr>
+            </a:lvl1pPr>
+            <a:lvl2pPr marL="457200" indent="0">
+              <a:buNone/>
+              <a:defRPr sz="1200"/>
+            </a:lvl2pPr>
+            <a:lvl3pPr marL="914400" indent="0">
+              <a:buNone/>
+              <a:defRPr sz="1000"/>
+            </a:lvl3pPr>
+            <a:lvl4pPr marL="1371600" indent="0">
+              <a:buNone/>
+              <a:defRPr sz="900"/>
+            </a:lvl4pPr>
+            <a:lvl5pPr marL="1828800" indent="0">
+              <a:buNone/>
+              <a:defRPr sz="900"/>
+            </a:lvl5pPr>
+            <a:lvl6pPr marL="2286000" indent="0">
+              <a:buNone/>
+              <a:defRPr sz="900"/>
+            </a:lvl6pPr>
+            <a:lvl7pPr marL="2743200" indent="0">
+              <a:buNone/>
+              <a:defRPr sz="900"/>
+            </a:lvl7pPr>
+            <a:lvl8pPr marL="3200400" indent="0">
+              <a:buNone/>
+              <a:defRPr sz="900"/>
+            </a:lvl8pPr>
+            <a:lvl9pPr marL="3657600" indent="0">
+              <a:buNone/>
+              <a:defRPr sz="900"/>
+            </a:lvl9pPr>
+          </a:lstStyle>
+          <a:p>
+            <a:pPr lvl="0"/>
+            <a:r>
+              <a:rPr lang="en-US"/>
+              <a:t>Click to edit Master text styles</a:t>
+            </a:r>
+          </a:p>
+        </p:txBody>
+      </p:sp>
+      <p:sp>
+        <p:nvSpPr>
+          <p:cNvPr id="5" name="Date Placeholder 4"/>
+          <p:cNvSpPr>
+            <a:spLocks noGrp="1"/>
+          </p:cNvSpPr>
+          <p:nvPr>
+            <p:ph type="dt" sz="half" idx="10"/>
+          </p:nvPr>
+        </p:nvSpPr>
+        <p:spPr/>
+        <p:txBody>
+          <a:bodyPr/>
+          <a:lstStyle/>
+          <a:p>
+            <a:fld id="{737CD588-FD16-4379-81BC-655582A44B4D}" type="datetime1">
+              <a:rPr lang="en-US" smtClean="0"/>
+              <a:t>7/7/2016</a:t>
+            </a:fld>
+            <a:endParaRPr lang="en-US"/>
+          </a:p>
+        </p:txBody>
+      </p:sp>
+      <p:sp>
+        <p:nvSpPr>
+          <p:cNvPr id="6" name="Footer Placeholder 5"/>
+          <p:cNvSpPr>
+            <a:spLocks noGrp="1"/>
+          </p:cNvSpPr>
+          <p:nvPr>
+            <p:ph type="ftr" sz="quarter" idx="11"/>
+          </p:nvPr>
+        </p:nvSpPr>
+        <p:spPr/>
+        <p:txBody>
+          <a:bodyPr/>
+          <a:lstStyle/>
+          <a:p>
+            <a:r>
+              <a:rPr lang="en-US"/>
+              <a:t>© 2016 EV3Lessons.com, Last edit 7/06/2016</a:t>
+            </a:r>
           </a:p>
         </p:txBody>
       </p:sp>
@@ -3997,7 +7163,7 @@
           <a:lstStyle/>
           <a:p>
             <a:r>
-              <a:rPr lang="en-US" smtClean="0"/>
+              <a:rPr lang="en-US"/>
               <a:t>Click to edit Master title style</a:t>
             </a:r>
             <a:endParaRPr lang="en-US" dirty="0"/>
@@ -4031,35 +7197,35 @@
           <a:p>
             <a:pPr lvl="0"/>
             <a:r>
-              <a:rPr lang="en-US" smtClean="0"/>
+              <a:rPr lang="en-US"/>
               <a:t>Click to edit Master text styles</a:t>
             </a:r>
           </a:p>
           <a:p>
             <a:pPr lvl="1"/>
             <a:r>
-              <a:rPr lang="en-US" smtClean="0"/>
+              <a:rPr lang="en-US"/>
               <a:t>Second level</a:t>
             </a:r>
           </a:p>
           <a:p>
             <a:pPr lvl="2"/>
             <a:r>
-              <a:rPr lang="en-US" smtClean="0"/>
+              <a:rPr lang="en-US"/>
               <a:t>Third level</a:t>
             </a:r>
           </a:p>
           <a:p>
             <a:pPr lvl="3"/>
             <a:r>
-              <a:rPr lang="en-US" smtClean="0"/>
+              <a:rPr lang="en-US"/>
               <a:t>Fourth level</a:t>
             </a:r>
           </a:p>
           <a:p>
             <a:pPr lvl="4"/>
             <a:r>
-              <a:rPr lang="en-US" smtClean="0"/>
+              <a:rPr lang="en-US"/>
               <a:t>Fifth level</a:t>
             </a:r>
             <a:endParaRPr lang="en-US" dirty="0"/>
@@ -4097,9 +7263,9 @@
             </a:lvl1pPr>
           </a:lstStyle>
           <a:p>
-            <a:fld id="{0604F77D-FCB8-A946-86A9-D14BD65D0D3D}" type="datetime1">
+            <a:fld id="{A662C432-DAFA-4724-B207-CDCFBD9DA891}" type="datetime1">
               <a:rPr lang="en-US" smtClean="0"/>
-              <a:t>11/13/15</a:t>
+              <a:t>7/7/2016</a:t>
             </a:fld>
             <a:endParaRPr lang="en-US" dirty="0"/>
           </a:p>
@@ -4137,8 +7303,8 @@
           </a:lstStyle>
           <a:p>
             <a:r>
-              <a:rPr lang="sk-SK" smtClean="0"/>
-              <a:t>© 2015 EV3Lessons.com, Last edit 11/13/2015</a:t>
+              <a:rPr lang="en-US"/>
+              <a:t>© 2016 EV3Lessons.com, Last edit 7/06/2016</a:t>
             </a:r>
             <a:endParaRPr lang="en-US" dirty="0"/>
           </a:p>
@@ -4649,6 +7815,822 @@
 </p:sldMaster>
 </file>
 
+<file path=ppt/slideMasters/slideMaster2.xml><?xml version="1.0" encoding="utf-8"?>
+<p:sldMaster xmlns:a="http://schemas.openxmlformats.org/drawingml/2006/main" xmlns:r="http://schemas.openxmlformats.org/officeDocument/2006/relationships" xmlns:p="http://schemas.openxmlformats.org/presentationml/2006/main" preserve="1">
+  <p:cSld>
+    <p:bg>
+      <p:bgRef idx="1001">
+        <a:schemeClr val="bg1"/>
+      </p:bgRef>
+    </p:bg>
+    <p:spTree>
+      <p:nvGrpSpPr>
+        <p:cNvPr id="1" name=""/>
+        <p:cNvGrpSpPr/>
+        <p:nvPr/>
+      </p:nvGrpSpPr>
+      <p:grpSpPr>
+        <a:xfrm>
+          <a:off x="0" y="0"/>
+          <a:ext cx="0" cy="0"/>
+          <a:chOff x="0" y="0"/>
+          <a:chExt cx="0" cy="0"/>
+        </a:xfrm>
+      </p:grpSpPr>
+      <p:sp>
+        <p:nvSpPr>
+          <p:cNvPr id="7" name="Rectangle 6"/>
+          <p:cNvSpPr/>
+          <p:nvPr/>
+        </p:nvSpPr>
+        <p:spPr>
+          <a:xfrm>
+            <a:off x="0" y="6400800"/>
+            <a:ext cx="9144001" cy="457200"/>
+          </a:xfrm>
+          <a:prstGeom prst="rect">
+            <a:avLst/>
+          </a:prstGeom>
+          <a:solidFill>
+            <a:srgbClr val="0070C0"/>
+          </a:solidFill>
+          <a:ln>
+            <a:solidFill>
+              <a:srgbClr val="0070C0"/>
+            </a:solidFill>
+          </a:ln>
+        </p:spPr>
+        <p:style>
+          <a:lnRef idx="2">
+            <a:schemeClr val="accent1">
+              <a:shade val="50000"/>
+            </a:schemeClr>
+          </a:lnRef>
+          <a:fillRef idx="1">
+            <a:schemeClr val="accent1"/>
+          </a:fillRef>
+          <a:effectRef idx="0">
+            <a:schemeClr val="accent1"/>
+          </a:effectRef>
+          <a:fontRef idx="minor">
+            <a:schemeClr val="lt1"/>
+          </a:fontRef>
+        </p:style>
+      </p:sp>
+      <p:sp>
+        <p:nvSpPr>
+          <p:cNvPr id="9" name="Rectangle 8"/>
+          <p:cNvSpPr/>
+          <p:nvPr/>
+        </p:nvSpPr>
+        <p:spPr>
+          <a:xfrm>
+            <a:off x="0" y="6334315"/>
+            <a:ext cx="4487333" cy="92382"/>
+          </a:xfrm>
+          <a:prstGeom prst="rect">
+            <a:avLst/>
+          </a:prstGeom>
+          <a:solidFill>
+            <a:srgbClr val="00B050"/>
+          </a:solidFill>
+          <a:ln>
+            <a:noFill/>
+          </a:ln>
+        </p:spPr>
+        <p:style>
+          <a:lnRef idx="2">
+            <a:schemeClr val="accent1">
+              <a:shade val="50000"/>
+            </a:schemeClr>
+          </a:lnRef>
+          <a:fillRef idx="1">
+            <a:schemeClr val="accent1"/>
+          </a:fillRef>
+          <a:effectRef idx="0">
+            <a:schemeClr val="accent1"/>
+          </a:effectRef>
+          <a:fontRef idx="minor">
+            <a:schemeClr val="lt1"/>
+          </a:fontRef>
+        </p:style>
+      </p:sp>
+      <p:sp>
+        <p:nvSpPr>
+          <p:cNvPr id="2" name="Title Placeholder 1"/>
+          <p:cNvSpPr>
+            <a:spLocks noGrp="1"/>
+          </p:cNvSpPr>
+          <p:nvPr>
+            <p:ph type="title"/>
+          </p:nvPr>
+        </p:nvSpPr>
+        <p:spPr>
+          <a:xfrm>
+            <a:off x="227874" y="287088"/>
+            <a:ext cx="8596812" cy="874055"/>
+          </a:xfrm>
+          <a:prstGeom prst="rect">
+            <a:avLst/>
+          </a:prstGeom>
+        </p:spPr>
+        <p:txBody>
+          <a:bodyPr vert="horz" lIns="91440" tIns="45720" rIns="91440" bIns="45720" rtlCol="0" anchor="b">
+            <a:normAutofit/>
+          </a:bodyPr>
+          <a:lstStyle/>
+          <a:p>
+            <a:r>
+              <a:rPr lang="en-US"/>
+              <a:t>Click to edit Master title style</a:t>
+            </a:r>
+            <a:endParaRPr lang="en-US" dirty="0"/>
+          </a:p>
+        </p:txBody>
+      </p:sp>
+      <p:sp>
+        <p:nvSpPr>
+          <p:cNvPr id="3" name="Text Placeholder 2"/>
+          <p:cNvSpPr>
+            <a:spLocks noGrp="1"/>
+          </p:cNvSpPr>
+          <p:nvPr>
+            <p:ph type="body" idx="1"/>
+          </p:nvPr>
+        </p:nvSpPr>
+        <p:spPr>
+          <a:xfrm>
+            <a:off x="227874" y="1505616"/>
+            <a:ext cx="8596811" cy="4654528"/>
+          </a:xfrm>
+          <a:prstGeom prst="rect">
+            <a:avLst/>
+          </a:prstGeom>
+        </p:spPr>
+        <p:txBody>
+          <a:bodyPr vert="horz" lIns="0" tIns="45720" rIns="0" bIns="45720" rtlCol="0">
+            <a:normAutofit/>
+          </a:bodyPr>
+          <a:lstStyle/>
+          <a:p>
+            <a:pPr lvl="0"/>
+            <a:r>
+              <a:rPr lang="en-US"/>
+              <a:t>Edit Master text styles</a:t>
+            </a:r>
+          </a:p>
+          <a:p>
+            <a:pPr lvl="1"/>
+            <a:r>
+              <a:rPr lang="en-US"/>
+              <a:t>Second level</a:t>
+            </a:r>
+          </a:p>
+          <a:p>
+            <a:pPr lvl="2"/>
+            <a:r>
+              <a:rPr lang="en-US"/>
+              <a:t>Third level</a:t>
+            </a:r>
+          </a:p>
+          <a:p>
+            <a:pPr lvl="3"/>
+            <a:r>
+              <a:rPr lang="en-US"/>
+              <a:t>Fourth level</a:t>
+            </a:r>
+          </a:p>
+          <a:p>
+            <a:pPr lvl="4"/>
+            <a:r>
+              <a:rPr lang="en-US"/>
+              <a:t>Fifth level</a:t>
+            </a:r>
+            <a:endParaRPr lang="en-US" dirty="0"/>
+          </a:p>
+        </p:txBody>
+      </p:sp>
+      <p:sp>
+        <p:nvSpPr>
+          <p:cNvPr id="4" name="Date Placeholder 3"/>
+          <p:cNvSpPr>
+            <a:spLocks noGrp="1"/>
+          </p:cNvSpPr>
+          <p:nvPr>
+            <p:ph type="dt" sz="half" idx="2"/>
+          </p:nvPr>
+        </p:nvSpPr>
+        <p:spPr>
+          <a:xfrm>
+            <a:off x="822961" y="6459786"/>
+            <a:ext cx="1854203" cy="365125"/>
+          </a:xfrm>
+          <a:prstGeom prst="rect">
+            <a:avLst/>
+          </a:prstGeom>
+        </p:spPr>
+        <p:txBody>
+          <a:bodyPr vert="horz" lIns="91440" tIns="45720" rIns="91440" bIns="45720" rtlCol="0" anchor="ctr"/>
+          <a:lstStyle>
+            <a:lvl1pPr algn="l">
+              <a:defRPr sz="900">
+                <a:solidFill>
+                  <a:srgbClr val="FFFFFF"/>
+                </a:solidFill>
+              </a:defRPr>
+            </a:lvl1pPr>
+          </a:lstStyle>
+          <a:p>
+            <a:fld id="{EB37388E-7DD7-44DD-9D9F-C353059E7010}" type="datetime1">
+              <a:rPr lang="en-US" smtClean="0"/>
+              <a:t>7/7/2016</a:t>
+            </a:fld>
+            <a:endParaRPr lang="en-US" dirty="0"/>
+          </a:p>
+        </p:txBody>
+      </p:sp>
+      <p:sp>
+        <p:nvSpPr>
+          <p:cNvPr id="5" name="Footer Placeholder 4"/>
+          <p:cNvSpPr>
+            <a:spLocks noGrp="1"/>
+          </p:cNvSpPr>
+          <p:nvPr>
+            <p:ph type="ftr" sz="quarter" idx="3"/>
+          </p:nvPr>
+        </p:nvSpPr>
+        <p:spPr>
+          <a:xfrm>
+            <a:off x="2764639" y="6459786"/>
+            <a:ext cx="3617103" cy="365125"/>
+          </a:xfrm>
+          <a:prstGeom prst="rect">
+            <a:avLst/>
+          </a:prstGeom>
+        </p:spPr>
+        <p:txBody>
+          <a:bodyPr vert="horz" lIns="91440" tIns="45720" rIns="91440" bIns="45720" rtlCol="0" anchor="ctr"/>
+          <a:lstStyle>
+            <a:lvl1pPr algn="ctr">
+              <a:defRPr sz="900" cap="all" baseline="0">
+                <a:solidFill>
+                  <a:srgbClr val="FFFFFF"/>
+                </a:solidFill>
+              </a:defRPr>
+            </a:lvl1pPr>
+          </a:lstStyle>
+          <a:p>
+            <a:r>
+              <a:rPr lang="en-US"/>
+              <a:t>© 2016 EV3Lessons.com, Last edit 7/06/2016</a:t>
+            </a:r>
+            <a:endParaRPr lang="en-US" dirty="0"/>
+          </a:p>
+        </p:txBody>
+      </p:sp>
+      <p:sp>
+        <p:nvSpPr>
+          <p:cNvPr id="6" name="Slide Number Placeholder 5"/>
+          <p:cNvSpPr>
+            <a:spLocks noGrp="1"/>
+          </p:cNvSpPr>
+          <p:nvPr>
+            <p:ph type="sldNum" sz="quarter" idx="4"/>
+          </p:nvPr>
+        </p:nvSpPr>
+        <p:spPr>
+          <a:xfrm>
+            <a:off x="7425344" y="6459786"/>
+            <a:ext cx="984019" cy="365125"/>
+          </a:xfrm>
+          <a:prstGeom prst="rect">
+            <a:avLst/>
+          </a:prstGeom>
+        </p:spPr>
+        <p:txBody>
+          <a:bodyPr vert="horz" lIns="91440" tIns="45720" rIns="91440" bIns="45720" rtlCol="0" anchor="ctr"/>
+          <a:lstStyle>
+            <a:lvl1pPr algn="r">
+              <a:defRPr sz="1050">
+                <a:solidFill>
+                  <a:srgbClr val="FFFFFF"/>
+                </a:solidFill>
+              </a:defRPr>
+            </a:lvl1pPr>
+          </a:lstStyle>
+          <a:p>
+            <a:fld id="{4382A7F7-08BF-4252-8141-63FB96055BBB}" type="slidenum">
+              <a:rPr lang="en-US" smtClean="0"/>
+              <a:t>‹#›</a:t>
+            </a:fld>
+            <a:endParaRPr lang="en-US"/>
+          </a:p>
+        </p:txBody>
+      </p:sp>
+      <p:cxnSp>
+        <p:nvCxnSpPr>
+          <p:cNvPr id="10" name="Straight Connector 9"/>
+          <p:cNvCxnSpPr/>
+          <p:nvPr/>
+        </p:nvCxnSpPr>
+        <p:spPr>
+          <a:xfrm flipV="1">
+            <a:off x="227874" y="1335314"/>
+            <a:ext cx="8596811" cy="1"/>
+          </a:xfrm>
+          <a:prstGeom prst="line">
+            <a:avLst/>
+          </a:prstGeom>
+          <a:ln w="6350">
+            <a:solidFill>
+              <a:schemeClr val="tx1">
+                <a:lumMod val="50000"/>
+                <a:lumOff val="50000"/>
+              </a:schemeClr>
+            </a:solidFill>
+          </a:ln>
+        </p:spPr>
+        <p:style>
+          <a:lnRef idx="1">
+            <a:schemeClr val="accent1"/>
+          </a:lnRef>
+          <a:fillRef idx="0">
+            <a:schemeClr val="accent1"/>
+          </a:fillRef>
+          <a:effectRef idx="0">
+            <a:schemeClr val="accent1"/>
+          </a:effectRef>
+          <a:fontRef idx="minor">
+            <a:schemeClr val="tx1"/>
+          </a:fontRef>
+        </p:style>
+      </p:cxnSp>
+      <p:sp>
+        <p:nvSpPr>
+          <p:cNvPr id="11" name="Rectangle 10"/>
+          <p:cNvSpPr/>
+          <p:nvPr/>
+        </p:nvSpPr>
+        <p:spPr>
+          <a:xfrm>
+            <a:off x="4487333" y="6334315"/>
+            <a:ext cx="4656667" cy="92382"/>
+          </a:xfrm>
+          <a:prstGeom prst="rect">
+            <a:avLst/>
+          </a:prstGeom>
+          <a:solidFill>
+            <a:srgbClr val="7030A0"/>
+          </a:solidFill>
+          <a:ln>
+            <a:noFill/>
+          </a:ln>
+        </p:spPr>
+        <p:style>
+          <a:lnRef idx="2">
+            <a:schemeClr val="accent1">
+              <a:shade val="50000"/>
+            </a:schemeClr>
+          </a:lnRef>
+          <a:fillRef idx="1">
+            <a:schemeClr val="accent1"/>
+          </a:fillRef>
+          <a:effectRef idx="0">
+            <a:schemeClr val="accent1"/>
+          </a:effectRef>
+          <a:fontRef idx="minor">
+            <a:schemeClr val="lt1"/>
+          </a:fontRef>
+        </p:style>
+      </p:sp>
+      <p:sp>
+        <p:nvSpPr>
+          <p:cNvPr id="12" name="Rectangle 11"/>
+          <p:cNvSpPr/>
+          <p:nvPr userDrawn="1"/>
+        </p:nvSpPr>
+        <p:spPr>
+          <a:xfrm>
+            <a:off x="4487333" y="6334315"/>
+            <a:ext cx="4656667" cy="92382"/>
+          </a:xfrm>
+          <a:prstGeom prst="rect">
+            <a:avLst/>
+          </a:prstGeom>
+          <a:solidFill>
+            <a:srgbClr val="7030A0"/>
+          </a:solidFill>
+          <a:ln>
+            <a:noFill/>
+          </a:ln>
+        </p:spPr>
+        <p:style>
+          <a:lnRef idx="2">
+            <a:schemeClr val="accent1">
+              <a:shade val="50000"/>
+            </a:schemeClr>
+          </a:lnRef>
+          <a:fillRef idx="1">
+            <a:schemeClr val="accent1"/>
+          </a:fillRef>
+          <a:effectRef idx="0">
+            <a:schemeClr val="accent1"/>
+          </a:effectRef>
+          <a:fontRef idx="minor">
+            <a:schemeClr val="lt1"/>
+          </a:fontRef>
+        </p:style>
+      </p:sp>
+    </p:spTree>
+    <p:extLst>
+      <p:ext uri="{BB962C8B-B14F-4D97-AF65-F5344CB8AC3E}">
+        <p14:creationId xmlns:p14="http://schemas.microsoft.com/office/powerpoint/2010/main" val="3647347781"/>
+      </p:ext>
+    </p:extLst>
+  </p:cSld>
+  <p:clrMap bg1="lt1" tx1="dk1" bg2="lt2" tx2="dk2" accent1="accent1" accent2="accent2" accent3="accent3" accent4="accent4" accent5="accent5" accent6="accent6" hlink="hlink" folHlink="folHlink"/>
+  <p:sldLayoutIdLst>
+    <p:sldLayoutId id="2147483739" r:id="rId1"/>
+    <p:sldLayoutId id="2147483740" r:id="rId2"/>
+    <p:sldLayoutId id="2147483741" r:id="rId3"/>
+    <p:sldLayoutId id="2147483742" r:id="rId4"/>
+    <p:sldLayoutId id="2147483743" r:id="rId5"/>
+    <p:sldLayoutId id="2147483744" r:id="rId6"/>
+    <p:sldLayoutId id="2147483745" r:id="rId7"/>
+    <p:sldLayoutId id="2147483746" r:id="rId8"/>
+    <p:sldLayoutId id="2147483747" r:id="rId9"/>
+    <p:sldLayoutId id="2147483748" r:id="rId10"/>
+    <p:sldLayoutId id="2147483749" r:id="rId11"/>
+  </p:sldLayoutIdLst>
+  <p:hf hdr="0" dt="0"/>
+  <p:txStyles>
+    <p:titleStyle>
+      <a:lvl1pPr algn="l" defTabSz="914400" rtl="0" eaLnBrk="1" latinLnBrk="0" hangingPunct="1">
+        <a:lnSpc>
+          <a:spcPct val="85000"/>
+        </a:lnSpc>
+        <a:spcBef>
+          <a:spcPct val="0"/>
+        </a:spcBef>
+        <a:buNone/>
+        <a:defRPr sz="4800" kern="1200" spc="-50" baseline="0">
+          <a:solidFill>
+            <a:schemeClr val="tx1">
+              <a:lumMod val="75000"/>
+              <a:lumOff val="25000"/>
+            </a:schemeClr>
+          </a:solidFill>
+          <a:latin typeface="+mj-lt"/>
+          <a:ea typeface="+mj-ea"/>
+          <a:cs typeface="+mj-cs"/>
+        </a:defRPr>
+      </a:lvl1pPr>
+    </p:titleStyle>
+    <p:bodyStyle>
+      <a:lvl1pPr marL="91440" indent="-91440" algn="l" defTabSz="914400" rtl="0" eaLnBrk="1" latinLnBrk="0" hangingPunct="1">
+        <a:lnSpc>
+          <a:spcPct val="90000"/>
+        </a:lnSpc>
+        <a:spcBef>
+          <a:spcPts val="1200"/>
+        </a:spcBef>
+        <a:spcAft>
+          <a:spcPts val="200"/>
+        </a:spcAft>
+        <a:buClr>
+          <a:schemeClr val="accent1"/>
+        </a:buClr>
+        <a:buSzPct val="100000"/>
+        <a:buFont typeface="Calibri" panose="020F0502020204030204" pitchFamily="34" charset="0"/>
+        <a:buChar char=" "/>
+        <a:defRPr sz="2000" kern="1200">
+          <a:solidFill>
+            <a:schemeClr val="tx1">
+              <a:lumMod val="75000"/>
+              <a:lumOff val="25000"/>
+            </a:schemeClr>
+          </a:solidFill>
+          <a:latin typeface="+mn-lt"/>
+          <a:ea typeface="+mn-ea"/>
+          <a:cs typeface="+mn-cs"/>
+        </a:defRPr>
+      </a:lvl1pPr>
+      <a:lvl2pPr marL="384048" indent="-182880" algn="l" defTabSz="914400" rtl="0" eaLnBrk="1" latinLnBrk="0" hangingPunct="1">
+        <a:lnSpc>
+          <a:spcPct val="90000"/>
+        </a:lnSpc>
+        <a:spcBef>
+          <a:spcPts val="200"/>
+        </a:spcBef>
+        <a:spcAft>
+          <a:spcPts val="400"/>
+        </a:spcAft>
+        <a:buClr>
+          <a:schemeClr val="accent1"/>
+        </a:buClr>
+        <a:buFont typeface="Calibri" pitchFamily="34" charset="0"/>
+        <a:buChar char="◦"/>
+        <a:defRPr sz="1800" kern="1200">
+          <a:solidFill>
+            <a:schemeClr val="tx1">
+              <a:lumMod val="75000"/>
+              <a:lumOff val="25000"/>
+            </a:schemeClr>
+          </a:solidFill>
+          <a:latin typeface="+mn-lt"/>
+          <a:ea typeface="+mn-ea"/>
+          <a:cs typeface="+mn-cs"/>
+        </a:defRPr>
+      </a:lvl2pPr>
+      <a:lvl3pPr marL="566928" indent="-182880" algn="l" defTabSz="914400" rtl="0" eaLnBrk="1" latinLnBrk="0" hangingPunct="1">
+        <a:lnSpc>
+          <a:spcPct val="90000"/>
+        </a:lnSpc>
+        <a:spcBef>
+          <a:spcPts val="200"/>
+        </a:spcBef>
+        <a:spcAft>
+          <a:spcPts val="400"/>
+        </a:spcAft>
+        <a:buClr>
+          <a:schemeClr val="accent1"/>
+        </a:buClr>
+        <a:buFont typeface="Calibri" pitchFamily="34" charset="0"/>
+        <a:buChar char="◦"/>
+        <a:defRPr sz="1400" kern="1200">
+          <a:solidFill>
+            <a:schemeClr val="tx1">
+              <a:lumMod val="75000"/>
+              <a:lumOff val="25000"/>
+            </a:schemeClr>
+          </a:solidFill>
+          <a:latin typeface="+mn-lt"/>
+          <a:ea typeface="+mn-ea"/>
+          <a:cs typeface="+mn-cs"/>
+        </a:defRPr>
+      </a:lvl3pPr>
+      <a:lvl4pPr marL="749808" indent="-182880" algn="l" defTabSz="914400" rtl="0" eaLnBrk="1" latinLnBrk="0" hangingPunct="1">
+        <a:lnSpc>
+          <a:spcPct val="90000"/>
+        </a:lnSpc>
+        <a:spcBef>
+          <a:spcPts val="200"/>
+        </a:spcBef>
+        <a:spcAft>
+          <a:spcPts val="400"/>
+        </a:spcAft>
+        <a:buClr>
+          <a:schemeClr val="accent1"/>
+        </a:buClr>
+        <a:buFont typeface="Calibri" pitchFamily="34" charset="0"/>
+        <a:buChar char="◦"/>
+        <a:defRPr sz="1400" kern="1200">
+          <a:solidFill>
+            <a:schemeClr val="tx1">
+              <a:lumMod val="75000"/>
+              <a:lumOff val="25000"/>
+            </a:schemeClr>
+          </a:solidFill>
+          <a:latin typeface="+mn-lt"/>
+          <a:ea typeface="+mn-ea"/>
+          <a:cs typeface="+mn-cs"/>
+        </a:defRPr>
+      </a:lvl4pPr>
+      <a:lvl5pPr marL="932688" indent="-182880" algn="l" defTabSz="914400" rtl="0" eaLnBrk="1" latinLnBrk="0" hangingPunct="1">
+        <a:lnSpc>
+          <a:spcPct val="90000"/>
+        </a:lnSpc>
+        <a:spcBef>
+          <a:spcPts val="200"/>
+        </a:spcBef>
+        <a:spcAft>
+          <a:spcPts val="400"/>
+        </a:spcAft>
+        <a:buClr>
+          <a:schemeClr val="accent1"/>
+        </a:buClr>
+        <a:buFont typeface="Calibri" pitchFamily="34" charset="0"/>
+        <a:buChar char="◦"/>
+        <a:defRPr sz="1400" kern="1200">
+          <a:solidFill>
+            <a:schemeClr val="tx1">
+              <a:lumMod val="75000"/>
+              <a:lumOff val="25000"/>
+            </a:schemeClr>
+          </a:solidFill>
+          <a:latin typeface="+mn-lt"/>
+          <a:ea typeface="+mn-ea"/>
+          <a:cs typeface="+mn-cs"/>
+        </a:defRPr>
+      </a:lvl5pPr>
+      <a:lvl6pPr marL="1100000" indent="-228600" algn="l" defTabSz="914400" rtl="0" eaLnBrk="1" latinLnBrk="0" hangingPunct="1">
+        <a:lnSpc>
+          <a:spcPct val="90000"/>
+        </a:lnSpc>
+        <a:spcBef>
+          <a:spcPts val="200"/>
+        </a:spcBef>
+        <a:spcAft>
+          <a:spcPts val="400"/>
+        </a:spcAft>
+        <a:buClr>
+          <a:schemeClr val="accent1"/>
+        </a:buClr>
+        <a:buFont typeface="Calibri" pitchFamily="34" charset="0"/>
+        <a:buChar char="◦"/>
+        <a:defRPr sz="1400" kern="1200">
+          <a:solidFill>
+            <a:schemeClr val="tx1">
+              <a:lumMod val="75000"/>
+              <a:lumOff val="25000"/>
+            </a:schemeClr>
+          </a:solidFill>
+          <a:latin typeface="+mn-lt"/>
+          <a:ea typeface="+mn-ea"/>
+          <a:cs typeface="+mn-cs"/>
+        </a:defRPr>
+      </a:lvl6pPr>
+      <a:lvl7pPr marL="1300000" indent="-228600" algn="l" defTabSz="914400" rtl="0" eaLnBrk="1" latinLnBrk="0" hangingPunct="1">
+        <a:lnSpc>
+          <a:spcPct val="90000"/>
+        </a:lnSpc>
+        <a:spcBef>
+          <a:spcPts val="200"/>
+        </a:spcBef>
+        <a:spcAft>
+          <a:spcPts val="400"/>
+        </a:spcAft>
+        <a:buClr>
+          <a:schemeClr val="accent1"/>
+        </a:buClr>
+        <a:buFont typeface="Calibri" pitchFamily="34" charset="0"/>
+        <a:buChar char="◦"/>
+        <a:defRPr sz="1400" kern="1200">
+          <a:solidFill>
+            <a:schemeClr val="tx1">
+              <a:lumMod val="75000"/>
+              <a:lumOff val="25000"/>
+            </a:schemeClr>
+          </a:solidFill>
+          <a:latin typeface="+mn-lt"/>
+          <a:ea typeface="+mn-ea"/>
+          <a:cs typeface="+mn-cs"/>
+        </a:defRPr>
+      </a:lvl7pPr>
+      <a:lvl8pPr marL="1500000" indent="-228600" algn="l" defTabSz="914400" rtl="0" eaLnBrk="1" latinLnBrk="0" hangingPunct="1">
+        <a:lnSpc>
+          <a:spcPct val="90000"/>
+        </a:lnSpc>
+        <a:spcBef>
+          <a:spcPts val="200"/>
+        </a:spcBef>
+        <a:spcAft>
+          <a:spcPts val="400"/>
+        </a:spcAft>
+        <a:buClr>
+          <a:schemeClr val="accent1"/>
+        </a:buClr>
+        <a:buFont typeface="Calibri" pitchFamily="34" charset="0"/>
+        <a:buChar char="◦"/>
+        <a:defRPr sz="1400" kern="1200">
+          <a:solidFill>
+            <a:schemeClr val="tx1">
+              <a:lumMod val="75000"/>
+              <a:lumOff val="25000"/>
+            </a:schemeClr>
+          </a:solidFill>
+          <a:latin typeface="+mn-lt"/>
+          <a:ea typeface="+mn-ea"/>
+          <a:cs typeface="+mn-cs"/>
+        </a:defRPr>
+      </a:lvl8pPr>
+      <a:lvl9pPr marL="1700000" indent="-228600" algn="l" defTabSz="914400" rtl="0" eaLnBrk="1" latinLnBrk="0" hangingPunct="1">
+        <a:lnSpc>
+          <a:spcPct val="90000"/>
+        </a:lnSpc>
+        <a:spcBef>
+          <a:spcPts val="200"/>
+        </a:spcBef>
+        <a:spcAft>
+          <a:spcPts val="400"/>
+        </a:spcAft>
+        <a:buClr>
+          <a:schemeClr val="accent1"/>
+        </a:buClr>
+        <a:buFont typeface="Calibri" pitchFamily="34" charset="0"/>
+        <a:buChar char="◦"/>
+        <a:defRPr sz="1400" kern="1200">
+          <a:solidFill>
+            <a:schemeClr val="tx1">
+              <a:lumMod val="75000"/>
+              <a:lumOff val="25000"/>
+            </a:schemeClr>
+          </a:solidFill>
+          <a:latin typeface="+mn-lt"/>
+          <a:ea typeface="+mn-ea"/>
+          <a:cs typeface="+mn-cs"/>
+        </a:defRPr>
+      </a:lvl9pPr>
+    </p:bodyStyle>
+    <p:otherStyle>
+      <a:defPPr>
+        <a:defRPr lang="en-US"/>
+      </a:defPPr>
+      <a:lvl1pPr marL="0" algn="l" defTabSz="914400" rtl="0" eaLnBrk="1" latinLnBrk="0" hangingPunct="1">
+        <a:defRPr sz="1800" kern="1200">
+          <a:solidFill>
+            <a:schemeClr val="tx1"/>
+          </a:solidFill>
+          <a:latin typeface="+mn-lt"/>
+          <a:ea typeface="+mn-ea"/>
+          <a:cs typeface="+mn-cs"/>
+        </a:defRPr>
+      </a:lvl1pPr>
+      <a:lvl2pPr marL="457200" algn="l" defTabSz="914400" rtl="0" eaLnBrk="1" latinLnBrk="0" hangingPunct="1">
+        <a:defRPr sz="1800" kern="1200">
+          <a:solidFill>
+            <a:schemeClr val="tx1"/>
+          </a:solidFill>
+          <a:latin typeface="+mn-lt"/>
+          <a:ea typeface="+mn-ea"/>
+          <a:cs typeface="+mn-cs"/>
+        </a:defRPr>
+      </a:lvl2pPr>
+      <a:lvl3pPr marL="914400" algn="l" defTabSz="914400" rtl="0" eaLnBrk="1" latinLnBrk="0" hangingPunct="1">
+        <a:defRPr sz="1800" kern="1200">
+          <a:solidFill>
+            <a:schemeClr val="tx1"/>
+          </a:solidFill>
+          <a:latin typeface="+mn-lt"/>
+          <a:ea typeface="+mn-ea"/>
+          <a:cs typeface="+mn-cs"/>
+        </a:defRPr>
+      </a:lvl3pPr>
+      <a:lvl4pPr marL="1371600" algn="l" defTabSz="914400" rtl="0" eaLnBrk="1" latinLnBrk="0" hangingPunct="1">
+        <a:defRPr sz="1800" kern="1200">
+          <a:solidFill>
+            <a:schemeClr val="tx1"/>
+          </a:solidFill>
+          <a:latin typeface="+mn-lt"/>
+          <a:ea typeface="+mn-ea"/>
+          <a:cs typeface="+mn-cs"/>
+        </a:defRPr>
+      </a:lvl4pPr>
+      <a:lvl5pPr marL="1828800" algn="l" defTabSz="914400" rtl="0" eaLnBrk="1" latinLnBrk="0" hangingPunct="1">
+        <a:defRPr sz="1800" kern="1200">
+          <a:solidFill>
+            <a:schemeClr val="tx1"/>
+          </a:solidFill>
+          <a:latin typeface="+mn-lt"/>
+          <a:ea typeface="+mn-ea"/>
+          <a:cs typeface="+mn-cs"/>
+        </a:defRPr>
+      </a:lvl5pPr>
+      <a:lvl6pPr marL="2286000" algn="l" defTabSz="914400" rtl="0" eaLnBrk="1" latinLnBrk="0" hangingPunct="1">
+        <a:defRPr sz="1800" kern="1200">
+          <a:solidFill>
+            <a:schemeClr val="tx1"/>
+          </a:solidFill>
+          <a:latin typeface="+mn-lt"/>
+          <a:ea typeface="+mn-ea"/>
+          <a:cs typeface="+mn-cs"/>
+        </a:defRPr>
+      </a:lvl6pPr>
+      <a:lvl7pPr marL="2743200" algn="l" defTabSz="914400" rtl="0" eaLnBrk="1" latinLnBrk="0" hangingPunct="1">
+        <a:defRPr sz="1800" kern="1200">
+          <a:solidFill>
+            <a:schemeClr val="tx1"/>
+          </a:solidFill>
+          <a:latin typeface="+mn-lt"/>
+          <a:ea typeface="+mn-ea"/>
+          <a:cs typeface="+mn-cs"/>
+        </a:defRPr>
+      </a:lvl7pPr>
+      <a:lvl8pPr marL="3200400" algn="l" defTabSz="914400" rtl="0" eaLnBrk="1" latinLnBrk="0" hangingPunct="1">
+        <a:defRPr sz="1800" kern="1200">
+          <a:solidFill>
+            <a:schemeClr val="tx1"/>
+          </a:solidFill>
+          <a:latin typeface="+mn-lt"/>
+          <a:ea typeface="+mn-ea"/>
+          <a:cs typeface="+mn-cs"/>
+        </a:defRPr>
+      </a:lvl8pPr>
+      <a:lvl9pPr marL="3657600" algn="l" defTabSz="914400" rtl="0" eaLnBrk="1" latinLnBrk="0" hangingPunct="1">
+        <a:defRPr sz="1800" kern="1200">
+          <a:solidFill>
+            <a:schemeClr val="tx1"/>
+          </a:solidFill>
+          <a:latin typeface="+mn-lt"/>
+          <a:ea typeface="+mn-ea"/>
+          <a:cs typeface="+mn-cs"/>
+        </a:defRPr>
+      </a:lvl9pPr>
+    </p:otherStyle>
+  </p:txStyles>
+</p:sldMaster>
+</file>
+
 <file path=ppt/slides/slide1.xml><?xml version="1.0" encoding="utf-8"?>
 <p:sld xmlns:a="http://schemas.openxmlformats.org/drawingml/2006/main" xmlns:r="http://schemas.openxmlformats.org/officeDocument/2006/relationships" xmlns:p="http://schemas.openxmlformats.org/presentationml/2006/main">
   <p:cSld>
@@ -4679,15 +8661,14 @@
         <p:spPr/>
         <p:txBody>
           <a:bodyPr>
-            <a:normAutofit fontScale="90000"/>
+            <a:normAutofit/>
           </a:bodyPr>
           <a:lstStyle/>
           <a:p>
             <a:r>
-              <a:rPr lang="en-US" dirty="0" smtClean="0"/>
+              <a:rPr lang="en-US" dirty="0"/>
               <a:t>INTERMEDIATE PROGRAMMING LESSON</a:t>
             </a:r>
-            <a:endParaRPr lang="en-US" dirty="0"/>
           </a:p>
         </p:txBody>
       </p:sp>
@@ -4709,10 +8690,9 @@
           <a:lstStyle/>
           <a:p>
             <a:r>
-              <a:rPr lang="en-US" dirty="0" smtClean="0"/>
+              <a:rPr lang="en-US" dirty="0"/>
               <a:t>DEBUGGING TECHNIQUES</a:t>
             </a:r>
-            <a:endParaRPr lang="en-US" dirty="0"/>
           </a:p>
         </p:txBody>
       </p:sp>
@@ -4762,10 +8742,9 @@
           <a:lstStyle/>
           <a:p>
             <a:r>
-              <a:rPr lang="en-US" dirty="0" smtClean="0"/>
+              <a:rPr lang="en-US" dirty="0"/>
               <a:t>Sample Video on Next Slide</a:t>
             </a:r>
-            <a:endParaRPr lang="en-US" dirty="0"/>
           </a:p>
         </p:txBody>
       </p:sp>
@@ -4790,17 +8769,7 @@
             </a:pPr>
             <a:r>
               <a:rPr lang="en-US" sz="2800" dirty="0"/>
-              <a:t>The video on the next slide is NOT intended as a solution to the Search Engine mission and isn’t even very good code to get there</a:t>
-            </a:r>
-          </a:p>
-          <a:p>
-            <a:pPr marL="285750" indent="-285750">
-              <a:buFont typeface="Arial"/>
-              <a:buChar char="•"/>
-            </a:pPr>
-            <a:r>
-              <a:rPr lang="en-US" sz="2800" dirty="0"/>
-              <a:t>Instead, what you should look at is how debugging techniques were used during the run</a:t>
+              <a:t>The video on the next slide shows some of the debugging techniques</a:t>
             </a:r>
           </a:p>
           <a:p>
@@ -4864,10 +8833,9 @@
           <a:lstStyle/>
           <a:p>
             <a:r>
-              <a:rPr lang="sk-SK" smtClean="0"/>
-              <a:t>© 2015 EV3Lessons.com, Last edit 11/13/2015</a:t>
-            </a:r>
-            <a:endParaRPr lang="en-US"/>
+              <a:rPr lang="en-US"/>
+              <a:t>© 2016 EV3Lessons.com, Last edit 7/06/2016</a:t>
+            </a:r>
           </a:p>
         </p:txBody>
       </p:sp>
@@ -4940,10 +8908,9 @@
           <a:lstStyle/>
           <a:p>
             <a:r>
-              <a:rPr lang="en-US" dirty="0" smtClean="0"/>
+              <a:rPr lang="en-US" dirty="0"/>
               <a:t>Sample Video – Click to Play</a:t>
             </a:r>
-            <a:endParaRPr lang="en-US" dirty="0"/>
           </a:p>
         </p:txBody>
       </p:sp>
@@ -4963,10 +8930,9 @@
           <a:lstStyle/>
           <a:p>
             <a:r>
-              <a:rPr lang="sk-SK" smtClean="0"/>
-              <a:t>© 2015 EV3Lessons.com, Last edit 11/13/2015</a:t>
-            </a:r>
-            <a:endParaRPr lang="en-US"/>
+              <a:rPr lang="en-US"/>
+              <a:t>© 2016 EV3Lessons.com, Last edit 7/06/2016</a:t>
+            </a:r>
           </a:p>
         </p:txBody>
       </p:sp>
@@ -5207,10 +9173,9 @@
           <a:lstStyle/>
           <a:p>
             <a:r>
-              <a:rPr lang="en-US" dirty="0" smtClean="0"/>
+              <a:rPr lang="en-US" dirty="0"/>
               <a:t>Other Methods</a:t>
             </a:r>
-            <a:endParaRPr lang="en-US" dirty="0"/>
           </a:p>
         </p:txBody>
       </p:sp>
@@ -5250,7 +9215,7 @@
             </a:pPr>
             <a:r>
               <a:rPr lang="en-US" sz="2400" dirty="0"/>
-              <a:t>You can record your runs with a camera. Then watch each run and observe what went wrong</a:t>
+              <a:t>You can record your robot with a camera. Then watch the video and observe what went wrong</a:t>
             </a:r>
           </a:p>
           <a:p>
@@ -5277,7 +9242,7 @@
             </a:pPr>
             <a:r>
               <a:rPr lang="en-US" sz="2400" dirty="0"/>
-              <a:t>You can also use “comments” to help debug – we add comments to remember what older values were entered into a block.  We watch the run and then adjust these values</a:t>
+              <a:t>You can also use “comments” to help debug – we add comments to remember what older values were entered into a block.  We watch the robot and then adjust these values</a:t>
             </a:r>
           </a:p>
           <a:p>
@@ -5301,10 +9266,9 @@
           <a:lstStyle/>
           <a:p>
             <a:r>
-              <a:rPr lang="sk-SK" smtClean="0"/>
-              <a:t>© 2015 EV3Lessons.com, Last edit 11/13/2015</a:t>
-            </a:r>
-            <a:endParaRPr lang="en-US"/>
+              <a:rPr lang="en-US"/>
+              <a:t>© 2016 EV3Lessons.com, Last edit 7/06/2016</a:t>
+            </a:r>
           </a:p>
         </p:txBody>
       </p:sp>
@@ -5437,7 +9401,7 @@
           <a:lstStyle/>
           <a:p>
             <a:r>
-              <a:rPr lang="en-US" smtClean="0"/>
+              <a:rPr lang="en-US"/>
               <a:t>CREDITS</a:t>
             </a:r>
             <a:endParaRPr lang="en-US" dirty="0"/>
@@ -5460,35 +9424,25 @@
           <a:lstStyle/>
           <a:p>
             <a:r>
-              <a:rPr lang="en-US" dirty="0" smtClean="0"/>
-              <a:t>This tutorial was created by Sanjay Seshan and Arvind Seshan from Droids Robotics.</a:t>
-            </a:r>
-          </a:p>
-          <a:p>
-            <a:r>
-              <a:rPr lang="en-US" dirty="0" smtClean="0"/>
-              <a:t>More lessons are available at www.ev3lessons.com</a:t>
-            </a:r>
-          </a:p>
-          <a:p>
-            <a:r>
-              <a:rPr lang="en-US" dirty="0" smtClean="0"/>
+              <a:rPr lang="en-US" dirty="0"/>
+              <a:t>This tutorial was created by Sanjay Seshan and Arvind </a:t>
+            </a:r>
+          </a:p>
+          <a:p>
+            <a:r>
+              <a:rPr lang="en-US" dirty="0"/>
               <a:t>Author’s Email: </a:t>
             </a:r>
             <a:r>
-              <a:rPr lang="en-US" dirty="0" smtClean="0">
+              <a:rPr lang="en-US" dirty="0">
                 <a:hlinkClick r:id="rId3"/>
               </a:rPr>
               <a:t>team@droidsrobotics.org</a:t>
             </a:r>
-            <a:r>
-              <a:rPr lang="en-US" dirty="0" smtClean="0"/>
-              <a:t/>
-            </a:r>
             <a:br>
-              <a:rPr lang="en-US" dirty="0" smtClean="0"/>
+              <a:rPr lang="en-US" dirty="0"/>
             </a:br>
-            <a:endParaRPr lang="en-US" dirty="0" smtClean="0"/>
+            <a:endParaRPr lang="en-US" dirty="0"/>
           </a:p>
         </p:txBody>
       </p:sp>
@@ -5508,8 +9462,8 @@
           <a:lstStyle/>
           <a:p>
             <a:r>
-              <a:rPr lang="en-US" smtClean="0"/>
-              <a:t>© 2015, EV3Lessons.com, (last edit 4/5/2015)</a:t>
+              <a:rPr lang="en-US"/>
+              <a:t>© 2016 EV3Lessons.com, Last edit 7/06/2016</a:t>
             </a:r>
             <a:endParaRPr lang="en-US" dirty="0"/>
           </a:p>
@@ -5563,7 +9517,7 @@
           <a:effectLst/>
           <a:extLst>
             <a:ext uri="{91240B29-F687-4f45-9708-019B960494DF}">
-              <a14:hiddenLine xmlns="" xmlns:a14="http://schemas.microsoft.com/office/drawing/2010/main" w="9525">
+              <a14:hiddenLine xmlns:a14="http://schemas.microsoft.com/office/drawing/2010/main" xmlns="" w="9525">
                 <a:solidFill>
                   <a:schemeClr val="tx1"/>
                 </a:solidFill>
@@ -5573,7 +9527,7 @@
               </a14:hiddenLine>
             </a:ext>
             <a:ext uri="{AF507438-7753-43e0-B8FC-AC1667EBCBE1}">
-              <a14:hiddenEffects xmlns="" xmlns:a14="http://schemas.microsoft.com/office/drawing/2010/main">
+              <a14:hiddenEffects xmlns:a14="http://schemas.microsoft.com/office/drawing/2010/main" xmlns="">
                 <a:effectLst>
                   <a:outerShdw dist="35921" dir="2700000" algn="ctr" rotWithShape="0">
                     <a:schemeClr val="bg2"/>
@@ -5736,7 +9690,7 @@
               <a:tabLst/>
             </a:pPr>
             <a:r>
-              <a:rPr kumimoji="0" lang="en-US" altLang="en-US" sz="2000" b="0" i="0" u="none" strike="noStrike" cap="none" normalizeH="0" baseline="0" dirty="0" smtClean="0">
+              <a:rPr kumimoji="0" lang="en-US" altLang="en-US" sz="2000" b="0" i="0" u="none" strike="noStrike" cap="none" normalizeH="0" baseline="0" dirty="0">
                 <a:ln>
                   <a:noFill/>
                 </a:ln>
@@ -5748,20 +9702,8 @@
               </a:rPr>
               <a:t>                         </a:t>
             </a:r>
-            <a:r>
-              <a:rPr kumimoji="0" lang="en-US" altLang="en-US" sz="1600" b="0" i="0" u="none" strike="noStrike" cap="none" normalizeH="0" baseline="0" dirty="0" smtClean="0">
-                <a:ln>
-                  <a:noFill/>
-                </a:ln>
-                <a:solidFill>
-                  <a:schemeClr val="tx1"/>
-                </a:solidFill>
-                <a:effectLst/>
-              </a:rPr>
-              <a:t/>
-            </a:r>
             <a:br>
-              <a:rPr kumimoji="0" lang="en-US" altLang="en-US" sz="1600" b="0" i="0" u="none" strike="noStrike" cap="none" normalizeH="0" baseline="0" dirty="0" smtClean="0">
+              <a:rPr kumimoji="0" lang="en-US" altLang="en-US" sz="1600" b="0" i="0" u="none" strike="noStrike" cap="none" normalizeH="0" baseline="0" dirty="0">
                 <a:ln>
                   <a:noFill/>
                 </a:ln>
@@ -5772,7 +9714,7 @@
               </a:rPr>
             </a:br>
             <a:r>
-              <a:rPr kumimoji="0" lang="en-US" altLang="en-US" sz="2000" b="0" i="0" u="none" strike="noStrike" cap="none" normalizeH="0" baseline="0" dirty="0" smtClean="0">
+              <a:rPr kumimoji="0" lang="en-US" altLang="en-US" sz="2000" b="0" i="0" u="none" strike="noStrike" cap="none" normalizeH="0" baseline="0" dirty="0">
                 <a:ln>
                   <a:noFill/>
                 </a:ln>
@@ -5785,7 +9727,7 @@
               <a:t>This work is licensed under a </a:t>
             </a:r>
             <a:r>
-              <a:rPr kumimoji="0" lang="en-US" altLang="en-US" sz="2000" b="0" i="0" u="none" strike="noStrike" cap="none" normalizeH="0" baseline="0" dirty="0" smtClean="0">
+              <a:rPr kumimoji="0" lang="en-US" altLang="en-US" sz="2000" b="0" i="0" u="none" strike="noStrike" cap="none" normalizeH="0" baseline="0" dirty="0">
                 <a:ln>
                   <a:noFill/>
                 </a:ln>
@@ -5799,7 +9741,7 @@
               <a:t>Creative Commons Attribution-</a:t>
             </a:r>
             <a:r>
-              <a:rPr kumimoji="0" lang="en-US" altLang="en-US" sz="2000" b="0" i="0" u="none" strike="noStrike" cap="none" normalizeH="0" baseline="0" dirty="0" err="1" smtClean="0">
+              <a:rPr kumimoji="0" lang="en-US" altLang="en-US" sz="2000" b="0" i="0" u="none" strike="noStrike" cap="none" normalizeH="0" baseline="0" dirty="0" err="1">
                 <a:ln>
                   <a:noFill/>
                 </a:ln>
@@ -5813,7 +9755,7 @@
               <a:t>NonCommercial</a:t>
             </a:r>
             <a:r>
-              <a:rPr kumimoji="0" lang="en-US" altLang="en-US" sz="2000" b="0" i="0" u="none" strike="noStrike" cap="none" normalizeH="0" baseline="0" dirty="0" smtClean="0">
+              <a:rPr kumimoji="0" lang="en-US" altLang="en-US" sz="2000" b="0" i="0" u="none" strike="noStrike" cap="none" normalizeH="0" baseline="0" dirty="0">
                 <a:ln>
                   <a:noFill/>
                 </a:ln>
@@ -5827,7 +9769,7 @@
               <a:t>-</a:t>
             </a:r>
             <a:r>
-              <a:rPr kumimoji="0" lang="en-US" altLang="en-US" sz="2000" b="0" i="0" u="none" strike="noStrike" cap="none" normalizeH="0" baseline="0" dirty="0" err="1" smtClean="0">
+              <a:rPr kumimoji="0" lang="en-US" altLang="en-US" sz="2000" b="0" i="0" u="none" strike="noStrike" cap="none" normalizeH="0" baseline="0" dirty="0" err="1">
                 <a:ln>
                   <a:noFill/>
                 </a:ln>
@@ -5841,7 +9783,7 @@
               <a:t>ShareAlike</a:t>
             </a:r>
             <a:r>
-              <a:rPr kumimoji="0" lang="en-US" altLang="en-US" sz="2000" b="0" i="0" u="none" strike="noStrike" cap="none" normalizeH="0" baseline="0" dirty="0" smtClean="0">
+              <a:rPr kumimoji="0" lang="en-US" altLang="en-US" sz="2000" b="0" i="0" u="none" strike="noStrike" cap="none" normalizeH="0" baseline="0" dirty="0">
                 <a:ln>
                   <a:noFill/>
                 </a:ln>
@@ -5855,7 +9797,7 @@
               <a:t> 4.0 International License</a:t>
             </a:r>
             <a:r>
-              <a:rPr kumimoji="0" lang="en-US" altLang="en-US" sz="2000" b="0" i="0" u="none" strike="noStrike" cap="none" normalizeH="0" baseline="0" dirty="0" smtClean="0">
+              <a:rPr kumimoji="0" lang="en-US" altLang="en-US" sz="2000" b="0" i="0" u="none" strike="noStrike" cap="none" normalizeH="0" baseline="0" dirty="0">
                 <a:ln>
                   <a:noFill/>
                 </a:ln>
@@ -5868,7 +9810,7 @@
               <a:t>.</a:t>
             </a:r>
             <a:r>
-              <a:rPr kumimoji="0" lang="en-US" altLang="en-US" sz="1600" b="0" i="0" u="none" strike="noStrike" cap="none" normalizeH="0" baseline="0" dirty="0" smtClean="0">
+              <a:rPr kumimoji="0" lang="en-US" altLang="en-US" sz="1600" b="0" i="0" u="none" strike="noStrike" cap="none" normalizeH="0" baseline="0" dirty="0">
                 <a:ln>
                   <a:noFill/>
                 </a:ln>
@@ -5879,7 +9821,7 @@
               </a:rPr>
               <a:t> </a:t>
             </a:r>
-            <a:endParaRPr kumimoji="0" lang="en-US" altLang="en-US" sz="2000" b="0" i="0" u="none" strike="noStrike" cap="none" normalizeH="0" baseline="0" dirty="0" smtClean="0">
+            <a:endParaRPr kumimoji="0" lang="en-US" altLang="en-US" sz="2000" b="0" i="0" u="none" strike="noStrike" cap="none" normalizeH="0" baseline="0" dirty="0">
               <a:ln>
                 <a:noFill/>
               </a:ln>
@@ -5926,7 +9868,7 @@
           <a:noFill/>
           <a:extLst>
             <a:ext uri="{909E8E84-426E-40dd-AFC4-6F175D3DCCD1}">
-              <a14:hiddenFill xmlns="" xmlns:a14="http://schemas.microsoft.com/office/drawing/2010/main">
+              <a14:hiddenFill xmlns:a14="http://schemas.microsoft.com/office/drawing/2010/main" xmlns="">
                 <a:solidFill>
                   <a:srgbClr val="FFFFFF"/>
                 </a:solidFill>
@@ -5945,13 +9887,6 @@
   <p:clrMapOvr>
     <a:masterClrMapping/>
   </p:clrMapOvr>
-  <p:timing>
-    <p:tnLst>
-      <p:par>
-        <p:cTn id="1" dur="indefinite" restart="never" nodeType="tmRoot"/>
-      </p:par>
-    </p:tnLst>
-  </p:timing>
 </p:sld>
 </file>
 
@@ -5988,10 +9923,9 @@
           <a:lstStyle/>
           <a:p>
             <a:r>
-              <a:rPr lang="en-US" dirty="0" smtClean="0"/>
+              <a:rPr lang="en-US" dirty="0"/>
               <a:t>Lesson Objectives</a:t>
             </a:r>
-            <a:endParaRPr lang="en-US" dirty="0"/>
           </a:p>
         </p:txBody>
       </p:sp>
@@ -6014,7 +9948,7 @@
               <a:buAutoNum type="arabicParenR"/>
             </a:pPr>
             <a:r>
-              <a:rPr lang="en-US" dirty="0" smtClean="0"/>
+              <a:rPr lang="en-US" dirty="0"/>
               <a:t>Learn the importance of debugging</a:t>
             </a:r>
           </a:p>
@@ -6023,10 +9957,9 @@
               <a:buAutoNum type="arabicParenR"/>
             </a:pPr>
             <a:r>
-              <a:rPr lang="en-US" dirty="0" smtClean="0"/>
+              <a:rPr lang="en-US" dirty="0"/>
               <a:t>Learn some techniques for debugging your code</a:t>
             </a:r>
-            <a:endParaRPr lang="en-US" dirty="0"/>
           </a:p>
         </p:txBody>
       </p:sp>
@@ -6046,10 +9979,9 @@
           <a:lstStyle/>
           <a:p>
             <a:r>
-              <a:rPr lang="en-US" smtClean="0"/>
-              <a:t>© 2015, EV3Lessons.com, (last edit 4/5/2015)</a:t>
-            </a:r>
-            <a:endParaRPr lang="en-US"/>
+              <a:rPr lang="en-US"/>
+              <a:t>© 2016 EV3Lessons.com, Last edit 7/06/2016</a:t>
+            </a:r>
           </a:p>
         </p:txBody>
       </p:sp>
@@ -6122,7 +10054,7 @@
           <a:lstStyle/>
           <a:p>
             <a:r>
-              <a:rPr lang="en-US" smtClean="0"/>
+              <a:rPr lang="en-US"/>
               <a:t>Why Debug?</a:t>
             </a:r>
             <a:endParaRPr lang="en-US" dirty="0"/>
@@ -6145,28 +10077,27 @@
           <a:lstStyle/>
           <a:p>
             <a:r>
-              <a:rPr lang="en-US" dirty="0" smtClean="0"/>
+              <a:rPr lang="en-US" dirty="0"/>
               <a:t>Debugging is a useful strategy to figure out where in your program something is going wrong or what went wrong</a:t>
             </a:r>
           </a:p>
           <a:p>
             <a:r>
-              <a:rPr lang="en-US" dirty="0" smtClean="0"/>
+              <a:rPr lang="en-US" dirty="0"/>
               <a:t>Once your code starts to become long or complicated (e.g. using sensors), it can become hard to figure out where in the program you are</a:t>
             </a:r>
           </a:p>
           <a:p>
             <a:r>
-              <a:rPr lang="en-US" dirty="0" smtClean="0"/>
+              <a:rPr lang="en-US" dirty="0"/>
               <a:t>The following slides show you some ways of knowing where you are in your program or knowing what values your sensors see</a:t>
             </a:r>
           </a:p>
           <a:p>
             <a:r>
-              <a:rPr lang="en-US" dirty="0" smtClean="0"/>
+              <a:rPr lang="en-US" dirty="0"/>
               <a:t>You will see that these techniques can be VERY USEFUL to any programmer.</a:t>
             </a:r>
-            <a:endParaRPr lang="en-US" dirty="0" smtClean="0"/>
           </a:p>
         </p:txBody>
       </p:sp>
@@ -6186,10 +10117,9 @@
           <a:lstStyle/>
           <a:p>
             <a:r>
-              <a:rPr lang="en-US" smtClean="0"/>
-              <a:t>© 2015, EV3Lessons.com, (last edit 4/5/2015)</a:t>
-            </a:r>
-            <a:endParaRPr lang="en-US"/>
+              <a:rPr lang="en-US"/>
+              <a:t>© 2016 EV3Lessons.com, Last edit 7/06/2016</a:t>
+            </a:r>
           </a:p>
         </p:txBody>
       </p:sp>
@@ -6255,7 +10185,7 @@
           <a:p>
             <a:pPr algn="ctr"/>
             <a:r>
-              <a:rPr lang="en-US" dirty="0" smtClean="0">
+              <a:rPr lang="en-US" dirty="0">
                 <a:solidFill>
                   <a:srgbClr val="000000"/>
                 </a:solidFill>
@@ -6263,22 +10193,17 @@
               <a:t>Locate</a:t>
             </a:r>
             <a:r>
-              <a:rPr lang="en-US" dirty="0" smtClean="0"/>
+              <a:rPr lang="en-US" dirty="0"/>
               <a:t> </a:t>
             </a:r>
             <a:r>
-              <a:rPr lang="en-US" dirty="0" smtClean="0">
+              <a:rPr lang="en-US" dirty="0">
                 <a:solidFill>
                   <a:srgbClr val="000000"/>
                 </a:solidFill>
               </a:rPr>
               <a:t>Error</a:t>
             </a:r>
-            <a:endParaRPr lang="en-US" dirty="0">
-              <a:solidFill>
-                <a:srgbClr val="000000"/>
-              </a:solidFill>
-            </a:endParaRPr>
           </a:p>
         </p:txBody>
       </p:sp>
@@ -6320,10 +10245,9 @@
           <a:p>
             <a:pPr algn="ctr"/>
             <a:r>
-              <a:rPr lang="en-US" dirty="0" smtClean="0"/>
+              <a:rPr lang="en-US" dirty="0"/>
               <a:t>Think of Solution</a:t>
             </a:r>
-            <a:endParaRPr lang="en-US" dirty="0"/>
           </a:p>
         </p:txBody>
       </p:sp>
@@ -6365,18 +10289,13 @@
           <a:p>
             <a:pPr algn="ctr"/>
             <a:r>
-              <a:rPr lang="en-US" dirty="0" smtClean="0">
+              <a:rPr lang="en-US" dirty="0">
                 <a:solidFill>
                   <a:schemeClr val="tx1"/>
                 </a:solidFill>
               </a:rPr>
               <a:t>Re-Test Program</a:t>
             </a:r>
-            <a:endParaRPr lang="en-US" dirty="0">
-              <a:solidFill>
-                <a:schemeClr val="tx1"/>
-              </a:solidFill>
-            </a:endParaRPr>
           </a:p>
         </p:txBody>
       </p:sp>
@@ -6418,10 +10337,9 @@
           <a:p>
             <a:pPr algn="ctr"/>
             <a:r>
-              <a:rPr lang="en-US" dirty="0" smtClean="0"/>
+              <a:rPr lang="en-US" dirty="0"/>
               <a:t>Fix Error</a:t>
             </a:r>
-            <a:endParaRPr lang="en-US" dirty="0"/>
           </a:p>
         </p:txBody>
       </p:sp>
@@ -6645,10 +10563,9 @@
           <a:p>
             <a:pPr algn="ctr"/>
             <a:r>
-              <a:rPr lang="en-US" dirty="0" smtClean="0"/>
+              <a:rPr lang="en-US" dirty="0"/>
               <a:t>HURRAY!</a:t>
             </a:r>
-            <a:endParaRPr lang="en-US" dirty="0"/>
           </a:p>
         </p:txBody>
       </p:sp>
@@ -6662,21 +10579,6 @@
   <p:clrMapOvr>
     <a:masterClrMapping/>
   </p:clrMapOvr>
-  <mc:AlternateContent xmlns:mc="http://schemas.openxmlformats.org/markup-compatibility/2006" xmlns:p14="http://schemas.microsoft.com/office/powerpoint/2010/main">
-    <mc:Choice Requires="p14">
-      <p:transition spd="slow" p14:dur="2000"/>
-    </mc:Choice>
-    <mc:Fallback xmlns="">
-      <p:transition xmlns:p14="http://schemas.microsoft.com/office/powerpoint/2010/main" spd="slow"/>
-    </mc:Fallback>
-  </mc:AlternateContent>
-  <p:timing>
-    <p:tnLst>
-      <p:par>
-        <p:cTn id="1" dur="indefinite" restart="never" nodeType="tmRoot"/>
-      </p:par>
-    </p:tnLst>
-  </p:timing>
 </p:sld>
 </file>
 
@@ -6713,10 +10615,9 @@
           <a:lstStyle/>
           <a:p>
             <a:r>
-              <a:rPr lang="en-US" dirty="0" smtClean="0"/>
+              <a:rPr lang="en-US" dirty="0"/>
               <a:t>Different Techniques</a:t>
             </a:r>
-            <a:endParaRPr lang="en-US" dirty="0"/>
           </a:p>
         </p:txBody>
       </p:sp>
@@ -6744,7 +10645,7 @@
           <a:p>
             <a:pPr algn="ctr"/>
             <a:r>
-              <a:rPr lang="en-US" sz="2200" u="sng" dirty="0" smtClean="0"/>
+              <a:rPr lang="en-US" sz="2200" u="sng" dirty="0"/>
               <a:t>Play Selected vs. Button Press</a:t>
             </a:r>
           </a:p>
@@ -6754,7 +10655,7 @@
               <a:buChar char="•"/>
             </a:pPr>
             <a:r>
-              <a:rPr lang="en-US" b="0" dirty="0" smtClean="0"/>
+              <a:rPr lang="en-US" b="0" dirty="0"/>
               <a:t>Very similar techniques</a:t>
             </a:r>
           </a:p>
@@ -6764,7 +10665,7 @@
               <a:buChar char="•"/>
             </a:pPr>
             <a:r>
-              <a:rPr lang="en-US" b="0" dirty="0" smtClean="0"/>
+              <a:rPr lang="en-US" b="0" dirty="0"/>
               <a:t>Lets you try out smaller portions of code</a:t>
             </a:r>
           </a:p>
@@ -6774,14 +10675,14 @@
               <a:buChar char="•"/>
             </a:pPr>
             <a:r>
-              <a:rPr lang="en-US" b="0" dirty="0" smtClean="0"/>
+              <a:rPr lang="en-US" b="0" dirty="0"/>
               <a:t>Play Selected requires </a:t>
             </a:r>
             <a:r>
-              <a:rPr lang="en-US" b="0" dirty="0" err="1" smtClean="0"/>
+              <a:rPr lang="en-US" b="0" dirty="0" err="1"/>
               <a:t>bluetooth</a:t>
             </a:r>
-            <a:endParaRPr lang="en-US" b="0" dirty="0" smtClean="0"/>
+            <a:endParaRPr lang="en-US" b="0" dirty="0"/>
           </a:p>
           <a:p>
             <a:pPr marL="342900" indent="-342900">
@@ -6789,10 +10690,9 @@
               <a:buChar char="•"/>
             </a:pPr>
             <a:r>
-              <a:rPr lang="en-US" b="0" dirty="0" smtClean="0"/>
+              <a:rPr lang="en-US" b="0" dirty="0"/>
               <a:t>Button Press requires some care so you don’t jostle the robot when pressing the button</a:t>
             </a:r>
-            <a:endParaRPr lang="en-US" b="0" dirty="0"/>
           </a:p>
         </p:txBody>
       </p:sp>
@@ -6812,8 +10712,8 @@
           <a:lstStyle/>
           <a:p>
             <a:r>
-              <a:rPr lang="en-US" smtClean="0"/>
-              <a:t>© 2015, EV3Lessons.com, (last edit 4/5/2015)</a:t>
+              <a:rPr lang="en-US"/>
+              <a:t>© 2016 EV3Lessons.com, Last edit 7/06/2016</a:t>
             </a:r>
             <a:endParaRPr lang="en-US" dirty="0"/>
           </a:p>
@@ -7030,14 +10930,9 @@
           <a:p>
             <a:pPr algn="ctr"/>
             <a:r>
-              <a:rPr lang="en-US" sz="2400" b="0" u="sng" dirty="0" smtClean="0"/>
-              <a:t>Light, Sound and </a:t>
-            </a:r>
-            <a:r>
-              <a:rPr lang="en-US" sz="2400" b="0" u="sng" dirty="0" smtClean="0"/>
-              <a:t>Display</a:t>
-            </a:r>
-            <a:endParaRPr lang="en-US" sz="2400" b="0" u="sng" dirty="0" smtClean="0"/>
+              <a:rPr lang="en-US" sz="2400" b="0" u="sng" dirty="0"/>
+              <a:t>Light, Sound and Display</a:t>
+            </a:r>
           </a:p>
           <a:p>
             <a:pPr marL="342900" indent="-342900">
@@ -7158,14 +11053,6 @@
               </a:rPr>
               <a:t>Display Block comes in handy for knowing what block is played if your robot gets stuck and if you want to see the sensor values</a:t>
             </a:r>
-            <a:endParaRPr lang="en-US" sz="2200" b="0" dirty="0">
-              <a:solidFill>
-                <a:schemeClr val="tx1">
-                  <a:lumMod val="75000"/>
-                  <a:lumOff val="25000"/>
-                </a:schemeClr>
-              </a:solidFill>
-            </a:endParaRPr>
           </a:p>
         </p:txBody>
       </p:sp>
@@ -7179,13 +11066,6 @@
   <p:clrMapOvr>
     <a:masterClrMapping/>
   </p:clrMapOvr>
-  <p:timing>
-    <p:tnLst>
-      <p:par>
-        <p:cTn id="1" dur="indefinite" restart="never" nodeType="tmRoot"/>
-      </p:par>
-    </p:tnLst>
-  </p:timing>
 </p:sld>
 </file>
 
@@ -7222,10 +11102,9 @@
           <a:lstStyle/>
           <a:p>
             <a:r>
-              <a:rPr lang="en-US" dirty="0" smtClean="0"/>
+              <a:rPr lang="en-US" dirty="0"/>
               <a:t>Play Selected</a:t>
             </a:r>
-            <a:endParaRPr lang="en-US" dirty="0"/>
           </a:p>
         </p:txBody>
       </p:sp>
@@ -7320,10 +11199,9 @@
           <a:lstStyle/>
           <a:p>
             <a:r>
-              <a:rPr lang="sk-SK" smtClean="0"/>
-              <a:t>© 2015 EV3Lessons.com, Last edit 11/13/2015</a:t>
-            </a:r>
-            <a:endParaRPr lang="en-US"/>
+              <a:rPr lang="en-US"/>
+              <a:t>© 2016 EV3Lessons.com, Last edit 7/06/2016</a:t>
+            </a:r>
           </a:p>
         </p:txBody>
       </p:sp>
@@ -7464,10 +11342,9 @@
           <a:lstStyle/>
           <a:p>
             <a:r>
-              <a:rPr lang="en-US" dirty="0" smtClean="0"/>
+              <a:rPr lang="en-US" dirty="0"/>
               <a:t>Wait For Button Press</a:t>
             </a:r>
-            <a:endParaRPr lang="en-US" dirty="0"/>
           </a:p>
         </p:txBody>
       </p:sp>
@@ -7558,10 +11435,9 @@
           <a:lstStyle/>
           <a:p>
             <a:r>
-              <a:rPr lang="sk-SK" smtClean="0"/>
-              <a:t>© 2015 EV3Lessons.com, Last edit 11/13/2015</a:t>
-            </a:r>
-            <a:endParaRPr lang="en-US"/>
+              <a:rPr lang="en-US"/>
+              <a:t>© 2016 EV3Lessons.com, Last edit 7/06/2016</a:t>
+            </a:r>
           </a:p>
         </p:txBody>
       </p:sp>
@@ -7682,10 +11558,9 @@
           <a:lstStyle/>
           <a:p>
             <a:r>
-              <a:rPr lang="en-US" dirty="0" smtClean="0"/>
+              <a:rPr lang="en-US" dirty="0"/>
               <a:t>Visual Alerts: Brick Status Light</a:t>
             </a:r>
-            <a:endParaRPr lang="en-US" dirty="0"/>
           </a:p>
         </p:txBody>
       </p:sp>
@@ -7749,10 +11624,9 @@
           <a:lstStyle/>
           <a:p>
             <a:r>
-              <a:rPr lang="sk-SK" smtClean="0"/>
-              <a:t>© 2015 EV3Lessons.com, Last edit 11/13/2015</a:t>
-            </a:r>
-            <a:endParaRPr lang="en-US"/>
+              <a:rPr lang="en-US"/>
+              <a:t>© 2016 EV3Lessons.com, Last edit 7/06/2016</a:t>
+            </a:r>
           </a:p>
         </p:txBody>
       </p:sp>
@@ -7831,13 +11705,8 @@
             </a:pPr>
             <a:r>
               <a:rPr lang="en-US" dirty="0"/>
-              <a:t>Brick status light blocks can be used for </a:t>
-            </a:r>
-            <a:r>
-              <a:rPr lang="en-US" dirty="0" smtClean="0"/>
-              <a:t>warnings</a:t>
-            </a:r>
-            <a:endParaRPr lang="en-US" dirty="0"/>
+              <a:t>Brick status light blocks can be used for warnings</a:t>
+            </a:r>
           </a:p>
         </p:txBody>
       </p:sp>
@@ -7864,28 +11733,27 @@
           <a:lstStyle/>
           <a:p>
             <a:r>
-              <a:rPr lang="en-US" dirty="0" smtClean="0"/>
+              <a:rPr lang="en-US" dirty="0"/>
               <a:t>Brick</a:t>
             </a:r>
           </a:p>
           <a:p>
             <a:r>
-              <a:rPr lang="en-US" dirty="0" smtClean="0"/>
+              <a:rPr lang="en-US" dirty="0"/>
               <a:t>Status</a:t>
             </a:r>
           </a:p>
           <a:p>
             <a:r>
-              <a:rPr lang="en-US" dirty="0" smtClean="0"/>
+              <a:rPr lang="en-US" dirty="0"/>
               <a:t>Light</a:t>
             </a:r>
           </a:p>
           <a:p>
             <a:r>
-              <a:rPr lang="en-US" dirty="0" smtClean="0"/>
+              <a:rPr lang="en-US" dirty="0"/>
               <a:t>block</a:t>
             </a:r>
-            <a:endParaRPr lang="en-US" dirty="0"/>
           </a:p>
         </p:txBody>
       </p:sp>
@@ -8002,10 +11870,9 @@
           <a:lstStyle/>
           <a:p>
             <a:r>
-              <a:rPr lang="en-US" dirty="0" smtClean="0"/>
+              <a:rPr lang="en-US" dirty="0"/>
               <a:t>Sound Alerts: Sound Block</a:t>
             </a:r>
-            <a:endParaRPr lang="en-US" dirty="0"/>
           </a:p>
         </p:txBody>
       </p:sp>
@@ -8025,10 +11892,9 @@
           <a:lstStyle/>
           <a:p>
             <a:r>
-              <a:rPr lang="sk-SK" smtClean="0"/>
-              <a:t>© 2015 EV3Lessons.com, Last edit 11/13/2015</a:t>
-            </a:r>
-            <a:endParaRPr lang="en-US"/>
+              <a:rPr lang="en-US"/>
+              <a:t>© 2016 EV3Lessons.com, Last edit 7/06/2016</a:t>
+            </a:r>
           </a:p>
         </p:txBody>
       </p:sp>
@@ -8082,11 +11948,7 @@
             </a:pPr>
             <a:r>
               <a:rPr lang="en-US" sz="2000" dirty="0"/>
-              <a:t>You can insert different sounds at intervals (about every 5 blocks or so, and then run the program again while listening for beeps</a:t>
-            </a:r>
-            <a:r>
-              <a:rPr lang="en-US" sz="2000" dirty="0" smtClean="0"/>
-              <a:t>.</a:t>
+              <a:t>You can insert different sounds at intervals (about every 5 blocks or so, and then run the program again while listening for beeps.</a:t>
             </a:r>
           </a:p>
           <a:p>
@@ -8095,7 +11957,7 @@
               <a:buChar char="•"/>
             </a:pPr>
             <a:r>
-              <a:rPr lang="en-US" sz="2000" dirty="0" smtClean="0"/>
+              <a:rPr lang="en-US" sz="2000" dirty="0"/>
               <a:t>Once you pick Play Tone, select Play Type and pick “play once”</a:t>
             </a:r>
           </a:p>
@@ -8105,12 +11967,8 @@
               <a:buChar char="•"/>
             </a:pPr>
             <a:r>
-              <a:rPr lang="en-US" sz="2000" dirty="0" smtClean="0"/>
-              <a:t>These </a:t>
-            </a:r>
-            <a:r>
               <a:rPr lang="en-US" sz="2000" dirty="0"/>
-              <a:t>sounds can help you narrow down where in the program something is going wrong. </a:t>
+              <a:t>These sounds can help you narrow down where in the program something is going wrong. </a:t>
             </a:r>
           </a:p>
         </p:txBody>
@@ -8273,16 +12131,15 @@
           <a:lstStyle/>
           <a:p>
             <a:r>
-              <a:rPr lang="en-US" dirty="0" smtClean="0"/>
+              <a:rPr lang="en-US" dirty="0"/>
               <a:t>Sound</a:t>
             </a:r>
           </a:p>
           <a:p>
             <a:r>
-              <a:rPr lang="en-US" dirty="0" smtClean="0"/>
+              <a:rPr lang="en-US" dirty="0"/>
               <a:t>block</a:t>
             </a:r>
-            <a:endParaRPr lang="en-US" dirty="0"/>
           </a:p>
         </p:txBody>
       </p:sp>
@@ -8376,10 +12233,9 @@
           <a:lstStyle/>
           <a:p>
             <a:r>
-              <a:rPr lang="en-US" dirty="0" smtClean="0"/>
+              <a:rPr lang="en-US" dirty="0"/>
               <a:t>Print to Screen: Display Block</a:t>
             </a:r>
-            <a:endParaRPr lang="en-US" dirty="0"/>
           </a:p>
         </p:txBody>
       </p:sp>
@@ -8399,10 +12255,9 @@
           <a:lstStyle/>
           <a:p>
             <a:r>
-              <a:rPr lang="sk-SK" smtClean="0"/>
-              <a:t>© 2015 EV3Lessons.com, Last edit 11/13/2015</a:t>
-            </a:r>
-            <a:endParaRPr lang="en-US"/>
+              <a:rPr lang="en-US"/>
+              <a:t>© 2016 EV3Lessons.com, Last edit 7/06/2016</a:t>
+            </a:r>
           </a:p>
         </p:txBody>
       </p:sp>
@@ -8489,7 +12344,6 @@
               <a:rPr lang="en-US" sz="2000" dirty="0"/>
               <a:t>Showing which block is playing on your robot </a:t>
             </a:r>
-            <a:endParaRPr lang="en-US" sz="2000" dirty="0" smtClean="0"/>
           </a:p>
           <a:p>
             <a:pPr marL="742950" lvl="1" indent="-285750">
@@ -8497,7 +12351,7 @@
               <a:buChar char="•"/>
             </a:pPr>
             <a:r>
-              <a:rPr lang="en-US" sz="2000" dirty="0" smtClean="0"/>
+              <a:rPr lang="en-US" sz="2000" dirty="0"/>
               <a:t>Helps identify what block the robot is stuck on</a:t>
             </a:r>
           </a:p>
@@ -8513,7 +12367,7 @@
               <a:buFont typeface="Arial"/>
               <a:buChar char="•"/>
             </a:pPr>
-            <a:endParaRPr lang="en-US" sz="2000" dirty="0" smtClean="0"/>
+            <a:endParaRPr lang="en-US" sz="2000" dirty="0"/>
           </a:p>
           <a:p>
             <a:pPr marL="742950" lvl="1" indent="-285750">
@@ -8527,7 +12381,7 @@
               <a:buFont typeface="Arial"/>
               <a:buChar char="•"/>
             </a:pPr>
-            <a:endParaRPr lang="en-US" sz="2000" dirty="0" smtClean="0"/>
+            <a:endParaRPr lang="en-US" sz="2000" dirty="0"/>
           </a:p>
           <a:p>
             <a:pPr marL="742950" lvl="1" indent="-285750">
@@ -8541,13 +12395,13 @@
               <a:buFont typeface="Arial"/>
               <a:buChar char="•"/>
             </a:pPr>
-            <a:endParaRPr lang="en-US" sz="2000" dirty="0" smtClean="0"/>
-          </a:p>
-          <a:p>
             <a:endParaRPr lang="en-US" sz="2000" dirty="0"/>
           </a:p>
           <a:p>
-            <a:endParaRPr lang="en-US" sz="2000" dirty="0" smtClean="0"/>
+            <a:endParaRPr lang="en-US" sz="2000" dirty="0"/>
+          </a:p>
+          <a:p>
+            <a:endParaRPr lang="en-US" sz="2000" dirty="0"/>
           </a:p>
           <a:p>
             <a:pPr marL="285750" indent="-285750">
@@ -8555,18 +12409,9 @@
               <a:buChar char="•"/>
             </a:pPr>
             <a:r>
-              <a:rPr lang="en-US" sz="2000" dirty="0" smtClean="0"/>
-              <a:t>Seeing </a:t>
-            </a:r>
-            <a:r>
               <a:rPr lang="en-US" sz="2000" dirty="0"/>
-              <a:t>the sensor </a:t>
-            </a:r>
-            <a:r>
-              <a:rPr lang="en-US" sz="2000" dirty="0" smtClean="0"/>
-              <a:t>readings – to see what the robot sees!</a:t>
-            </a:r>
-            <a:endParaRPr lang="en-US" sz="2000" dirty="0"/>
+              <a:t>Seeing the sensor readings – to see what the robot sees!</a:t>
+            </a:r>
           </a:p>
         </p:txBody>
       </p:sp>
@@ -9041,9 +12886,9 @@
 </file>
 
 <file path=ppt/theme/theme2.xml><?xml version="1.0" encoding="utf-8"?>
-<a:theme xmlns:a="http://schemas.openxmlformats.org/drawingml/2006/main" name="Office Theme">
+<a:theme xmlns:a="http://schemas.openxmlformats.org/drawingml/2006/main" name="intermediatev2">
   <a:themeElements>
-    <a:clrScheme name="Office">
+    <a:clrScheme name="Blue II">
       <a:dk1>
         <a:sysClr val="windowText" lastClr="000000"/>
       </a:dk1>
@@ -9051,39 +12896,39 @@
         <a:sysClr val="window" lastClr="FFFFFF"/>
       </a:lt1>
       <a:dk2>
-        <a:srgbClr val="1F497D"/>
+        <a:srgbClr val="335B74"/>
       </a:dk2>
       <a:lt2>
-        <a:srgbClr val="EEECE1"/>
+        <a:srgbClr val="DFE3E5"/>
       </a:lt2>
       <a:accent1>
-        <a:srgbClr val="4F81BD"/>
+        <a:srgbClr val="1CADE4"/>
       </a:accent1>
       <a:accent2>
-        <a:srgbClr val="C0504D"/>
+        <a:srgbClr val="2683C6"/>
       </a:accent2>
       <a:accent3>
-        <a:srgbClr val="9BBB59"/>
+        <a:srgbClr val="27CED7"/>
       </a:accent3>
       <a:accent4>
-        <a:srgbClr val="8064A2"/>
+        <a:srgbClr val="42BA97"/>
       </a:accent4>
       <a:accent5>
-        <a:srgbClr val="4BACC6"/>
+        <a:srgbClr val="3E8853"/>
       </a:accent5>
       <a:accent6>
-        <a:srgbClr val="F79646"/>
+        <a:srgbClr val="62A39F"/>
       </a:accent6>
       <a:hlink>
-        <a:srgbClr val="0000FF"/>
+        <a:srgbClr val="6EAC1C"/>
       </a:hlink>
       <a:folHlink>
-        <a:srgbClr val="800080"/>
+        <a:srgbClr val="B26B02"/>
       </a:folHlink>
     </a:clrScheme>
-    <a:fontScheme name="Office">
+    <a:fontScheme name="Retrospect">
       <a:majorFont>
-        <a:latin typeface="Calibri"/>
+        <a:latin typeface="Calibri Light" panose="020F0302020204030204"/>
         <a:ea typeface=""/>
         <a:cs typeface=""/>
         <a:font script="Jpan" typeface="ＭＳ Ｐゴシック"/>
@@ -9118,7 +12963,7 @@
         <a:font script="Geor" typeface="Sylfaen"/>
       </a:majorFont>
       <a:minorFont>
-        <a:latin typeface="Calibri"/>
+        <a:latin typeface="Calibri" panose="020F0502020204030204"/>
         <a:ea typeface=""/>
         <a:cs typeface=""/>
         <a:font script="Jpan" typeface="ＭＳ Ｐゴシック"/>
@@ -9153,7 +12998,7 @@
         <a:font script="Geor" typeface="Sylfaen"/>
       </a:minorFont>
     </a:fontScheme>
-    <a:fmtScheme name="Office">
+    <a:fmtScheme name="Retrospect">
       <a:fillStyleLst>
         <a:solidFill>
           <a:schemeClr val="phClr"/>
@@ -9162,52 +13007,73 @@
           <a:gsLst>
             <a:gs pos="0">
               <a:schemeClr val="phClr">
-                <a:tint val="50000"/>
-                <a:satMod val="300000"/>
+                <a:tint val="65000"/>
+                <a:shade val="92000"/>
+                <a:satMod val="130000"/>
               </a:schemeClr>
             </a:gs>
-            <a:gs pos="35000">
+            <a:gs pos="45000">
               <a:schemeClr val="phClr">
-                <a:tint val="37000"/>
-                <a:satMod val="300000"/>
+                <a:tint val="60000"/>
+                <a:shade val="99000"/>
+                <a:satMod val="120000"/>
               </a:schemeClr>
             </a:gs>
             <a:gs pos="100000">
               <a:schemeClr val="phClr">
-                <a:tint val="15000"/>
-                <a:satMod val="350000"/>
+                <a:tint val="55000"/>
+                <a:satMod val="140000"/>
               </a:schemeClr>
             </a:gs>
           </a:gsLst>
-          <a:lin ang="16200000" scaled="1"/>
+          <a:path path="circle">
+            <a:fillToRect l="100000" t="100000" r="100000" b="100000"/>
+          </a:path>
         </a:gradFill>
         <a:gradFill rotWithShape="1">
           <a:gsLst>
             <a:gs pos="0">
               <a:schemeClr val="phClr">
+                <a:shade val="85000"/>
+                <a:satMod val="130000"/>
+              </a:schemeClr>
+            </a:gs>
+            <a:gs pos="34000">
+              <a:schemeClr val="phClr">
+                <a:shade val="87000"/>
+                <a:satMod val="125000"/>
+              </a:schemeClr>
+            </a:gs>
+            <a:gs pos="70000">
+              <a:schemeClr val="phClr">
                 <a:tint val="100000"/>
-                <a:shade val="100000"/>
+                <a:shade val="90000"/>
                 <a:satMod val="130000"/>
               </a:schemeClr>
             </a:gs>
             <a:gs pos="100000">
               <a:schemeClr val="phClr">
-                <a:tint val="50000"/>
+                <a:tint val="100000"/>
                 <a:shade val="100000"/>
-                <a:satMod val="350000"/>
+                <a:satMod val="110000"/>
               </a:schemeClr>
             </a:gs>
           </a:gsLst>
-          <a:lin ang="16200000" scaled="0"/>
+          <a:path path="circle">
+            <a:fillToRect l="100000" t="100000" r="100000" b="100000"/>
+          </a:path>
         </a:gradFill>
       </a:fillStyleLst>
       <a:lnStyleLst>
-        <a:ln w="9525" cap="flat" cmpd="sng" algn="ctr">
+        <a:ln w="12700" cap="flat" cmpd="sng" algn="ctr">
           <a:solidFill>
-            <a:schemeClr val="phClr">
-              <a:shade val="95000"/>
-              <a:satMod val="105000"/>
-            </a:schemeClr>
+            <a:schemeClr val="phClr"/>
+          </a:solidFill>
+          <a:prstDash val="solid"/>
+        </a:ln>
+        <a:ln w="15875" cap="flat" cmpd="sng" algn="ctr">
+          <a:solidFill>
+            <a:schemeClr val="phClr"/>
           </a:solidFill>
           <a:prstDash val="solid"/>
         </a:ln>
@@ -9217,37 +13083,25 @@
           </a:solidFill>
           <a:prstDash val="solid"/>
         </a:ln>
-        <a:ln w="38100" cap="flat" cmpd="sng" algn="ctr">
-          <a:solidFill>
-            <a:schemeClr val="phClr"/>
-          </a:solidFill>
-          <a:prstDash val="solid"/>
-        </a:ln>
       </a:lnStyleLst>
       <a:effectStyleLst>
         <a:effectStyle>
+          <a:effectLst/>
+        </a:effectStyle>
+        <a:effectStyle>
           <a:effectLst>
-            <a:outerShdw blurRad="40000" dist="20000" dir="5400000" rotWithShape="0">
+            <a:outerShdw blurRad="38100" dist="25400" dir="2700000" algn="br" rotWithShape="0">
               <a:srgbClr val="000000">
-                <a:alpha val="38000"/>
+                <a:alpha val="60000"/>
               </a:srgbClr>
             </a:outerShdw>
           </a:effectLst>
         </a:effectStyle>
         <a:effectStyle>
           <a:effectLst>
-            <a:outerShdw blurRad="40000" dist="23000" dir="5400000" rotWithShape="0">
+            <a:outerShdw blurRad="44450" dist="25400" dir="2700000" algn="br" rotWithShape="0">
               <a:srgbClr val="000000">
-                <a:alpha val="35000"/>
-              </a:srgbClr>
-            </a:outerShdw>
-          </a:effectLst>
-        </a:effectStyle>
-        <a:effectStyle>
-          <a:effectLst>
-            <a:outerShdw blurRad="40000" dist="23000" dir="5400000" rotWithShape="0">
-              <a:srgbClr val="000000">
-                <a:alpha val="35000"/>
+                <a:alpha val="60000"/>
               </a:srgbClr>
             </a:outerShdw>
           </a:effectLst>
@@ -9256,11 +13110,11 @@
               <a:rot lat="0" lon="0" rev="0"/>
             </a:camera>
             <a:lightRig rig="threePt" dir="t">
-              <a:rot lat="0" lon="0" rev="1200000"/>
+              <a:rot lat="0" lon="0" rev="19800000"/>
             </a:lightRig>
           </a:scene3d>
-          <a:sp3d>
-            <a:bevelT w="63500" h="25400"/>
+          <a:sp3d prstMaterial="flat">
+            <a:bevelT w="25400" h="31750"/>
           </a:sp3d>
         </a:effectStyle>
       </a:effectStyleLst>
@@ -9268,95 +13122,49 @@
         <a:solidFill>
           <a:schemeClr val="phClr"/>
         </a:solidFill>
+        <a:solidFill>
+          <a:schemeClr val="phClr">
+            <a:tint val="90000"/>
+            <a:shade val="97000"/>
+            <a:satMod val="130000"/>
+          </a:schemeClr>
+        </a:solidFill>
         <a:gradFill rotWithShape="1">
           <a:gsLst>
             <a:gs pos="0">
               <a:schemeClr val="phClr">
-                <a:tint val="40000"/>
-                <a:satMod val="350000"/>
+                <a:tint val="96000"/>
+                <a:shade val="99000"/>
+                <a:satMod val="140000"/>
               </a:schemeClr>
             </a:gs>
-            <a:gs pos="40000">
+            <a:gs pos="65000">
               <a:schemeClr val="phClr">
-                <a:tint val="45000"/>
-                <a:shade val="99000"/>
-                <a:satMod val="350000"/>
+                <a:tint val="100000"/>
+                <a:shade val="80000"/>
+                <a:satMod val="130000"/>
               </a:schemeClr>
             </a:gs>
             <a:gs pos="100000">
               <a:schemeClr val="phClr">
-                <a:shade val="20000"/>
-                <a:satMod val="255000"/>
+                <a:tint val="100000"/>
+                <a:shade val="48000"/>
+                <a:satMod val="120000"/>
               </a:schemeClr>
             </a:gs>
           </a:gsLst>
-          <a:path path="circle">
-            <a:fillToRect l="50000" t="-80000" r="50000" b="180000"/>
-          </a:path>
-        </a:gradFill>
-        <a:gradFill rotWithShape="1">
-          <a:gsLst>
-            <a:gs pos="0">
-              <a:schemeClr val="phClr">
-                <a:tint val="80000"/>
-                <a:satMod val="300000"/>
-              </a:schemeClr>
-            </a:gs>
-            <a:gs pos="100000">
-              <a:schemeClr val="phClr">
-                <a:shade val="30000"/>
-                <a:satMod val="200000"/>
-              </a:schemeClr>
-            </a:gs>
-          </a:gsLst>
-          <a:path path="circle">
-            <a:fillToRect l="50000" t="50000" r="50000" b="50000"/>
-          </a:path>
+          <a:lin ang="16200000" scaled="0"/>
         </a:gradFill>
       </a:bgFillStyleLst>
     </a:fmtScheme>
   </a:themeElements>
-  <a:objectDefaults>
-    <a:spDef>
-      <a:spPr/>
-      <a:bodyPr/>
-      <a:lstStyle/>
-      <a:style>
-        <a:lnRef idx="1">
-          <a:schemeClr val="accent1"/>
-        </a:lnRef>
-        <a:fillRef idx="3">
-          <a:schemeClr val="accent1"/>
-        </a:fillRef>
-        <a:effectRef idx="2">
-          <a:schemeClr val="accent1"/>
-        </a:effectRef>
-        <a:fontRef idx="minor">
-          <a:schemeClr val="lt1"/>
-        </a:fontRef>
-      </a:style>
-    </a:spDef>
-    <a:lnDef>
-      <a:spPr/>
-      <a:bodyPr/>
-      <a:lstStyle/>
-      <a:style>
-        <a:lnRef idx="2">
-          <a:schemeClr val="accent1"/>
-        </a:lnRef>
-        <a:fillRef idx="0">
-          <a:schemeClr val="accent1"/>
-        </a:fillRef>
-        <a:effectRef idx="1">
-          <a:schemeClr val="accent1"/>
-        </a:effectRef>
-        <a:fontRef idx="minor">
-          <a:schemeClr val="tx1"/>
-        </a:fontRef>
-      </a:style>
-    </a:lnDef>
-  </a:objectDefaults>
+  <a:objectDefaults/>
   <a:extraClrSchemeLst/>
+  <a:extLst>
+    <a:ext uri="{05A4C25C-085E-4340-85A3-A5531E510DB2}">
+      <thm15:themeFamily xmlns:thm15="http://schemas.microsoft.com/office/thememl/2012/main" name="intermediatev2" id="{63F5E447-E8B5-4335-8726-12777BA731C5}" vid="{7C754D33-5435-4000-AB94-F54A58B2A981}"/>
+    </a:ext>
+  </a:extLst>
 </a:theme>
 </file>
 
@@ -9678,4 +13486,324 @@
   </a:objectDefaults>
   <a:extraClrSchemeLst/>
 </a:theme>
+</file>
+
+<file path=ppt/theme/theme4.xml><?xml version="1.0" encoding="utf-8"?>
+<a:theme xmlns:a="http://schemas.openxmlformats.org/drawingml/2006/main" name="Office Theme">
+  <a:themeElements>
+    <a:clrScheme name="Office">
+      <a:dk1>
+        <a:sysClr val="windowText" lastClr="000000"/>
+      </a:dk1>
+      <a:lt1>
+        <a:sysClr val="window" lastClr="FFFFFF"/>
+      </a:lt1>
+      <a:dk2>
+        <a:srgbClr val="1F497D"/>
+      </a:dk2>
+      <a:lt2>
+        <a:srgbClr val="EEECE1"/>
+      </a:lt2>
+      <a:accent1>
+        <a:srgbClr val="4F81BD"/>
+      </a:accent1>
+      <a:accent2>
+        <a:srgbClr val="C0504D"/>
+      </a:accent2>
+      <a:accent3>
+        <a:srgbClr val="9BBB59"/>
+      </a:accent3>
+      <a:accent4>
+        <a:srgbClr val="8064A2"/>
+      </a:accent4>
+      <a:accent5>
+        <a:srgbClr val="4BACC6"/>
+      </a:accent5>
+      <a:accent6>
+        <a:srgbClr val="F79646"/>
+      </a:accent6>
+      <a:hlink>
+        <a:srgbClr val="0000FF"/>
+      </a:hlink>
+      <a:folHlink>
+        <a:srgbClr val="800080"/>
+      </a:folHlink>
+    </a:clrScheme>
+    <a:fontScheme name="Office">
+      <a:majorFont>
+        <a:latin typeface="Calibri"/>
+        <a:ea typeface=""/>
+        <a:cs typeface=""/>
+        <a:font script="Jpan" typeface="ＭＳ Ｐゴシック"/>
+        <a:font script="Hang" typeface="맑은 고딕"/>
+        <a:font script="Hans" typeface="宋体"/>
+        <a:font script="Hant" typeface="新細明體"/>
+        <a:font script="Arab" typeface="Times New Roman"/>
+        <a:font script="Hebr" typeface="Times New Roman"/>
+        <a:font script="Thai" typeface="Angsana New"/>
+        <a:font script="Ethi" typeface="Nyala"/>
+        <a:font script="Beng" typeface="Vrinda"/>
+        <a:font script="Gujr" typeface="Shruti"/>
+        <a:font script="Khmr" typeface="MoolBoran"/>
+        <a:font script="Knda" typeface="Tunga"/>
+        <a:font script="Guru" typeface="Raavi"/>
+        <a:font script="Cans" typeface="Euphemia"/>
+        <a:font script="Cher" typeface="Plantagenet Cherokee"/>
+        <a:font script="Yiii" typeface="Microsoft Yi Baiti"/>
+        <a:font script="Tibt" typeface="Microsoft Himalaya"/>
+        <a:font script="Thaa" typeface="MV Boli"/>
+        <a:font script="Deva" typeface="Mangal"/>
+        <a:font script="Telu" typeface="Gautami"/>
+        <a:font script="Taml" typeface="Latha"/>
+        <a:font script="Syrc" typeface="Estrangelo Edessa"/>
+        <a:font script="Orya" typeface="Kalinga"/>
+        <a:font script="Mlym" typeface="Kartika"/>
+        <a:font script="Laoo" typeface="DokChampa"/>
+        <a:font script="Sinh" typeface="Iskoola Pota"/>
+        <a:font script="Mong" typeface="Mongolian Baiti"/>
+        <a:font script="Viet" typeface="Times New Roman"/>
+        <a:font script="Uigh" typeface="Microsoft Uighur"/>
+        <a:font script="Geor" typeface="Sylfaen"/>
+      </a:majorFont>
+      <a:minorFont>
+        <a:latin typeface="Calibri"/>
+        <a:ea typeface=""/>
+        <a:cs typeface=""/>
+        <a:font script="Jpan" typeface="ＭＳ Ｐゴシック"/>
+        <a:font script="Hang" typeface="맑은 고딕"/>
+        <a:font script="Hans" typeface="宋体"/>
+        <a:font script="Hant" typeface="新細明體"/>
+        <a:font script="Arab" typeface="Arial"/>
+        <a:font script="Hebr" typeface="Arial"/>
+        <a:font script="Thai" typeface="Cordia New"/>
+        <a:font script="Ethi" typeface="Nyala"/>
+        <a:font script="Beng" typeface="Vrinda"/>
+        <a:font script="Gujr" typeface="Shruti"/>
+        <a:font script="Khmr" typeface="DaunPenh"/>
+        <a:font script="Knda" typeface="Tunga"/>
+        <a:font script="Guru" typeface="Raavi"/>
+        <a:font script="Cans" typeface="Euphemia"/>
+        <a:font script="Cher" typeface="Plantagenet Cherokee"/>
+        <a:font script="Yiii" typeface="Microsoft Yi Baiti"/>
+        <a:font script="Tibt" typeface="Microsoft Himalaya"/>
+        <a:font script="Thaa" typeface="MV Boli"/>
+        <a:font script="Deva" typeface="Mangal"/>
+        <a:font script="Telu" typeface="Gautami"/>
+        <a:font script="Taml" typeface="Latha"/>
+        <a:font script="Syrc" typeface="Estrangelo Edessa"/>
+        <a:font script="Orya" typeface="Kalinga"/>
+        <a:font script="Mlym" typeface="Kartika"/>
+        <a:font script="Laoo" typeface="DokChampa"/>
+        <a:font script="Sinh" typeface="Iskoola Pota"/>
+        <a:font script="Mong" typeface="Mongolian Baiti"/>
+        <a:font script="Viet" typeface="Arial"/>
+        <a:font script="Uigh" typeface="Microsoft Uighur"/>
+        <a:font script="Geor" typeface="Sylfaen"/>
+      </a:minorFont>
+    </a:fontScheme>
+    <a:fmtScheme name="Office">
+      <a:fillStyleLst>
+        <a:solidFill>
+          <a:schemeClr val="phClr"/>
+        </a:solidFill>
+        <a:gradFill rotWithShape="1">
+          <a:gsLst>
+            <a:gs pos="0">
+              <a:schemeClr val="phClr">
+                <a:tint val="50000"/>
+                <a:satMod val="300000"/>
+              </a:schemeClr>
+            </a:gs>
+            <a:gs pos="35000">
+              <a:schemeClr val="phClr">
+                <a:tint val="37000"/>
+                <a:satMod val="300000"/>
+              </a:schemeClr>
+            </a:gs>
+            <a:gs pos="100000">
+              <a:schemeClr val="phClr">
+                <a:tint val="15000"/>
+                <a:satMod val="350000"/>
+              </a:schemeClr>
+            </a:gs>
+          </a:gsLst>
+          <a:lin ang="16200000" scaled="1"/>
+        </a:gradFill>
+        <a:gradFill rotWithShape="1">
+          <a:gsLst>
+            <a:gs pos="0">
+              <a:schemeClr val="phClr">
+                <a:tint val="100000"/>
+                <a:shade val="100000"/>
+                <a:satMod val="130000"/>
+              </a:schemeClr>
+            </a:gs>
+            <a:gs pos="100000">
+              <a:schemeClr val="phClr">
+                <a:tint val="50000"/>
+                <a:shade val="100000"/>
+                <a:satMod val="350000"/>
+              </a:schemeClr>
+            </a:gs>
+          </a:gsLst>
+          <a:lin ang="16200000" scaled="0"/>
+        </a:gradFill>
+      </a:fillStyleLst>
+      <a:lnStyleLst>
+        <a:ln w="9525" cap="flat" cmpd="sng" algn="ctr">
+          <a:solidFill>
+            <a:schemeClr val="phClr">
+              <a:shade val="95000"/>
+              <a:satMod val="105000"/>
+            </a:schemeClr>
+          </a:solidFill>
+          <a:prstDash val="solid"/>
+        </a:ln>
+        <a:ln w="25400" cap="flat" cmpd="sng" algn="ctr">
+          <a:solidFill>
+            <a:schemeClr val="phClr"/>
+          </a:solidFill>
+          <a:prstDash val="solid"/>
+        </a:ln>
+        <a:ln w="38100" cap="flat" cmpd="sng" algn="ctr">
+          <a:solidFill>
+            <a:schemeClr val="phClr"/>
+          </a:solidFill>
+          <a:prstDash val="solid"/>
+        </a:ln>
+      </a:lnStyleLst>
+      <a:effectStyleLst>
+        <a:effectStyle>
+          <a:effectLst>
+            <a:outerShdw blurRad="40000" dist="20000" dir="5400000" rotWithShape="0">
+              <a:srgbClr val="000000">
+                <a:alpha val="38000"/>
+              </a:srgbClr>
+            </a:outerShdw>
+          </a:effectLst>
+        </a:effectStyle>
+        <a:effectStyle>
+          <a:effectLst>
+            <a:outerShdw blurRad="40000" dist="23000" dir="5400000" rotWithShape="0">
+              <a:srgbClr val="000000">
+                <a:alpha val="35000"/>
+              </a:srgbClr>
+            </a:outerShdw>
+          </a:effectLst>
+        </a:effectStyle>
+        <a:effectStyle>
+          <a:effectLst>
+            <a:outerShdw blurRad="40000" dist="23000" dir="5400000" rotWithShape="0">
+              <a:srgbClr val="000000">
+                <a:alpha val="35000"/>
+              </a:srgbClr>
+            </a:outerShdw>
+          </a:effectLst>
+          <a:scene3d>
+            <a:camera prst="orthographicFront">
+              <a:rot lat="0" lon="0" rev="0"/>
+            </a:camera>
+            <a:lightRig rig="threePt" dir="t">
+              <a:rot lat="0" lon="0" rev="1200000"/>
+            </a:lightRig>
+          </a:scene3d>
+          <a:sp3d>
+            <a:bevelT w="63500" h="25400"/>
+          </a:sp3d>
+        </a:effectStyle>
+      </a:effectStyleLst>
+      <a:bgFillStyleLst>
+        <a:solidFill>
+          <a:schemeClr val="phClr"/>
+        </a:solidFill>
+        <a:gradFill rotWithShape="1">
+          <a:gsLst>
+            <a:gs pos="0">
+              <a:schemeClr val="phClr">
+                <a:tint val="40000"/>
+                <a:satMod val="350000"/>
+              </a:schemeClr>
+            </a:gs>
+            <a:gs pos="40000">
+              <a:schemeClr val="phClr">
+                <a:tint val="45000"/>
+                <a:shade val="99000"/>
+                <a:satMod val="350000"/>
+              </a:schemeClr>
+            </a:gs>
+            <a:gs pos="100000">
+              <a:schemeClr val="phClr">
+                <a:shade val="20000"/>
+                <a:satMod val="255000"/>
+              </a:schemeClr>
+            </a:gs>
+          </a:gsLst>
+          <a:path path="circle">
+            <a:fillToRect l="50000" t="-80000" r="50000" b="180000"/>
+          </a:path>
+        </a:gradFill>
+        <a:gradFill rotWithShape="1">
+          <a:gsLst>
+            <a:gs pos="0">
+              <a:schemeClr val="phClr">
+                <a:tint val="80000"/>
+                <a:satMod val="300000"/>
+              </a:schemeClr>
+            </a:gs>
+            <a:gs pos="100000">
+              <a:schemeClr val="phClr">
+                <a:shade val="30000"/>
+                <a:satMod val="200000"/>
+              </a:schemeClr>
+            </a:gs>
+          </a:gsLst>
+          <a:path path="circle">
+            <a:fillToRect l="50000" t="50000" r="50000" b="50000"/>
+          </a:path>
+        </a:gradFill>
+      </a:bgFillStyleLst>
+    </a:fmtScheme>
+  </a:themeElements>
+  <a:objectDefaults>
+    <a:spDef>
+      <a:spPr/>
+      <a:bodyPr/>
+      <a:lstStyle/>
+      <a:style>
+        <a:lnRef idx="1">
+          <a:schemeClr val="accent1"/>
+        </a:lnRef>
+        <a:fillRef idx="3">
+          <a:schemeClr val="accent1"/>
+        </a:fillRef>
+        <a:effectRef idx="2">
+          <a:schemeClr val="accent1"/>
+        </a:effectRef>
+        <a:fontRef idx="minor">
+          <a:schemeClr val="lt1"/>
+        </a:fontRef>
+      </a:style>
+    </a:spDef>
+    <a:lnDef>
+      <a:spPr/>
+      <a:bodyPr/>
+      <a:lstStyle/>
+      <a:style>
+        <a:lnRef idx="2">
+          <a:schemeClr val="accent1"/>
+        </a:lnRef>
+        <a:fillRef idx="0">
+          <a:schemeClr val="accent1"/>
+        </a:fillRef>
+        <a:effectRef idx="1">
+          <a:schemeClr val="accent1"/>
+        </a:effectRef>
+        <a:fontRef idx="minor">
+          <a:schemeClr val="tx1"/>
+        </a:fontRef>
+      </a:style>
+    </a:lnDef>
+  </a:objectDefaults>
+  <a:extraClrSchemeLst/>
+</a:theme>
 </file>
--- a/translations/en-us/intermediate/Debug.pptx
+++ b/translations/en-us/intermediate/Debug.pptx
@@ -224,7 +224,7 @@
           <a:p>
             <a:fld id="{E00FA3B4-5499-9244-86B5-B0871A9DDD84}" type="datetimeFigureOut">
               <a:rPr lang="en-US" smtClean="0"/>
-              <a:t>7/7/2016</a:t>
+              <a:t>7/19/16</a:t>
             </a:fld>
             <a:endParaRPr lang="en-US"/>
           </a:p>
@@ -390,7 +390,7 @@
           <a:p>
             <a:fld id="{FD3EFF1E-85A1-6640-AFB9-C38833E80A84}" type="datetimeFigureOut">
               <a:rPr lang="en-US" smtClean="0"/>
-              <a:t>7/7/2016</a:t>
+              <a:t>7/19/16</a:t>
             </a:fld>
             <a:endParaRPr lang="en-US"/>
           </a:p>
@@ -931,7 +931,7 @@
           <a:p>
             <a:fld id="{A193DE47-B990-4036-93C3-F56F4BE3E903}" type="datetime1">
               <a:rPr lang="en-US" smtClean="0"/>
-              <a:t>7/7/2016</a:t>
+              <a:t>7/19/16</a:t>
             </a:fld>
             <a:endParaRPr lang="en-US"/>
           </a:p>
@@ -1191,7 +1191,7 @@
           <a:noFill/>
           <a:extLst>
             <a:ext uri="{909E8E84-426E-40dd-AFC4-6F175D3DCCD1}">
-              <a14:hiddenFill xmlns="" xmlns:a14="http://schemas.microsoft.com/office/drawing/2010/main">
+              <a14:hiddenFill xmlns:a14="http://schemas.microsoft.com/office/drawing/2010/main" xmlns="">
                 <a:solidFill>
                   <a:srgbClr val="FFFFFF"/>
                 </a:solidFill>
@@ -1322,7 +1322,7 @@
           <a:p>
             <a:fld id="{C40CF301-23CC-4414-ADC1-B056B5B1B8D5}" type="datetime1">
               <a:rPr lang="en-US" smtClean="0"/>
-              <a:t>7/7/2016</a:t>
+              <a:t>7/19/16</a:t>
             </a:fld>
             <a:endParaRPr lang="en-US"/>
           </a:p>
@@ -1581,7 +1581,7 @@
           <a:p>
             <a:fld id="{44381E98-7DFA-4183-A3E4-2014548663C6}" type="datetime1">
               <a:rPr lang="en-US" smtClean="0"/>
-              <a:t>7/7/2016</a:t>
+              <a:t>7/19/16</a:t>
             </a:fld>
             <a:endParaRPr lang="en-US"/>
           </a:p>
@@ -1835,7 +1835,7 @@
           <a:p>
             <a:fld id="{3B324B8D-C6E9-43FA-A0E1-0DDC9A3FC384}" type="datetime1">
               <a:rPr lang="en-US" smtClean="0"/>
-              <a:t>7/7/2016</a:t>
+              <a:t>7/19/16</a:t>
             </a:fld>
             <a:endParaRPr lang="en-US"/>
           </a:p>
@@ -2280,7 +2280,7 @@
           <a:p>
             <a:fld id="{F8D3558C-6097-47F9-AD38-72D8F4D436A7}" type="datetime1">
               <a:rPr lang="en-US" smtClean="0"/>
-              <a:t>7/7/2016</a:t>
+              <a:t>7/19/16</a:t>
             </a:fld>
             <a:endParaRPr lang="en-US"/>
           </a:p>
@@ -2626,7 +2626,7 @@
           <a:p>
             <a:fld id="{8A786A06-96D1-49A5-8737-1ABCA8AEEED5}" type="datetime1">
               <a:rPr lang="en-US" smtClean="0"/>
-              <a:t>7/7/2016</a:t>
+              <a:t>7/19/16</a:t>
             </a:fld>
             <a:endParaRPr lang="en-US"/>
           </a:p>
@@ -2904,7 +2904,7 @@
           <a:p>
             <a:fld id="{526A1DCE-348E-4FA6-8794-BBB1DB5A0381}" type="datetime1">
               <a:rPr lang="en-US" smtClean="0"/>
-              <a:t>7/7/2016</a:t>
+              <a:t>7/19/16</a:t>
             </a:fld>
             <a:endParaRPr lang="en-US"/>
           </a:p>
@@ -3287,7 +3287,7 @@
           <a:p>
             <a:fld id="{547DEDE7-68FA-4886-9F5A-BEFCB71585A3}" type="datetime1">
               <a:rPr lang="en-US" smtClean="0"/>
-              <a:t>7/7/2016</a:t>
+              <a:t>7/19/16</a:t>
             </a:fld>
             <a:endParaRPr lang="en-US"/>
           </a:p>
@@ -3408,7 +3408,7 @@
           <a:p>
             <a:fld id="{0E74060D-0A4F-41BA-9264-DF303B51D6DF}" type="datetime1">
               <a:rPr lang="en-US" smtClean="0"/>
-              <a:t>7/7/2016</a:t>
+              <a:t>7/19/16</a:t>
             </a:fld>
             <a:endParaRPr lang="en-US"/>
           </a:p>
@@ -3582,7 +3582,7 @@
           <a:p>
             <a:fld id="{F0CA9267-5E36-4F02-B978-4E5C0F69436C}" type="datetime1">
               <a:rPr lang="en-US" smtClean="0"/>
-              <a:t>7/7/2016</a:t>
+              <a:t>7/19/16</a:t>
             </a:fld>
             <a:endParaRPr lang="en-US"/>
           </a:p>
@@ -3939,7 +3939,7 @@
           <a:p>
             <a:fld id="{5A4BACF0-6053-405D-A1D2-DCB0AD357F51}" type="datetime1">
               <a:rPr lang="en-US" smtClean="0"/>
-              <a:t>7/7/2016</a:t>
+              <a:t>7/19/16</a:t>
             </a:fld>
             <a:endParaRPr lang="en-US"/>
           </a:p>
@@ -4133,7 +4133,7 @@
           <a:p>
             <a:fld id="{315262E3-0892-4A03-9FBE-B36019C93F96}" type="datetime1">
               <a:rPr lang="en-US" smtClean="0"/>
-              <a:t>7/7/2016</a:t>
+              <a:t>7/19/16</a:t>
             </a:fld>
             <a:endParaRPr lang="en-US"/>
           </a:p>
@@ -4497,7 +4497,7 @@
           <a:p>
             <a:fld id="{9986E7CA-DF89-40CD-BF8A-88352220E76C}" type="datetime1">
               <a:rPr lang="en-US" smtClean="0"/>
-              <a:t>7/7/2016</a:t>
+              <a:t>7/19/16</a:t>
             </a:fld>
             <a:endParaRPr lang="en-US"/>
           </a:p>
@@ -4670,7 +4670,7 @@
           <a:p>
             <a:fld id="{C6547444-8874-43E9-A4C0-DE411639E821}" type="datetime1">
               <a:rPr lang="en-US" smtClean="0"/>
-              <a:t>7/7/2016</a:t>
+              <a:t>7/19/16</a:t>
             </a:fld>
             <a:endParaRPr lang="en-US"/>
           </a:p>
@@ -4929,7 +4929,7 @@
           <a:p>
             <a:fld id="{93F3F334-E4D1-4604-A4C5-A966664A3117}" type="datetime1">
               <a:rPr lang="en-US" smtClean="0"/>
-              <a:t>7/7/2016</a:t>
+              <a:t>7/19/16</a:t>
             </a:fld>
             <a:endParaRPr lang="en-US"/>
           </a:p>
@@ -5275,7 +5275,7 @@
           <a:p>
             <a:fld id="{5E6711B2-684D-4D0F-B0CE-58E05D6C9CB5}" type="datetime1">
               <a:rPr lang="en-US" smtClean="0"/>
-              <a:t>7/7/2016</a:t>
+              <a:t>7/19/16</a:t>
             </a:fld>
             <a:endParaRPr lang="en-US"/>
           </a:p>
@@ -5553,7 +5553,7 @@
           <a:p>
             <a:fld id="{A9B55790-527A-427F-AB47-A10E21307322}" type="datetime1">
               <a:rPr lang="en-US" smtClean="0"/>
-              <a:t>7/7/2016</a:t>
+              <a:t>7/19/16</a:t>
             </a:fld>
             <a:endParaRPr lang="en-US"/>
           </a:p>
@@ -5936,7 +5936,7 @@
           <a:p>
             <a:fld id="{B29776AD-04E4-40B1-AFFB-904AE288E4C8}" type="datetime1">
               <a:rPr lang="en-US" smtClean="0"/>
-              <a:t>7/7/2016</a:t>
+              <a:t>7/19/16</a:t>
             </a:fld>
             <a:endParaRPr lang="en-US"/>
           </a:p>
@@ -6057,7 +6057,7 @@
           <a:p>
             <a:fld id="{1A6C8B1C-5794-42CB-9700-89E982348EBD}" type="datetime1">
               <a:rPr lang="en-US" smtClean="0"/>
-              <a:t>7/7/2016</a:t>
+              <a:t>7/19/16</a:t>
             </a:fld>
             <a:endParaRPr lang="en-US"/>
           </a:p>
@@ -6231,7 +6231,7 @@
           <a:p>
             <a:fld id="{A54E0CA6-12D8-4F4D-AE32-9F1A49B6EBB4}" type="datetime1">
               <a:rPr lang="en-US" smtClean="0"/>
-              <a:t>7/7/2016</a:t>
+              <a:t>7/19/16</a:t>
             </a:fld>
             <a:endParaRPr lang="en-US"/>
           </a:p>
@@ -6588,7 +6588,7 @@
           <a:p>
             <a:fld id="{9FB303C8-0B2A-4825-A67D-E0013E6E6DAA}" type="datetime1">
               <a:rPr lang="en-US" smtClean="0"/>
-              <a:t>7/7/2016</a:t>
+              <a:t>7/19/16</a:t>
             </a:fld>
             <a:endParaRPr lang="en-US"/>
           </a:p>
@@ -6973,7 +6973,7 @@
           <a:p>
             <a:fld id="{737CD588-FD16-4379-81BC-655582A44B4D}" type="datetime1">
               <a:rPr lang="en-US" smtClean="0"/>
-              <a:t>7/7/2016</a:t>
+              <a:t>7/19/16</a:t>
             </a:fld>
             <a:endParaRPr lang="en-US"/>
           </a:p>
@@ -7265,7 +7265,7 @@
           <a:p>
             <a:fld id="{A662C432-DAFA-4724-B207-CDCFBD9DA891}" type="datetime1">
               <a:rPr lang="en-US" smtClean="0"/>
-              <a:t>7/7/2016</a:t>
+              <a:t>7/19/16</a:t>
             </a:fld>
             <a:endParaRPr lang="en-US" dirty="0"/>
           </a:p>
@@ -8043,7 +8043,7 @@
           <a:p>
             <a:fld id="{EB37388E-7DD7-44DD-9D9F-C353059E7010}" type="datetime1">
               <a:rPr lang="en-US" smtClean="0"/>
-              <a:t>7/7/2016</a:t>
+              <a:t>7/19/16</a:t>
             </a:fld>
             <a:endParaRPr lang="en-US" dirty="0"/>
           </a:p>
@@ -8696,6 +8696,35 @@
           </a:p>
         </p:txBody>
       </p:sp>
+      <p:pic>
+        <p:nvPicPr>
+          <p:cNvPr id="4" name="Picture 3"/>
+          <p:cNvPicPr>
+            <a:picLocks noChangeAspect="1"/>
+          </p:cNvPicPr>
+          <p:nvPr/>
+        </p:nvPicPr>
+        <p:blipFill rotWithShape="1">
+          <a:blip r:embed="rId2">
+            <a:extLst>
+              <a:ext uri="{28A0092B-C50C-407E-A947-70E740481C1C}">
+                <a14:useLocalDpi xmlns:a14="http://schemas.microsoft.com/office/drawing/2010/main" val="0"/>
+              </a:ext>
+            </a:extLst>
+          </a:blip>
+          <a:srcRect l="4523" t="17619" r="3095" b="25000"/>
+          <a:stretch/>
+        </p:blipFill>
+        <p:spPr>
+          <a:xfrm>
+            <a:off x="3711108" y="4592409"/>
+            <a:ext cx="1700816" cy="1056435"/>
+          </a:xfrm>
+          <a:prstGeom prst="rect">
+            <a:avLst/>
+          </a:prstGeom>
+        </p:spPr>
+      </p:pic>
     </p:spTree>
     <p:extLst>
       <p:ext uri="{BB962C8B-B14F-4D97-AF65-F5344CB8AC3E}">
@@ -9439,6 +9468,10 @@
               </a:rPr>
               <a:t>team@droidsrobotics.org</a:t>
             </a:r>
+            <a:r>
+              <a:rPr lang="en-US" dirty="0"/>
+              <a:t/>
+            </a:r>
             <a:br>
               <a:rPr lang="en-US" dirty="0"/>
             </a:br>
@@ -9517,7 +9550,7 @@
           <a:effectLst/>
           <a:extLst>
             <a:ext uri="{91240B29-F687-4f45-9708-019B960494DF}">
-              <a14:hiddenLine xmlns:a14="http://schemas.microsoft.com/office/drawing/2010/main" xmlns="" w="9525">
+              <a14:hiddenLine xmlns="" xmlns:a14="http://schemas.microsoft.com/office/drawing/2010/main" w="9525">
                 <a:solidFill>
                   <a:schemeClr val="tx1"/>
                 </a:solidFill>
@@ -9527,7 +9560,7 @@
               </a14:hiddenLine>
             </a:ext>
             <a:ext uri="{AF507438-7753-43e0-B8FC-AC1667EBCBE1}">
-              <a14:hiddenEffects xmlns:a14="http://schemas.microsoft.com/office/drawing/2010/main" xmlns="">
+              <a14:hiddenEffects xmlns="" xmlns:a14="http://schemas.microsoft.com/office/drawing/2010/main">
                 <a:effectLst>
                   <a:outerShdw dist="35921" dir="2700000" algn="ctr" rotWithShape="0">
                     <a:schemeClr val="bg2"/>
@@ -9702,6 +9735,18 @@
               </a:rPr>
               <a:t>                         </a:t>
             </a:r>
+            <a:r>
+              <a:rPr kumimoji="0" lang="en-US" altLang="en-US" sz="1600" b="0" i="0" u="none" strike="noStrike" cap="none" normalizeH="0" baseline="0" dirty="0">
+                <a:ln>
+                  <a:noFill/>
+                </a:ln>
+                <a:solidFill>
+                  <a:schemeClr val="tx1"/>
+                </a:solidFill>
+                <a:effectLst/>
+              </a:rPr>
+              <a:t/>
+            </a:r>
             <a:br>
               <a:rPr kumimoji="0" lang="en-US" altLang="en-US" sz="1600" b="0" i="0" u="none" strike="noStrike" cap="none" normalizeH="0" baseline="0" dirty="0">
                 <a:ln>
@@ -9868,7 +9913,7 @@
           <a:noFill/>
           <a:extLst>
             <a:ext uri="{909E8E84-426E-40dd-AFC4-6F175D3DCCD1}">
-              <a14:hiddenFill xmlns:a14="http://schemas.microsoft.com/office/drawing/2010/main" xmlns="">
+              <a14:hiddenFill xmlns="" xmlns:a14="http://schemas.microsoft.com/office/drawing/2010/main">
                 <a:solidFill>
                   <a:srgbClr val="FFFFFF"/>
                 </a:solidFill>
